--- a/Manuscript/HypothesisFigure/Hypothesis figure.pptx
+++ b/Manuscript/HypothesisFigure/Hypothesis figure.pptx
@@ -5,10 +5,12 @@
     <p:sldMasterId id="2147483672" r:id="rId1"/>
   </p:sldMasterIdLst>
   <p:sldIdLst>
-    <p:sldId id="257" r:id="rId2"/>
-    <p:sldId id="258" r:id="rId3"/>
-    <p:sldId id="259" r:id="rId4"/>
-    <p:sldId id="260" r:id="rId5"/>
+    <p:sldId id="261" r:id="rId2"/>
+    <p:sldId id="262" r:id="rId3"/>
+    <p:sldId id="257" r:id="rId4"/>
+    <p:sldId id="258" r:id="rId5"/>
+    <p:sldId id="259" r:id="rId6"/>
+    <p:sldId id="260" r:id="rId7"/>
   </p:sldIdLst>
   <p:sldSz cx="3060700" cy="3060700"/>
   <p:notesSz cx="6858000" cy="9144000"/>
@@ -108,6 +110,28 @@
     </a:lvl9pPr>
   </p:defaultTextStyle>
   <p:extLst>
+    <p:ext uri="{521415D9-36F7-43E2-AB2F-B90AF26B5E84}">
+      <p14:sectionLst xmlns:p14="http://schemas.microsoft.com/office/powerpoint/2010/main">
+        <p14:section name="New" id="{4886557C-3F54-4BF4-B095-09820EC5E6CD}">
+          <p14:sldIdLst>
+            <p14:sldId id="261"/>
+            <p14:sldId id="262"/>
+          </p14:sldIdLst>
+        </p14:section>
+        <p14:section name="Old" id="{3C6F7185-41D4-412D-AFBA-AC2B28C1CD30}">
+          <p14:sldIdLst>
+            <p14:sldId id="257"/>
+            <p14:sldId id="258"/>
+          </p14:sldIdLst>
+        </p14:section>
+        <p14:section name="Figures for outline" id="{C71342BD-D6CD-43AA-BCF3-0BF4A11CBEA6}">
+          <p14:sldIdLst>
+            <p14:sldId id="259"/>
+            <p14:sldId id="260"/>
+          </p14:sldIdLst>
+        </p14:section>
+      </p14:sectionLst>
+    </p:ext>
     <p:ext uri="{EFAFB233-063F-42B5-8137-9DF3F51BA10A}">
       <p15:sldGuideLst xmlns:p15="http://schemas.microsoft.com/office/powerpoint/2012/main"/>
     </p:ext>
@@ -118,7 +142,7 @@
 <file path=ppt/revisionInfo.xml><?xml version="1.0" encoding="utf-8"?>
 <p1510:revInfo xmlns:a="http://schemas.openxmlformats.org/drawingml/2006/main" xmlns:r="http://schemas.openxmlformats.org/officeDocument/2006/relationships" xmlns:p1510="http://schemas.microsoft.com/office/powerpoint/2015/10/main">
   <p1510:revLst>
-    <p1510:client id="{8CD588F1-FACF-41D5-B468-3A100B5EE959}" v="57" dt="2021-11-19T19:24:25.566"/>
+    <p1510:client id="{8CD588F1-FACF-41D5-B468-3A100B5EE959}" v="83" dt="2021-11-19T21:01:04.993"/>
   </p1510:revLst>
 </p1510:revInfo>
 </file>
@@ -127,8 +151,8 @@
 <pc:chgInfo xmlns:a="http://schemas.openxmlformats.org/drawingml/2006/main" xmlns:r="http://schemas.openxmlformats.org/officeDocument/2006/relationships" xmlns:ac="http://schemas.microsoft.com/office/drawing/2013/main/command" xmlns:pc="http://schemas.microsoft.com/office/powerpoint/2013/main/command">
   <pc:docChgLst>
     <pc:chgData name="Firnaaz Ahamed" userId="354af85a-496a-464c-a30e-ea50a64145d9" providerId="ADAL" clId="{8CD588F1-FACF-41D5-B468-3A100B5EE959}"/>
-    <pc:docChg chg="undo custSel addSld delSld modSld">
-      <pc:chgData name="Firnaaz Ahamed" userId="354af85a-496a-464c-a30e-ea50a64145d9" providerId="ADAL" clId="{8CD588F1-FACF-41D5-B468-3A100B5EE959}" dt="2021-11-19T19:24:25.565" v="678" actId="164"/>
+    <pc:docChg chg="undo custSel addSld delSld modSld addSection modSection">
+      <pc:chgData name="Firnaaz Ahamed" userId="354af85a-496a-464c-a30e-ea50a64145d9" providerId="ADAL" clId="{8CD588F1-FACF-41D5-B468-3A100B5EE959}" dt="2021-11-19T21:01:04.993" v="910"/>
       <pc:docMkLst>
         <pc:docMk/>
       </pc:docMkLst>
@@ -7619,6 +7643,380 @@
             <pc:docMk/>
             <pc:sldMk cId="2861725624" sldId="260"/>
             <ac:cxnSpMk id="136" creationId="{FBB518A7-9CF0-4A83-AE01-2DC0FF3DE476}"/>
+          </ac:cxnSpMkLst>
+        </pc:cxnChg>
+      </pc:sldChg>
+      <pc:sldChg chg="addSp delSp modSp add mod">
+        <pc:chgData name="Firnaaz Ahamed" userId="354af85a-496a-464c-a30e-ea50a64145d9" providerId="ADAL" clId="{8CD588F1-FACF-41D5-B468-3A100B5EE959}" dt="2021-11-19T20:56:28.797" v="907" actId="1076"/>
+        <pc:sldMkLst>
+          <pc:docMk/>
+          <pc:sldMk cId="1731914088" sldId="261"/>
+        </pc:sldMkLst>
+        <pc:spChg chg="del">
+          <ac:chgData name="Firnaaz Ahamed" userId="354af85a-496a-464c-a30e-ea50a64145d9" providerId="ADAL" clId="{8CD588F1-FACF-41D5-B468-3A100B5EE959}" dt="2021-11-19T20:41:19.297" v="685" actId="478"/>
+          <ac:spMkLst>
+            <pc:docMk/>
+            <pc:sldMk cId="1731914088" sldId="261"/>
+            <ac:spMk id="4" creationId="{44003264-D3A6-4796-BC91-D7C0F4135A10}"/>
+          </ac:spMkLst>
+        </pc:spChg>
+        <pc:spChg chg="mod">
+          <ac:chgData name="Firnaaz Ahamed" userId="354af85a-496a-464c-a30e-ea50a64145d9" providerId="ADAL" clId="{8CD588F1-FACF-41D5-B468-3A100B5EE959}" dt="2021-11-19T20:48:45.933" v="727" actId="14100"/>
+          <ac:spMkLst>
+            <pc:docMk/>
+            <pc:sldMk cId="1731914088" sldId="261"/>
+            <ac:spMk id="17" creationId="{F83B2A11-4C38-4506-BDAA-0871D8867DFA}"/>
+          </ac:spMkLst>
+        </pc:spChg>
+        <pc:spChg chg="del">
+          <ac:chgData name="Firnaaz Ahamed" userId="354af85a-496a-464c-a30e-ea50a64145d9" providerId="ADAL" clId="{8CD588F1-FACF-41D5-B468-3A100B5EE959}" dt="2021-11-19T20:46:37.114" v="691" actId="478"/>
+          <ac:spMkLst>
+            <pc:docMk/>
+            <pc:sldMk cId="1731914088" sldId="261"/>
+            <ac:spMk id="47" creationId="{BCF00FD3-4931-4A4A-8390-CF982706A671}"/>
+          </ac:spMkLst>
+        </pc:spChg>
+        <pc:spChg chg="add mod">
+          <ac:chgData name="Firnaaz Ahamed" userId="354af85a-496a-464c-a30e-ea50a64145d9" providerId="ADAL" clId="{8CD588F1-FACF-41D5-B468-3A100B5EE959}" dt="2021-11-19T20:56:22.691" v="906" actId="164"/>
+          <ac:spMkLst>
+            <pc:docMk/>
+            <pc:sldMk cId="1731914088" sldId="261"/>
+            <ac:spMk id="95" creationId="{7CB7B696-DABC-499F-8BBF-B10BE41F5D46}"/>
+          </ac:spMkLst>
+        </pc:spChg>
+        <pc:spChg chg="add mod">
+          <ac:chgData name="Firnaaz Ahamed" userId="354af85a-496a-464c-a30e-ea50a64145d9" providerId="ADAL" clId="{8CD588F1-FACF-41D5-B468-3A100B5EE959}" dt="2021-11-19T20:56:22.691" v="906" actId="164"/>
+          <ac:spMkLst>
+            <pc:docMk/>
+            <pc:sldMk cId="1731914088" sldId="261"/>
+            <ac:spMk id="96" creationId="{8431D85C-7999-41E1-B680-2D9568C88614}"/>
+          </ac:spMkLst>
+        </pc:spChg>
+        <pc:spChg chg="add mod">
+          <ac:chgData name="Firnaaz Ahamed" userId="354af85a-496a-464c-a30e-ea50a64145d9" providerId="ADAL" clId="{8CD588F1-FACF-41D5-B468-3A100B5EE959}" dt="2021-11-19T20:56:22.691" v="906" actId="164"/>
+          <ac:spMkLst>
+            <pc:docMk/>
+            <pc:sldMk cId="1731914088" sldId="261"/>
+            <ac:spMk id="119" creationId="{CBD9BC47-DD22-4B58-9F6D-9C53E156AFDD}"/>
+          </ac:spMkLst>
+        </pc:spChg>
+        <pc:spChg chg="mod">
+          <ac:chgData name="Firnaaz Ahamed" userId="354af85a-496a-464c-a30e-ea50a64145d9" providerId="ADAL" clId="{8CD588F1-FACF-41D5-B468-3A100B5EE959}" dt="2021-11-19T20:48:56.457" v="730" actId="114"/>
+          <ac:spMkLst>
+            <pc:docMk/>
+            <pc:sldMk cId="1731914088" sldId="261"/>
+            <ac:spMk id="332" creationId="{C63F1F8D-DCC2-4E20-AE2B-5325577236C6}"/>
+          </ac:spMkLst>
+        </pc:spChg>
+        <pc:spChg chg="mod">
+          <ac:chgData name="Firnaaz Ahamed" userId="354af85a-496a-464c-a30e-ea50a64145d9" providerId="ADAL" clId="{8CD588F1-FACF-41D5-B468-3A100B5EE959}" dt="2021-11-19T20:48:26.009" v="721" actId="114"/>
+          <ac:spMkLst>
+            <pc:docMk/>
+            <pc:sldMk cId="1731914088" sldId="261"/>
+            <ac:spMk id="334" creationId="{79890705-6EE6-45A7-85D5-F651E3BCEE97}"/>
+          </ac:spMkLst>
+        </pc:spChg>
+        <pc:spChg chg="mod">
+          <ac:chgData name="Firnaaz Ahamed" userId="354af85a-496a-464c-a30e-ea50a64145d9" providerId="ADAL" clId="{8CD588F1-FACF-41D5-B468-3A100B5EE959}" dt="2021-11-19T20:48:48.187" v="728" actId="1076"/>
+          <ac:spMkLst>
+            <pc:docMk/>
+            <pc:sldMk cId="1731914088" sldId="261"/>
+            <ac:spMk id="335" creationId="{F4651F4D-3AB3-4AF9-ABE6-39E2BEE15F6B}"/>
+          </ac:spMkLst>
+        </pc:spChg>
+        <pc:spChg chg="del">
+          <ac:chgData name="Firnaaz Ahamed" userId="354af85a-496a-464c-a30e-ea50a64145d9" providerId="ADAL" clId="{8CD588F1-FACF-41D5-B468-3A100B5EE959}" dt="2021-11-19T20:46:19.270" v="687" actId="478"/>
+          <ac:spMkLst>
+            <pc:docMk/>
+            <pc:sldMk cId="1731914088" sldId="261"/>
+            <ac:spMk id="337" creationId="{2C11AFF9-47C2-453A-AAE2-7F1BE41A7789}"/>
+          </ac:spMkLst>
+        </pc:spChg>
+        <pc:spChg chg="mod">
+          <ac:chgData name="Firnaaz Ahamed" userId="354af85a-496a-464c-a30e-ea50a64145d9" providerId="ADAL" clId="{8CD588F1-FACF-41D5-B468-3A100B5EE959}" dt="2021-11-19T20:49:20.215" v="738" actId="1076"/>
+          <ac:spMkLst>
+            <pc:docMk/>
+            <pc:sldMk cId="1731914088" sldId="261"/>
+            <ac:spMk id="338" creationId="{66C77E62-98C3-4BE8-9D88-16BE5F1B7442}"/>
+          </ac:spMkLst>
+        </pc:spChg>
+        <pc:spChg chg="mod">
+          <ac:chgData name="Firnaaz Ahamed" userId="354af85a-496a-464c-a30e-ea50a64145d9" providerId="ADAL" clId="{8CD588F1-FACF-41D5-B468-3A100B5EE959}" dt="2021-11-19T20:49:39.135" v="743" actId="1076"/>
+          <ac:spMkLst>
+            <pc:docMk/>
+            <pc:sldMk cId="1731914088" sldId="261"/>
+            <ac:spMk id="339" creationId="{9E9A6C43-8B35-45EB-8296-A3DE9F6462E0}"/>
+          </ac:spMkLst>
+        </pc:spChg>
+        <pc:spChg chg="mod">
+          <ac:chgData name="Firnaaz Ahamed" userId="354af85a-496a-464c-a30e-ea50a64145d9" providerId="ADAL" clId="{8CD588F1-FACF-41D5-B468-3A100B5EE959}" dt="2021-11-19T20:50:07.930" v="750" actId="1076"/>
+          <ac:spMkLst>
+            <pc:docMk/>
+            <pc:sldMk cId="1731914088" sldId="261"/>
+            <ac:spMk id="345" creationId="{A581DDD7-B073-4C27-A6F8-9C79FD9F10FD}"/>
+          </ac:spMkLst>
+        </pc:spChg>
+        <pc:spChg chg="mod">
+          <ac:chgData name="Firnaaz Ahamed" userId="354af85a-496a-464c-a30e-ea50a64145d9" providerId="ADAL" clId="{8CD588F1-FACF-41D5-B468-3A100B5EE959}" dt="2021-11-19T20:50:32.583" v="756" actId="1076"/>
+          <ac:spMkLst>
+            <pc:docMk/>
+            <pc:sldMk cId="1731914088" sldId="261"/>
+            <ac:spMk id="346" creationId="{0736E469-6E0C-4647-8F03-B6BFFBFC39D2}"/>
+          </ac:spMkLst>
+        </pc:spChg>
+        <pc:spChg chg="del">
+          <ac:chgData name="Firnaaz Ahamed" userId="354af85a-496a-464c-a30e-ea50a64145d9" providerId="ADAL" clId="{8CD588F1-FACF-41D5-B468-3A100B5EE959}" dt="2021-11-19T20:56:12.501" v="905" actId="478"/>
+          <ac:spMkLst>
+            <pc:docMk/>
+            <pc:sldMk cId="1731914088" sldId="261"/>
+            <ac:spMk id="390" creationId="{066056E7-37F8-4DCE-81C2-05F820FA273A}"/>
+          </ac:spMkLst>
+        </pc:spChg>
+        <pc:spChg chg="mod">
+          <ac:chgData name="Firnaaz Ahamed" userId="354af85a-496a-464c-a30e-ea50a64145d9" providerId="ADAL" clId="{8CD588F1-FACF-41D5-B468-3A100B5EE959}" dt="2021-11-19T20:49:48.459" v="745" actId="1076"/>
+          <ac:spMkLst>
+            <pc:docMk/>
+            <pc:sldMk cId="1731914088" sldId="261"/>
+            <ac:spMk id="408" creationId="{D855E67D-5817-4B5C-B27E-89953D7EEBA2}"/>
+          </ac:spMkLst>
+        </pc:spChg>
+        <pc:spChg chg="del">
+          <ac:chgData name="Firnaaz Ahamed" userId="354af85a-496a-464c-a30e-ea50a64145d9" providerId="ADAL" clId="{8CD588F1-FACF-41D5-B468-3A100B5EE959}" dt="2021-11-19T20:46:18.436" v="686" actId="478"/>
+          <ac:spMkLst>
+            <pc:docMk/>
+            <pc:sldMk cId="1731914088" sldId="261"/>
+            <ac:spMk id="453" creationId="{903B9B44-C3D4-4AC7-A894-42FD2C01FB8A}"/>
+          </ac:spMkLst>
+        </pc:spChg>
+        <pc:spChg chg="del">
+          <ac:chgData name="Firnaaz Ahamed" userId="354af85a-496a-464c-a30e-ea50a64145d9" providerId="ADAL" clId="{8CD588F1-FACF-41D5-B468-3A100B5EE959}" dt="2021-11-19T20:46:37.892" v="692" actId="478"/>
+          <ac:spMkLst>
+            <pc:docMk/>
+            <pc:sldMk cId="1731914088" sldId="261"/>
+            <ac:spMk id="456" creationId="{31ACE671-6983-4E06-B142-062651ABD9B6}"/>
+          </ac:spMkLst>
+        </pc:spChg>
+        <pc:spChg chg="del mod">
+          <ac:chgData name="Firnaaz Ahamed" userId="354af85a-496a-464c-a30e-ea50a64145d9" providerId="ADAL" clId="{8CD588F1-FACF-41D5-B468-3A100B5EE959}" dt="2021-11-19T20:46:56.676" v="698" actId="478"/>
+          <ac:spMkLst>
+            <pc:docMk/>
+            <pc:sldMk cId="1731914088" sldId="261"/>
+            <ac:spMk id="464" creationId="{B3EC522F-FBEA-4451-AE10-2D404037A1B5}"/>
+          </ac:spMkLst>
+        </pc:spChg>
+        <pc:spChg chg="del">
+          <ac:chgData name="Firnaaz Ahamed" userId="354af85a-496a-464c-a30e-ea50a64145d9" providerId="ADAL" clId="{8CD588F1-FACF-41D5-B468-3A100B5EE959}" dt="2021-11-19T20:52:24.304" v="838" actId="478"/>
+          <ac:spMkLst>
+            <pc:docMk/>
+            <pc:sldMk cId="1731914088" sldId="261"/>
+            <ac:spMk id="471" creationId="{0A798509-E113-4025-A540-80036EDF895A}"/>
+          </ac:spMkLst>
+        </pc:spChg>
+        <pc:spChg chg="mod">
+          <ac:chgData name="Firnaaz Ahamed" userId="354af85a-496a-464c-a30e-ea50a64145d9" providerId="ADAL" clId="{8CD588F1-FACF-41D5-B468-3A100B5EE959}" dt="2021-11-19T20:50:24.991" v="753" actId="14100"/>
+          <ac:spMkLst>
+            <pc:docMk/>
+            <pc:sldMk cId="1731914088" sldId="261"/>
+            <ac:spMk id="475" creationId="{E719F99C-CAEC-4269-9F6B-61B061B7B40D}"/>
+          </ac:spMkLst>
+        </pc:spChg>
+        <pc:spChg chg="del topLvl">
+          <ac:chgData name="Firnaaz Ahamed" userId="354af85a-496a-464c-a30e-ea50a64145d9" providerId="ADAL" clId="{8CD588F1-FACF-41D5-B468-3A100B5EE959}" dt="2021-11-19T20:47:01.618" v="700" actId="478"/>
+          <ac:spMkLst>
+            <pc:docMk/>
+            <pc:sldMk cId="1731914088" sldId="261"/>
+            <ac:spMk id="497" creationId="{40D80CC8-4DD8-4055-8884-A09895841F60}"/>
+          </ac:spMkLst>
+        </pc:spChg>
+        <pc:grpChg chg="mod">
+          <ac:chgData name="Firnaaz Ahamed" userId="354af85a-496a-464c-a30e-ea50a64145d9" providerId="ADAL" clId="{8CD588F1-FACF-41D5-B468-3A100B5EE959}" dt="2021-11-19T20:56:22.691" v="906" actId="164"/>
+          <ac:grpSpMkLst>
+            <pc:docMk/>
+            <pc:sldMk cId="1731914088" sldId="261"/>
+            <ac:grpSpMk id="28" creationId="{3BCA9BD0-C81E-4971-8C75-82A8FFA31F9C}"/>
+          </ac:grpSpMkLst>
+        </pc:grpChg>
+        <pc:grpChg chg="mod">
+          <ac:chgData name="Firnaaz Ahamed" userId="354af85a-496a-464c-a30e-ea50a64145d9" providerId="ADAL" clId="{8CD588F1-FACF-41D5-B468-3A100B5EE959}" dt="2021-11-19T20:56:22.691" v="906" actId="164"/>
+          <ac:grpSpMkLst>
+            <pc:docMk/>
+            <pc:sldMk cId="1731914088" sldId="261"/>
+            <ac:grpSpMk id="34" creationId="{6E4C3CC8-2249-40EE-89FE-33BD613D4F11}"/>
+          </ac:grpSpMkLst>
+        </pc:grpChg>
+        <pc:grpChg chg="add mod">
+          <ac:chgData name="Firnaaz Ahamed" userId="354af85a-496a-464c-a30e-ea50a64145d9" providerId="ADAL" clId="{8CD588F1-FACF-41D5-B468-3A100B5EE959}" dt="2021-11-19T20:56:28.797" v="907" actId="1076"/>
+          <ac:grpSpMkLst>
+            <pc:docMk/>
+            <pc:sldMk cId="1731914088" sldId="261"/>
+            <ac:grpSpMk id="39" creationId="{0F3D7477-0414-4496-9ADB-066F9883C25B}"/>
+          </ac:grpSpMkLst>
+        </pc:grpChg>
+        <pc:grpChg chg="mod">
+          <ac:chgData name="Firnaaz Ahamed" userId="354af85a-496a-464c-a30e-ea50a64145d9" providerId="ADAL" clId="{8CD588F1-FACF-41D5-B468-3A100B5EE959}" dt="2021-11-19T20:56:22.691" v="906" actId="164"/>
+          <ac:grpSpMkLst>
+            <pc:docMk/>
+            <pc:sldMk cId="1731914088" sldId="261"/>
+            <ac:grpSpMk id="48" creationId="{1199C9EE-D42A-454A-96A9-6D3041C3AFDB}"/>
+          </ac:grpSpMkLst>
+        </pc:grpChg>
+        <pc:grpChg chg="mod topLvl">
+          <ac:chgData name="Firnaaz Ahamed" userId="354af85a-496a-464c-a30e-ea50a64145d9" providerId="ADAL" clId="{8CD588F1-FACF-41D5-B468-3A100B5EE959}" dt="2021-11-19T20:56:22.691" v="906" actId="164"/>
+          <ac:grpSpMkLst>
+            <pc:docMk/>
+            <pc:sldMk cId="1731914088" sldId="261"/>
+            <ac:grpSpMk id="455" creationId="{246497D9-05FC-4927-BBB0-DC4BB211DDEF}"/>
+          </ac:grpSpMkLst>
+        </pc:grpChg>
+        <pc:grpChg chg="del">
+          <ac:chgData name="Firnaaz Ahamed" userId="354af85a-496a-464c-a30e-ea50a64145d9" providerId="ADAL" clId="{8CD588F1-FACF-41D5-B468-3A100B5EE959}" dt="2021-11-19T20:47:01.618" v="700" actId="478"/>
+          <ac:grpSpMkLst>
+            <pc:docMk/>
+            <pc:sldMk cId="1731914088" sldId="261"/>
+            <ac:grpSpMk id="458" creationId="{E872025C-6592-4676-AC52-AF5251B10B11}"/>
+          </ac:grpSpMkLst>
+        </pc:grpChg>
+        <pc:grpChg chg="del">
+          <ac:chgData name="Firnaaz Ahamed" userId="354af85a-496a-464c-a30e-ea50a64145d9" providerId="ADAL" clId="{8CD588F1-FACF-41D5-B468-3A100B5EE959}" dt="2021-11-19T20:46:38.664" v="693" actId="478"/>
+          <ac:grpSpMkLst>
+            <pc:docMk/>
+            <pc:sldMk cId="1731914088" sldId="261"/>
+            <ac:grpSpMk id="460" creationId="{4157406A-8930-4CBB-9F11-F0A74AFD4AA7}"/>
+          </ac:grpSpMkLst>
+        </pc:grpChg>
+        <pc:grpChg chg="del">
+          <ac:chgData name="Firnaaz Ahamed" userId="354af85a-496a-464c-a30e-ea50a64145d9" providerId="ADAL" clId="{8CD588F1-FACF-41D5-B468-3A100B5EE959}" dt="2021-11-19T20:52:24.304" v="838" actId="478"/>
+          <ac:grpSpMkLst>
+            <pc:docMk/>
+            <pc:sldMk cId="1731914088" sldId="261"/>
+            <ac:grpSpMk id="469" creationId="{013ACD37-8AA7-4182-95FC-72AE68023471}"/>
+          </ac:grpSpMkLst>
+        </pc:grpChg>
+        <pc:cxnChg chg="add mod">
+          <ac:chgData name="Firnaaz Ahamed" userId="354af85a-496a-464c-a30e-ea50a64145d9" providerId="ADAL" clId="{8CD588F1-FACF-41D5-B468-3A100B5EE959}" dt="2021-11-19T20:56:22.691" v="906" actId="164"/>
+          <ac:cxnSpMkLst>
+            <pc:docMk/>
+            <pc:sldMk cId="1731914088" sldId="261"/>
+            <ac:cxnSpMk id="6" creationId="{6B011C6F-0CD1-427F-856D-03FD6037B3DB}"/>
+          </ac:cxnSpMkLst>
+        </pc:cxnChg>
+        <pc:cxnChg chg="add mod">
+          <ac:chgData name="Firnaaz Ahamed" userId="354af85a-496a-464c-a30e-ea50a64145d9" providerId="ADAL" clId="{8CD588F1-FACF-41D5-B468-3A100B5EE959}" dt="2021-11-19T20:56:22.691" v="906" actId="164"/>
+          <ac:cxnSpMkLst>
+            <pc:docMk/>
+            <pc:sldMk cId="1731914088" sldId="261"/>
+            <ac:cxnSpMk id="13" creationId="{C6485855-3D61-4CEA-A0FF-17574A9C84B4}"/>
+          </ac:cxnSpMkLst>
+        </pc:cxnChg>
+        <pc:cxnChg chg="del mod">
+          <ac:chgData name="Firnaaz Ahamed" userId="354af85a-496a-464c-a30e-ea50a64145d9" providerId="ADAL" clId="{8CD588F1-FACF-41D5-B468-3A100B5EE959}" dt="2021-11-19T20:46:57.576" v="699" actId="478"/>
+          <ac:cxnSpMkLst>
+            <pc:docMk/>
+            <pc:sldMk cId="1731914088" sldId="261"/>
+            <ac:cxnSpMk id="52" creationId="{1E6813EE-45A4-43A5-8A83-76A984363AF8}"/>
+          </ac:cxnSpMkLst>
+        </pc:cxnChg>
+        <pc:cxnChg chg="del">
+          <ac:chgData name="Firnaaz Ahamed" userId="354af85a-496a-464c-a30e-ea50a64145d9" providerId="ADAL" clId="{8CD588F1-FACF-41D5-B468-3A100B5EE959}" dt="2021-11-19T20:52:32.728" v="841" actId="478"/>
+          <ac:cxnSpMkLst>
+            <pc:docMk/>
+            <pc:sldMk cId="1731914088" sldId="261"/>
+            <ac:cxnSpMk id="59" creationId="{8DAF043E-4901-427F-950F-622BBDB0504D}"/>
+          </ac:cxnSpMkLst>
+        </pc:cxnChg>
+        <pc:cxnChg chg="add mod">
+          <ac:chgData name="Firnaaz Ahamed" userId="354af85a-496a-464c-a30e-ea50a64145d9" providerId="ADAL" clId="{8CD588F1-FACF-41D5-B468-3A100B5EE959}" dt="2021-11-19T20:56:22.691" v="906" actId="164"/>
+          <ac:cxnSpMkLst>
+            <pc:docMk/>
+            <pc:sldMk cId="1731914088" sldId="261"/>
+            <ac:cxnSpMk id="91" creationId="{7956D468-02D5-4FA0-928D-03F0D6BB102F}"/>
+          </ac:cxnSpMkLst>
+        </pc:cxnChg>
+        <pc:cxnChg chg="add mod">
+          <ac:chgData name="Firnaaz Ahamed" userId="354af85a-496a-464c-a30e-ea50a64145d9" providerId="ADAL" clId="{8CD588F1-FACF-41D5-B468-3A100B5EE959}" dt="2021-11-19T20:56:22.691" v="906" actId="164"/>
+          <ac:cxnSpMkLst>
+            <pc:docMk/>
+            <pc:sldMk cId="1731914088" sldId="261"/>
+            <ac:cxnSpMk id="94" creationId="{C9A329E5-45A1-401B-BE17-ADB03718EA2E}"/>
+          </ac:cxnSpMkLst>
+        </pc:cxnChg>
+        <pc:cxnChg chg="add del mod">
+          <ac:chgData name="Firnaaz Ahamed" userId="354af85a-496a-464c-a30e-ea50a64145d9" providerId="ADAL" clId="{8CD588F1-FACF-41D5-B468-3A100B5EE959}" dt="2021-11-19T20:54:54.909" v="862" actId="478"/>
+          <ac:cxnSpMkLst>
+            <pc:docMk/>
+            <pc:sldMk cId="1731914088" sldId="261"/>
+            <ac:cxnSpMk id="109" creationId="{FF5B9A11-0581-447A-AAE3-88DF25AA1DBB}"/>
+          </ac:cxnSpMkLst>
+        </pc:cxnChg>
+        <pc:cxnChg chg="add mod">
+          <ac:chgData name="Firnaaz Ahamed" userId="354af85a-496a-464c-a30e-ea50a64145d9" providerId="ADAL" clId="{8CD588F1-FACF-41D5-B468-3A100B5EE959}" dt="2021-11-19T20:56:22.691" v="906" actId="164"/>
+          <ac:cxnSpMkLst>
+            <pc:docMk/>
+            <pc:sldMk cId="1731914088" sldId="261"/>
+            <ac:cxnSpMk id="115" creationId="{464C995C-707E-4C63-8E74-F25F39B7295F}"/>
+          </ac:cxnSpMkLst>
+        </pc:cxnChg>
+        <pc:cxnChg chg="del">
+          <ac:chgData name="Firnaaz Ahamed" userId="354af85a-496a-464c-a30e-ea50a64145d9" providerId="ADAL" clId="{8CD588F1-FACF-41D5-B468-3A100B5EE959}" dt="2021-11-19T20:52:29.684" v="839" actId="478"/>
+          <ac:cxnSpMkLst>
+            <pc:docMk/>
+            <pc:sldMk cId="1731914088" sldId="261"/>
+            <ac:cxnSpMk id="491" creationId="{AC296707-0798-4109-B560-3E4774E3E6AB}"/>
+          </ac:cxnSpMkLst>
+        </pc:cxnChg>
+        <pc:cxnChg chg="del">
+          <ac:chgData name="Firnaaz Ahamed" userId="354af85a-496a-464c-a30e-ea50a64145d9" providerId="ADAL" clId="{8CD588F1-FACF-41D5-B468-3A100B5EE959}" dt="2021-11-19T20:52:31.371" v="840" actId="478"/>
+          <ac:cxnSpMkLst>
+            <pc:docMk/>
+            <pc:sldMk cId="1731914088" sldId="261"/>
+            <ac:cxnSpMk id="492" creationId="{EC961151-3ED9-49DD-8976-2562630FC94A}"/>
+          </ac:cxnSpMkLst>
+        </pc:cxnChg>
+      </pc:sldChg>
+      <pc:sldChg chg="addSp delSp modSp add mod">
+        <pc:chgData name="Firnaaz Ahamed" userId="354af85a-496a-464c-a30e-ea50a64145d9" providerId="ADAL" clId="{8CD588F1-FACF-41D5-B468-3A100B5EE959}" dt="2021-11-19T21:01:04.993" v="910"/>
+        <pc:sldMkLst>
+          <pc:docMk/>
+          <pc:sldMk cId="2408328518" sldId="262"/>
+        </pc:sldMkLst>
+        <pc:grpChg chg="del">
+          <ac:chgData name="Firnaaz Ahamed" userId="354af85a-496a-464c-a30e-ea50a64145d9" providerId="ADAL" clId="{8CD588F1-FACF-41D5-B468-3A100B5EE959}" dt="2021-11-19T21:00:19.119" v="909" actId="478"/>
+          <ac:grpSpMkLst>
+            <pc:docMk/>
+            <pc:sldMk cId="2408328518" sldId="262"/>
+            <ac:grpSpMk id="39" creationId="{0F3D7477-0414-4496-9ADB-066F9883C25B}"/>
+          </ac:grpSpMkLst>
+        </pc:grpChg>
+        <pc:picChg chg="add mod">
+          <ac:chgData name="Firnaaz Ahamed" userId="354af85a-496a-464c-a30e-ea50a64145d9" providerId="ADAL" clId="{8CD588F1-FACF-41D5-B468-3A100B5EE959}" dt="2021-11-19T21:01:04.993" v="910"/>
+          <ac:picMkLst>
+            <pc:docMk/>
+            <pc:sldMk cId="2408328518" sldId="262"/>
+            <ac:picMk id="3" creationId="{F403DEA9-E5E5-4BBD-A7C8-85146474615E}"/>
+          </ac:picMkLst>
+        </pc:picChg>
+        <pc:cxnChg chg="mod">
+          <ac:chgData name="Firnaaz Ahamed" userId="354af85a-496a-464c-a30e-ea50a64145d9" providerId="ADAL" clId="{8CD588F1-FACF-41D5-B468-3A100B5EE959}" dt="2021-11-19T21:00:19.119" v="909" actId="478"/>
+          <ac:cxnSpMkLst>
+            <pc:docMk/>
+            <pc:sldMk cId="2408328518" sldId="262"/>
+            <ac:cxnSpMk id="6" creationId="{6B011C6F-0CD1-427F-856D-03FD6037B3DB}"/>
+          </ac:cxnSpMkLst>
+        </pc:cxnChg>
+        <pc:cxnChg chg="mod">
+          <ac:chgData name="Firnaaz Ahamed" userId="354af85a-496a-464c-a30e-ea50a64145d9" providerId="ADAL" clId="{8CD588F1-FACF-41D5-B468-3A100B5EE959}" dt="2021-11-19T21:00:19.119" v="909" actId="478"/>
+          <ac:cxnSpMkLst>
+            <pc:docMk/>
+            <pc:sldMk cId="2408328518" sldId="262"/>
+            <ac:cxnSpMk id="13" creationId="{C6485855-3D61-4CEA-A0FF-17574A9C84B4}"/>
+          </ac:cxnSpMkLst>
+        </pc:cxnChg>
+        <pc:cxnChg chg="mod">
+          <ac:chgData name="Firnaaz Ahamed" userId="354af85a-496a-464c-a30e-ea50a64145d9" providerId="ADAL" clId="{8CD588F1-FACF-41D5-B468-3A100B5EE959}" dt="2021-11-19T21:00:19.119" v="909" actId="478"/>
+          <ac:cxnSpMkLst>
+            <pc:docMk/>
+            <pc:sldMk cId="2408328518" sldId="262"/>
+            <ac:cxnSpMk id="115" creationId="{464C995C-707E-4C63-8E74-F25F39B7295F}"/>
           </ac:cxnSpMkLst>
         </pc:cxnChg>
       </pc:sldChg>
@@ -13595,6 +13993,4153 @@
 </file>
 
 <file path=ppt/slides/slide1.xml><?xml version="1.0" encoding="utf-8"?>
+<p:sld xmlns:a="http://schemas.openxmlformats.org/drawingml/2006/main" xmlns:r="http://schemas.openxmlformats.org/officeDocument/2006/relationships" xmlns:p="http://schemas.openxmlformats.org/presentationml/2006/main">
+  <p:cSld>
+    <p:spTree>
+      <p:nvGrpSpPr>
+        <p:cNvPr id="1" name=""/>
+        <p:cNvGrpSpPr/>
+        <p:nvPr/>
+      </p:nvGrpSpPr>
+      <p:grpSpPr>
+        <a:xfrm>
+          <a:off x="0" y="0"/>
+          <a:ext cx="0" cy="0"/>
+          <a:chOff x="0" y="0"/>
+          <a:chExt cx="0" cy="0"/>
+        </a:xfrm>
+      </p:grpSpPr>
+      <p:grpSp>
+        <p:nvGrpSpPr>
+          <p:cNvPr id="39" name="Group 38">
+            <a:extLst>
+              <a:ext uri="{FF2B5EF4-FFF2-40B4-BE49-F238E27FC236}">
+                <a16:creationId xmlns:a16="http://schemas.microsoft.com/office/drawing/2014/main" id="{0F3D7477-0414-4496-9ADB-066F9883C25B}"/>
+              </a:ext>
+            </a:extLst>
+          </p:cNvPr>
+          <p:cNvGrpSpPr/>
+          <p:nvPr/>
+        </p:nvGrpSpPr>
+        <p:grpSpPr>
+          <a:xfrm>
+            <a:off x="27472" y="284032"/>
+            <a:ext cx="3005756" cy="2492635"/>
+            <a:chOff x="-81541" y="290231"/>
+            <a:chExt cx="3005756" cy="2492635"/>
+          </a:xfrm>
+        </p:grpSpPr>
+        <p:grpSp>
+          <p:nvGrpSpPr>
+            <p:cNvPr id="34" name="Group 33">
+              <a:extLst>
+                <a:ext uri="{FF2B5EF4-FFF2-40B4-BE49-F238E27FC236}">
+                  <a16:creationId xmlns:a16="http://schemas.microsoft.com/office/drawing/2014/main" id="{6E4C3CC8-2249-40EE-89FE-33BD613D4F11}"/>
+                </a:ext>
+              </a:extLst>
+            </p:cNvPr>
+            <p:cNvGrpSpPr/>
+            <p:nvPr/>
+          </p:nvGrpSpPr>
+          <p:grpSpPr>
+            <a:xfrm>
+              <a:off x="-81541" y="290231"/>
+              <a:ext cx="1616755" cy="588256"/>
+              <a:chOff x="-300398" y="405062"/>
+              <a:chExt cx="1616755" cy="588256"/>
+            </a:xfrm>
+          </p:grpSpPr>
+          <p:sp>
+            <p:nvSpPr>
+              <p:cNvPr id="15" name="Oval 14">
+                <a:extLst>
+                  <a:ext uri="{FF2B5EF4-FFF2-40B4-BE49-F238E27FC236}">
+                    <a16:creationId xmlns:a16="http://schemas.microsoft.com/office/drawing/2014/main" id="{DAB7B647-D7C0-4E95-9EB6-D4F63F9CB540}"/>
+                  </a:ext>
+                </a:extLst>
+              </p:cNvPr>
+              <p:cNvSpPr/>
+              <p:nvPr/>
+            </p:nvSpPr>
+            <p:spPr>
+              <a:xfrm>
+                <a:off x="252663" y="405062"/>
+                <a:ext cx="413084" cy="401053"/>
+              </a:xfrm>
+              <a:prstGeom prst="ellipse">
+                <a:avLst/>
+              </a:prstGeom>
+              <a:solidFill>
+                <a:srgbClr val="00B0F0"/>
+              </a:solidFill>
+              <a:ln>
+                <a:noFill/>
+              </a:ln>
+            </p:spPr>
+            <p:style>
+              <a:lnRef idx="2">
+                <a:schemeClr val="accent1">
+                  <a:shade val="50000"/>
+                </a:schemeClr>
+              </a:lnRef>
+              <a:fillRef idx="1">
+                <a:schemeClr val="accent1"/>
+              </a:fillRef>
+              <a:effectRef idx="0">
+                <a:schemeClr val="accent1"/>
+              </a:effectRef>
+              <a:fontRef idx="minor">
+                <a:schemeClr val="lt1"/>
+              </a:fontRef>
+            </p:style>
+            <p:txBody>
+              <a:bodyPr rtlCol="0" anchor="ctr"/>
+              <a:lstStyle/>
+              <a:p>
+                <a:pPr algn="ctr"/>
+                <a:endParaRPr lang="en-MY"/>
+              </a:p>
+            </p:txBody>
+          </p:sp>
+          <p:sp>
+            <p:nvSpPr>
+              <p:cNvPr id="16" name="TextBox 15">
+                <a:extLst>
+                  <a:ext uri="{FF2B5EF4-FFF2-40B4-BE49-F238E27FC236}">
+                    <a16:creationId xmlns:a16="http://schemas.microsoft.com/office/drawing/2014/main" id="{AC5AF798-6FD6-4E26-9E34-DD5CC8776914}"/>
+                  </a:ext>
+                </a:extLst>
+              </p:cNvPr>
+              <p:cNvSpPr txBox="1"/>
+              <p:nvPr/>
+            </p:nvSpPr>
+            <p:spPr>
+              <a:xfrm>
+                <a:off x="283208" y="405062"/>
+                <a:ext cx="332210" cy="184666"/>
+              </a:xfrm>
+              <a:prstGeom prst="rect">
+                <a:avLst/>
+              </a:prstGeom>
+              <a:noFill/>
+            </p:spPr>
+            <p:txBody>
+              <a:bodyPr wrap="square" rtlCol="0">
+                <a:spAutoFit/>
+              </a:bodyPr>
+              <a:lstStyle/>
+              <a:p>
+                <a:r>
+                  <a:rPr lang="en-US" sz="600" dirty="0">
+                    <a:solidFill>
+                      <a:schemeClr val="bg1"/>
+                    </a:solidFill>
+                  </a:rPr>
+                  <a:t>OM</a:t>
+                </a:r>
+                <a:r>
+                  <a:rPr lang="en-US" sz="600" baseline="-25000" dirty="0">
+                    <a:solidFill>
+                      <a:schemeClr val="bg1"/>
+                    </a:solidFill>
+                  </a:rPr>
+                  <a:t>1</a:t>
+                </a:r>
+                <a:endParaRPr lang="en-MY" sz="600" baseline="-25000" dirty="0">
+                  <a:solidFill>
+                    <a:schemeClr val="bg1"/>
+                  </a:solidFill>
+                </a:endParaRPr>
+              </a:p>
+            </p:txBody>
+          </p:sp>
+          <p:sp>
+            <p:nvSpPr>
+              <p:cNvPr id="332" name="TextBox 331">
+                <a:extLst>
+                  <a:ext uri="{FF2B5EF4-FFF2-40B4-BE49-F238E27FC236}">
+                    <a16:creationId xmlns:a16="http://schemas.microsoft.com/office/drawing/2014/main" id="{C63F1F8D-DCC2-4E20-AE2B-5325577236C6}"/>
+                  </a:ext>
+                </a:extLst>
+              </p:cNvPr>
+              <p:cNvSpPr txBox="1"/>
+              <p:nvPr/>
+            </p:nvSpPr>
+            <p:spPr>
+              <a:xfrm>
+                <a:off x="209716" y="522518"/>
+                <a:ext cx="332210" cy="184666"/>
+              </a:xfrm>
+              <a:prstGeom prst="rect">
+                <a:avLst/>
+              </a:prstGeom>
+              <a:noFill/>
+            </p:spPr>
+            <p:txBody>
+              <a:bodyPr wrap="square" rtlCol="0">
+                <a:spAutoFit/>
+              </a:bodyPr>
+              <a:lstStyle/>
+              <a:p>
+                <a:r>
+                  <a:rPr lang="en-US" sz="600" dirty="0" err="1">
+                    <a:solidFill>
+                      <a:schemeClr val="bg1"/>
+                    </a:solidFill>
+                  </a:rPr>
+                  <a:t>OM</a:t>
+                </a:r>
+                <a:r>
+                  <a:rPr lang="en-US" sz="600" i="1" baseline="-25000" dirty="0" err="1">
+                    <a:solidFill>
+                      <a:schemeClr val="bg1"/>
+                    </a:solidFill>
+                  </a:rPr>
+                  <a:t>i</a:t>
+                </a:r>
+                <a:endParaRPr lang="en-MY" sz="600" i="1" baseline="-25000" dirty="0">
+                  <a:solidFill>
+                    <a:schemeClr val="bg1"/>
+                  </a:solidFill>
+                </a:endParaRPr>
+              </a:p>
+            </p:txBody>
+          </p:sp>
+          <p:sp>
+            <p:nvSpPr>
+              <p:cNvPr id="333" name="TextBox 332">
+                <a:extLst>
+                  <a:ext uri="{FF2B5EF4-FFF2-40B4-BE49-F238E27FC236}">
+                    <a16:creationId xmlns:a16="http://schemas.microsoft.com/office/drawing/2014/main" id="{C29B9659-B4A4-4C31-9758-239162C9B8DE}"/>
+                  </a:ext>
+                </a:extLst>
+              </p:cNvPr>
+              <p:cNvSpPr txBox="1"/>
+              <p:nvPr/>
+            </p:nvSpPr>
+            <p:spPr>
+              <a:xfrm>
+                <a:off x="324318" y="621449"/>
+                <a:ext cx="332210" cy="184666"/>
+              </a:xfrm>
+              <a:prstGeom prst="rect">
+                <a:avLst/>
+              </a:prstGeom>
+              <a:noFill/>
+            </p:spPr>
+            <p:txBody>
+              <a:bodyPr wrap="square" rtlCol="0">
+                <a:spAutoFit/>
+              </a:bodyPr>
+              <a:lstStyle/>
+              <a:p>
+                <a:r>
+                  <a:rPr lang="en-US" sz="600" dirty="0">
+                    <a:solidFill>
+                      <a:schemeClr val="bg1"/>
+                    </a:solidFill>
+                  </a:rPr>
+                  <a:t>OM</a:t>
+                </a:r>
+                <a:r>
+                  <a:rPr lang="en-US" sz="600" baseline="-25000" dirty="0">
+                    <a:solidFill>
+                      <a:schemeClr val="bg1"/>
+                    </a:solidFill>
+                  </a:rPr>
+                  <a:t>3</a:t>
+                </a:r>
+                <a:endParaRPr lang="en-MY" sz="600" baseline="-25000" dirty="0">
+                  <a:solidFill>
+                    <a:schemeClr val="bg1"/>
+                  </a:solidFill>
+                </a:endParaRPr>
+              </a:p>
+            </p:txBody>
+          </p:sp>
+          <p:sp>
+            <p:nvSpPr>
+              <p:cNvPr id="334" name="TextBox 333">
+                <a:extLst>
+                  <a:ext uri="{FF2B5EF4-FFF2-40B4-BE49-F238E27FC236}">
+                    <a16:creationId xmlns:a16="http://schemas.microsoft.com/office/drawing/2014/main" id="{79890705-6EE6-45A7-85D5-F651E3BCEE97}"/>
+                  </a:ext>
+                </a:extLst>
+              </p:cNvPr>
+              <p:cNvSpPr txBox="1"/>
+              <p:nvPr/>
+            </p:nvSpPr>
+            <p:spPr>
+              <a:xfrm>
+                <a:off x="414411" y="503994"/>
+                <a:ext cx="332210" cy="184666"/>
+              </a:xfrm>
+              <a:prstGeom prst="rect">
+                <a:avLst/>
+              </a:prstGeom>
+              <a:noFill/>
+            </p:spPr>
+            <p:txBody>
+              <a:bodyPr wrap="square" rtlCol="0">
+                <a:spAutoFit/>
+              </a:bodyPr>
+              <a:lstStyle/>
+              <a:p>
+                <a:r>
+                  <a:rPr lang="en-US" sz="600" dirty="0">
+                    <a:solidFill>
+                      <a:schemeClr val="bg1"/>
+                    </a:solidFill>
+                  </a:rPr>
+                  <a:t>OM</a:t>
+                </a:r>
+                <a:r>
+                  <a:rPr lang="en-US" sz="600" baseline="-25000" dirty="0">
+                    <a:solidFill>
+                      <a:schemeClr val="bg1"/>
+                    </a:solidFill>
+                  </a:rPr>
+                  <a:t>2</a:t>
+                </a:r>
+                <a:endParaRPr lang="en-MY" sz="600" baseline="-25000" dirty="0">
+                  <a:solidFill>
+                    <a:schemeClr val="bg1"/>
+                  </a:solidFill>
+                </a:endParaRPr>
+              </a:p>
+            </p:txBody>
+          </p:sp>
+          <p:sp>
+            <p:nvSpPr>
+              <p:cNvPr id="335" name="TextBox 334">
+                <a:extLst>
+                  <a:ext uri="{FF2B5EF4-FFF2-40B4-BE49-F238E27FC236}">
+                    <a16:creationId xmlns:a16="http://schemas.microsoft.com/office/drawing/2014/main" id="{F4651F4D-3AB3-4AF9-ABE6-39E2BEE15F6B}"/>
+                  </a:ext>
+                </a:extLst>
+              </p:cNvPr>
+              <p:cNvSpPr txBox="1"/>
+              <p:nvPr/>
+            </p:nvSpPr>
+            <p:spPr>
+              <a:xfrm>
+                <a:off x="143429" y="808652"/>
+                <a:ext cx="606300" cy="184666"/>
+              </a:xfrm>
+              <a:prstGeom prst="rect">
+                <a:avLst/>
+              </a:prstGeom>
+              <a:noFill/>
+            </p:spPr>
+            <p:txBody>
+              <a:bodyPr wrap="square" rtlCol="0">
+                <a:spAutoFit/>
+              </a:bodyPr>
+              <a:lstStyle/>
+              <a:p>
+                <a:pPr algn="ctr"/>
+                <a:r>
+                  <a:rPr lang="en-US" sz="600" dirty="0" err="1"/>
+                  <a:t>C</a:t>
+                </a:r>
+                <a:r>
+                  <a:rPr lang="en-US" sz="600" baseline="-25000" dirty="0" err="1"/>
+                  <a:t>a</a:t>
+                </a:r>
+                <a:r>
+                  <a:rPr lang="en-US" sz="600" dirty="0" err="1"/>
+                  <a:t>H</a:t>
+                </a:r>
+                <a:r>
+                  <a:rPr lang="en-US" sz="600" baseline="-25000" dirty="0" err="1"/>
+                  <a:t>b</a:t>
+                </a:r>
+                <a:r>
+                  <a:rPr lang="en-US" sz="600" dirty="0" err="1"/>
+                  <a:t>N</a:t>
+                </a:r>
+                <a:r>
+                  <a:rPr lang="en-US" sz="600" baseline="-25000" dirty="0" err="1"/>
+                  <a:t>c</a:t>
+                </a:r>
+                <a:r>
+                  <a:rPr lang="en-US" sz="600" dirty="0" err="1"/>
+                  <a:t>O</a:t>
+                </a:r>
+                <a:r>
+                  <a:rPr lang="en-US" sz="600" baseline="-25000" dirty="0" err="1"/>
+                  <a:t>d</a:t>
+                </a:r>
+                <a:r>
+                  <a:rPr lang="en-US" sz="600" dirty="0" err="1"/>
+                  <a:t>P</a:t>
+                </a:r>
+                <a:r>
+                  <a:rPr lang="en-US" sz="600" baseline="-25000" dirty="0" err="1"/>
+                  <a:t>e</a:t>
+                </a:r>
+                <a:r>
+                  <a:rPr lang="en-US" sz="600" dirty="0" err="1"/>
+                  <a:t>S</a:t>
+                </a:r>
+                <a:r>
+                  <a:rPr lang="en-US" sz="600" baseline="-25000" dirty="0" err="1"/>
+                  <a:t>f</a:t>
+                </a:r>
+                <a:endParaRPr lang="en-MY" sz="600" baseline="-25000" dirty="0"/>
+              </a:p>
+            </p:txBody>
+          </p:sp>
+          <p:sp>
+            <p:nvSpPr>
+              <p:cNvPr id="17" name="Arrow: Curved Down 16">
+                <a:extLst>
+                  <a:ext uri="{FF2B5EF4-FFF2-40B4-BE49-F238E27FC236}">
+                    <a16:creationId xmlns:a16="http://schemas.microsoft.com/office/drawing/2014/main" id="{F83B2A11-4C38-4506-BDAA-0871D8867DFA}"/>
+                  </a:ext>
+                </a:extLst>
+              </p:cNvPr>
+              <p:cNvSpPr/>
+              <p:nvPr/>
+            </p:nvSpPr>
+            <p:spPr>
+              <a:xfrm rot="17078536" flipH="1">
+                <a:off x="1563" y="665288"/>
+                <a:ext cx="321196" cy="184666"/>
+              </a:xfrm>
+              <a:prstGeom prst="curvedDownArrow">
+                <a:avLst>
+                  <a:gd name="adj1" fmla="val 28507"/>
+                  <a:gd name="adj2" fmla="val 66159"/>
+                  <a:gd name="adj3" fmla="val 25000"/>
+                </a:avLst>
+              </a:prstGeom>
+              <a:solidFill>
+                <a:schemeClr val="bg1">
+                  <a:lumMod val="75000"/>
+                </a:schemeClr>
+              </a:solidFill>
+              <a:ln>
+                <a:noFill/>
+              </a:ln>
+            </p:spPr>
+            <p:style>
+              <a:lnRef idx="2">
+                <a:schemeClr val="accent1">
+                  <a:shade val="50000"/>
+                </a:schemeClr>
+              </a:lnRef>
+              <a:fillRef idx="1">
+                <a:schemeClr val="accent1"/>
+              </a:fillRef>
+              <a:effectRef idx="0">
+                <a:schemeClr val="accent1"/>
+              </a:effectRef>
+              <a:fontRef idx="minor">
+                <a:schemeClr val="lt1"/>
+              </a:fontRef>
+            </p:style>
+            <p:txBody>
+              <a:bodyPr rtlCol="0" anchor="ctr"/>
+              <a:lstStyle/>
+              <a:p>
+                <a:pPr algn="ctr"/>
+                <a:endParaRPr lang="en-MY">
+                  <a:solidFill>
+                    <a:schemeClr val="tx1"/>
+                  </a:solidFill>
+                </a:endParaRPr>
+              </a:p>
+            </p:txBody>
+          </p:sp>
+          <p:sp>
+            <p:nvSpPr>
+              <p:cNvPr id="338" name="Rectangle: Rounded Corners 337">
+                <a:extLst>
+                  <a:ext uri="{FF2B5EF4-FFF2-40B4-BE49-F238E27FC236}">
+                    <a16:creationId xmlns:a16="http://schemas.microsoft.com/office/drawing/2014/main" id="{66C77E62-98C3-4BE8-9D88-16BE5F1B7442}"/>
+                  </a:ext>
+                </a:extLst>
+              </p:cNvPr>
+              <p:cNvSpPr/>
+              <p:nvPr/>
+            </p:nvSpPr>
+            <p:spPr>
+              <a:xfrm>
+                <a:off x="590028" y="492625"/>
+                <a:ext cx="726329" cy="216387"/>
+              </a:xfrm>
+              <a:prstGeom prst="roundRect">
+                <a:avLst/>
+              </a:prstGeom>
+              <a:noFill/>
+              <a:ln>
+                <a:noFill/>
+              </a:ln>
+            </p:spPr>
+            <p:style>
+              <a:lnRef idx="2">
+                <a:schemeClr val="accent1">
+                  <a:shade val="50000"/>
+                </a:schemeClr>
+              </a:lnRef>
+              <a:fillRef idx="1">
+                <a:schemeClr val="accent1"/>
+              </a:fillRef>
+              <a:effectRef idx="0">
+                <a:schemeClr val="accent1"/>
+              </a:effectRef>
+              <a:fontRef idx="minor">
+                <a:schemeClr val="lt1"/>
+              </a:fontRef>
+            </p:style>
+            <p:txBody>
+              <a:bodyPr rtlCol="0" anchor="ctr"/>
+              <a:lstStyle/>
+              <a:p>
+                <a:r>
+                  <a:rPr lang="en-US" sz="600" dirty="0">
+                    <a:solidFill>
+                      <a:schemeClr val="tx1"/>
+                    </a:solidFill>
+                  </a:rPr>
+                  <a:t>WHONDRS 2019 FTICR-MS data</a:t>
+                </a:r>
+                <a:endParaRPr lang="en-MY" sz="600" dirty="0">
+                  <a:solidFill>
+                    <a:schemeClr val="tx1"/>
+                  </a:solidFill>
+                </a:endParaRPr>
+              </a:p>
+            </p:txBody>
+          </p:sp>
+          <p:sp>
+            <p:nvSpPr>
+              <p:cNvPr id="339" name="Rectangle: Rounded Corners 338">
+                <a:extLst>
+                  <a:ext uri="{FF2B5EF4-FFF2-40B4-BE49-F238E27FC236}">
+                    <a16:creationId xmlns:a16="http://schemas.microsoft.com/office/drawing/2014/main" id="{9E9A6C43-8B35-45EB-8296-A3DE9F6462E0}"/>
+                  </a:ext>
+                </a:extLst>
+              </p:cNvPr>
+              <p:cNvSpPr/>
+              <p:nvPr/>
+            </p:nvSpPr>
+            <p:spPr>
+              <a:xfrm>
+                <a:off x="-300398" y="723411"/>
+                <a:ext cx="561995" cy="216387"/>
+              </a:xfrm>
+              <a:prstGeom prst="roundRect">
+                <a:avLst/>
+              </a:prstGeom>
+              <a:noFill/>
+              <a:ln>
+                <a:noFill/>
+              </a:ln>
+            </p:spPr>
+            <p:style>
+              <a:lnRef idx="2">
+                <a:schemeClr val="accent1">
+                  <a:shade val="50000"/>
+                </a:schemeClr>
+              </a:lnRef>
+              <a:fillRef idx="1">
+                <a:schemeClr val="accent1"/>
+              </a:fillRef>
+              <a:effectRef idx="0">
+                <a:schemeClr val="accent1"/>
+              </a:effectRef>
+              <a:fontRef idx="minor">
+                <a:schemeClr val="lt1"/>
+              </a:fontRef>
+            </p:style>
+            <p:txBody>
+              <a:bodyPr rtlCol="0" anchor="ctr"/>
+              <a:lstStyle/>
+              <a:p>
+                <a:r>
+                  <a:rPr lang="en-US" sz="500" dirty="0" err="1">
+                    <a:solidFill>
+                      <a:schemeClr val="tx1"/>
+                    </a:solidFill>
+                  </a:rPr>
+                  <a:t>OMs’</a:t>
+                </a:r>
+                <a:r>
+                  <a:rPr lang="en-US" sz="500" dirty="0">
+                    <a:solidFill>
+                      <a:schemeClr val="tx1"/>
+                    </a:solidFill>
+                  </a:rPr>
+                  <a:t> elemental compositions</a:t>
+                </a:r>
+                <a:endParaRPr lang="en-MY" sz="500" dirty="0">
+                  <a:solidFill>
+                    <a:schemeClr val="tx1"/>
+                  </a:solidFill>
+                </a:endParaRPr>
+              </a:p>
+            </p:txBody>
+          </p:sp>
+        </p:grpSp>
+        <p:grpSp>
+          <p:nvGrpSpPr>
+            <p:cNvPr id="28" name="Group 27">
+              <a:extLst>
+                <a:ext uri="{FF2B5EF4-FFF2-40B4-BE49-F238E27FC236}">
+                  <a16:creationId xmlns:a16="http://schemas.microsoft.com/office/drawing/2014/main" id="{3BCA9BD0-C81E-4971-8C75-82A8FFA31F9C}"/>
+                </a:ext>
+              </a:extLst>
+            </p:cNvPr>
+            <p:cNvGrpSpPr/>
+            <p:nvPr/>
+          </p:nvGrpSpPr>
+          <p:grpSpPr>
+            <a:xfrm>
+              <a:off x="1842714" y="878487"/>
+              <a:ext cx="1081501" cy="1058484"/>
+              <a:chOff x="825248" y="1315584"/>
+              <a:chExt cx="752833" cy="736811"/>
+            </a:xfrm>
+          </p:grpSpPr>
+          <p:sp>
+            <p:nvSpPr>
+              <p:cNvPr id="18" name="Rectangle 17">
+                <a:extLst>
+                  <a:ext uri="{FF2B5EF4-FFF2-40B4-BE49-F238E27FC236}">
+                    <a16:creationId xmlns:a16="http://schemas.microsoft.com/office/drawing/2014/main" id="{8AFF1953-D008-4B46-9F84-6157EA9A07ED}"/>
+                  </a:ext>
+                </a:extLst>
+              </p:cNvPr>
+              <p:cNvSpPr/>
+              <p:nvPr/>
+            </p:nvSpPr>
+            <p:spPr>
+              <a:xfrm>
+                <a:off x="951170" y="1434095"/>
+                <a:ext cx="519106" cy="499791"/>
+              </a:xfrm>
+              <a:prstGeom prst="rect">
+                <a:avLst/>
+              </a:prstGeom>
+              <a:solidFill>
+                <a:schemeClr val="bg2"/>
+              </a:solidFill>
+              <a:ln>
+                <a:noFill/>
+              </a:ln>
+            </p:spPr>
+            <p:style>
+              <a:lnRef idx="2">
+                <a:schemeClr val="accent1">
+                  <a:shade val="50000"/>
+                </a:schemeClr>
+              </a:lnRef>
+              <a:fillRef idx="1">
+                <a:schemeClr val="accent1"/>
+              </a:fillRef>
+              <a:effectRef idx="0">
+                <a:schemeClr val="accent1"/>
+              </a:effectRef>
+              <a:fontRef idx="minor">
+                <a:schemeClr val="lt1"/>
+              </a:fontRef>
+            </p:style>
+            <p:txBody>
+              <a:bodyPr rtlCol="0" anchor="ctr"/>
+              <a:lstStyle/>
+              <a:p>
+                <a:pPr algn="ctr"/>
+                <a:endParaRPr lang="en-MY"/>
+              </a:p>
+            </p:txBody>
+          </p:sp>
+          <p:cxnSp>
+            <p:nvCxnSpPr>
+              <p:cNvPr id="20" name="Straight Arrow Connector 19">
+                <a:extLst>
+                  <a:ext uri="{FF2B5EF4-FFF2-40B4-BE49-F238E27FC236}">
+                    <a16:creationId xmlns:a16="http://schemas.microsoft.com/office/drawing/2014/main" id="{0483BE55-134D-4646-B5C0-6CEEE7FCF093}"/>
+                  </a:ext>
+                </a:extLst>
+              </p:cNvPr>
+              <p:cNvCxnSpPr>
+                <a:cxnSpLocks/>
+              </p:cNvCxnSpPr>
+              <p:nvPr/>
+            </p:nvCxnSpPr>
+            <p:spPr>
+              <a:xfrm flipV="1">
+                <a:off x="951170" y="1410667"/>
+                <a:ext cx="0" cy="523219"/>
+              </a:xfrm>
+              <a:prstGeom prst="straightConnector1">
+                <a:avLst/>
+              </a:prstGeom>
+              <a:ln>
+                <a:solidFill>
+                  <a:schemeClr val="tx1"/>
+                </a:solidFill>
+                <a:tailEnd type="triangle" w="sm" len="sm"/>
+              </a:ln>
+            </p:spPr>
+            <p:style>
+              <a:lnRef idx="1">
+                <a:schemeClr val="accent1"/>
+              </a:lnRef>
+              <a:fillRef idx="0">
+                <a:schemeClr val="accent1"/>
+              </a:fillRef>
+              <a:effectRef idx="0">
+                <a:schemeClr val="accent1"/>
+              </a:effectRef>
+              <a:fontRef idx="minor">
+                <a:schemeClr val="tx1"/>
+              </a:fontRef>
+            </p:style>
+          </p:cxnSp>
+          <p:cxnSp>
+            <p:nvCxnSpPr>
+              <p:cNvPr id="344" name="Straight Arrow Connector 343">
+                <a:extLst>
+                  <a:ext uri="{FF2B5EF4-FFF2-40B4-BE49-F238E27FC236}">
+                    <a16:creationId xmlns:a16="http://schemas.microsoft.com/office/drawing/2014/main" id="{623E09CD-4286-4E97-BB8E-8B6402959F98}"/>
+                  </a:ext>
+                </a:extLst>
+              </p:cNvPr>
+              <p:cNvCxnSpPr>
+                <a:cxnSpLocks/>
+              </p:cNvCxnSpPr>
+              <p:nvPr/>
+            </p:nvCxnSpPr>
+            <p:spPr>
+              <a:xfrm rot="5400000" flipV="1">
+                <a:off x="1210228" y="1674732"/>
+                <a:ext cx="0" cy="523219"/>
+              </a:xfrm>
+              <a:prstGeom prst="straightConnector1">
+                <a:avLst/>
+              </a:prstGeom>
+              <a:ln>
+                <a:solidFill>
+                  <a:schemeClr val="tx1"/>
+                </a:solidFill>
+                <a:tailEnd type="triangle" w="sm" len="sm"/>
+              </a:ln>
+            </p:spPr>
+            <p:style>
+              <a:lnRef idx="1">
+                <a:schemeClr val="accent1"/>
+              </a:lnRef>
+              <a:fillRef idx="0">
+                <a:schemeClr val="accent1"/>
+              </a:fillRef>
+              <a:effectRef idx="0">
+                <a:schemeClr val="accent1"/>
+              </a:effectRef>
+              <a:fontRef idx="minor">
+                <a:schemeClr val="tx1"/>
+              </a:fontRef>
+            </p:style>
+          </p:cxnSp>
+          <p:sp>
+            <p:nvSpPr>
+              <p:cNvPr id="345" name="Rectangle: Rounded Corners 344">
+                <a:extLst>
+                  <a:ext uri="{FF2B5EF4-FFF2-40B4-BE49-F238E27FC236}">
+                    <a16:creationId xmlns:a16="http://schemas.microsoft.com/office/drawing/2014/main" id="{A581DDD7-B073-4C27-A6F8-9C79FD9F10FD}"/>
+                  </a:ext>
+                </a:extLst>
+              </p:cNvPr>
+              <p:cNvSpPr/>
+              <p:nvPr/>
+            </p:nvSpPr>
+            <p:spPr>
+              <a:xfrm>
+                <a:off x="879060" y="1937582"/>
+                <a:ext cx="699021" cy="114813"/>
+              </a:xfrm>
+              <a:prstGeom prst="roundRect">
+                <a:avLst/>
+              </a:prstGeom>
+              <a:noFill/>
+              <a:ln>
+                <a:noFill/>
+              </a:ln>
+            </p:spPr>
+            <p:style>
+              <a:lnRef idx="2">
+                <a:schemeClr val="accent1">
+                  <a:shade val="50000"/>
+                </a:schemeClr>
+              </a:lnRef>
+              <a:fillRef idx="1">
+                <a:schemeClr val="accent1"/>
+              </a:fillRef>
+              <a:effectRef idx="0">
+                <a:schemeClr val="accent1"/>
+              </a:effectRef>
+              <a:fontRef idx="minor">
+                <a:schemeClr val="lt1"/>
+              </a:fontRef>
+            </p:style>
+            <p:txBody>
+              <a:bodyPr rtlCol="0" anchor="ctr"/>
+              <a:lstStyle/>
+              <a:p>
+                <a:pPr algn="ctr"/>
+                <a:r>
+                  <a:rPr lang="en-US" sz="600" dirty="0">
+                    <a:solidFill>
+                      <a:schemeClr val="tx1"/>
+                    </a:solidFill>
+                  </a:rPr>
+                  <a:t>Biogeochemical </a:t>
+                </a:r>
+              </a:p>
+              <a:p>
+                <a:pPr algn="ctr"/>
+                <a:r>
+                  <a:rPr lang="en-US" sz="600" dirty="0">
+                    <a:solidFill>
+                      <a:schemeClr val="tx1"/>
+                    </a:solidFill>
+                  </a:rPr>
+                  <a:t>conditions </a:t>
+                </a:r>
+                <a:endParaRPr lang="en-MY" sz="600" dirty="0">
+                  <a:solidFill>
+                    <a:schemeClr val="tx1"/>
+                  </a:solidFill>
+                </a:endParaRPr>
+              </a:p>
+            </p:txBody>
+          </p:sp>
+          <p:sp>
+            <p:nvSpPr>
+              <p:cNvPr id="346" name="Rectangle: Rounded Corners 345">
+                <a:extLst>
+                  <a:ext uri="{FF2B5EF4-FFF2-40B4-BE49-F238E27FC236}">
+                    <a16:creationId xmlns:a16="http://schemas.microsoft.com/office/drawing/2014/main" id="{0736E469-6E0C-4647-8F03-B6BFFBFC39D2}"/>
+                  </a:ext>
+                </a:extLst>
+              </p:cNvPr>
+              <p:cNvSpPr/>
+              <p:nvPr/>
+            </p:nvSpPr>
+            <p:spPr>
+              <a:xfrm rot="16200000">
+                <a:off x="505386" y="1635446"/>
+                <a:ext cx="736811" cy="97088"/>
+              </a:xfrm>
+              <a:prstGeom prst="roundRect">
+                <a:avLst/>
+              </a:prstGeom>
+              <a:noFill/>
+              <a:ln>
+                <a:noFill/>
+              </a:ln>
+            </p:spPr>
+            <p:style>
+              <a:lnRef idx="2">
+                <a:schemeClr val="accent1">
+                  <a:shade val="50000"/>
+                </a:schemeClr>
+              </a:lnRef>
+              <a:fillRef idx="1">
+                <a:schemeClr val="accent1"/>
+              </a:fillRef>
+              <a:effectRef idx="0">
+                <a:schemeClr val="accent1"/>
+              </a:effectRef>
+              <a:fontRef idx="minor">
+                <a:schemeClr val="lt1"/>
+              </a:fontRef>
+            </p:style>
+            <p:txBody>
+              <a:bodyPr rtlCol="0" anchor="ctr"/>
+              <a:lstStyle/>
+              <a:p>
+                <a:pPr algn="ctr"/>
+                <a:r>
+                  <a:rPr lang="en-US" sz="600" dirty="0">
+                    <a:solidFill>
+                      <a:schemeClr val="tx1"/>
+                    </a:solidFill>
+                  </a:rPr>
+                  <a:t>Thermodynamic </a:t>
+                </a:r>
+              </a:p>
+              <a:p>
+                <a:pPr algn="ctr"/>
+                <a:r>
+                  <a:rPr lang="en-US" sz="600" dirty="0">
+                    <a:solidFill>
+                      <a:schemeClr val="tx1"/>
+                    </a:solidFill>
+                  </a:rPr>
+                  <a:t>properties</a:t>
+                </a:r>
+                <a:endParaRPr lang="en-MY" sz="600" dirty="0">
+                  <a:solidFill>
+                    <a:schemeClr val="tx1"/>
+                  </a:solidFill>
+                </a:endParaRPr>
+              </a:p>
+            </p:txBody>
+          </p:sp>
+          <p:grpSp>
+            <p:nvGrpSpPr>
+              <p:cNvPr id="22" name="Group 21">
+                <a:extLst>
+                  <a:ext uri="{FF2B5EF4-FFF2-40B4-BE49-F238E27FC236}">
+                    <a16:creationId xmlns:a16="http://schemas.microsoft.com/office/drawing/2014/main" id="{8C2DCC4A-3013-441D-977F-AD3139BE6C75}"/>
+                  </a:ext>
+                </a:extLst>
+              </p:cNvPr>
+              <p:cNvGrpSpPr/>
+              <p:nvPr/>
+            </p:nvGrpSpPr>
+            <p:grpSpPr>
+              <a:xfrm rot="686126">
+                <a:off x="1045321" y="1520297"/>
+                <a:ext cx="312914" cy="370798"/>
+                <a:chOff x="1987152" y="1570823"/>
+                <a:chExt cx="312914" cy="370798"/>
+              </a:xfrm>
+            </p:grpSpPr>
+            <p:grpSp>
+              <p:nvGrpSpPr>
+                <p:cNvPr id="348" name="Group 347">
+                  <a:extLst>
+                    <a:ext uri="{FF2B5EF4-FFF2-40B4-BE49-F238E27FC236}">
+                      <a16:creationId xmlns:a16="http://schemas.microsoft.com/office/drawing/2014/main" id="{D870C7E6-6506-40D8-8819-FE2FA871E9A3}"/>
+                    </a:ext>
+                  </a:extLst>
+                </p:cNvPr>
+                <p:cNvGrpSpPr/>
+                <p:nvPr/>
+              </p:nvGrpSpPr>
+              <p:grpSpPr>
+                <a:xfrm rot="1734796">
+                  <a:off x="1987152" y="1792683"/>
+                  <a:ext cx="93042" cy="148938"/>
+                  <a:chOff x="988332" y="1820177"/>
+                  <a:chExt cx="93042" cy="148938"/>
+                </a:xfrm>
+                <a:solidFill>
+                  <a:schemeClr val="accent2"/>
+                </a:solidFill>
+              </p:grpSpPr>
+              <p:sp>
+                <p:nvSpPr>
+                  <p:cNvPr id="367" name="Oval 366">
+                    <a:extLst>
+                      <a:ext uri="{FF2B5EF4-FFF2-40B4-BE49-F238E27FC236}">
+                        <a16:creationId xmlns:a16="http://schemas.microsoft.com/office/drawing/2014/main" id="{6E25DFFB-1CD1-4950-A371-8694E74C9B6C}"/>
+                      </a:ext>
+                    </a:extLst>
+                  </p:cNvPr>
+                  <p:cNvSpPr/>
+                  <p:nvPr/>
+                </p:nvSpPr>
+                <p:spPr>
+                  <a:xfrm flipV="1">
+                    <a:off x="1001118" y="1906242"/>
+                    <a:ext cx="31014" cy="29509"/>
+                  </a:xfrm>
+                  <a:prstGeom prst="ellipse">
+                    <a:avLst/>
+                  </a:prstGeom>
+                  <a:grpFill/>
+                  <a:ln>
+                    <a:noFill/>
+                  </a:ln>
+                </p:spPr>
+                <p:style>
+                  <a:lnRef idx="2">
+                    <a:schemeClr val="accent1">
+                      <a:shade val="50000"/>
+                    </a:schemeClr>
+                  </a:lnRef>
+                  <a:fillRef idx="1">
+                    <a:schemeClr val="accent1"/>
+                  </a:fillRef>
+                  <a:effectRef idx="0">
+                    <a:schemeClr val="accent1"/>
+                  </a:effectRef>
+                  <a:fontRef idx="minor">
+                    <a:schemeClr val="lt1"/>
+                  </a:fontRef>
+                </p:style>
+                <p:txBody>
+                  <a:bodyPr rtlCol="0" anchor="ctr"/>
+                  <a:lstStyle/>
+                  <a:p>
+                    <a:pPr algn="ctr"/>
+                    <a:endParaRPr lang="en-US"/>
+                  </a:p>
+                </p:txBody>
+              </p:sp>
+              <p:sp>
+                <p:nvSpPr>
+                  <p:cNvPr id="368" name="Oval 367">
+                    <a:extLst>
+                      <a:ext uri="{FF2B5EF4-FFF2-40B4-BE49-F238E27FC236}">
+                        <a16:creationId xmlns:a16="http://schemas.microsoft.com/office/drawing/2014/main" id="{F2B1DF8F-0878-42F4-8046-3D2E4544B3E7}"/>
+                      </a:ext>
+                    </a:extLst>
+                  </p:cNvPr>
+                  <p:cNvSpPr/>
+                  <p:nvPr/>
+                </p:nvSpPr>
+                <p:spPr>
+                  <a:xfrm flipV="1">
+                    <a:off x="1034853" y="1939606"/>
+                    <a:ext cx="31014" cy="29509"/>
+                  </a:xfrm>
+                  <a:prstGeom prst="ellipse">
+                    <a:avLst/>
+                  </a:prstGeom>
+                  <a:grpFill/>
+                  <a:ln>
+                    <a:noFill/>
+                  </a:ln>
+                </p:spPr>
+                <p:style>
+                  <a:lnRef idx="2">
+                    <a:schemeClr val="accent1">
+                      <a:shade val="50000"/>
+                    </a:schemeClr>
+                  </a:lnRef>
+                  <a:fillRef idx="1">
+                    <a:schemeClr val="accent1"/>
+                  </a:fillRef>
+                  <a:effectRef idx="0">
+                    <a:schemeClr val="accent1"/>
+                  </a:effectRef>
+                  <a:fontRef idx="minor">
+                    <a:schemeClr val="lt1"/>
+                  </a:fontRef>
+                </p:style>
+                <p:txBody>
+                  <a:bodyPr rtlCol="0" anchor="ctr"/>
+                  <a:lstStyle/>
+                  <a:p>
+                    <a:pPr algn="ctr"/>
+                    <a:endParaRPr lang="en-US"/>
+                  </a:p>
+                </p:txBody>
+              </p:sp>
+              <p:sp>
+                <p:nvSpPr>
+                  <p:cNvPr id="370" name="Oval 369">
+                    <a:extLst>
+                      <a:ext uri="{FF2B5EF4-FFF2-40B4-BE49-F238E27FC236}">
+                        <a16:creationId xmlns:a16="http://schemas.microsoft.com/office/drawing/2014/main" id="{45F12AD3-1EAF-484F-81A6-010E8A1ED327}"/>
+                      </a:ext>
+                    </a:extLst>
+                  </p:cNvPr>
+                  <p:cNvSpPr/>
+                  <p:nvPr/>
+                </p:nvSpPr>
+                <p:spPr>
+                  <a:xfrm flipV="1">
+                    <a:off x="1050360" y="1901184"/>
+                    <a:ext cx="31014" cy="29509"/>
+                  </a:xfrm>
+                  <a:prstGeom prst="ellipse">
+                    <a:avLst/>
+                  </a:prstGeom>
+                  <a:grpFill/>
+                  <a:ln>
+                    <a:noFill/>
+                  </a:ln>
+                </p:spPr>
+                <p:style>
+                  <a:lnRef idx="2">
+                    <a:schemeClr val="accent1">
+                      <a:shade val="50000"/>
+                    </a:schemeClr>
+                  </a:lnRef>
+                  <a:fillRef idx="1">
+                    <a:schemeClr val="accent1"/>
+                  </a:fillRef>
+                  <a:effectRef idx="0">
+                    <a:schemeClr val="accent1"/>
+                  </a:effectRef>
+                  <a:fontRef idx="minor">
+                    <a:schemeClr val="lt1"/>
+                  </a:fontRef>
+                </p:style>
+                <p:txBody>
+                  <a:bodyPr rtlCol="0" anchor="ctr"/>
+                  <a:lstStyle/>
+                  <a:p>
+                    <a:pPr algn="ctr"/>
+                    <a:endParaRPr lang="en-US"/>
+                  </a:p>
+                </p:txBody>
+              </p:sp>
+              <p:sp>
+                <p:nvSpPr>
+                  <p:cNvPr id="371" name="Oval 370">
+                    <a:extLst>
+                      <a:ext uri="{FF2B5EF4-FFF2-40B4-BE49-F238E27FC236}">
+                        <a16:creationId xmlns:a16="http://schemas.microsoft.com/office/drawing/2014/main" id="{54CE7C73-26EE-4346-A83E-C6AC5F50B95D}"/>
+                      </a:ext>
+                    </a:extLst>
+                  </p:cNvPr>
+                  <p:cNvSpPr/>
+                  <p:nvPr/>
+                </p:nvSpPr>
+                <p:spPr>
+                  <a:xfrm flipV="1">
+                    <a:off x="1027100" y="1865137"/>
+                    <a:ext cx="31014" cy="29509"/>
+                  </a:xfrm>
+                  <a:prstGeom prst="ellipse">
+                    <a:avLst/>
+                  </a:prstGeom>
+                  <a:grpFill/>
+                  <a:ln>
+                    <a:noFill/>
+                  </a:ln>
+                </p:spPr>
+                <p:style>
+                  <a:lnRef idx="2">
+                    <a:schemeClr val="accent1">
+                      <a:shade val="50000"/>
+                    </a:schemeClr>
+                  </a:lnRef>
+                  <a:fillRef idx="1">
+                    <a:schemeClr val="accent1"/>
+                  </a:fillRef>
+                  <a:effectRef idx="0">
+                    <a:schemeClr val="accent1"/>
+                  </a:effectRef>
+                  <a:fontRef idx="minor">
+                    <a:schemeClr val="lt1"/>
+                  </a:fontRef>
+                </p:style>
+                <p:txBody>
+                  <a:bodyPr rtlCol="0" anchor="ctr"/>
+                  <a:lstStyle/>
+                  <a:p>
+                    <a:pPr algn="ctr"/>
+                    <a:endParaRPr lang="en-US"/>
+                  </a:p>
+                </p:txBody>
+              </p:sp>
+              <p:sp>
+                <p:nvSpPr>
+                  <p:cNvPr id="373" name="Oval 372">
+                    <a:extLst>
+                      <a:ext uri="{FF2B5EF4-FFF2-40B4-BE49-F238E27FC236}">
+                        <a16:creationId xmlns:a16="http://schemas.microsoft.com/office/drawing/2014/main" id="{17290DAA-1A37-4F4B-9FC6-1F8060D39905}"/>
+                      </a:ext>
+                    </a:extLst>
+                  </p:cNvPr>
+                  <p:cNvSpPr/>
+                  <p:nvPr/>
+                </p:nvSpPr>
+                <p:spPr>
+                  <a:xfrm flipV="1">
+                    <a:off x="988332" y="1840978"/>
+                    <a:ext cx="31014" cy="29509"/>
+                  </a:xfrm>
+                  <a:prstGeom prst="ellipse">
+                    <a:avLst/>
+                  </a:prstGeom>
+                  <a:grpFill/>
+                  <a:ln>
+                    <a:noFill/>
+                  </a:ln>
+                </p:spPr>
+                <p:style>
+                  <a:lnRef idx="2">
+                    <a:schemeClr val="accent1">
+                      <a:shade val="50000"/>
+                    </a:schemeClr>
+                  </a:lnRef>
+                  <a:fillRef idx="1">
+                    <a:schemeClr val="accent1"/>
+                  </a:fillRef>
+                  <a:effectRef idx="0">
+                    <a:schemeClr val="accent1"/>
+                  </a:effectRef>
+                  <a:fontRef idx="minor">
+                    <a:schemeClr val="lt1"/>
+                  </a:fontRef>
+                </p:style>
+                <p:txBody>
+                  <a:bodyPr rtlCol="0" anchor="ctr"/>
+                  <a:lstStyle/>
+                  <a:p>
+                    <a:pPr algn="ctr"/>
+                    <a:endParaRPr lang="en-US"/>
+                  </a:p>
+                </p:txBody>
+              </p:sp>
+              <p:sp>
+                <p:nvSpPr>
+                  <p:cNvPr id="374" name="Oval 373">
+                    <a:extLst>
+                      <a:ext uri="{FF2B5EF4-FFF2-40B4-BE49-F238E27FC236}">
+                        <a16:creationId xmlns:a16="http://schemas.microsoft.com/office/drawing/2014/main" id="{0170734D-EDC6-4AAD-9EA1-11D1A95DD688}"/>
+                      </a:ext>
+                    </a:extLst>
+                  </p:cNvPr>
+                  <p:cNvSpPr/>
+                  <p:nvPr/>
+                </p:nvSpPr>
+                <p:spPr>
+                  <a:xfrm flipV="1">
+                    <a:off x="1034382" y="1820177"/>
+                    <a:ext cx="31014" cy="29509"/>
+                  </a:xfrm>
+                  <a:prstGeom prst="ellipse">
+                    <a:avLst/>
+                  </a:prstGeom>
+                  <a:grpFill/>
+                  <a:ln>
+                    <a:noFill/>
+                  </a:ln>
+                </p:spPr>
+                <p:style>
+                  <a:lnRef idx="2">
+                    <a:schemeClr val="accent1">
+                      <a:shade val="50000"/>
+                    </a:schemeClr>
+                  </a:lnRef>
+                  <a:fillRef idx="1">
+                    <a:schemeClr val="accent1"/>
+                  </a:fillRef>
+                  <a:effectRef idx="0">
+                    <a:schemeClr val="accent1"/>
+                  </a:effectRef>
+                  <a:fontRef idx="minor">
+                    <a:schemeClr val="lt1"/>
+                  </a:fontRef>
+                </p:style>
+                <p:txBody>
+                  <a:bodyPr rtlCol="0" anchor="ctr"/>
+                  <a:lstStyle/>
+                  <a:p>
+                    <a:pPr algn="ctr"/>
+                    <a:endParaRPr lang="en-US"/>
+                  </a:p>
+                </p:txBody>
+              </p:sp>
+            </p:grpSp>
+            <p:grpSp>
+              <p:nvGrpSpPr>
+                <p:cNvPr id="350" name="Group 349">
+                  <a:extLst>
+                    <a:ext uri="{FF2B5EF4-FFF2-40B4-BE49-F238E27FC236}">
+                      <a16:creationId xmlns:a16="http://schemas.microsoft.com/office/drawing/2014/main" id="{4A8BDA3E-0831-4DAE-95A7-D09D4291DB87}"/>
+                    </a:ext>
+                  </a:extLst>
+                </p:cNvPr>
+                <p:cNvGrpSpPr/>
+                <p:nvPr/>
+              </p:nvGrpSpPr>
+              <p:grpSpPr>
+                <a:xfrm rot="14275821">
+                  <a:off x="2047882" y="1658479"/>
+                  <a:ext cx="131339" cy="148938"/>
+                  <a:chOff x="972825" y="1820177"/>
+                  <a:chExt cx="131339" cy="148938"/>
+                </a:xfrm>
+                <a:solidFill>
+                  <a:schemeClr val="accent2"/>
+                </a:solidFill>
+              </p:grpSpPr>
+              <p:sp>
+                <p:nvSpPr>
+                  <p:cNvPr id="351" name="Oval 350">
+                    <a:extLst>
+                      <a:ext uri="{FF2B5EF4-FFF2-40B4-BE49-F238E27FC236}">
+                        <a16:creationId xmlns:a16="http://schemas.microsoft.com/office/drawing/2014/main" id="{8E7E1FD3-D865-460D-AE13-DFA5EC4E378A}"/>
+                      </a:ext>
+                    </a:extLst>
+                  </p:cNvPr>
+                  <p:cNvSpPr/>
+                  <p:nvPr/>
+                </p:nvSpPr>
+                <p:spPr>
+                  <a:xfrm flipV="1">
+                    <a:off x="1001118" y="1906242"/>
+                    <a:ext cx="31014" cy="29509"/>
+                  </a:xfrm>
+                  <a:prstGeom prst="ellipse">
+                    <a:avLst/>
+                  </a:prstGeom>
+                  <a:grpFill/>
+                  <a:ln>
+                    <a:noFill/>
+                  </a:ln>
+                </p:spPr>
+                <p:style>
+                  <a:lnRef idx="2">
+                    <a:schemeClr val="accent1">
+                      <a:shade val="50000"/>
+                    </a:schemeClr>
+                  </a:lnRef>
+                  <a:fillRef idx="1">
+                    <a:schemeClr val="accent1"/>
+                  </a:fillRef>
+                  <a:effectRef idx="0">
+                    <a:schemeClr val="accent1"/>
+                  </a:effectRef>
+                  <a:fontRef idx="minor">
+                    <a:schemeClr val="lt1"/>
+                  </a:fontRef>
+                </p:style>
+                <p:txBody>
+                  <a:bodyPr rtlCol="0" anchor="ctr"/>
+                  <a:lstStyle/>
+                  <a:p>
+                    <a:pPr algn="ctr"/>
+                    <a:endParaRPr lang="en-US"/>
+                  </a:p>
+                </p:txBody>
+              </p:sp>
+              <p:sp>
+                <p:nvSpPr>
+                  <p:cNvPr id="352" name="Oval 351">
+                    <a:extLst>
+                      <a:ext uri="{FF2B5EF4-FFF2-40B4-BE49-F238E27FC236}">
+                        <a16:creationId xmlns:a16="http://schemas.microsoft.com/office/drawing/2014/main" id="{3CC19F20-9D8A-4239-950E-B25572AF17A8}"/>
+                      </a:ext>
+                    </a:extLst>
+                  </p:cNvPr>
+                  <p:cNvSpPr/>
+                  <p:nvPr/>
+                </p:nvSpPr>
+                <p:spPr>
+                  <a:xfrm flipV="1">
+                    <a:off x="1034853" y="1939606"/>
+                    <a:ext cx="31014" cy="29509"/>
+                  </a:xfrm>
+                  <a:prstGeom prst="ellipse">
+                    <a:avLst/>
+                  </a:prstGeom>
+                  <a:grpFill/>
+                  <a:ln>
+                    <a:noFill/>
+                  </a:ln>
+                </p:spPr>
+                <p:style>
+                  <a:lnRef idx="2">
+                    <a:schemeClr val="accent1">
+                      <a:shade val="50000"/>
+                    </a:schemeClr>
+                  </a:lnRef>
+                  <a:fillRef idx="1">
+                    <a:schemeClr val="accent1"/>
+                  </a:fillRef>
+                  <a:effectRef idx="0">
+                    <a:schemeClr val="accent1"/>
+                  </a:effectRef>
+                  <a:fontRef idx="minor">
+                    <a:schemeClr val="lt1"/>
+                  </a:fontRef>
+                </p:style>
+                <p:txBody>
+                  <a:bodyPr rtlCol="0" anchor="ctr"/>
+                  <a:lstStyle/>
+                  <a:p>
+                    <a:pPr algn="ctr"/>
+                    <a:endParaRPr lang="en-US"/>
+                  </a:p>
+                </p:txBody>
+              </p:sp>
+              <p:sp>
+                <p:nvSpPr>
+                  <p:cNvPr id="353" name="Oval 352">
+                    <a:extLst>
+                      <a:ext uri="{FF2B5EF4-FFF2-40B4-BE49-F238E27FC236}">
+                        <a16:creationId xmlns:a16="http://schemas.microsoft.com/office/drawing/2014/main" id="{A59096AD-453E-4298-B56F-78E6B98799A6}"/>
+                      </a:ext>
+                    </a:extLst>
+                  </p:cNvPr>
+                  <p:cNvSpPr/>
+                  <p:nvPr/>
+                </p:nvSpPr>
+                <p:spPr>
+                  <a:xfrm flipV="1">
+                    <a:off x="972825" y="1871675"/>
+                    <a:ext cx="31014" cy="29509"/>
+                  </a:xfrm>
+                  <a:prstGeom prst="ellipse">
+                    <a:avLst/>
+                  </a:prstGeom>
+                  <a:grpFill/>
+                  <a:ln>
+                    <a:noFill/>
+                  </a:ln>
+                </p:spPr>
+                <p:style>
+                  <a:lnRef idx="2">
+                    <a:schemeClr val="accent1">
+                      <a:shade val="50000"/>
+                    </a:schemeClr>
+                  </a:lnRef>
+                  <a:fillRef idx="1">
+                    <a:schemeClr val="accent1"/>
+                  </a:fillRef>
+                  <a:effectRef idx="0">
+                    <a:schemeClr val="accent1"/>
+                  </a:effectRef>
+                  <a:fontRef idx="minor">
+                    <a:schemeClr val="lt1"/>
+                  </a:fontRef>
+                </p:style>
+                <p:txBody>
+                  <a:bodyPr rtlCol="0" anchor="ctr"/>
+                  <a:lstStyle/>
+                  <a:p>
+                    <a:pPr algn="ctr"/>
+                    <a:endParaRPr lang="en-US"/>
+                  </a:p>
+                </p:txBody>
+              </p:sp>
+              <p:sp>
+                <p:nvSpPr>
+                  <p:cNvPr id="354" name="Oval 353">
+                    <a:extLst>
+                      <a:ext uri="{FF2B5EF4-FFF2-40B4-BE49-F238E27FC236}">
+                        <a16:creationId xmlns:a16="http://schemas.microsoft.com/office/drawing/2014/main" id="{E2CD7BC4-8977-4BDF-8448-EF82E470736D}"/>
+                      </a:ext>
+                    </a:extLst>
+                  </p:cNvPr>
+                  <p:cNvSpPr/>
+                  <p:nvPr/>
+                </p:nvSpPr>
+                <p:spPr>
+                  <a:xfrm flipV="1">
+                    <a:off x="1050360" y="1901184"/>
+                    <a:ext cx="31014" cy="29509"/>
+                  </a:xfrm>
+                  <a:prstGeom prst="ellipse">
+                    <a:avLst/>
+                  </a:prstGeom>
+                  <a:grpFill/>
+                  <a:ln>
+                    <a:noFill/>
+                  </a:ln>
+                </p:spPr>
+                <p:style>
+                  <a:lnRef idx="2">
+                    <a:schemeClr val="accent1">
+                      <a:shade val="50000"/>
+                    </a:schemeClr>
+                  </a:lnRef>
+                  <a:fillRef idx="1">
+                    <a:schemeClr val="accent1"/>
+                  </a:fillRef>
+                  <a:effectRef idx="0">
+                    <a:schemeClr val="accent1"/>
+                  </a:effectRef>
+                  <a:fontRef idx="minor">
+                    <a:schemeClr val="lt1"/>
+                  </a:fontRef>
+                </p:style>
+                <p:txBody>
+                  <a:bodyPr rtlCol="0" anchor="ctr"/>
+                  <a:lstStyle/>
+                  <a:p>
+                    <a:pPr algn="ctr"/>
+                    <a:endParaRPr lang="en-US"/>
+                  </a:p>
+                </p:txBody>
+              </p:sp>
+              <p:sp>
+                <p:nvSpPr>
+                  <p:cNvPr id="355" name="Oval 354">
+                    <a:extLst>
+                      <a:ext uri="{FF2B5EF4-FFF2-40B4-BE49-F238E27FC236}">
+                        <a16:creationId xmlns:a16="http://schemas.microsoft.com/office/drawing/2014/main" id="{90318CCF-D57D-4249-ADBB-6AABC49D8267}"/>
+                      </a:ext>
+                    </a:extLst>
+                  </p:cNvPr>
+                  <p:cNvSpPr/>
+                  <p:nvPr/>
+                </p:nvSpPr>
+                <p:spPr>
+                  <a:xfrm flipV="1">
+                    <a:off x="1027100" y="1865137"/>
+                    <a:ext cx="31014" cy="29509"/>
+                  </a:xfrm>
+                  <a:prstGeom prst="ellipse">
+                    <a:avLst/>
+                  </a:prstGeom>
+                  <a:grpFill/>
+                  <a:ln>
+                    <a:noFill/>
+                  </a:ln>
+                </p:spPr>
+                <p:style>
+                  <a:lnRef idx="2">
+                    <a:schemeClr val="accent1">
+                      <a:shade val="50000"/>
+                    </a:schemeClr>
+                  </a:lnRef>
+                  <a:fillRef idx="1">
+                    <a:schemeClr val="accent1"/>
+                  </a:fillRef>
+                  <a:effectRef idx="0">
+                    <a:schemeClr val="accent1"/>
+                  </a:effectRef>
+                  <a:fontRef idx="minor">
+                    <a:schemeClr val="lt1"/>
+                  </a:fontRef>
+                </p:style>
+                <p:txBody>
+                  <a:bodyPr rtlCol="0" anchor="ctr"/>
+                  <a:lstStyle/>
+                  <a:p>
+                    <a:pPr algn="ctr"/>
+                    <a:endParaRPr lang="en-US"/>
+                  </a:p>
+                </p:txBody>
+              </p:sp>
+              <p:sp>
+                <p:nvSpPr>
+                  <p:cNvPr id="356" name="Oval 355">
+                    <a:extLst>
+                      <a:ext uri="{FF2B5EF4-FFF2-40B4-BE49-F238E27FC236}">
+                        <a16:creationId xmlns:a16="http://schemas.microsoft.com/office/drawing/2014/main" id="{DFF557FA-D0AD-483C-9CB0-864B6F6BD653}"/>
+                      </a:ext>
+                    </a:extLst>
+                  </p:cNvPr>
+                  <p:cNvSpPr/>
+                  <p:nvPr/>
+                </p:nvSpPr>
+                <p:spPr>
+                  <a:xfrm flipV="1">
+                    <a:off x="1073150" y="1847661"/>
+                    <a:ext cx="31014" cy="29509"/>
+                  </a:xfrm>
+                  <a:prstGeom prst="ellipse">
+                    <a:avLst/>
+                  </a:prstGeom>
+                  <a:grpFill/>
+                  <a:ln>
+                    <a:noFill/>
+                  </a:ln>
+                </p:spPr>
+                <p:style>
+                  <a:lnRef idx="2">
+                    <a:schemeClr val="accent1">
+                      <a:shade val="50000"/>
+                    </a:schemeClr>
+                  </a:lnRef>
+                  <a:fillRef idx="1">
+                    <a:schemeClr val="accent1"/>
+                  </a:fillRef>
+                  <a:effectRef idx="0">
+                    <a:schemeClr val="accent1"/>
+                  </a:effectRef>
+                  <a:fontRef idx="minor">
+                    <a:schemeClr val="lt1"/>
+                  </a:fontRef>
+                </p:style>
+                <p:txBody>
+                  <a:bodyPr rtlCol="0" anchor="ctr"/>
+                  <a:lstStyle/>
+                  <a:p>
+                    <a:pPr algn="ctr"/>
+                    <a:endParaRPr lang="en-US"/>
+                  </a:p>
+                </p:txBody>
+              </p:sp>
+              <p:sp>
+                <p:nvSpPr>
+                  <p:cNvPr id="357" name="Oval 356">
+                    <a:extLst>
+                      <a:ext uri="{FF2B5EF4-FFF2-40B4-BE49-F238E27FC236}">
+                        <a16:creationId xmlns:a16="http://schemas.microsoft.com/office/drawing/2014/main" id="{C299A544-C28A-4639-996C-BC685572728B}"/>
+                      </a:ext>
+                    </a:extLst>
+                  </p:cNvPr>
+                  <p:cNvSpPr/>
+                  <p:nvPr/>
+                </p:nvSpPr>
+                <p:spPr>
+                  <a:xfrm flipV="1">
+                    <a:off x="988332" y="1840978"/>
+                    <a:ext cx="31014" cy="29509"/>
+                  </a:xfrm>
+                  <a:prstGeom prst="ellipse">
+                    <a:avLst/>
+                  </a:prstGeom>
+                  <a:grpFill/>
+                  <a:ln>
+                    <a:noFill/>
+                  </a:ln>
+                </p:spPr>
+                <p:style>
+                  <a:lnRef idx="2">
+                    <a:schemeClr val="accent1">
+                      <a:shade val="50000"/>
+                    </a:schemeClr>
+                  </a:lnRef>
+                  <a:fillRef idx="1">
+                    <a:schemeClr val="accent1"/>
+                  </a:fillRef>
+                  <a:effectRef idx="0">
+                    <a:schemeClr val="accent1"/>
+                  </a:effectRef>
+                  <a:fontRef idx="minor">
+                    <a:schemeClr val="lt1"/>
+                  </a:fontRef>
+                </p:style>
+                <p:txBody>
+                  <a:bodyPr rtlCol="0" anchor="ctr"/>
+                  <a:lstStyle/>
+                  <a:p>
+                    <a:pPr algn="ctr"/>
+                    <a:endParaRPr lang="en-US"/>
+                  </a:p>
+                </p:txBody>
+              </p:sp>
+              <p:sp>
+                <p:nvSpPr>
+                  <p:cNvPr id="358" name="Oval 357">
+                    <a:extLst>
+                      <a:ext uri="{FF2B5EF4-FFF2-40B4-BE49-F238E27FC236}">
+                        <a16:creationId xmlns:a16="http://schemas.microsoft.com/office/drawing/2014/main" id="{8A0184C9-85F8-4C97-A7CD-CAA7120F12EC}"/>
+                      </a:ext>
+                    </a:extLst>
+                  </p:cNvPr>
+                  <p:cNvSpPr/>
+                  <p:nvPr/>
+                </p:nvSpPr>
+                <p:spPr>
+                  <a:xfrm flipV="1">
+                    <a:off x="1034382" y="1820177"/>
+                    <a:ext cx="31014" cy="29509"/>
+                  </a:xfrm>
+                  <a:prstGeom prst="ellipse">
+                    <a:avLst/>
+                  </a:prstGeom>
+                  <a:grpFill/>
+                  <a:ln>
+                    <a:noFill/>
+                  </a:ln>
+                </p:spPr>
+                <p:style>
+                  <a:lnRef idx="2">
+                    <a:schemeClr val="accent1">
+                      <a:shade val="50000"/>
+                    </a:schemeClr>
+                  </a:lnRef>
+                  <a:fillRef idx="1">
+                    <a:schemeClr val="accent1"/>
+                  </a:fillRef>
+                  <a:effectRef idx="0">
+                    <a:schemeClr val="accent1"/>
+                  </a:effectRef>
+                  <a:fontRef idx="minor">
+                    <a:schemeClr val="lt1"/>
+                  </a:fontRef>
+                </p:style>
+                <p:txBody>
+                  <a:bodyPr rtlCol="0" anchor="ctr"/>
+                  <a:lstStyle/>
+                  <a:p>
+                    <a:pPr algn="ctr"/>
+                    <a:endParaRPr lang="en-US"/>
+                  </a:p>
+                </p:txBody>
+              </p:sp>
+            </p:grpSp>
+            <p:grpSp>
+              <p:nvGrpSpPr>
+                <p:cNvPr id="375" name="Group 374">
+                  <a:extLst>
+                    <a:ext uri="{FF2B5EF4-FFF2-40B4-BE49-F238E27FC236}">
+                      <a16:creationId xmlns:a16="http://schemas.microsoft.com/office/drawing/2014/main" id="{6925F28A-706E-41B7-B4BF-20DA89795902}"/>
+                    </a:ext>
+                  </a:extLst>
+                </p:cNvPr>
+                <p:cNvGrpSpPr/>
+                <p:nvPr/>
+              </p:nvGrpSpPr>
+              <p:grpSpPr>
+                <a:xfrm rot="3407543">
+                  <a:off x="2179076" y="1542875"/>
+                  <a:ext cx="93042" cy="148938"/>
+                  <a:chOff x="988332" y="1820177"/>
+                  <a:chExt cx="93042" cy="148938"/>
+                </a:xfrm>
+                <a:solidFill>
+                  <a:schemeClr val="accent2"/>
+                </a:solidFill>
+              </p:grpSpPr>
+              <p:sp>
+                <p:nvSpPr>
+                  <p:cNvPr id="376" name="Oval 375">
+                    <a:extLst>
+                      <a:ext uri="{FF2B5EF4-FFF2-40B4-BE49-F238E27FC236}">
+                        <a16:creationId xmlns:a16="http://schemas.microsoft.com/office/drawing/2014/main" id="{99DC5C48-8E0A-4E80-B99F-8331F83AB398}"/>
+                      </a:ext>
+                    </a:extLst>
+                  </p:cNvPr>
+                  <p:cNvSpPr/>
+                  <p:nvPr/>
+                </p:nvSpPr>
+                <p:spPr>
+                  <a:xfrm flipV="1">
+                    <a:off x="1001118" y="1906242"/>
+                    <a:ext cx="31014" cy="29509"/>
+                  </a:xfrm>
+                  <a:prstGeom prst="ellipse">
+                    <a:avLst/>
+                  </a:prstGeom>
+                  <a:grpFill/>
+                  <a:ln>
+                    <a:noFill/>
+                  </a:ln>
+                </p:spPr>
+                <p:style>
+                  <a:lnRef idx="2">
+                    <a:schemeClr val="accent1">
+                      <a:shade val="50000"/>
+                    </a:schemeClr>
+                  </a:lnRef>
+                  <a:fillRef idx="1">
+                    <a:schemeClr val="accent1"/>
+                  </a:fillRef>
+                  <a:effectRef idx="0">
+                    <a:schemeClr val="accent1"/>
+                  </a:effectRef>
+                  <a:fontRef idx="minor">
+                    <a:schemeClr val="lt1"/>
+                  </a:fontRef>
+                </p:style>
+                <p:txBody>
+                  <a:bodyPr rtlCol="0" anchor="ctr"/>
+                  <a:lstStyle/>
+                  <a:p>
+                    <a:pPr algn="ctr"/>
+                    <a:endParaRPr lang="en-US"/>
+                  </a:p>
+                </p:txBody>
+              </p:sp>
+              <p:sp>
+                <p:nvSpPr>
+                  <p:cNvPr id="377" name="Oval 376">
+                    <a:extLst>
+                      <a:ext uri="{FF2B5EF4-FFF2-40B4-BE49-F238E27FC236}">
+                        <a16:creationId xmlns:a16="http://schemas.microsoft.com/office/drawing/2014/main" id="{6A494A31-FAF2-4DD7-AE48-2CEBBB8C027E}"/>
+                      </a:ext>
+                    </a:extLst>
+                  </p:cNvPr>
+                  <p:cNvSpPr/>
+                  <p:nvPr/>
+                </p:nvSpPr>
+                <p:spPr>
+                  <a:xfrm flipV="1">
+                    <a:off x="1034853" y="1939606"/>
+                    <a:ext cx="31014" cy="29509"/>
+                  </a:xfrm>
+                  <a:prstGeom prst="ellipse">
+                    <a:avLst/>
+                  </a:prstGeom>
+                  <a:grpFill/>
+                  <a:ln>
+                    <a:noFill/>
+                  </a:ln>
+                </p:spPr>
+                <p:style>
+                  <a:lnRef idx="2">
+                    <a:schemeClr val="accent1">
+                      <a:shade val="50000"/>
+                    </a:schemeClr>
+                  </a:lnRef>
+                  <a:fillRef idx="1">
+                    <a:schemeClr val="accent1"/>
+                  </a:fillRef>
+                  <a:effectRef idx="0">
+                    <a:schemeClr val="accent1"/>
+                  </a:effectRef>
+                  <a:fontRef idx="minor">
+                    <a:schemeClr val="lt1"/>
+                  </a:fontRef>
+                </p:style>
+                <p:txBody>
+                  <a:bodyPr rtlCol="0" anchor="ctr"/>
+                  <a:lstStyle/>
+                  <a:p>
+                    <a:pPr algn="ctr"/>
+                    <a:endParaRPr lang="en-US"/>
+                  </a:p>
+                </p:txBody>
+              </p:sp>
+              <p:sp>
+                <p:nvSpPr>
+                  <p:cNvPr id="379" name="Oval 378">
+                    <a:extLst>
+                      <a:ext uri="{FF2B5EF4-FFF2-40B4-BE49-F238E27FC236}">
+                        <a16:creationId xmlns:a16="http://schemas.microsoft.com/office/drawing/2014/main" id="{6C11731C-9BC3-4DFA-A2CB-62368AF14CF4}"/>
+                      </a:ext>
+                    </a:extLst>
+                  </p:cNvPr>
+                  <p:cNvSpPr/>
+                  <p:nvPr/>
+                </p:nvSpPr>
+                <p:spPr>
+                  <a:xfrm flipV="1">
+                    <a:off x="1050360" y="1901184"/>
+                    <a:ext cx="31014" cy="29509"/>
+                  </a:xfrm>
+                  <a:prstGeom prst="ellipse">
+                    <a:avLst/>
+                  </a:prstGeom>
+                  <a:grpFill/>
+                  <a:ln>
+                    <a:noFill/>
+                  </a:ln>
+                </p:spPr>
+                <p:style>
+                  <a:lnRef idx="2">
+                    <a:schemeClr val="accent1">
+                      <a:shade val="50000"/>
+                    </a:schemeClr>
+                  </a:lnRef>
+                  <a:fillRef idx="1">
+                    <a:schemeClr val="accent1"/>
+                  </a:fillRef>
+                  <a:effectRef idx="0">
+                    <a:schemeClr val="accent1"/>
+                  </a:effectRef>
+                  <a:fontRef idx="minor">
+                    <a:schemeClr val="lt1"/>
+                  </a:fontRef>
+                </p:style>
+                <p:txBody>
+                  <a:bodyPr rtlCol="0" anchor="ctr"/>
+                  <a:lstStyle/>
+                  <a:p>
+                    <a:pPr algn="ctr"/>
+                    <a:endParaRPr lang="en-US"/>
+                  </a:p>
+                </p:txBody>
+              </p:sp>
+              <p:sp>
+                <p:nvSpPr>
+                  <p:cNvPr id="380" name="Oval 379">
+                    <a:extLst>
+                      <a:ext uri="{FF2B5EF4-FFF2-40B4-BE49-F238E27FC236}">
+                        <a16:creationId xmlns:a16="http://schemas.microsoft.com/office/drawing/2014/main" id="{72D52AF3-B129-4F7F-981E-8E86064F41DA}"/>
+                      </a:ext>
+                    </a:extLst>
+                  </p:cNvPr>
+                  <p:cNvSpPr/>
+                  <p:nvPr/>
+                </p:nvSpPr>
+                <p:spPr>
+                  <a:xfrm flipV="1">
+                    <a:off x="1027100" y="1865137"/>
+                    <a:ext cx="31014" cy="29509"/>
+                  </a:xfrm>
+                  <a:prstGeom prst="ellipse">
+                    <a:avLst/>
+                  </a:prstGeom>
+                  <a:grpFill/>
+                  <a:ln>
+                    <a:noFill/>
+                  </a:ln>
+                </p:spPr>
+                <p:style>
+                  <a:lnRef idx="2">
+                    <a:schemeClr val="accent1">
+                      <a:shade val="50000"/>
+                    </a:schemeClr>
+                  </a:lnRef>
+                  <a:fillRef idx="1">
+                    <a:schemeClr val="accent1"/>
+                  </a:fillRef>
+                  <a:effectRef idx="0">
+                    <a:schemeClr val="accent1"/>
+                  </a:effectRef>
+                  <a:fontRef idx="minor">
+                    <a:schemeClr val="lt1"/>
+                  </a:fontRef>
+                </p:style>
+                <p:txBody>
+                  <a:bodyPr rtlCol="0" anchor="ctr"/>
+                  <a:lstStyle/>
+                  <a:p>
+                    <a:pPr algn="ctr"/>
+                    <a:endParaRPr lang="en-US"/>
+                  </a:p>
+                </p:txBody>
+              </p:sp>
+              <p:sp>
+                <p:nvSpPr>
+                  <p:cNvPr id="382" name="Oval 381">
+                    <a:extLst>
+                      <a:ext uri="{FF2B5EF4-FFF2-40B4-BE49-F238E27FC236}">
+                        <a16:creationId xmlns:a16="http://schemas.microsoft.com/office/drawing/2014/main" id="{80EFD730-8BF0-4FA6-A5D1-D6D01B32B83A}"/>
+                      </a:ext>
+                    </a:extLst>
+                  </p:cNvPr>
+                  <p:cNvSpPr/>
+                  <p:nvPr/>
+                </p:nvSpPr>
+                <p:spPr>
+                  <a:xfrm flipV="1">
+                    <a:off x="988332" y="1840978"/>
+                    <a:ext cx="31014" cy="29509"/>
+                  </a:xfrm>
+                  <a:prstGeom prst="ellipse">
+                    <a:avLst/>
+                  </a:prstGeom>
+                  <a:grpFill/>
+                  <a:ln>
+                    <a:noFill/>
+                  </a:ln>
+                </p:spPr>
+                <p:style>
+                  <a:lnRef idx="2">
+                    <a:schemeClr val="accent1">
+                      <a:shade val="50000"/>
+                    </a:schemeClr>
+                  </a:lnRef>
+                  <a:fillRef idx="1">
+                    <a:schemeClr val="accent1"/>
+                  </a:fillRef>
+                  <a:effectRef idx="0">
+                    <a:schemeClr val="accent1"/>
+                  </a:effectRef>
+                  <a:fontRef idx="minor">
+                    <a:schemeClr val="lt1"/>
+                  </a:fontRef>
+                </p:style>
+                <p:txBody>
+                  <a:bodyPr rtlCol="0" anchor="ctr"/>
+                  <a:lstStyle/>
+                  <a:p>
+                    <a:pPr algn="ctr"/>
+                    <a:endParaRPr lang="en-US"/>
+                  </a:p>
+                </p:txBody>
+              </p:sp>
+              <p:sp>
+                <p:nvSpPr>
+                  <p:cNvPr id="383" name="Oval 382">
+                    <a:extLst>
+                      <a:ext uri="{FF2B5EF4-FFF2-40B4-BE49-F238E27FC236}">
+                        <a16:creationId xmlns:a16="http://schemas.microsoft.com/office/drawing/2014/main" id="{04C6725A-B163-4CD4-9761-BF16358EDAC3}"/>
+                      </a:ext>
+                    </a:extLst>
+                  </p:cNvPr>
+                  <p:cNvSpPr/>
+                  <p:nvPr/>
+                </p:nvSpPr>
+                <p:spPr>
+                  <a:xfrm flipV="1">
+                    <a:off x="1034382" y="1820177"/>
+                    <a:ext cx="31014" cy="29509"/>
+                  </a:xfrm>
+                  <a:prstGeom prst="ellipse">
+                    <a:avLst/>
+                  </a:prstGeom>
+                  <a:grpFill/>
+                  <a:ln>
+                    <a:noFill/>
+                  </a:ln>
+                </p:spPr>
+                <p:style>
+                  <a:lnRef idx="2">
+                    <a:schemeClr val="accent1">
+                      <a:shade val="50000"/>
+                    </a:schemeClr>
+                  </a:lnRef>
+                  <a:fillRef idx="1">
+                    <a:schemeClr val="accent1"/>
+                  </a:fillRef>
+                  <a:effectRef idx="0">
+                    <a:schemeClr val="accent1"/>
+                  </a:effectRef>
+                  <a:fontRef idx="minor">
+                    <a:schemeClr val="lt1"/>
+                  </a:fontRef>
+                </p:style>
+                <p:txBody>
+                  <a:bodyPr rtlCol="0" anchor="ctr"/>
+                  <a:lstStyle/>
+                  <a:p>
+                    <a:pPr algn="ctr"/>
+                    <a:endParaRPr lang="en-US"/>
+                  </a:p>
+                </p:txBody>
+              </p:sp>
+            </p:grpSp>
+          </p:grpSp>
+          <p:cxnSp>
+            <p:nvCxnSpPr>
+              <p:cNvPr id="24" name="Straight Connector 23">
+                <a:extLst>
+                  <a:ext uri="{FF2B5EF4-FFF2-40B4-BE49-F238E27FC236}">
+                    <a16:creationId xmlns:a16="http://schemas.microsoft.com/office/drawing/2014/main" id="{99908E6F-99F2-48D4-A212-5541577E073A}"/>
+                  </a:ext>
+                </a:extLst>
+              </p:cNvPr>
+              <p:cNvCxnSpPr>
+                <a:cxnSpLocks/>
+              </p:cNvCxnSpPr>
+              <p:nvPr/>
+            </p:nvCxnSpPr>
+            <p:spPr>
+              <a:xfrm flipV="1">
+                <a:off x="981044" y="1522720"/>
+                <a:ext cx="409115" cy="351990"/>
+              </a:xfrm>
+              <a:prstGeom prst="line">
+                <a:avLst/>
+              </a:prstGeom>
+              <a:ln>
+                <a:solidFill>
+                  <a:schemeClr val="tx1"/>
+                </a:solidFill>
+                <a:prstDash val="dash"/>
+              </a:ln>
+            </p:spPr>
+            <p:style>
+              <a:lnRef idx="1">
+                <a:schemeClr val="accent1"/>
+              </a:lnRef>
+              <a:fillRef idx="0">
+                <a:schemeClr val="accent1"/>
+              </a:fillRef>
+              <a:effectRef idx="0">
+                <a:schemeClr val="accent1"/>
+              </a:effectRef>
+              <a:fontRef idx="minor">
+                <a:schemeClr val="tx1"/>
+              </a:fontRef>
+            </p:style>
+          </p:cxnSp>
+        </p:grpSp>
+        <p:grpSp>
+          <p:nvGrpSpPr>
+            <p:cNvPr id="48" name="Group 47">
+              <a:extLst>
+                <a:ext uri="{FF2B5EF4-FFF2-40B4-BE49-F238E27FC236}">
+                  <a16:creationId xmlns:a16="http://schemas.microsoft.com/office/drawing/2014/main" id="{1199C9EE-D42A-454A-96A9-6D3041C3AFDB}"/>
+                </a:ext>
+              </a:extLst>
+            </p:cNvPr>
+            <p:cNvGrpSpPr/>
+            <p:nvPr/>
+          </p:nvGrpSpPr>
+          <p:grpSpPr>
+            <a:xfrm>
+              <a:off x="176758" y="1033756"/>
+              <a:ext cx="996366" cy="748505"/>
+              <a:chOff x="2001238" y="539402"/>
+              <a:chExt cx="996366" cy="748505"/>
+            </a:xfrm>
+          </p:grpSpPr>
+          <p:grpSp>
+            <p:nvGrpSpPr>
+              <p:cNvPr id="46" name="Group 45">
+                <a:extLst>
+                  <a:ext uri="{FF2B5EF4-FFF2-40B4-BE49-F238E27FC236}">
+                    <a16:creationId xmlns:a16="http://schemas.microsoft.com/office/drawing/2014/main" id="{413E4E41-9909-49FC-859C-D0AAEE3A477F}"/>
+                  </a:ext>
+                </a:extLst>
+              </p:cNvPr>
+              <p:cNvGrpSpPr/>
+              <p:nvPr/>
+            </p:nvGrpSpPr>
+            <p:grpSpPr>
+              <a:xfrm>
+                <a:off x="2001238" y="539402"/>
+                <a:ext cx="908800" cy="748505"/>
+                <a:chOff x="2075032" y="248610"/>
+                <a:chExt cx="908800" cy="748505"/>
+              </a:xfrm>
+            </p:grpSpPr>
+            <p:sp>
+              <p:nvSpPr>
+                <p:cNvPr id="405" name="Rectangle 404">
+                  <a:extLst>
+                    <a:ext uri="{FF2B5EF4-FFF2-40B4-BE49-F238E27FC236}">
+                      <a16:creationId xmlns:a16="http://schemas.microsoft.com/office/drawing/2014/main" id="{5D7AFC28-033C-4635-89FF-924408E3B789}"/>
+                    </a:ext>
+                  </a:extLst>
+                </p:cNvPr>
+                <p:cNvSpPr/>
+                <p:nvPr/>
+              </p:nvSpPr>
+              <p:spPr>
+                <a:xfrm>
+                  <a:off x="2269000" y="425752"/>
+                  <a:ext cx="714832" cy="351281"/>
+                </a:xfrm>
+                <a:prstGeom prst="rect">
+                  <a:avLst/>
+                </a:prstGeom>
+                <a:solidFill>
+                  <a:schemeClr val="bg2"/>
+                </a:solidFill>
+                <a:ln>
+                  <a:noFill/>
+                </a:ln>
+              </p:spPr>
+              <p:style>
+                <a:lnRef idx="2">
+                  <a:schemeClr val="accent1">
+                    <a:shade val="50000"/>
+                  </a:schemeClr>
+                </a:lnRef>
+                <a:fillRef idx="1">
+                  <a:schemeClr val="accent1"/>
+                </a:fillRef>
+                <a:effectRef idx="0">
+                  <a:schemeClr val="accent1"/>
+                </a:effectRef>
+                <a:fontRef idx="minor">
+                  <a:schemeClr val="lt1"/>
+                </a:fontRef>
+              </p:style>
+              <p:txBody>
+                <a:bodyPr rtlCol="0" anchor="ctr"/>
+                <a:lstStyle/>
+                <a:p>
+                  <a:pPr algn="ctr"/>
+                  <a:endParaRPr lang="en-MY"/>
+                </a:p>
+              </p:txBody>
+            </p:sp>
+            <p:cxnSp>
+              <p:nvCxnSpPr>
+                <p:cNvPr id="406" name="Straight Arrow Connector 405">
+                  <a:extLst>
+                    <a:ext uri="{FF2B5EF4-FFF2-40B4-BE49-F238E27FC236}">
+                      <a16:creationId xmlns:a16="http://schemas.microsoft.com/office/drawing/2014/main" id="{0103ECBA-C565-484E-9B87-F4B2207BADD8}"/>
+                    </a:ext>
+                  </a:extLst>
+                </p:cNvPr>
+                <p:cNvCxnSpPr>
+                  <a:cxnSpLocks/>
+                </p:cNvCxnSpPr>
+                <p:nvPr/>
+              </p:nvCxnSpPr>
+              <p:spPr>
+                <a:xfrm flipV="1">
+                  <a:off x="2269000" y="407228"/>
+                  <a:ext cx="0" cy="369806"/>
+                </a:xfrm>
+                <a:prstGeom prst="straightConnector1">
+                  <a:avLst/>
+                </a:prstGeom>
+                <a:ln>
+                  <a:solidFill>
+                    <a:schemeClr val="tx1"/>
+                  </a:solidFill>
+                  <a:tailEnd type="triangle" w="sm" len="sm"/>
+                </a:ln>
+              </p:spPr>
+              <p:style>
+                <a:lnRef idx="1">
+                  <a:schemeClr val="accent1"/>
+                </a:lnRef>
+                <a:fillRef idx="0">
+                  <a:schemeClr val="accent1"/>
+                </a:fillRef>
+                <a:effectRef idx="0">
+                  <a:schemeClr val="accent1"/>
+                </a:effectRef>
+                <a:fontRef idx="minor">
+                  <a:schemeClr val="tx1"/>
+                </a:fontRef>
+              </p:style>
+            </p:cxnSp>
+            <p:cxnSp>
+              <p:nvCxnSpPr>
+                <p:cNvPr id="407" name="Straight Arrow Connector 406">
+                  <a:extLst>
+                    <a:ext uri="{FF2B5EF4-FFF2-40B4-BE49-F238E27FC236}">
+                      <a16:creationId xmlns:a16="http://schemas.microsoft.com/office/drawing/2014/main" id="{A9E625F7-DA34-499D-BC8D-D0AB903FD987}"/>
+                    </a:ext>
+                  </a:extLst>
+                </p:cNvPr>
+                <p:cNvCxnSpPr>
+                  <a:cxnSpLocks/>
+                </p:cNvCxnSpPr>
+                <p:nvPr/>
+              </p:nvCxnSpPr>
+              <p:spPr>
+                <a:xfrm flipV="1">
+                  <a:off x="2266448" y="777035"/>
+                  <a:ext cx="714834" cy="2454"/>
+                </a:xfrm>
+                <a:prstGeom prst="straightConnector1">
+                  <a:avLst/>
+                </a:prstGeom>
+                <a:ln>
+                  <a:solidFill>
+                    <a:schemeClr val="tx1"/>
+                  </a:solidFill>
+                  <a:tailEnd type="triangle" w="sm" len="sm"/>
+                </a:ln>
+              </p:spPr>
+              <p:style>
+                <a:lnRef idx="1">
+                  <a:schemeClr val="accent1"/>
+                </a:lnRef>
+                <a:fillRef idx="0">
+                  <a:schemeClr val="accent1"/>
+                </a:fillRef>
+                <a:effectRef idx="0">
+                  <a:schemeClr val="accent1"/>
+                </a:effectRef>
+                <a:fontRef idx="minor">
+                  <a:schemeClr val="tx1"/>
+                </a:fontRef>
+              </p:style>
+            </p:cxnSp>
+            <p:sp>
+              <p:nvSpPr>
+                <p:cNvPr id="408" name="Rectangle: Rounded Corners 407">
+                  <a:extLst>
+                    <a:ext uri="{FF2B5EF4-FFF2-40B4-BE49-F238E27FC236}">
+                      <a16:creationId xmlns:a16="http://schemas.microsoft.com/office/drawing/2014/main" id="{D855E67D-5817-4B5C-B27E-89953D7EEBA2}"/>
+                    </a:ext>
+                  </a:extLst>
+                </p:cNvPr>
+                <p:cNvSpPr/>
+                <p:nvPr/>
+              </p:nvSpPr>
+              <p:spPr>
+                <a:xfrm>
+                  <a:off x="2174511" y="780728"/>
+                  <a:ext cx="809321" cy="216387"/>
+                </a:xfrm>
+                <a:prstGeom prst="roundRect">
+                  <a:avLst/>
+                </a:prstGeom>
+                <a:noFill/>
+                <a:ln>
+                  <a:noFill/>
+                </a:ln>
+              </p:spPr>
+              <p:style>
+                <a:lnRef idx="2">
+                  <a:schemeClr val="accent1">
+                    <a:shade val="50000"/>
+                  </a:schemeClr>
+                </a:lnRef>
+                <a:fillRef idx="1">
+                  <a:schemeClr val="accent1"/>
+                </a:fillRef>
+                <a:effectRef idx="0">
+                  <a:schemeClr val="accent1"/>
+                </a:effectRef>
+                <a:fontRef idx="minor">
+                  <a:schemeClr val="lt1"/>
+                </a:fontRef>
+              </p:style>
+              <p:txBody>
+                <a:bodyPr rtlCol="0" anchor="ctr"/>
+                <a:lstStyle/>
+                <a:p>
+                  <a:pPr algn="ctr"/>
+                  <a:r>
+                    <a:rPr lang="en-US" sz="600" dirty="0">
+                      <a:solidFill>
+                        <a:schemeClr val="tx1"/>
+                      </a:solidFill>
+                    </a:rPr>
+                    <a:t>Thermodynamic properties</a:t>
+                  </a:r>
+                  <a:endParaRPr lang="en-MY" sz="600" dirty="0">
+                    <a:solidFill>
+                      <a:schemeClr val="tx1"/>
+                    </a:solidFill>
+                  </a:endParaRPr>
+                </a:p>
+              </p:txBody>
+            </p:sp>
+            <p:sp>
+              <p:nvSpPr>
+                <p:cNvPr id="409" name="Rectangle: Rounded Corners 408">
+                  <a:extLst>
+                    <a:ext uri="{FF2B5EF4-FFF2-40B4-BE49-F238E27FC236}">
+                      <a16:creationId xmlns:a16="http://schemas.microsoft.com/office/drawing/2014/main" id="{8EBB0034-69ED-428B-A56E-FBF3E4207D39}"/>
+                    </a:ext>
+                  </a:extLst>
+                </p:cNvPr>
+                <p:cNvSpPr/>
+                <p:nvPr/>
+              </p:nvSpPr>
+              <p:spPr>
+                <a:xfrm rot="16200000">
+                  <a:off x="1814820" y="508822"/>
+                  <a:ext cx="736811" cy="216387"/>
+                </a:xfrm>
+                <a:prstGeom prst="roundRect">
+                  <a:avLst/>
+                </a:prstGeom>
+                <a:noFill/>
+                <a:ln>
+                  <a:noFill/>
+                </a:ln>
+              </p:spPr>
+              <p:style>
+                <a:lnRef idx="2">
+                  <a:schemeClr val="accent1">
+                    <a:shade val="50000"/>
+                  </a:schemeClr>
+                </a:lnRef>
+                <a:fillRef idx="1">
+                  <a:schemeClr val="accent1"/>
+                </a:fillRef>
+                <a:effectRef idx="0">
+                  <a:schemeClr val="accent1"/>
+                </a:effectRef>
+                <a:fontRef idx="minor">
+                  <a:schemeClr val="lt1"/>
+                </a:fontRef>
+              </p:style>
+              <p:txBody>
+                <a:bodyPr rtlCol="0" anchor="ctr"/>
+                <a:lstStyle/>
+                <a:p>
+                  <a:pPr algn="ctr"/>
+                  <a:r>
+                    <a:rPr lang="en-US" sz="600" dirty="0">
+                      <a:solidFill>
+                        <a:schemeClr val="tx1"/>
+                      </a:solidFill>
+                    </a:rPr>
+                    <a:t>Frequency</a:t>
+                  </a:r>
+                  <a:endParaRPr lang="en-MY" sz="600" dirty="0">
+                    <a:solidFill>
+                      <a:schemeClr val="tx1"/>
+                    </a:solidFill>
+                  </a:endParaRPr>
+                </a:p>
+              </p:txBody>
+            </p:sp>
+            <p:sp>
+              <p:nvSpPr>
+                <p:cNvPr id="38" name="Freeform: Shape 37">
+                  <a:extLst>
+                    <a:ext uri="{FF2B5EF4-FFF2-40B4-BE49-F238E27FC236}">
+                      <a16:creationId xmlns:a16="http://schemas.microsoft.com/office/drawing/2014/main" id="{69F19266-565A-4B4E-B1E1-4EE6AA901385}"/>
+                    </a:ext>
+                  </a:extLst>
+                </p:cNvPr>
+                <p:cNvSpPr/>
+                <p:nvPr/>
+              </p:nvSpPr>
+              <p:spPr>
+                <a:xfrm>
+                  <a:off x="2281990" y="652511"/>
+                  <a:ext cx="577516" cy="121521"/>
+                </a:xfrm>
+                <a:custGeom>
+                  <a:avLst/>
+                  <a:gdLst>
+                    <a:gd name="connsiteX0" fmla="*/ 0 w 577516"/>
+                    <a:gd name="connsiteY0" fmla="*/ 117511 h 121521"/>
+                    <a:gd name="connsiteX1" fmla="*/ 120316 w 577516"/>
+                    <a:gd name="connsiteY1" fmla="*/ 1205 h 121521"/>
+                    <a:gd name="connsiteX2" fmla="*/ 236621 w 577516"/>
+                    <a:gd name="connsiteY2" fmla="*/ 57353 h 121521"/>
+                    <a:gd name="connsiteX3" fmla="*/ 352927 w 577516"/>
+                    <a:gd name="connsiteY3" fmla="*/ 65374 h 121521"/>
+                    <a:gd name="connsiteX4" fmla="*/ 485274 w 577516"/>
+                    <a:gd name="connsiteY4" fmla="*/ 101468 h 121521"/>
+                    <a:gd name="connsiteX5" fmla="*/ 577516 w 577516"/>
+                    <a:gd name="connsiteY5" fmla="*/ 121521 h 121521"/>
+                  </a:gdLst>
+                  <a:ahLst/>
+                  <a:cxnLst>
+                    <a:cxn ang="0">
+                      <a:pos x="connsiteX0" y="connsiteY0"/>
+                    </a:cxn>
+                    <a:cxn ang="0">
+                      <a:pos x="connsiteX1" y="connsiteY1"/>
+                    </a:cxn>
+                    <a:cxn ang="0">
+                      <a:pos x="connsiteX2" y="connsiteY2"/>
+                    </a:cxn>
+                    <a:cxn ang="0">
+                      <a:pos x="connsiteX3" y="connsiteY3"/>
+                    </a:cxn>
+                    <a:cxn ang="0">
+                      <a:pos x="connsiteX4" y="connsiteY4"/>
+                    </a:cxn>
+                    <a:cxn ang="0">
+                      <a:pos x="connsiteX5" y="connsiteY5"/>
+                    </a:cxn>
+                  </a:cxnLst>
+                  <a:rect l="l" t="t" r="r" b="b"/>
+                  <a:pathLst>
+                    <a:path w="577516" h="121521">
+                      <a:moveTo>
+                        <a:pt x="0" y="117511"/>
+                      </a:moveTo>
+                      <a:cubicBezTo>
+                        <a:pt x="40439" y="64371"/>
+                        <a:pt x="80879" y="11231"/>
+                        <a:pt x="120316" y="1205"/>
+                      </a:cubicBezTo>
+                      <a:cubicBezTo>
+                        <a:pt x="159753" y="-8821"/>
+                        <a:pt x="197853" y="46658"/>
+                        <a:pt x="236621" y="57353"/>
+                      </a:cubicBezTo>
+                      <a:cubicBezTo>
+                        <a:pt x="275389" y="68048"/>
+                        <a:pt x="311485" y="58022"/>
+                        <a:pt x="352927" y="65374"/>
+                      </a:cubicBezTo>
+                      <a:cubicBezTo>
+                        <a:pt x="394369" y="72726"/>
+                        <a:pt x="447843" y="92110"/>
+                        <a:pt x="485274" y="101468"/>
+                      </a:cubicBezTo>
+                      <a:cubicBezTo>
+                        <a:pt x="522705" y="110826"/>
+                        <a:pt x="550110" y="116173"/>
+                        <a:pt x="577516" y="121521"/>
+                      </a:cubicBezTo>
+                    </a:path>
+                  </a:pathLst>
+                </a:custGeom>
+                <a:noFill/>
+                <a:ln>
+                  <a:solidFill>
+                    <a:schemeClr val="accent2"/>
+                  </a:solidFill>
+                </a:ln>
+              </p:spPr>
+              <p:style>
+                <a:lnRef idx="2">
+                  <a:schemeClr val="accent1">
+                    <a:shade val="50000"/>
+                  </a:schemeClr>
+                </a:lnRef>
+                <a:fillRef idx="1">
+                  <a:schemeClr val="accent1"/>
+                </a:fillRef>
+                <a:effectRef idx="0">
+                  <a:schemeClr val="accent1"/>
+                </a:effectRef>
+                <a:fontRef idx="minor">
+                  <a:schemeClr val="lt1"/>
+                </a:fontRef>
+              </p:style>
+              <p:txBody>
+                <a:bodyPr rtlCol="0" anchor="ctr"/>
+                <a:lstStyle/>
+                <a:p>
+                  <a:pPr algn="ctr"/>
+                  <a:endParaRPr lang="en-MY"/>
+                </a:p>
+              </p:txBody>
+            </p:sp>
+            <p:sp>
+              <p:nvSpPr>
+                <p:cNvPr id="440" name="Freeform: Shape 439">
+                  <a:extLst>
+                    <a:ext uri="{FF2B5EF4-FFF2-40B4-BE49-F238E27FC236}">
+                      <a16:creationId xmlns:a16="http://schemas.microsoft.com/office/drawing/2014/main" id="{9FA234B1-8429-4D20-8CB7-8F8D923F3BB6}"/>
+                    </a:ext>
+                  </a:extLst>
+                </p:cNvPr>
+                <p:cNvSpPr/>
+                <p:nvPr/>
+              </p:nvSpPr>
+              <p:spPr>
+                <a:xfrm>
+                  <a:off x="2347592" y="560646"/>
+                  <a:ext cx="351492" cy="216387"/>
+                </a:xfrm>
+                <a:custGeom>
+                  <a:avLst/>
+                  <a:gdLst>
+                    <a:gd name="connsiteX0" fmla="*/ 0 w 577516"/>
+                    <a:gd name="connsiteY0" fmla="*/ 117511 h 121521"/>
+                    <a:gd name="connsiteX1" fmla="*/ 120316 w 577516"/>
+                    <a:gd name="connsiteY1" fmla="*/ 1205 h 121521"/>
+                    <a:gd name="connsiteX2" fmla="*/ 236621 w 577516"/>
+                    <a:gd name="connsiteY2" fmla="*/ 57353 h 121521"/>
+                    <a:gd name="connsiteX3" fmla="*/ 352927 w 577516"/>
+                    <a:gd name="connsiteY3" fmla="*/ 65374 h 121521"/>
+                    <a:gd name="connsiteX4" fmla="*/ 485274 w 577516"/>
+                    <a:gd name="connsiteY4" fmla="*/ 101468 h 121521"/>
+                    <a:gd name="connsiteX5" fmla="*/ 577516 w 577516"/>
+                    <a:gd name="connsiteY5" fmla="*/ 121521 h 121521"/>
+                  </a:gdLst>
+                  <a:ahLst/>
+                  <a:cxnLst>
+                    <a:cxn ang="0">
+                      <a:pos x="connsiteX0" y="connsiteY0"/>
+                    </a:cxn>
+                    <a:cxn ang="0">
+                      <a:pos x="connsiteX1" y="connsiteY1"/>
+                    </a:cxn>
+                    <a:cxn ang="0">
+                      <a:pos x="connsiteX2" y="connsiteY2"/>
+                    </a:cxn>
+                    <a:cxn ang="0">
+                      <a:pos x="connsiteX3" y="connsiteY3"/>
+                    </a:cxn>
+                    <a:cxn ang="0">
+                      <a:pos x="connsiteX4" y="connsiteY4"/>
+                    </a:cxn>
+                    <a:cxn ang="0">
+                      <a:pos x="connsiteX5" y="connsiteY5"/>
+                    </a:cxn>
+                  </a:cxnLst>
+                  <a:rect l="l" t="t" r="r" b="b"/>
+                  <a:pathLst>
+                    <a:path w="577516" h="121521">
+                      <a:moveTo>
+                        <a:pt x="0" y="117511"/>
+                      </a:moveTo>
+                      <a:cubicBezTo>
+                        <a:pt x="40439" y="64371"/>
+                        <a:pt x="80879" y="11231"/>
+                        <a:pt x="120316" y="1205"/>
+                      </a:cubicBezTo>
+                      <a:cubicBezTo>
+                        <a:pt x="159753" y="-8821"/>
+                        <a:pt x="197853" y="46658"/>
+                        <a:pt x="236621" y="57353"/>
+                      </a:cubicBezTo>
+                      <a:cubicBezTo>
+                        <a:pt x="275389" y="68048"/>
+                        <a:pt x="311485" y="58022"/>
+                        <a:pt x="352927" y="65374"/>
+                      </a:cubicBezTo>
+                      <a:cubicBezTo>
+                        <a:pt x="394369" y="72726"/>
+                        <a:pt x="447843" y="92110"/>
+                        <a:pt x="485274" y="101468"/>
+                      </a:cubicBezTo>
+                      <a:cubicBezTo>
+                        <a:pt x="522705" y="110826"/>
+                        <a:pt x="550110" y="116173"/>
+                        <a:pt x="577516" y="121521"/>
+                      </a:cubicBezTo>
+                    </a:path>
+                  </a:pathLst>
+                </a:custGeom>
+                <a:noFill/>
+                <a:ln>
+                  <a:solidFill>
+                    <a:srgbClr val="00B050"/>
+                  </a:solidFill>
+                </a:ln>
+              </p:spPr>
+              <p:style>
+                <a:lnRef idx="2">
+                  <a:schemeClr val="accent1">
+                    <a:shade val="50000"/>
+                  </a:schemeClr>
+                </a:lnRef>
+                <a:fillRef idx="1">
+                  <a:schemeClr val="accent1"/>
+                </a:fillRef>
+                <a:effectRef idx="0">
+                  <a:schemeClr val="accent1"/>
+                </a:effectRef>
+                <a:fontRef idx="minor">
+                  <a:schemeClr val="lt1"/>
+                </a:fontRef>
+              </p:style>
+              <p:txBody>
+                <a:bodyPr rtlCol="0" anchor="ctr"/>
+                <a:lstStyle/>
+                <a:p>
+                  <a:pPr algn="ctr"/>
+                  <a:endParaRPr lang="en-MY"/>
+                </a:p>
+              </p:txBody>
+            </p:sp>
+            <p:sp>
+              <p:nvSpPr>
+                <p:cNvPr id="44" name="Freeform: Shape 43">
+                  <a:extLst>
+                    <a:ext uri="{FF2B5EF4-FFF2-40B4-BE49-F238E27FC236}">
+                      <a16:creationId xmlns:a16="http://schemas.microsoft.com/office/drawing/2014/main" id="{AF9D334E-7BCD-447E-89E9-0ED4978F7FC5}"/>
+                    </a:ext>
+                  </a:extLst>
+                </p:cNvPr>
+                <p:cNvSpPr/>
+                <p:nvPr/>
+              </p:nvSpPr>
+              <p:spPr>
+                <a:xfrm>
+                  <a:off x="2457363" y="637249"/>
+                  <a:ext cx="433137" cy="139796"/>
+                </a:xfrm>
+                <a:custGeom>
+                  <a:avLst/>
+                  <a:gdLst>
+                    <a:gd name="connsiteX0" fmla="*/ 0 w 433137"/>
+                    <a:gd name="connsiteY0" fmla="*/ 132900 h 139796"/>
+                    <a:gd name="connsiteX1" fmla="*/ 136358 w 433137"/>
+                    <a:gd name="connsiteY1" fmla="*/ 124879 h 139796"/>
+                    <a:gd name="connsiteX2" fmla="*/ 236621 w 433137"/>
+                    <a:gd name="connsiteY2" fmla="*/ 552 h 139796"/>
+                    <a:gd name="connsiteX3" fmla="*/ 324853 w 433137"/>
+                    <a:gd name="connsiteY3" fmla="*/ 80763 h 139796"/>
+                    <a:gd name="connsiteX4" fmla="*/ 376990 w 433137"/>
+                    <a:gd name="connsiteY4" fmla="*/ 116857 h 139796"/>
+                    <a:gd name="connsiteX5" fmla="*/ 433137 w 433137"/>
+                    <a:gd name="connsiteY5" fmla="*/ 136910 h 139796"/>
+                  </a:gdLst>
+                  <a:ahLst/>
+                  <a:cxnLst>
+                    <a:cxn ang="0">
+                      <a:pos x="connsiteX0" y="connsiteY0"/>
+                    </a:cxn>
+                    <a:cxn ang="0">
+                      <a:pos x="connsiteX1" y="connsiteY1"/>
+                    </a:cxn>
+                    <a:cxn ang="0">
+                      <a:pos x="connsiteX2" y="connsiteY2"/>
+                    </a:cxn>
+                    <a:cxn ang="0">
+                      <a:pos x="connsiteX3" y="connsiteY3"/>
+                    </a:cxn>
+                    <a:cxn ang="0">
+                      <a:pos x="connsiteX4" y="connsiteY4"/>
+                    </a:cxn>
+                    <a:cxn ang="0">
+                      <a:pos x="connsiteX5" y="connsiteY5"/>
+                    </a:cxn>
+                  </a:cxnLst>
+                  <a:rect l="l" t="t" r="r" b="b"/>
+                  <a:pathLst>
+                    <a:path w="433137" h="139796">
+                      <a:moveTo>
+                        <a:pt x="0" y="132900"/>
+                      </a:moveTo>
+                      <a:cubicBezTo>
+                        <a:pt x="48460" y="139918"/>
+                        <a:pt x="96921" y="146937"/>
+                        <a:pt x="136358" y="124879"/>
+                      </a:cubicBezTo>
+                      <a:cubicBezTo>
+                        <a:pt x="175795" y="102821"/>
+                        <a:pt x="205205" y="7905"/>
+                        <a:pt x="236621" y="552"/>
+                      </a:cubicBezTo>
+                      <a:cubicBezTo>
+                        <a:pt x="268037" y="-6801"/>
+                        <a:pt x="301458" y="61379"/>
+                        <a:pt x="324853" y="80763"/>
+                      </a:cubicBezTo>
+                      <a:cubicBezTo>
+                        <a:pt x="348248" y="100147"/>
+                        <a:pt x="358943" y="107499"/>
+                        <a:pt x="376990" y="116857"/>
+                      </a:cubicBezTo>
+                      <a:cubicBezTo>
+                        <a:pt x="395037" y="126215"/>
+                        <a:pt x="414087" y="131562"/>
+                        <a:pt x="433137" y="136910"/>
+                      </a:cubicBezTo>
+                    </a:path>
+                  </a:pathLst>
+                </a:custGeom>
+                <a:noFill/>
+                <a:ln>
+                  <a:solidFill>
+                    <a:srgbClr val="7030A0"/>
+                  </a:solidFill>
+                </a:ln>
+              </p:spPr>
+              <p:style>
+                <a:lnRef idx="2">
+                  <a:schemeClr val="accent1">
+                    <a:shade val="50000"/>
+                  </a:schemeClr>
+                </a:lnRef>
+                <a:fillRef idx="1">
+                  <a:schemeClr val="accent1"/>
+                </a:fillRef>
+                <a:effectRef idx="0">
+                  <a:schemeClr val="accent1"/>
+                </a:effectRef>
+                <a:fontRef idx="minor">
+                  <a:schemeClr val="lt1"/>
+                </a:fontRef>
+              </p:style>
+              <p:txBody>
+                <a:bodyPr rtlCol="0" anchor="ctr"/>
+                <a:lstStyle/>
+                <a:p>
+                  <a:pPr algn="ctr"/>
+                  <a:endParaRPr lang="en-MY"/>
+                </a:p>
+              </p:txBody>
+            </p:sp>
+          </p:grpSp>
+          <p:sp>
+            <p:nvSpPr>
+              <p:cNvPr id="454" name="Rectangle: Rounded Corners 453">
+                <a:extLst>
+                  <a:ext uri="{FF2B5EF4-FFF2-40B4-BE49-F238E27FC236}">
+                    <a16:creationId xmlns:a16="http://schemas.microsoft.com/office/drawing/2014/main" id="{2000110A-5781-4FDF-B646-37C2983EE91D}"/>
+                  </a:ext>
+                </a:extLst>
+              </p:cNvPr>
+              <p:cNvSpPr/>
+              <p:nvPr/>
+            </p:nvSpPr>
+            <p:spPr>
+              <a:xfrm>
+                <a:off x="2282770" y="719252"/>
+                <a:ext cx="714834" cy="216387"/>
+              </a:xfrm>
+              <a:prstGeom prst="roundRect">
+                <a:avLst/>
+              </a:prstGeom>
+              <a:noFill/>
+              <a:ln>
+                <a:noFill/>
+              </a:ln>
+            </p:spPr>
+            <p:style>
+              <a:lnRef idx="2">
+                <a:schemeClr val="accent1">
+                  <a:shade val="50000"/>
+                </a:schemeClr>
+              </a:lnRef>
+              <a:fillRef idx="1">
+                <a:schemeClr val="accent1"/>
+              </a:fillRef>
+              <a:effectRef idx="0">
+                <a:schemeClr val="accent1"/>
+              </a:effectRef>
+              <a:fontRef idx="minor">
+                <a:schemeClr val="lt1"/>
+              </a:fontRef>
+            </p:style>
+            <p:txBody>
+              <a:bodyPr rtlCol="0" anchor="ctr"/>
+              <a:lstStyle/>
+              <a:p>
+                <a:pPr algn="r"/>
+                <a:r>
+                  <a:rPr lang="en-US" sz="500" dirty="0">
+                    <a:solidFill>
+                      <a:schemeClr val="tx1"/>
+                    </a:solidFill>
+                  </a:rPr>
+                  <a:t>Distributed sample properties</a:t>
+                </a:r>
+                <a:endParaRPr lang="en-MY" sz="500" dirty="0">
+                  <a:solidFill>
+                    <a:schemeClr val="tx1"/>
+                  </a:solidFill>
+                </a:endParaRPr>
+              </a:p>
+            </p:txBody>
+          </p:sp>
+        </p:grpSp>
+        <p:grpSp>
+          <p:nvGrpSpPr>
+            <p:cNvPr id="455" name="Group 454">
+              <a:extLst>
+                <a:ext uri="{FF2B5EF4-FFF2-40B4-BE49-F238E27FC236}">
+                  <a16:creationId xmlns:a16="http://schemas.microsoft.com/office/drawing/2014/main" id="{246497D9-05FC-4927-BBB0-DC4BB211DDEF}"/>
+                </a:ext>
+              </a:extLst>
+            </p:cNvPr>
+            <p:cNvGrpSpPr/>
+            <p:nvPr/>
+          </p:nvGrpSpPr>
+          <p:grpSpPr>
+            <a:xfrm>
+              <a:off x="190614" y="2034361"/>
+              <a:ext cx="908800" cy="748505"/>
+              <a:chOff x="1067561" y="2071651"/>
+              <a:chExt cx="908800" cy="748505"/>
+            </a:xfrm>
+          </p:grpSpPr>
+          <p:grpSp>
+            <p:nvGrpSpPr>
+              <p:cNvPr id="470" name="Group 469">
+                <a:extLst>
+                  <a:ext uri="{FF2B5EF4-FFF2-40B4-BE49-F238E27FC236}">
+                    <a16:creationId xmlns:a16="http://schemas.microsoft.com/office/drawing/2014/main" id="{5DA37AB7-36EB-432B-809F-34D90E5A56C0}"/>
+                  </a:ext>
+                </a:extLst>
+              </p:cNvPr>
+              <p:cNvGrpSpPr/>
+              <p:nvPr/>
+            </p:nvGrpSpPr>
+            <p:grpSpPr>
+              <a:xfrm>
+                <a:off x="1067561" y="2071651"/>
+                <a:ext cx="908800" cy="748505"/>
+                <a:chOff x="2075032" y="248610"/>
+                <a:chExt cx="908800" cy="748505"/>
+              </a:xfrm>
+            </p:grpSpPr>
+            <p:sp>
+              <p:nvSpPr>
+                <p:cNvPr id="472" name="Rectangle 471">
+                  <a:extLst>
+                    <a:ext uri="{FF2B5EF4-FFF2-40B4-BE49-F238E27FC236}">
+                      <a16:creationId xmlns:a16="http://schemas.microsoft.com/office/drawing/2014/main" id="{9EE55F46-55F1-45BD-8FE1-D66437F25DF2}"/>
+                    </a:ext>
+                  </a:extLst>
+                </p:cNvPr>
+                <p:cNvSpPr/>
+                <p:nvPr/>
+              </p:nvSpPr>
+              <p:spPr>
+                <a:xfrm>
+                  <a:off x="2269000" y="425752"/>
+                  <a:ext cx="714832" cy="351281"/>
+                </a:xfrm>
+                <a:prstGeom prst="rect">
+                  <a:avLst/>
+                </a:prstGeom>
+                <a:solidFill>
+                  <a:schemeClr val="bg2"/>
+                </a:solidFill>
+                <a:ln>
+                  <a:noFill/>
+                </a:ln>
+              </p:spPr>
+              <p:style>
+                <a:lnRef idx="2">
+                  <a:schemeClr val="accent1">
+                    <a:shade val="50000"/>
+                  </a:schemeClr>
+                </a:lnRef>
+                <a:fillRef idx="1">
+                  <a:schemeClr val="accent1"/>
+                </a:fillRef>
+                <a:effectRef idx="0">
+                  <a:schemeClr val="accent1"/>
+                </a:effectRef>
+                <a:fontRef idx="minor">
+                  <a:schemeClr val="lt1"/>
+                </a:fontRef>
+              </p:style>
+              <p:txBody>
+                <a:bodyPr rtlCol="0" anchor="ctr"/>
+                <a:lstStyle/>
+                <a:p>
+                  <a:pPr algn="ctr"/>
+                  <a:endParaRPr lang="en-MY"/>
+                </a:p>
+              </p:txBody>
+            </p:sp>
+            <p:cxnSp>
+              <p:nvCxnSpPr>
+                <p:cNvPr id="473" name="Straight Arrow Connector 472">
+                  <a:extLst>
+                    <a:ext uri="{FF2B5EF4-FFF2-40B4-BE49-F238E27FC236}">
+                      <a16:creationId xmlns:a16="http://schemas.microsoft.com/office/drawing/2014/main" id="{075C941B-9FAB-4EF4-A427-1767993476F2}"/>
+                    </a:ext>
+                  </a:extLst>
+                </p:cNvPr>
+                <p:cNvCxnSpPr>
+                  <a:cxnSpLocks/>
+                </p:cNvCxnSpPr>
+                <p:nvPr/>
+              </p:nvCxnSpPr>
+              <p:spPr>
+                <a:xfrm flipV="1">
+                  <a:off x="2269000" y="407228"/>
+                  <a:ext cx="0" cy="369806"/>
+                </a:xfrm>
+                <a:prstGeom prst="straightConnector1">
+                  <a:avLst/>
+                </a:prstGeom>
+                <a:ln>
+                  <a:solidFill>
+                    <a:schemeClr val="tx1"/>
+                  </a:solidFill>
+                  <a:tailEnd type="triangle" w="sm" len="sm"/>
+                </a:ln>
+              </p:spPr>
+              <p:style>
+                <a:lnRef idx="1">
+                  <a:schemeClr val="accent1"/>
+                </a:lnRef>
+                <a:fillRef idx="0">
+                  <a:schemeClr val="accent1"/>
+                </a:fillRef>
+                <a:effectRef idx="0">
+                  <a:schemeClr val="accent1"/>
+                </a:effectRef>
+                <a:fontRef idx="minor">
+                  <a:schemeClr val="tx1"/>
+                </a:fontRef>
+              </p:style>
+            </p:cxnSp>
+            <p:cxnSp>
+              <p:nvCxnSpPr>
+                <p:cNvPr id="474" name="Straight Arrow Connector 473">
+                  <a:extLst>
+                    <a:ext uri="{FF2B5EF4-FFF2-40B4-BE49-F238E27FC236}">
+                      <a16:creationId xmlns:a16="http://schemas.microsoft.com/office/drawing/2014/main" id="{E49AE504-ED4C-4EAD-B33C-CA36CF8C8C2D}"/>
+                    </a:ext>
+                  </a:extLst>
+                </p:cNvPr>
+                <p:cNvCxnSpPr>
+                  <a:cxnSpLocks/>
+                </p:cNvCxnSpPr>
+                <p:nvPr/>
+              </p:nvCxnSpPr>
+              <p:spPr>
+                <a:xfrm flipV="1">
+                  <a:off x="2266448" y="777035"/>
+                  <a:ext cx="714834" cy="2454"/>
+                </a:xfrm>
+                <a:prstGeom prst="straightConnector1">
+                  <a:avLst/>
+                </a:prstGeom>
+                <a:ln>
+                  <a:solidFill>
+                    <a:schemeClr val="tx1"/>
+                  </a:solidFill>
+                  <a:tailEnd type="triangle" w="sm" len="sm"/>
+                </a:ln>
+              </p:spPr>
+              <p:style>
+                <a:lnRef idx="1">
+                  <a:schemeClr val="accent1"/>
+                </a:lnRef>
+                <a:fillRef idx="0">
+                  <a:schemeClr val="accent1"/>
+                </a:fillRef>
+                <a:effectRef idx="0">
+                  <a:schemeClr val="accent1"/>
+                </a:effectRef>
+                <a:fontRef idx="minor">
+                  <a:schemeClr val="tx1"/>
+                </a:fontRef>
+              </p:style>
+            </p:cxnSp>
+            <p:sp>
+              <p:nvSpPr>
+                <p:cNvPr id="475" name="Rectangle: Rounded Corners 474">
+                  <a:extLst>
+                    <a:ext uri="{FF2B5EF4-FFF2-40B4-BE49-F238E27FC236}">
+                      <a16:creationId xmlns:a16="http://schemas.microsoft.com/office/drawing/2014/main" id="{E719F99C-CAEC-4269-9F6B-61B061B7B40D}"/>
+                    </a:ext>
+                  </a:extLst>
+                </p:cNvPr>
+                <p:cNvSpPr/>
+                <p:nvPr/>
+              </p:nvSpPr>
+              <p:spPr>
+                <a:xfrm>
+                  <a:off x="2174511" y="780728"/>
+                  <a:ext cx="809321" cy="216387"/>
+                </a:xfrm>
+                <a:prstGeom prst="roundRect">
+                  <a:avLst/>
+                </a:prstGeom>
+                <a:noFill/>
+                <a:ln>
+                  <a:noFill/>
+                </a:ln>
+              </p:spPr>
+              <p:style>
+                <a:lnRef idx="2">
+                  <a:schemeClr val="accent1">
+                    <a:shade val="50000"/>
+                  </a:schemeClr>
+                </a:lnRef>
+                <a:fillRef idx="1">
+                  <a:schemeClr val="accent1"/>
+                </a:fillRef>
+                <a:effectRef idx="0">
+                  <a:schemeClr val="accent1"/>
+                </a:effectRef>
+                <a:fontRef idx="minor">
+                  <a:schemeClr val="lt1"/>
+                </a:fontRef>
+              </p:style>
+              <p:txBody>
+                <a:bodyPr rtlCol="0" anchor="ctr"/>
+                <a:lstStyle/>
+                <a:p>
+                  <a:pPr algn="ctr"/>
+                  <a:r>
+                    <a:rPr lang="en-US" sz="600" dirty="0">
+                      <a:solidFill>
+                        <a:schemeClr val="tx1"/>
+                      </a:solidFill>
+                    </a:rPr>
+                    <a:t>Thermodynamic properties</a:t>
+                  </a:r>
+                  <a:endParaRPr lang="en-MY" sz="600" dirty="0">
+                    <a:solidFill>
+                      <a:schemeClr val="tx1"/>
+                    </a:solidFill>
+                  </a:endParaRPr>
+                </a:p>
+              </p:txBody>
+            </p:sp>
+            <p:sp>
+              <p:nvSpPr>
+                <p:cNvPr id="476" name="Rectangle: Rounded Corners 475">
+                  <a:extLst>
+                    <a:ext uri="{FF2B5EF4-FFF2-40B4-BE49-F238E27FC236}">
+                      <a16:creationId xmlns:a16="http://schemas.microsoft.com/office/drawing/2014/main" id="{7890D5D6-B629-48D0-B980-FE2ADE93EDBD}"/>
+                    </a:ext>
+                  </a:extLst>
+                </p:cNvPr>
+                <p:cNvSpPr/>
+                <p:nvPr/>
+              </p:nvSpPr>
+              <p:spPr>
+                <a:xfrm rot="16200000">
+                  <a:off x="1814820" y="508822"/>
+                  <a:ext cx="736811" cy="216387"/>
+                </a:xfrm>
+                <a:prstGeom prst="roundRect">
+                  <a:avLst/>
+                </a:prstGeom>
+                <a:noFill/>
+                <a:ln>
+                  <a:noFill/>
+                </a:ln>
+              </p:spPr>
+              <p:style>
+                <a:lnRef idx="2">
+                  <a:schemeClr val="accent1">
+                    <a:shade val="50000"/>
+                  </a:schemeClr>
+                </a:lnRef>
+                <a:fillRef idx="1">
+                  <a:schemeClr val="accent1"/>
+                </a:fillRef>
+                <a:effectRef idx="0">
+                  <a:schemeClr val="accent1"/>
+                </a:effectRef>
+                <a:fontRef idx="minor">
+                  <a:schemeClr val="lt1"/>
+                </a:fontRef>
+              </p:style>
+              <p:txBody>
+                <a:bodyPr rtlCol="0" anchor="ctr"/>
+                <a:lstStyle/>
+                <a:p>
+                  <a:pPr algn="ctr"/>
+                  <a:r>
+                    <a:rPr lang="en-US" sz="600" dirty="0">
+                      <a:solidFill>
+                        <a:schemeClr val="tx1"/>
+                      </a:solidFill>
+                    </a:rPr>
+                    <a:t>Frequency</a:t>
+                  </a:r>
+                  <a:endParaRPr lang="en-MY" sz="600" dirty="0">
+                    <a:solidFill>
+                      <a:schemeClr val="tx1"/>
+                    </a:solidFill>
+                  </a:endParaRPr>
+                </a:p>
+              </p:txBody>
+            </p:sp>
+            <p:sp>
+              <p:nvSpPr>
+                <p:cNvPr id="477" name="Freeform: Shape 476">
+                  <a:extLst>
+                    <a:ext uri="{FF2B5EF4-FFF2-40B4-BE49-F238E27FC236}">
+                      <a16:creationId xmlns:a16="http://schemas.microsoft.com/office/drawing/2014/main" id="{A8F82308-967D-4ADE-8F7D-04B21F154D9E}"/>
+                    </a:ext>
+                  </a:extLst>
+                </p:cNvPr>
+                <p:cNvSpPr/>
+                <p:nvPr/>
+              </p:nvSpPr>
+              <p:spPr>
+                <a:xfrm>
+                  <a:off x="2281990" y="652511"/>
+                  <a:ext cx="577516" cy="121521"/>
+                </a:xfrm>
+                <a:custGeom>
+                  <a:avLst/>
+                  <a:gdLst>
+                    <a:gd name="connsiteX0" fmla="*/ 0 w 577516"/>
+                    <a:gd name="connsiteY0" fmla="*/ 117511 h 121521"/>
+                    <a:gd name="connsiteX1" fmla="*/ 120316 w 577516"/>
+                    <a:gd name="connsiteY1" fmla="*/ 1205 h 121521"/>
+                    <a:gd name="connsiteX2" fmla="*/ 236621 w 577516"/>
+                    <a:gd name="connsiteY2" fmla="*/ 57353 h 121521"/>
+                    <a:gd name="connsiteX3" fmla="*/ 352927 w 577516"/>
+                    <a:gd name="connsiteY3" fmla="*/ 65374 h 121521"/>
+                    <a:gd name="connsiteX4" fmla="*/ 485274 w 577516"/>
+                    <a:gd name="connsiteY4" fmla="*/ 101468 h 121521"/>
+                    <a:gd name="connsiteX5" fmla="*/ 577516 w 577516"/>
+                    <a:gd name="connsiteY5" fmla="*/ 121521 h 121521"/>
+                  </a:gdLst>
+                  <a:ahLst/>
+                  <a:cxnLst>
+                    <a:cxn ang="0">
+                      <a:pos x="connsiteX0" y="connsiteY0"/>
+                    </a:cxn>
+                    <a:cxn ang="0">
+                      <a:pos x="connsiteX1" y="connsiteY1"/>
+                    </a:cxn>
+                    <a:cxn ang="0">
+                      <a:pos x="connsiteX2" y="connsiteY2"/>
+                    </a:cxn>
+                    <a:cxn ang="0">
+                      <a:pos x="connsiteX3" y="connsiteY3"/>
+                    </a:cxn>
+                    <a:cxn ang="0">
+                      <a:pos x="connsiteX4" y="connsiteY4"/>
+                    </a:cxn>
+                    <a:cxn ang="0">
+                      <a:pos x="connsiteX5" y="connsiteY5"/>
+                    </a:cxn>
+                  </a:cxnLst>
+                  <a:rect l="l" t="t" r="r" b="b"/>
+                  <a:pathLst>
+                    <a:path w="577516" h="121521">
+                      <a:moveTo>
+                        <a:pt x="0" y="117511"/>
+                      </a:moveTo>
+                      <a:cubicBezTo>
+                        <a:pt x="40439" y="64371"/>
+                        <a:pt x="80879" y="11231"/>
+                        <a:pt x="120316" y="1205"/>
+                      </a:cubicBezTo>
+                      <a:cubicBezTo>
+                        <a:pt x="159753" y="-8821"/>
+                        <a:pt x="197853" y="46658"/>
+                        <a:pt x="236621" y="57353"/>
+                      </a:cubicBezTo>
+                      <a:cubicBezTo>
+                        <a:pt x="275389" y="68048"/>
+                        <a:pt x="311485" y="58022"/>
+                        <a:pt x="352927" y="65374"/>
+                      </a:cubicBezTo>
+                      <a:cubicBezTo>
+                        <a:pt x="394369" y="72726"/>
+                        <a:pt x="447843" y="92110"/>
+                        <a:pt x="485274" y="101468"/>
+                      </a:cubicBezTo>
+                      <a:cubicBezTo>
+                        <a:pt x="522705" y="110826"/>
+                        <a:pt x="550110" y="116173"/>
+                        <a:pt x="577516" y="121521"/>
+                      </a:cubicBezTo>
+                    </a:path>
+                  </a:pathLst>
+                </a:custGeom>
+                <a:noFill/>
+                <a:ln>
+                  <a:solidFill>
+                    <a:schemeClr val="accent2"/>
+                  </a:solidFill>
+                </a:ln>
+              </p:spPr>
+              <p:style>
+                <a:lnRef idx="2">
+                  <a:schemeClr val="accent1">
+                    <a:shade val="50000"/>
+                  </a:schemeClr>
+                </a:lnRef>
+                <a:fillRef idx="1">
+                  <a:schemeClr val="accent1"/>
+                </a:fillRef>
+                <a:effectRef idx="0">
+                  <a:schemeClr val="accent1"/>
+                </a:effectRef>
+                <a:fontRef idx="minor">
+                  <a:schemeClr val="lt1"/>
+                </a:fontRef>
+              </p:style>
+              <p:txBody>
+                <a:bodyPr rtlCol="0" anchor="ctr"/>
+                <a:lstStyle/>
+                <a:p>
+                  <a:pPr algn="ctr"/>
+                  <a:endParaRPr lang="en-MY"/>
+                </a:p>
+              </p:txBody>
+            </p:sp>
+            <p:sp>
+              <p:nvSpPr>
+                <p:cNvPr id="478" name="Freeform: Shape 477">
+                  <a:extLst>
+                    <a:ext uri="{FF2B5EF4-FFF2-40B4-BE49-F238E27FC236}">
+                      <a16:creationId xmlns:a16="http://schemas.microsoft.com/office/drawing/2014/main" id="{A3D2D62B-044E-42FD-B45C-8D35E7A49CE7}"/>
+                    </a:ext>
+                  </a:extLst>
+                </p:cNvPr>
+                <p:cNvSpPr/>
+                <p:nvPr/>
+              </p:nvSpPr>
+              <p:spPr>
+                <a:xfrm>
+                  <a:off x="2347592" y="560646"/>
+                  <a:ext cx="351492" cy="216387"/>
+                </a:xfrm>
+                <a:custGeom>
+                  <a:avLst/>
+                  <a:gdLst>
+                    <a:gd name="connsiteX0" fmla="*/ 0 w 577516"/>
+                    <a:gd name="connsiteY0" fmla="*/ 117511 h 121521"/>
+                    <a:gd name="connsiteX1" fmla="*/ 120316 w 577516"/>
+                    <a:gd name="connsiteY1" fmla="*/ 1205 h 121521"/>
+                    <a:gd name="connsiteX2" fmla="*/ 236621 w 577516"/>
+                    <a:gd name="connsiteY2" fmla="*/ 57353 h 121521"/>
+                    <a:gd name="connsiteX3" fmla="*/ 352927 w 577516"/>
+                    <a:gd name="connsiteY3" fmla="*/ 65374 h 121521"/>
+                    <a:gd name="connsiteX4" fmla="*/ 485274 w 577516"/>
+                    <a:gd name="connsiteY4" fmla="*/ 101468 h 121521"/>
+                    <a:gd name="connsiteX5" fmla="*/ 577516 w 577516"/>
+                    <a:gd name="connsiteY5" fmla="*/ 121521 h 121521"/>
+                  </a:gdLst>
+                  <a:ahLst/>
+                  <a:cxnLst>
+                    <a:cxn ang="0">
+                      <a:pos x="connsiteX0" y="connsiteY0"/>
+                    </a:cxn>
+                    <a:cxn ang="0">
+                      <a:pos x="connsiteX1" y="connsiteY1"/>
+                    </a:cxn>
+                    <a:cxn ang="0">
+                      <a:pos x="connsiteX2" y="connsiteY2"/>
+                    </a:cxn>
+                    <a:cxn ang="0">
+                      <a:pos x="connsiteX3" y="connsiteY3"/>
+                    </a:cxn>
+                    <a:cxn ang="0">
+                      <a:pos x="connsiteX4" y="connsiteY4"/>
+                    </a:cxn>
+                    <a:cxn ang="0">
+                      <a:pos x="connsiteX5" y="connsiteY5"/>
+                    </a:cxn>
+                  </a:cxnLst>
+                  <a:rect l="l" t="t" r="r" b="b"/>
+                  <a:pathLst>
+                    <a:path w="577516" h="121521">
+                      <a:moveTo>
+                        <a:pt x="0" y="117511"/>
+                      </a:moveTo>
+                      <a:cubicBezTo>
+                        <a:pt x="40439" y="64371"/>
+                        <a:pt x="80879" y="11231"/>
+                        <a:pt x="120316" y="1205"/>
+                      </a:cubicBezTo>
+                      <a:cubicBezTo>
+                        <a:pt x="159753" y="-8821"/>
+                        <a:pt x="197853" y="46658"/>
+                        <a:pt x="236621" y="57353"/>
+                      </a:cubicBezTo>
+                      <a:cubicBezTo>
+                        <a:pt x="275389" y="68048"/>
+                        <a:pt x="311485" y="58022"/>
+                        <a:pt x="352927" y="65374"/>
+                      </a:cubicBezTo>
+                      <a:cubicBezTo>
+                        <a:pt x="394369" y="72726"/>
+                        <a:pt x="447843" y="92110"/>
+                        <a:pt x="485274" y="101468"/>
+                      </a:cubicBezTo>
+                      <a:cubicBezTo>
+                        <a:pt x="522705" y="110826"/>
+                        <a:pt x="550110" y="116173"/>
+                        <a:pt x="577516" y="121521"/>
+                      </a:cubicBezTo>
+                    </a:path>
+                  </a:pathLst>
+                </a:custGeom>
+                <a:noFill/>
+                <a:ln>
+                  <a:solidFill>
+                    <a:srgbClr val="00B050"/>
+                  </a:solidFill>
+                </a:ln>
+              </p:spPr>
+              <p:style>
+                <a:lnRef idx="2">
+                  <a:schemeClr val="accent1">
+                    <a:shade val="50000"/>
+                  </a:schemeClr>
+                </a:lnRef>
+                <a:fillRef idx="1">
+                  <a:schemeClr val="accent1"/>
+                </a:fillRef>
+                <a:effectRef idx="0">
+                  <a:schemeClr val="accent1"/>
+                </a:effectRef>
+                <a:fontRef idx="minor">
+                  <a:schemeClr val="lt1"/>
+                </a:fontRef>
+              </p:style>
+              <p:txBody>
+                <a:bodyPr rtlCol="0" anchor="ctr"/>
+                <a:lstStyle/>
+                <a:p>
+                  <a:pPr algn="ctr"/>
+                  <a:endParaRPr lang="en-MY"/>
+                </a:p>
+              </p:txBody>
+            </p:sp>
+            <p:sp>
+              <p:nvSpPr>
+                <p:cNvPr id="479" name="Freeform: Shape 478">
+                  <a:extLst>
+                    <a:ext uri="{FF2B5EF4-FFF2-40B4-BE49-F238E27FC236}">
+                      <a16:creationId xmlns:a16="http://schemas.microsoft.com/office/drawing/2014/main" id="{8354494C-73FA-4F4A-A1D4-058D3C6CBFBD}"/>
+                    </a:ext>
+                  </a:extLst>
+                </p:cNvPr>
+                <p:cNvSpPr/>
+                <p:nvPr/>
+              </p:nvSpPr>
+              <p:spPr>
+                <a:xfrm>
+                  <a:off x="2457363" y="637249"/>
+                  <a:ext cx="433137" cy="139796"/>
+                </a:xfrm>
+                <a:custGeom>
+                  <a:avLst/>
+                  <a:gdLst>
+                    <a:gd name="connsiteX0" fmla="*/ 0 w 433137"/>
+                    <a:gd name="connsiteY0" fmla="*/ 132900 h 139796"/>
+                    <a:gd name="connsiteX1" fmla="*/ 136358 w 433137"/>
+                    <a:gd name="connsiteY1" fmla="*/ 124879 h 139796"/>
+                    <a:gd name="connsiteX2" fmla="*/ 236621 w 433137"/>
+                    <a:gd name="connsiteY2" fmla="*/ 552 h 139796"/>
+                    <a:gd name="connsiteX3" fmla="*/ 324853 w 433137"/>
+                    <a:gd name="connsiteY3" fmla="*/ 80763 h 139796"/>
+                    <a:gd name="connsiteX4" fmla="*/ 376990 w 433137"/>
+                    <a:gd name="connsiteY4" fmla="*/ 116857 h 139796"/>
+                    <a:gd name="connsiteX5" fmla="*/ 433137 w 433137"/>
+                    <a:gd name="connsiteY5" fmla="*/ 136910 h 139796"/>
+                  </a:gdLst>
+                  <a:ahLst/>
+                  <a:cxnLst>
+                    <a:cxn ang="0">
+                      <a:pos x="connsiteX0" y="connsiteY0"/>
+                    </a:cxn>
+                    <a:cxn ang="0">
+                      <a:pos x="connsiteX1" y="connsiteY1"/>
+                    </a:cxn>
+                    <a:cxn ang="0">
+                      <a:pos x="connsiteX2" y="connsiteY2"/>
+                    </a:cxn>
+                    <a:cxn ang="0">
+                      <a:pos x="connsiteX3" y="connsiteY3"/>
+                    </a:cxn>
+                    <a:cxn ang="0">
+                      <a:pos x="connsiteX4" y="connsiteY4"/>
+                    </a:cxn>
+                    <a:cxn ang="0">
+                      <a:pos x="connsiteX5" y="connsiteY5"/>
+                    </a:cxn>
+                  </a:cxnLst>
+                  <a:rect l="l" t="t" r="r" b="b"/>
+                  <a:pathLst>
+                    <a:path w="433137" h="139796">
+                      <a:moveTo>
+                        <a:pt x="0" y="132900"/>
+                      </a:moveTo>
+                      <a:cubicBezTo>
+                        <a:pt x="48460" y="139918"/>
+                        <a:pt x="96921" y="146937"/>
+                        <a:pt x="136358" y="124879"/>
+                      </a:cubicBezTo>
+                      <a:cubicBezTo>
+                        <a:pt x="175795" y="102821"/>
+                        <a:pt x="205205" y="7905"/>
+                        <a:pt x="236621" y="552"/>
+                      </a:cubicBezTo>
+                      <a:cubicBezTo>
+                        <a:pt x="268037" y="-6801"/>
+                        <a:pt x="301458" y="61379"/>
+                        <a:pt x="324853" y="80763"/>
+                      </a:cubicBezTo>
+                      <a:cubicBezTo>
+                        <a:pt x="348248" y="100147"/>
+                        <a:pt x="358943" y="107499"/>
+                        <a:pt x="376990" y="116857"/>
+                      </a:cubicBezTo>
+                      <a:cubicBezTo>
+                        <a:pt x="395037" y="126215"/>
+                        <a:pt x="414087" y="131562"/>
+                        <a:pt x="433137" y="136910"/>
+                      </a:cubicBezTo>
+                    </a:path>
+                  </a:pathLst>
+                </a:custGeom>
+                <a:noFill/>
+                <a:ln>
+                  <a:solidFill>
+                    <a:srgbClr val="7030A0"/>
+                  </a:solidFill>
+                </a:ln>
+              </p:spPr>
+              <p:style>
+                <a:lnRef idx="2">
+                  <a:schemeClr val="accent1">
+                    <a:shade val="50000"/>
+                  </a:schemeClr>
+                </a:lnRef>
+                <a:fillRef idx="1">
+                  <a:schemeClr val="accent1"/>
+                </a:fillRef>
+                <a:effectRef idx="0">
+                  <a:schemeClr val="accent1"/>
+                </a:effectRef>
+                <a:fontRef idx="minor">
+                  <a:schemeClr val="lt1"/>
+                </a:fontRef>
+              </p:style>
+              <p:txBody>
+                <a:bodyPr rtlCol="0" anchor="ctr"/>
+                <a:lstStyle/>
+                <a:p>
+                  <a:pPr algn="ctr"/>
+                  <a:endParaRPr lang="en-MY"/>
+                </a:p>
+              </p:txBody>
+            </p:sp>
+          </p:grpSp>
+          <p:sp>
+            <p:nvSpPr>
+              <p:cNvPr id="57" name="Rectangle 56">
+                <a:extLst>
+                  <a:ext uri="{FF2B5EF4-FFF2-40B4-BE49-F238E27FC236}">
+                    <a16:creationId xmlns:a16="http://schemas.microsoft.com/office/drawing/2014/main" id="{A7D985E0-503D-4B3B-BFB5-B50107A68001}"/>
+                  </a:ext>
+                </a:extLst>
+              </p:cNvPr>
+              <p:cNvSpPr/>
+              <p:nvPr/>
+            </p:nvSpPr>
+            <p:spPr>
+              <a:xfrm>
+                <a:off x="1354346" y="2249109"/>
+                <a:ext cx="45719" cy="351974"/>
+              </a:xfrm>
+              <a:prstGeom prst="rect">
+                <a:avLst/>
+              </a:prstGeom>
+              <a:solidFill>
+                <a:srgbClr val="C00000">
+                  <a:alpha val="40000"/>
+                </a:srgbClr>
+              </a:solidFill>
+              <a:ln>
+                <a:noFill/>
+              </a:ln>
+            </p:spPr>
+            <p:style>
+              <a:lnRef idx="2">
+                <a:schemeClr val="accent1">
+                  <a:shade val="50000"/>
+                </a:schemeClr>
+              </a:lnRef>
+              <a:fillRef idx="1">
+                <a:schemeClr val="accent1"/>
+              </a:fillRef>
+              <a:effectRef idx="0">
+                <a:schemeClr val="accent1"/>
+              </a:effectRef>
+              <a:fontRef idx="minor">
+                <a:schemeClr val="lt1"/>
+              </a:fontRef>
+            </p:style>
+            <p:txBody>
+              <a:bodyPr rtlCol="0" anchor="ctr"/>
+              <a:lstStyle/>
+              <a:p>
+                <a:pPr algn="ctr"/>
+                <a:endParaRPr lang="en-MY" dirty="0"/>
+              </a:p>
+            </p:txBody>
+          </p:sp>
+          <p:sp>
+            <p:nvSpPr>
+              <p:cNvPr id="482" name="Rectangle 481">
+                <a:extLst>
+                  <a:ext uri="{FF2B5EF4-FFF2-40B4-BE49-F238E27FC236}">
+                    <a16:creationId xmlns:a16="http://schemas.microsoft.com/office/drawing/2014/main" id="{B77C12FE-4E6B-4CAB-9641-A24BF9036C7D}"/>
+                  </a:ext>
+                </a:extLst>
+              </p:cNvPr>
+              <p:cNvSpPr/>
+              <p:nvPr/>
+            </p:nvSpPr>
+            <p:spPr>
+              <a:xfrm>
+                <a:off x="1565368" y="2251399"/>
+                <a:ext cx="45719" cy="351974"/>
+              </a:xfrm>
+              <a:prstGeom prst="rect">
+                <a:avLst/>
+              </a:prstGeom>
+              <a:solidFill>
+                <a:srgbClr val="FFC000">
+                  <a:alpha val="40000"/>
+                </a:srgbClr>
+              </a:solidFill>
+              <a:ln>
+                <a:noFill/>
+              </a:ln>
+            </p:spPr>
+            <p:style>
+              <a:lnRef idx="2">
+                <a:schemeClr val="accent1">
+                  <a:shade val="50000"/>
+                </a:schemeClr>
+              </a:lnRef>
+              <a:fillRef idx="1">
+                <a:schemeClr val="accent1"/>
+              </a:fillRef>
+              <a:effectRef idx="0">
+                <a:schemeClr val="accent1"/>
+              </a:effectRef>
+              <a:fontRef idx="minor">
+                <a:schemeClr val="lt1"/>
+              </a:fontRef>
+            </p:style>
+            <p:txBody>
+              <a:bodyPr rtlCol="0" anchor="ctr"/>
+              <a:lstStyle/>
+              <a:p>
+                <a:pPr algn="ctr"/>
+                <a:endParaRPr lang="en-MY"/>
+              </a:p>
+            </p:txBody>
+          </p:sp>
+          <p:sp>
+            <p:nvSpPr>
+              <p:cNvPr id="483" name="Rectangle 482">
+                <a:extLst>
+                  <a:ext uri="{FF2B5EF4-FFF2-40B4-BE49-F238E27FC236}">
+                    <a16:creationId xmlns:a16="http://schemas.microsoft.com/office/drawing/2014/main" id="{146EE773-EF86-45A5-8DAC-8EE1D2E08E7D}"/>
+                  </a:ext>
+                </a:extLst>
+              </p:cNvPr>
+              <p:cNvSpPr/>
+              <p:nvPr/>
+            </p:nvSpPr>
+            <p:spPr>
+              <a:xfrm>
+                <a:off x="1754194" y="2251501"/>
+                <a:ext cx="45719" cy="351974"/>
+              </a:xfrm>
+              <a:prstGeom prst="rect">
+                <a:avLst/>
+              </a:prstGeom>
+              <a:solidFill>
+                <a:srgbClr val="92D050">
+                  <a:alpha val="40000"/>
+                </a:srgbClr>
+              </a:solidFill>
+              <a:ln>
+                <a:noFill/>
+              </a:ln>
+            </p:spPr>
+            <p:style>
+              <a:lnRef idx="2">
+                <a:schemeClr val="accent1">
+                  <a:shade val="50000"/>
+                </a:schemeClr>
+              </a:lnRef>
+              <a:fillRef idx="1">
+                <a:schemeClr val="accent1"/>
+              </a:fillRef>
+              <a:effectRef idx="0">
+                <a:schemeClr val="accent1"/>
+              </a:effectRef>
+              <a:fontRef idx="minor">
+                <a:schemeClr val="lt1"/>
+              </a:fontRef>
+            </p:style>
+            <p:txBody>
+              <a:bodyPr rtlCol="0" anchor="ctr"/>
+              <a:lstStyle/>
+              <a:p>
+                <a:pPr algn="ctr"/>
+                <a:endParaRPr lang="en-MY"/>
+              </a:p>
+            </p:txBody>
+          </p:sp>
+        </p:grpSp>
+        <p:cxnSp>
+          <p:nvCxnSpPr>
+            <p:cNvPr id="91" name="Straight Arrow Connector 90">
+              <a:extLst>
+                <a:ext uri="{FF2B5EF4-FFF2-40B4-BE49-F238E27FC236}">
+                  <a16:creationId xmlns:a16="http://schemas.microsoft.com/office/drawing/2014/main" id="{7956D468-02D5-4FA0-928D-03F0D6BB102F}"/>
+                </a:ext>
+              </a:extLst>
+            </p:cNvPr>
+            <p:cNvCxnSpPr>
+              <a:cxnSpLocks/>
+            </p:cNvCxnSpPr>
+            <p:nvPr/>
+          </p:nvCxnSpPr>
+          <p:spPr>
+            <a:xfrm>
+              <a:off x="683112" y="896937"/>
+              <a:ext cx="0" cy="273638"/>
+            </a:xfrm>
+            <a:prstGeom prst="straightConnector1">
+              <a:avLst/>
+            </a:prstGeom>
+            <a:ln w="28575">
+              <a:solidFill>
+                <a:schemeClr val="accent2"/>
+              </a:solidFill>
+              <a:tailEnd type="triangle"/>
+            </a:ln>
+          </p:spPr>
+          <p:style>
+            <a:lnRef idx="1">
+              <a:schemeClr val="accent1"/>
+            </a:lnRef>
+            <a:fillRef idx="0">
+              <a:schemeClr val="accent1"/>
+            </a:fillRef>
+            <a:effectRef idx="0">
+              <a:schemeClr val="accent1"/>
+            </a:effectRef>
+            <a:fontRef idx="minor">
+              <a:schemeClr val="tx1"/>
+            </a:fontRef>
+          </p:style>
+        </p:cxnSp>
+        <p:cxnSp>
+          <p:nvCxnSpPr>
+            <p:cNvPr id="94" name="Straight Arrow Connector 93">
+              <a:extLst>
+                <a:ext uri="{FF2B5EF4-FFF2-40B4-BE49-F238E27FC236}">
+                  <a16:creationId xmlns:a16="http://schemas.microsoft.com/office/drawing/2014/main" id="{C9A329E5-45A1-401B-BE17-ADB03718EA2E}"/>
+                </a:ext>
+              </a:extLst>
+            </p:cNvPr>
+            <p:cNvCxnSpPr>
+              <a:cxnSpLocks/>
+            </p:cNvCxnSpPr>
+            <p:nvPr/>
+          </p:nvCxnSpPr>
+          <p:spPr>
+            <a:xfrm>
+              <a:off x="683112" y="1782261"/>
+              <a:ext cx="0" cy="273638"/>
+            </a:xfrm>
+            <a:prstGeom prst="straightConnector1">
+              <a:avLst/>
+            </a:prstGeom>
+            <a:ln w="28575">
+              <a:solidFill>
+                <a:schemeClr val="accent2"/>
+              </a:solidFill>
+              <a:tailEnd type="triangle"/>
+            </a:ln>
+          </p:spPr>
+          <p:style>
+            <a:lnRef idx="1">
+              <a:schemeClr val="accent1"/>
+            </a:lnRef>
+            <a:fillRef idx="0">
+              <a:schemeClr val="accent1"/>
+            </a:fillRef>
+            <a:effectRef idx="0">
+              <a:schemeClr val="accent1"/>
+            </a:effectRef>
+            <a:fontRef idx="minor">
+              <a:schemeClr val="tx1"/>
+            </a:fontRef>
+          </p:style>
+        </p:cxnSp>
+        <mc:AlternateContent xmlns:mc="http://schemas.openxmlformats.org/markup-compatibility/2006">
+          <mc:Choice xmlns:a14="http://schemas.microsoft.com/office/drawing/2010/main" Requires="a14">
+            <p:sp>
+              <p:nvSpPr>
+                <p:cNvPr id="95" name="Rectangle: Rounded Corners 94">
+                  <a:extLst>
+                    <a:ext uri="{FF2B5EF4-FFF2-40B4-BE49-F238E27FC236}">
+                      <a16:creationId xmlns:a16="http://schemas.microsoft.com/office/drawing/2014/main" id="{7CB7B696-DABC-499F-8BBF-B10BE41F5D46}"/>
+                    </a:ext>
+                  </a:extLst>
+                </p:cNvPr>
+                <p:cNvSpPr/>
+                <p:nvPr/>
+              </p:nvSpPr>
+              <p:spPr>
+                <a:xfrm>
+                  <a:off x="633268" y="890347"/>
+                  <a:ext cx="726329" cy="216387"/>
+                </a:xfrm>
+                <a:prstGeom prst="roundRect">
+                  <a:avLst/>
+                </a:prstGeom>
+                <a:noFill/>
+                <a:ln>
+                  <a:noFill/>
+                </a:ln>
+              </p:spPr>
+              <p:style>
+                <a:lnRef idx="2">
+                  <a:schemeClr val="accent1">
+                    <a:shade val="50000"/>
+                  </a:schemeClr>
+                </a:lnRef>
+                <a:fillRef idx="1">
+                  <a:schemeClr val="accent1"/>
+                </a:fillRef>
+                <a:effectRef idx="0">
+                  <a:schemeClr val="accent1"/>
+                </a:effectRef>
+                <a:fontRef idx="minor">
+                  <a:schemeClr val="lt1"/>
+                </a:fontRef>
+              </p:style>
+              <p:txBody>
+                <a:bodyPr rtlCol="0" anchor="ctr"/>
+                <a:lstStyle/>
+                <a:p>
+                  <a:r>
+                    <a:rPr lang="en-US" sz="600" dirty="0">
+                      <a:solidFill>
+                        <a:schemeClr val="accent2"/>
+                      </a:solidFill>
+                    </a:rPr>
+                    <a:t>Thermodynamic “</a:t>
+                  </a:r>
+                  <a14:m>
+                    <m:oMath xmlns:m="http://schemas.openxmlformats.org/officeDocument/2006/math">
+                      <m:r>
+                        <a:rPr lang="en-US" sz="600" i="1" smtClean="0">
+                          <a:solidFill>
+                            <a:schemeClr val="accent2"/>
+                          </a:solidFill>
+                          <a:latin typeface="Cambria Math" panose="02040503050406030204" pitchFamily="18" charset="0"/>
+                          <a:ea typeface="Cambria Math" panose="02040503050406030204" pitchFamily="18" charset="0"/>
+                        </a:rPr>
+                        <m:t>𝜆</m:t>
+                      </m:r>
+                    </m:oMath>
+                  </a14:m>
+                  <a:r>
+                    <a:rPr lang="en-MY" sz="600" dirty="0">
+                      <a:solidFill>
+                        <a:schemeClr val="accent2"/>
+                      </a:solidFill>
+                    </a:rPr>
+                    <a:t>” model</a:t>
+                  </a:r>
+                </a:p>
+              </p:txBody>
+            </p:sp>
+          </mc:Choice>
+          <mc:Fallback>
+            <p:sp>
+              <p:nvSpPr>
+                <p:cNvPr id="95" name="Rectangle: Rounded Corners 94">
+                  <a:extLst>
+                    <a:ext uri="{FF2B5EF4-FFF2-40B4-BE49-F238E27FC236}">
+                      <a16:creationId xmlns:a16="http://schemas.microsoft.com/office/drawing/2014/main" id="{7CB7B696-DABC-499F-8BBF-B10BE41F5D46}"/>
+                    </a:ext>
+                  </a:extLst>
+                </p:cNvPr>
+                <p:cNvSpPr>
+                  <a:spLocks noRot="1" noChangeAspect="1" noMove="1" noResize="1" noEditPoints="1" noAdjustHandles="1" noChangeArrowheads="1" noChangeShapeType="1" noTextEdit="1"/>
+                </p:cNvSpPr>
+                <p:nvPr/>
+              </p:nvSpPr>
+              <p:spPr>
+                <a:xfrm>
+                  <a:off x="633268" y="890347"/>
+                  <a:ext cx="726329" cy="216387"/>
+                </a:xfrm>
+                <a:prstGeom prst="roundRect">
+                  <a:avLst/>
+                </a:prstGeom>
+                <a:blipFill>
+                  <a:blip r:embed="rId2"/>
+                  <a:stretch>
+                    <a:fillRect t="-8333" b="-13889"/>
+                  </a:stretch>
+                </a:blipFill>
+                <a:ln>
+                  <a:noFill/>
+                </a:ln>
+              </p:spPr>
+              <p:txBody>
+                <a:bodyPr/>
+                <a:lstStyle/>
+                <a:p>
+                  <a:r>
+                    <a:rPr lang="en-US">
+                      <a:noFill/>
+                    </a:rPr>
+                    <a:t> </a:t>
+                  </a:r>
+                </a:p>
+              </p:txBody>
+            </p:sp>
+          </mc:Fallback>
+        </mc:AlternateContent>
+        <p:sp>
+          <p:nvSpPr>
+            <p:cNvPr id="96" name="Rectangle: Rounded Corners 95">
+              <a:extLst>
+                <a:ext uri="{FF2B5EF4-FFF2-40B4-BE49-F238E27FC236}">
+                  <a16:creationId xmlns:a16="http://schemas.microsoft.com/office/drawing/2014/main" id="{8431D85C-7999-41E1-B680-2D9568C88614}"/>
+                </a:ext>
+              </a:extLst>
+            </p:cNvPr>
+            <p:cNvSpPr/>
+            <p:nvPr/>
+          </p:nvSpPr>
+          <p:spPr>
+            <a:xfrm>
+              <a:off x="633268" y="1792424"/>
+              <a:ext cx="726329" cy="216387"/>
+            </a:xfrm>
+            <a:prstGeom prst="roundRect">
+              <a:avLst/>
+            </a:prstGeom>
+            <a:noFill/>
+            <a:ln>
+              <a:noFill/>
+            </a:ln>
+          </p:spPr>
+          <p:style>
+            <a:lnRef idx="2">
+              <a:schemeClr val="accent1">
+                <a:shade val="50000"/>
+              </a:schemeClr>
+            </a:lnRef>
+            <a:fillRef idx="1">
+              <a:schemeClr val="accent1"/>
+            </a:fillRef>
+            <a:effectRef idx="0">
+              <a:schemeClr val="accent1"/>
+            </a:effectRef>
+            <a:fontRef idx="minor">
+              <a:schemeClr val="lt1"/>
+            </a:fontRef>
+          </p:style>
+          <p:txBody>
+            <a:bodyPr rtlCol="0" anchor="ctr"/>
+            <a:lstStyle/>
+            <a:p>
+              <a:r>
+                <a:rPr lang="en-US" sz="600" dirty="0">
+                  <a:solidFill>
+                    <a:schemeClr val="accent2"/>
+                  </a:solidFill>
+                </a:rPr>
+                <a:t>Data-driven modeling</a:t>
+              </a:r>
+              <a:endParaRPr lang="en-MY" sz="600" dirty="0">
+                <a:solidFill>
+                  <a:schemeClr val="accent2"/>
+                </a:solidFill>
+              </a:endParaRPr>
+            </a:p>
+          </p:txBody>
+        </p:sp>
+        <p:cxnSp>
+          <p:nvCxnSpPr>
+            <p:cNvPr id="6" name="Connector: Curved 5">
+              <a:extLst>
+                <a:ext uri="{FF2B5EF4-FFF2-40B4-BE49-F238E27FC236}">
+                  <a16:creationId xmlns:a16="http://schemas.microsoft.com/office/drawing/2014/main" id="{6B011C6F-0CD1-427F-856D-03FD6037B3DB}"/>
+                </a:ext>
+              </a:extLst>
+            </p:cNvPr>
+            <p:cNvCxnSpPr>
+              <a:cxnSpLocks/>
+              <a:stCxn id="482" idx="0"/>
+              <a:endCxn id="368" idx="0"/>
+            </p:cNvCxnSpPr>
+            <p:nvPr/>
+          </p:nvCxnSpPr>
+          <p:spPr>
+            <a:xfrm rot="5400000" flipH="1" flipV="1">
+              <a:off x="1150937" y="1220095"/>
+              <a:ext cx="554358" cy="1433670"/>
+            </a:xfrm>
+            <a:prstGeom prst="curvedConnector3">
+              <a:avLst>
+                <a:gd name="adj1" fmla="val 26152"/>
+              </a:avLst>
+            </a:prstGeom>
+            <a:ln w="12700">
+              <a:solidFill>
+                <a:schemeClr val="accent2"/>
+              </a:solidFill>
+              <a:tailEnd type="triangle" w="sm" len="sm"/>
+            </a:ln>
+          </p:spPr>
+          <p:style>
+            <a:lnRef idx="1">
+              <a:schemeClr val="accent1"/>
+            </a:lnRef>
+            <a:fillRef idx="0">
+              <a:schemeClr val="accent1"/>
+            </a:fillRef>
+            <a:effectRef idx="0">
+              <a:schemeClr val="accent1"/>
+            </a:effectRef>
+            <a:fontRef idx="minor">
+              <a:schemeClr val="tx1"/>
+            </a:fontRef>
+          </p:style>
+        </p:cxnSp>
+        <p:cxnSp>
+          <p:nvCxnSpPr>
+            <p:cNvPr id="13" name="Connector: Curved 12">
+              <a:extLst>
+                <a:ext uri="{FF2B5EF4-FFF2-40B4-BE49-F238E27FC236}">
+                  <a16:creationId xmlns:a16="http://schemas.microsoft.com/office/drawing/2014/main" id="{C6485855-3D61-4CEA-A0FF-17574A9C84B4}"/>
+                </a:ext>
+              </a:extLst>
+            </p:cNvPr>
+            <p:cNvCxnSpPr>
+              <a:cxnSpLocks/>
+              <a:stCxn id="483" idx="0"/>
+            </p:cNvCxnSpPr>
+            <p:nvPr/>
+          </p:nvCxnSpPr>
+          <p:spPr>
+            <a:xfrm rot="5400000" flipH="1" flipV="1">
+              <a:off x="1042610" y="1932160"/>
+              <a:ext cx="139549" cy="424554"/>
+            </a:xfrm>
+            <a:prstGeom prst="curvedConnector2">
+              <a:avLst/>
+            </a:prstGeom>
+            <a:ln w="12700">
+              <a:solidFill>
+                <a:schemeClr val="accent2"/>
+              </a:solidFill>
+            </a:ln>
+          </p:spPr>
+          <p:style>
+            <a:lnRef idx="1">
+              <a:schemeClr val="accent1"/>
+            </a:lnRef>
+            <a:fillRef idx="0">
+              <a:schemeClr val="accent1"/>
+            </a:fillRef>
+            <a:effectRef idx="0">
+              <a:schemeClr val="accent1"/>
+            </a:effectRef>
+            <a:fontRef idx="minor">
+              <a:schemeClr val="tx1"/>
+            </a:fontRef>
+          </p:style>
+        </p:cxnSp>
+        <p:cxnSp>
+          <p:nvCxnSpPr>
+            <p:cNvPr id="115" name="Connector: Curved 114">
+              <a:extLst>
+                <a:ext uri="{FF2B5EF4-FFF2-40B4-BE49-F238E27FC236}">
+                  <a16:creationId xmlns:a16="http://schemas.microsoft.com/office/drawing/2014/main" id="{464C995C-707E-4C63-8E74-F25F39B7295F}"/>
+                </a:ext>
+              </a:extLst>
+            </p:cNvPr>
+            <p:cNvCxnSpPr>
+              <a:cxnSpLocks/>
+              <a:stCxn id="57" idx="0"/>
+            </p:cNvCxnSpPr>
+            <p:nvPr/>
+          </p:nvCxnSpPr>
+          <p:spPr>
+            <a:xfrm rot="5400000" flipH="1" flipV="1">
+              <a:off x="842382" y="1729538"/>
+              <a:ext cx="140158" cy="824405"/>
+            </a:xfrm>
+            <a:prstGeom prst="curvedConnector2">
+              <a:avLst/>
+            </a:prstGeom>
+            <a:ln w="12700">
+              <a:solidFill>
+                <a:schemeClr val="accent2"/>
+              </a:solidFill>
+            </a:ln>
+          </p:spPr>
+          <p:style>
+            <a:lnRef idx="1">
+              <a:schemeClr val="accent1"/>
+            </a:lnRef>
+            <a:fillRef idx="0">
+              <a:schemeClr val="accent1"/>
+            </a:fillRef>
+            <a:effectRef idx="0">
+              <a:schemeClr val="accent1"/>
+            </a:effectRef>
+            <a:fontRef idx="minor">
+              <a:schemeClr val="tx1"/>
+            </a:fontRef>
+          </p:style>
+        </p:cxnSp>
+        <p:sp>
+          <p:nvSpPr>
+            <p:cNvPr id="119" name="Rectangle: Rounded Corners 118">
+              <a:extLst>
+                <a:ext uri="{FF2B5EF4-FFF2-40B4-BE49-F238E27FC236}">
+                  <a16:creationId xmlns:a16="http://schemas.microsoft.com/office/drawing/2014/main" id="{CBD9BC47-DD22-4B58-9F6D-9C53E156AFDD}"/>
+                </a:ext>
+              </a:extLst>
+            </p:cNvPr>
+            <p:cNvSpPr/>
+            <p:nvPr/>
+          </p:nvSpPr>
+          <p:spPr>
+            <a:xfrm rot="20404134">
+              <a:off x="1356914" y="1810134"/>
+              <a:ext cx="726329" cy="216387"/>
+            </a:xfrm>
+            <a:prstGeom prst="roundRect">
+              <a:avLst/>
+            </a:prstGeom>
+            <a:noFill/>
+            <a:ln>
+              <a:noFill/>
+            </a:ln>
+          </p:spPr>
+          <p:style>
+            <a:lnRef idx="2">
+              <a:schemeClr val="accent1">
+                <a:shade val="50000"/>
+              </a:schemeClr>
+            </a:lnRef>
+            <a:fillRef idx="1">
+              <a:schemeClr val="accent1"/>
+            </a:fillRef>
+            <a:effectRef idx="0">
+              <a:schemeClr val="accent1"/>
+            </a:effectRef>
+            <a:fontRef idx="minor">
+              <a:schemeClr val="lt1"/>
+            </a:fontRef>
+          </p:style>
+          <p:txBody>
+            <a:bodyPr rtlCol="0" anchor="ctr"/>
+            <a:lstStyle/>
+            <a:p>
+              <a:pPr algn="ctr"/>
+              <a:r>
+                <a:rPr lang="en-US" sz="600" dirty="0">
+                  <a:solidFill>
+                    <a:schemeClr val="accent2"/>
+                  </a:solidFill>
+                </a:rPr>
+                <a:t>OM molecular signatures</a:t>
+              </a:r>
+              <a:endParaRPr lang="en-MY" sz="600" dirty="0">
+                <a:solidFill>
+                  <a:schemeClr val="accent2"/>
+                </a:solidFill>
+              </a:endParaRPr>
+            </a:p>
+          </p:txBody>
+        </p:sp>
+      </p:grpSp>
+    </p:spTree>
+    <p:extLst>
+      <p:ext uri="{BB962C8B-B14F-4D97-AF65-F5344CB8AC3E}">
+        <p14:creationId xmlns:p14="http://schemas.microsoft.com/office/powerpoint/2010/main" val="1731914088"/>
+      </p:ext>
+    </p:extLst>
+  </p:cSld>
+  <p:clrMapOvr>
+    <a:masterClrMapping/>
+  </p:clrMapOvr>
+</p:sld>
+</file>
+
+<file path=ppt/slides/slide2.xml><?xml version="1.0" encoding="utf-8"?>
+<p:sld xmlns:a="http://schemas.openxmlformats.org/drawingml/2006/main" xmlns:r="http://schemas.openxmlformats.org/officeDocument/2006/relationships" xmlns:p="http://schemas.openxmlformats.org/presentationml/2006/main">
+  <p:cSld>
+    <p:spTree>
+      <p:nvGrpSpPr>
+        <p:cNvPr id="1" name=""/>
+        <p:cNvGrpSpPr/>
+        <p:nvPr/>
+      </p:nvGrpSpPr>
+      <p:grpSpPr>
+        <a:xfrm>
+          <a:off x="0" y="0"/>
+          <a:ext cx="0" cy="0"/>
+          <a:chOff x="0" y="0"/>
+          <a:chExt cx="0" cy="0"/>
+        </a:xfrm>
+      </p:grpSpPr>
+      <p:pic>
+        <p:nvPicPr>
+          <p:cNvPr id="3" name="Picture 2">
+            <a:extLst>
+              <a:ext uri="{FF2B5EF4-FFF2-40B4-BE49-F238E27FC236}">
+                <a16:creationId xmlns:a16="http://schemas.microsoft.com/office/drawing/2014/main" id="{F403DEA9-E5E5-4BBD-A7C8-85146474615E}"/>
+              </a:ext>
+            </a:extLst>
+          </p:cNvPr>
+          <p:cNvPicPr>
+            <a:picLocks noChangeAspect="1"/>
+          </p:cNvPicPr>
+          <p:nvPr/>
+        </p:nvPicPr>
+        <p:blipFill>
+          <a:blip r:embed="rId2">
+            <a:extLst>
+              <a:ext uri="{28A0092B-C50C-407E-A947-70E740481C1C}">
+                <a14:useLocalDpi xmlns:a14="http://schemas.microsoft.com/office/drawing/2010/main" val="0"/>
+              </a:ext>
+            </a:extLst>
+          </a:blip>
+          <a:stretch>
+            <a:fillRect/>
+          </a:stretch>
+        </p:blipFill>
+        <p:spPr>
+          <a:xfrm>
+            <a:off x="0" y="0"/>
+            <a:ext cx="3060700" cy="3060700"/>
+          </a:xfrm>
+          <a:prstGeom prst="rect">
+            <a:avLst/>
+          </a:prstGeom>
+        </p:spPr>
+      </p:pic>
+    </p:spTree>
+    <p:extLst>
+      <p:ext uri="{BB962C8B-B14F-4D97-AF65-F5344CB8AC3E}">
+        <p14:creationId xmlns:p14="http://schemas.microsoft.com/office/powerpoint/2010/main" val="2408328518"/>
+      </p:ext>
+    </p:extLst>
+  </p:cSld>
+  <p:clrMapOvr>
+    <a:masterClrMapping/>
+  </p:clrMapOvr>
+</p:sld>
+</file>
+
+<file path=ppt/slides/slide3.xml><?xml version="1.0" encoding="utf-8"?>
 <p:sld xmlns:a="http://schemas.openxmlformats.org/drawingml/2006/main" xmlns:r="http://schemas.openxmlformats.org/officeDocument/2006/relationships" xmlns:p="http://schemas.openxmlformats.org/presentationml/2006/main">
   <p:cSld>
     <p:spTree>
@@ -18595,7 +23140,7 @@
 </p:sld>
 </file>
 
-<file path=ppt/slides/slide2.xml><?xml version="1.0" encoding="utf-8"?>
+<file path=ppt/slides/slide4.xml><?xml version="1.0" encoding="utf-8"?>
 <p:sld xmlns:a="http://schemas.openxmlformats.org/drawingml/2006/main" xmlns:r="http://schemas.openxmlformats.org/officeDocument/2006/relationships" xmlns:p="http://schemas.openxmlformats.org/presentationml/2006/main">
   <p:cSld>
     <p:spTree>
@@ -18661,7 +23206,7 @@
 </p:sld>
 </file>
 
-<file path=ppt/slides/slide3.xml><?xml version="1.0" encoding="utf-8"?>
+<file path=ppt/slides/slide5.xml><?xml version="1.0" encoding="utf-8"?>
 <p:sld xmlns:a="http://schemas.openxmlformats.org/drawingml/2006/main" xmlns:r="http://schemas.openxmlformats.org/officeDocument/2006/relationships" xmlns:p="http://schemas.openxmlformats.org/presentationml/2006/main">
   <p:cSld>
     <p:spTree>
@@ -23608,7 +28153,7 @@
 </p:sld>
 </file>
 
-<file path=ppt/slides/slide4.xml><?xml version="1.0" encoding="utf-8"?>
+<file path=ppt/slides/slide6.xml><?xml version="1.0" encoding="utf-8"?>
 <p:sld xmlns:a="http://schemas.openxmlformats.org/drawingml/2006/main" xmlns:r="http://schemas.openxmlformats.org/officeDocument/2006/relationships" xmlns:p="http://schemas.openxmlformats.org/presentationml/2006/main">
   <p:cSld>
     <p:spTree>

--- a/Manuscript/HypothesisFigure/Hypothesis figure.pptx
+++ b/Manuscript/HypothesisFigure/Hypothesis figure.pptx
@@ -142,13 +142,1540 @@
 <file path=ppt/revisionInfo.xml><?xml version="1.0" encoding="utf-8"?>
 <p1510:revInfo xmlns:a="http://schemas.openxmlformats.org/drawingml/2006/main" xmlns:r="http://schemas.openxmlformats.org/officeDocument/2006/relationships" xmlns:p1510="http://schemas.microsoft.com/office/powerpoint/2015/10/main">
   <p1510:revLst>
-    <p1510:client id="{8CD588F1-FACF-41D5-B468-3A100B5EE959}" v="83" dt="2021-11-19T21:01:04.993"/>
+    <p1510:client id="{0182CD6E-24E9-42B7-98AD-C0BB31B8E118}" v="6" dt="2021-11-21T16:59:53.807"/>
   </p1510:revLst>
 </p1510:revInfo>
 </file>
 
 <file path=ppt/changesInfos/changesInfo1.xml><?xml version="1.0" encoding="utf-8"?>
 <pc:chgInfo xmlns:a="http://schemas.openxmlformats.org/drawingml/2006/main" xmlns:r="http://schemas.openxmlformats.org/officeDocument/2006/relationships" xmlns:ac="http://schemas.microsoft.com/office/drawing/2013/main/command" xmlns:pc="http://schemas.microsoft.com/office/powerpoint/2013/main/command">
+  <pc:docChgLst>
+    <pc:chgData name="Firnaaz Ahamed" userId="354af85a-496a-464c-a30e-ea50a64145d9" providerId="ADAL" clId="{0182CD6E-24E9-42B7-98AD-C0BB31B8E118}"/>
+    <pc:docChg chg="undo custSel modSld">
+      <pc:chgData name="Firnaaz Ahamed" userId="354af85a-496a-464c-a30e-ea50a64145d9" providerId="ADAL" clId="{0182CD6E-24E9-42B7-98AD-C0BB31B8E118}" dt="2021-11-21T17:02:50.472" v="351" actId="1076"/>
+      <pc:docMkLst>
+        <pc:docMk/>
+      </pc:docMkLst>
+      <pc:sldChg chg="addSp delSp modSp mod">
+        <pc:chgData name="Firnaaz Ahamed" userId="354af85a-496a-464c-a30e-ea50a64145d9" providerId="ADAL" clId="{0182CD6E-24E9-42B7-98AD-C0BB31B8E118}" dt="2021-11-21T16:59:03.831" v="341" actId="1076"/>
+        <pc:sldMkLst>
+          <pc:docMk/>
+          <pc:sldMk cId="1731914088" sldId="261"/>
+        </pc:sldMkLst>
+        <pc:spChg chg="add del mod">
+          <ac:chgData name="Firnaaz Ahamed" userId="354af85a-496a-464c-a30e-ea50a64145d9" providerId="ADAL" clId="{0182CD6E-24E9-42B7-98AD-C0BB31B8E118}" dt="2021-11-21T16:51:13.941" v="188" actId="478"/>
+          <ac:spMkLst>
+            <pc:docMk/>
+            <pc:sldMk cId="1731914088" sldId="261"/>
+            <ac:spMk id="9" creationId="{40EA6214-2460-4CAA-B0EB-C167D1C07BBF}"/>
+          </ac:spMkLst>
+        </pc:spChg>
+        <pc:spChg chg="mod">
+          <ac:chgData name="Firnaaz Ahamed" userId="354af85a-496a-464c-a30e-ea50a64145d9" providerId="ADAL" clId="{0182CD6E-24E9-42B7-98AD-C0BB31B8E118}" dt="2021-11-21T16:45:33.270" v="0" actId="165"/>
+          <ac:spMkLst>
+            <pc:docMk/>
+            <pc:sldMk cId="1731914088" sldId="261"/>
+            <ac:spMk id="15" creationId="{DAB7B647-D7C0-4E95-9EB6-D4F63F9CB540}"/>
+          </ac:spMkLst>
+        </pc:spChg>
+        <pc:spChg chg="mod">
+          <ac:chgData name="Firnaaz Ahamed" userId="354af85a-496a-464c-a30e-ea50a64145d9" providerId="ADAL" clId="{0182CD6E-24E9-42B7-98AD-C0BB31B8E118}" dt="2021-11-21T16:45:33.270" v="0" actId="165"/>
+          <ac:spMkLst>
+            <pc:docMk/>
+            <pc:sldMk cId="1731914088" sldId="261"/>
+            <ac:spMk id="16" creationId="{AC5AF798-6FD6-4E26-9E34-DD5CC8776914}"/>
+          </ac:spMkLst>
+        </pc:spChg>
+        <pc:spChg chg="mod">
+          <ac:chgData name="Firnaaz Ahamed" userId="354af85a-496a-464c-a30e-ea50a64145d9" providerId="ADAL" clId="{0182CD6E-24E9-42B7-98AD-C0BB31B8E118}" dt="2021-11-21T16:45:33.270" v="0" actId="165"/>
+          <ac:spMkLst>
+            <pc:docMk/>
+            <pc:sldMk cId="1731914088" sldId="261"/>
+            <ac:spMk id="17" creationId="{F83B2A11-4C38-4506-BDAA-0871D8867DFA}"/>
+          </ac:spMkLst>
+        </pc:spChg>
+        <pc:spChg chg="mod">
+          <ac:chgData name="Firnaaz Ahamed" userId="354af85a-496a-464c-a30e-ea50a64145d9" providerId="ADAL" clId="{0182CD6E-24E9-42B7-98AD-C0BB31B8E118}" dt="2021-11-21T16:45:33.270" v="0" actId="165"/>
+          <ac:spMkLst>
+            <pc:docMk/>
+            <pc:sldMk cId="1731914088" sldId="261"/>
+            <ac:spMk id="18" creationId="{8AFF1953-D008-4B46-9F84-6157EA9A07ED}"/>
+          </ac:spMkLst>
+        </pc:spChg>
+        <pc:spChg chg="mod">
+          <ac:chgData name="Firnaaz Ahamed" userId="354af85a-496a-464c-a30e-ea50a64145d9" providerId="ADAL" clId="{0182CD6E-24E9-42B7-98AD-C0BB31B8E118}" dt="2021-11-21T16:45:33.270" v="0" actId="165"/>
+          <ac:spMkLst>
+            <pc:docMk/>
+            <pc:sldMk cId="1731914088" sldId="261"/>
+            <ac:spMk id="38" creationId="{69F19266-565A-4B4E-B1E1-4EE6AA901385}"/>
+          </ac:spMkLst>
+        </pc:spChg>
+        <pc:spChg chg="mod">
+          <ac:chgData name="Firnaaz Ahamed" userId="354af85a-496a-464c-a30e-ea50a64145d9" providerId="ADAL" clId="{0182CD6E-24E9-42B7-98AD-C0BB31B8E118}" dt="2021-11-21T16:45:33.270" v="0" actId="165"/>
+          <ac:spMkLst>
+            <pc:docMk/>
+            <pc:sldMk cId="1731914088" sldId="261"/>
+            <ac:spMk id="44" creationId="{AF9D334E-7BCD-447E-89E9-0ED4978F7FC5}"/>
+          </ac:spMkLst>
+        </pc:spChg>
+        <pc:spChg chg="mod">
+          <ac:chgData name="Firnaaz Ahamed" userId="354af85a-496a-464c-a30e-ea50a64145d9" providerId="ADAL" clId="{0182CD6E-24E9-42B7-98AD-C0BB31B8E118}" dt="2021-11-21T16:45:33.270" v="0" actId="165"/>
+          <ac:spMkLst>
+            <pc:docMk/>
+            <pc:sldMk cId="1731914088" sldId="261"/>
+            <ac:spMk id="57" creationId="{A7D985E0-503D-4B3B-BFB5-B50107A68001}"/>
+          </ac:spMkLst>
+        </pc:spChg>
+        <pc:spChg chg="mod">
+          <ac:chgData name="Firnaaz Ahamed" userId="354af85a-496a-464c-a30e-ea50a64145d9" providerId="ADAL" clId="{0182CD6E-24E9-42B7-98AD-C0BB31B8E118}" dt="2021-11-21T16:56:07.206" v="277" actId="14100"/>
+          <ac:spMkLst>
+            <pc:docMk/>
+            <pc:sldMk cId="1731914088" sldId="261"/>
+            <ac:spMk id="77" creationId="{716B5BD0-FA93-45E7-9366-07FBB1438711}"/>
+          </ac:spMkLst>
+        </pc:spChg>
+        <pc:spChg chg="mod">
+          <ac:chgData name="Firnaaz Ahamed" userId="354af85a-496a-464c-a30e-ea50a64145d9" providerId="ADAL" clId="{0182CD6E-24E9-42B7-98AD-C0BB31B8E118}" dt="2021-11-21T16:45:36.504" v="2"/>
+          <ac:spMkLst>
+            <pc:docMk/>
+            <pc:sldMk cId="1731914088" sldId="261"/>
+            <ac:spMk id="81" creationId="{20E0B047-CB50-47CC-A7F6-AFB7D4FAC1C9}"/>
+          </ac:spMkLst>
+        </pc:spChg>
+        <pc:spChg chg="mod">
+          <ac:chgData name="Firnaaz Ahamed" userId="354af85a-496a-464c-a30e-ea50a64145d9" providerId="ADAL" clId="{0182CD6E-24E9-42B7-98AD-C0BB31B8E118}" dt="2021-11-21T16:58:03.658" v="332" actId="1038"/>
+          <ac:spMkLst>
+            <pc:docMk/>
+            <pc:sldMk cId="1731914088" sldId="261"/>
+            <ac:spMk id="82" creationId="{230CC81B-939A-4236-9082-74439EE1F1F2}"/>
+          </ac:spMkLst>
+        </pc:spChg>
+        <pc:spChg chg="mod">
+          <ac:chgData name="Firnaaz Ahamed" userId="354af85a-496a-464c-a30e-ea50a64145d9" providerId="ADAL" clId="{0182CD6E-24E9-42B7-98AD-C0BB31B8E118}" dt="2021-11-21T16:58:41.226" v="337" actId="20577"/>
+          <ac:spMkLst>
+            <pc:docMk/>
+            <pc:sldMk cId="1731914088" sldId="261"/>
+            <ac:spMk id="85" creationId="{F7F67460-9FF1-4EC1-8643-3B2028310080}"/>
+          </ac:spMkLst>
+        </pc:spChg>
+        <pc:spChg chg="mod">
+          <ac:chgData name="Firnaaz Ahamed" userId="354af85a-496a-464c-a30e-ea50a64145d9" providerId="ADAL" clId="{0182CD6E-24E9-42B7-98AD-C0BB31B8E118}" dt="2021-11-21T16:54:55.832" v="263" actId="1076"/>
+          <ac:spMkLst>
+            <pc:docMk/>
+            <pc:sldMk cId="1731914088" sldId="261"/>
+            <ac:spMk id="86" creationId="{492A5222-80AD-40A6-8FFA-187691221677}"/>
+          </ac:spMkLst>
+        </pc:spChg>
+        <pc:spChg chg="mod">
+          <ac:chgData name="Firnaaz Ahamed" userId="354af85a-496a-464c-a30e-ea50a64145d9" providerId="ADAL" clId="{0182CD6E-24E9-42B7-98AD-C0BB31B8E118}" dt="2021-11-21T16:53:09.240" v="201" actId="207"/>
+          <ac:spMkLst>
+            <pc:docMk/>
+            <pc:sldMk cId="1731914088" sldId="261"/>
+            <ac:spMk id="90" creationId="{1BB44949-E8D4-4291-A04D-33263DDC2B83}"/>
+          </ac:spMkLst>
+        </pc:spChg>
+        <pc:spChg chg="mod">
+          <ac:chgData name="Firnaaz Ahamed" userId="354af85a-496a-464c-a30e-ea50a64145d9" providerId="ADAL" clId="{0182CD6E-24E9-42B7-98AD-C0BB31B8E118}" dt="2021-11-21T16:45:36.504" v="2"/>
+          <ac:spMkLst>
+            <pc:docMk/>
+            <pc:sldMk cId="1731914088" sldId="261"/>
+            <ac:spMk id="92" creationId="{975B210C-FF43-4A51-80E8-A27C7A9B6F3C}"/>
+          </ac:spMkLst>
+        </pc:spChg>
+        <pc:spChg chg="mod">
+          <ac:chgData name="Firnaaz Ahamed" userId="354af85a-496a-464c-a30e-ea50a64145d9" providerId="ADAL" clId="{0182CD6E-24E9-42B7-98AD-C0BB31B8E118}" dt="2021-11-21T16:53:15.798" v="202" actId="207"/>
+          <ac:spMkLst>
+            <pc:docMk/>
+            <pc:sldMk cId="1731914088" sldId="261"/>
+            <ac:spMk id="93" creationId="{877363A7-6983-4DC0-8BA1-B4CA928309D9}"/>
+          </ac:spMkLst>
+        </pc:spChg>
+        <pc:spChg chg="mod topLvl">
+          <ac:chgData name="Firnaaz Ahamed" userId="354af85a-496a-464c-a30e-ea50a64145d9" providerId="ADAL" clId="{0182CD6E-24E9-42B7-98AD-C0BB31B8E118}" dt="2021-11-21T16:59:00.409" v="340" actId="164"/>
+          <ac:spMkLst>
+            <pc:docMk/>
+            <pc:sldMk cId="1731914088" sldId="261"/>
+            <ac:spMk id="95" creationId="{7CB7B696-DABC-499F-8BBF-B10BE41F5D46}"/>
+          </ac:spMkLst>
+        </pc:spChg>
+        <pc:spChg chg="mod topLvl">
+          <ac:chgData name="Firnaaz Ahamed" userId="354af85a-496a-464c-a30e-ea50a64145d9" providerId="ADAL" clId="{0182CD6E-24E9-42B7-98AD-C0BB31B8E118}" dt="2021-11-21T16:59:00.409" v="340" actId="164"/>
+          <ac:spMkLst>
+            <pc:docMk/>
+            <pc:sldMk cId="1731914088" sldId="261"/>
+            <ac:spMk id="96" creationId="{8431D85C-7999-41E1-B680-2D9568C88614}"/>
+          </ac:spMkLst>
+        </pc:spChg>
+        <pc:spChg chg="mod">
+          <ac:chgData name="Firnaaz Ahamed" userId="354af85a-496a-464c-a30e-ea50a64145d9" providerId="ADAL" clId="{0182CD6E-24E9-42B7-98AD-C0BB31B8E118}" dt="2021-11-21T16:53:15.798" v="202" actId="207"/>
+          <ac:spMkLst>
+            <pc:docMk/>
+            <pc:sldMk cId="1731914088" sldId="261"/>
+            <ac:spMk id="97" creationId="{935CABEB-BC50-4EF7-AE5C-A1D4DC66619F}"/>
+          </ac:spMkLst>
+        </pc:spChg>
+        <pc:spChg chg="mod">
+          <ac:chgData name="Firnaaz Ahamed" userId="354af85a-496a-464c-a30e-ea50a64145d9" providerId="ADAL" clId="{0182CD6E-24E9-42B7-98AD-C0BB31B8E118}" dt="2021-11-21T16:53:09.240" v="201" actId="207"/>
+          <ac:spMkLst>
+            <pc:docMk/>
+            <pc:sldMk cId="1731914088" sldId="261"/>
+            <ac:spMk id="98" creationId="{8EE7C62D-0C7B-4CF4-8D99-5C6112FBF1CE}"/>
+          </ac:spMkLst>
+        </pc:spChg>
+        <pc:spChg chg="mod">
+          <ac:chgData name="Firnaaz Ahamed" userId="354af85a-496a-464c-a30e-ea50a64145d9" providerId="ADAL" clId="{0182CD6E-24E9-42B7-98AD-C0BB31B8E118}" dt="2021-11-21T16:53:09.240" v="201" actId="207"/>
+          <ac:spMkLst>
+            <pc:docMk/>
+            <pc:sldMk cId="1731914088" sldId="261"/>
+            <ac:spMk id="99" creationId="{C9615464-916B-4AAD-AB9D-182296F4A3AC}"/>
+          </ac:spMkLst>
+        </pc:spChg>
+        <pc:spChg chg="mod">
+          <ac:chgData name="Firnaaz Ahamed" userId="354af85a-496a-464c-a30e-ea50a64145d9" providerId="ADAL" clId="{0182CD6E-24E9-42B7-98AD-C0BB31B8E118}" dt="2021-11-21T16:45:36.504" v="2"/>
+          <ac:spMkLst>
+            <pc:docMk/>
+            <pc:sldMk cId="1731914088" sldId="261"/>
+            <ac:spMk id="100" creationId="{75B3F919-BA39-45D4-BD5B-A314637FE6A3}"/>
+          </ac:spMkLst>
+        </pc:spChg>
+        <pc:spChg chg="mod">
+          <ac:chgData name="Firnaaz Ahamed" userId="354af85a-496a-464c-a30e-ea50a64145d9" providerId="ADAL" clId="{0182CD6E-24E9-42B7-98AD-C0BB31B8E118}" dt="2021-11-21T16:45:36.504" v="2"/>
+          <ac:spMkLst>
+            <pc:docMk/>
+            <pc:sldMk cId="1731914088" sldId="261"/>
+            <ac:spMk id="101" creationId="{950A1D12-BEBC-4F89-A527-2FF59C3550B9}"/>
+          </ac:spMkLst>
+        </pc:spChg>
+        <pc:spChg chg="mod">
+          <ac:chgData name="Firnaaz Ahamed" userId="354af85a-496a-464c-a30e-ea50a64145d9" providerId="ADAL" clId="{0182CD6E-24E9-42B7-98AD-C0BB31B8E118}" dt="2021-11-21T16:53:38.590" v="203" actId="207"/>
+          <ac:spMkLst>
+            <pc:docMk/>
+            <pc:sldMk cId="1731914088" sldId="261"/>
+            <ac:spMk id="102" creationId="{86CFC9E4-0BC9-4AD6-A733-443FD5096923}"/>
+          </ac:spMkLst>
+        </pc:spChg>
+        <pc:spChg chg="mod">
+          <ac:chgData name="Firnaaz Ahamed" userId="354af85a-496a-464c-a30e-ea50a64145d9" providerId="ADAL" clId="{0182CD6E-24E9-42B7-98AD-C0BB31B8E118}" dt="2021-11-21T16:53:38.590" v="203" actId="207"/>
+          <ac:spMkLst>
+            <pc:docMk/>
+            <pc:sldMk cId="1731914088" sldId="261"/>
+            <ac:spMk id="103" creationId="{45A14A6E-F2F2-42F5-878E-D267CF0A4FFE}"/>
+          </ac:spMkLst>
+        </pc:spChg>
+        <pc:spChg chg="mod">
+          <ac:chgData name="Firnaaz Ahamed" userId="354af85a-496a-464c-a30e-ea50a64145d9" providerId="ADAL" clId="{0182CD6E-24E9-42B7-98AD-C0BB31B8E118}" dt="2021-11-21T16:53:38.590" v="203" actId="207"/>
+          <ac:spMkLst>
+            <pc:docMk/>
+            <pc:sldMk cId="1731914088" sldId="261"/>
+            <ac:spMk id="104" creationId="{188E143A-058C-4C56-888B-3C2BE89EA489}"/>
+          </ac:spMkLst>
+        </pc:spChg>
+        <pc:spChg chg="mod">
+          <ac:chgData name="Firnaaz Ahamed" userId="354af85a-496a-464c-a30e-ea50a64145d9" providerId="ADAL" clId="{0182CD6E-24E9-42B7-98AD-C0BB31B8E118}" dt="2021-11-21T16:45:36.504" v="2"/>
+          <ac:spMkLst>
+            <pc:docMk/>
+            <pc:sldMk cId="1731914088" sldId="261"/>
+            <ac:spMk id="105" creationId="{8A63179C-3BB8-4B4E-A4C3-89B6AEAB614D}"/>
+          </ac:spMkLst>
+        </pc:spChg>
+        <pc:spChg chg="mod">
+          <ac:chgData name="Firnaaz Ahamed" userId="354af85a-496a-464c-a30e-ea50a64145d9" providerId="ADAL" clId="{0182CD6E-24E9-42B7-98AD-C0BB31B8E118}" dt="2021-11-21T16:53:38.590" v="203" actId="207"/>
+          <ac:spMkLst>
+            <pc:docMk/>
+            <pc:sldMk cId="1731914088" sldId="261"/>
+            <ac:spMk id="106" creationId="{E81132D0-C01D-4035-8738-B3699E5C08EF}"/>
+          </ac:spMkLst>
+        </pc:spChg>
+        <pc:spChg chg="mod">
+          <ac:chgData name="Firnaaz Ahamed" userId="354af85a-496a-464c-a30e-ea50a64145d9" providerId="ADAL" clId="{0182CD6E-24E9-42B7-98AD-C0BB31B8E118}" dt="2021-11-21T16:45:36.504" v="2"/>
+          <ac:spMkLst>
+            <pc:docMk/>
+            <pc:sldMk cId="1731914088" sldId="261"/>
+            <ac:spMk id="107" creationId="{82FF2311-5F59-4AAC-A890-EE0FD850E56C}"/>
+          </ac:spMkLst>
+        </pc:spChg>
+        <pc:spChg chg="mod">
+          <ac:chgData name="Firnaaz Ahamed" userId="354af85a-496a-464c-a30e-ea50a64145d9" providerId="ADAL" clId="{0182CD6E-24E9-42B7-98AD-C0BB31B8E118}" dt="2021-11-21T16:52:46.582" v="200" actId="207"/>
+          <ac:spMkLst>
+            <pc:docMk/>
+            <pc:sldMk cId="1731914088" sldId="261"/>
+            <ac:spMk id="108" creationId="{B3EA47D6-E8E5-422F-AE83-E1AEA51AD094}"/>
+          </ac:spMkLst>
+        </pc:spChg>
+        <pc:spChg chg="mod">
+          <ac:chgData name="Firnaaz Ahamed" userId="354af85a-496a-464c-a30e-ea50a64145d9" providerId="ADAL" clId="{0182CD6E-24E9-42B7-98AD-C0BB31B8E118}" dt="2021-11-21T16:45:36.504" v="2"/>
+          <ac:spMkLst>
+            <pc:docMk/>
+            <pc:sldMk cId="1731914088" sldId="261"/>
+            <ac:spMk id="109" creationId="{319191C7-44D8-491A-84EA-897536187A2C}"/>
+          </ac:spMkLst>
+        </pc:spChg>
+        <pc:spChg chg="mod">
+          <ac:chgData name="Firnaaz Ahamed" userId="354af85a-496a-464c-a30e-ea50a64145d9" providerId="ADAL" clId="{0182CD6E-24E9-42B7-98AD-C0BB31B8E118}" dt="2021-11-21T16:52:46.582" v="200" actId="207"/>
+          <ac:spMkLst>
+            <pc:docMk/>
+            <pc:sldMk cId="1731914088" sldId="261"/>
+            <ac:spMk id="110" creationId="{4238C17F-790E-40DE-B51C-46F5BB4BC58D}"/>
+          </ac:spMkLst>
+        </pc:spChg>
+        <pc:spChg chg="mod">
+          <ac:chgData name="Firnaaz Ahamed" userId="354af85a-496a-464c-a30e-ea50a64145d9" providerId="ADAL" clId="{0182CD6E-24E9-42B7-98AD-C0BB31B8E118}" dt="2021-11-21T16:52:46.582" v="200" actId="207"/>
+          <ac:spMkLst>
+            <pc:docMk/>
+            <pc:sldMk cId="1731914088" sldId="261"/>
+            <ac:spMk id="111" creationId="{10B786E6-F49C-444B-B709-1E405AC4D07F}"/>
+          </ac:spMkLst>
+        </pc:spChg>
+        <pc:spChg chg="mod">
+          <ac:chgData name="Firnaaz Ahamed" userId="354af85a-496a-464c-a30e-ea50a64145d9" providerId="ADAL" clId="{0182CD6E-24E9-42B7-98AD-C0BB31B8E118}" dt="2021-11-21T16:52:46.582" v="200" actId="207"/>
+          <ac:spMkLst>
+            <pc:docMk/>
+            <pc:sldMk cId="1731914088" sldId="261"/>
+            <ac:spMk id="112" creationId="{7C033A7C-4F8C-4FAF-91E2-6DA769EB2B71}"/>
+          </ac:spMkLst>
+        </pc:spChg>
+        <pc:spChg chg="mod">
+          <ac:chgData name="Firnaaz Ahamed" userId="354af85a-496a-464c-a30e-ea50a64145d9" providerId="ADAL" clId="{0182CD6E-24E9-42B7-98AD-C0BB31B8E118}" dt="2021-11-21T16:45:36.504" v="2"/>
+          <ac:spMkLst>
+            <pc:docMk/>
+            <pc:sldMk cId="1731914088" sldId="261"/>
+            <ac:spMk id="113" creationId="{D133162F-81FB-481C-B4B5-6BB7EDEE7C44}"/>
+          </ac:spMkLst>
+        </pc:spChg>
+        <pc:spChg chg="mod ord topLvl">
+          <ac:chgData name="Firnaaz Ahamed" userId="354af85a-496a-464c-a30e-ea50a64145d9" providerId="ADAL" clId="{0182CD6E-24E9-42B7-98AD-C0BB31B8E118}" dt="2021-11-21T16:59:00.409" v="340" actId="164"/>
+          <ac:spMkLst>
+            <pc:docMk/>
+            <pc:sldMk cId="1731914088" sldId="261"/>
+            <ac:spMk id="119" creationId="{CBD9BC47-DD22-4B58-9F6D-9C53E156AFDD}"/>
+          </ac:spMkLst>
+        </pc:spChg>
+        <pc:spChg chg="mod">
+          <ac:chgData name="Firnaaz Ahamed" userId="354af85a-496a-464c-a30e-ea50a64145d9" providerId="ADAL" clId="{0182CD6E-24E9-42B7-98AD-C0BB31B8E118}" dt="2021-11-21T16:45:36.504" v="2"/>
+          <ac:spMkLst>
+            <pc:docMk/>
+            <pc:sldMk cId="1731914088" sldId="261"/>
+            <ac:spMk id="122" creationId="{B966E105-39D8-4CD9-A561-70326B39DAE2}"/>
+          </ac:spMkLst>
+        </pc:spChg>
+        <pc:spChg chg="mod">
+          <ac:chgData name="Firnaaz Ahamed" userId="354af85a-496a-464c-a30e-ea50a64145d9" providerId="ADAL" clId="{0182CD6E-24E9-42B7-98AD-C0BB31B8E118}" dt="2021-11-21T16:45:36.504" v="2"/>
+          <ac:spMkLst>
+            <pc:docMk/>
+            <pc:sldMk cId="1731914088" sldId="261"/>
+            <ac:spMk id="123" creationId="{71ED40E4-AE66-4D2D-875D-70773A188F73}"/>
+          </ac:spMkLst>
+        </pc:spChg>
+        <pc:spChg chg="mod">
+          <ac:chgData name="Firnaaz Ahamed" userId="354af85a-496a-464c-a30e-ea50a64145d9" providerId="ADAL" clId="{0182CD6E-24E9-42B7-98AD-C0BB31B8E118}" dt="2021-11-21T16:45:36.504" v="2"/>
+          <ac:spMkLst>
+            <pc:docMk/>
+            <pc:sldMk cId="1731914088" sldId="261"/>
+            <ac:spMk id="124" creationId="{D9555808-3AFE-4F12-B8C4-16E02303FD5C}"/>
+          </ac:spMkLst>
+        </pc:spChg>
+        <pc:spChg chg="mod">
+          <ac:chgData name="Firnaaz Ahamed" userId="354af85a-496a-464c-a30e-ea50a64145d9" providerId="ADAL" clId="{0182CD6E-24E9-42B7-98AD-C0BB31B8E118}" dt="2021-11-21T16:45:36.504" v="2"/>
+          <ac:spMkLst>
+            <pc:docMk/>
+            <pc:sldMk cId="1731914088" sldId="261"/>
+            <ac:spMk id="125" creationId="{1DDED9F8-E928-421A-B64B-118BA678B3CC}"/>
+          </ac:spMkLst>
+        </pc:spChg>
+        <pc:spChg chg="mod">
+          <ac:chgData name="Firnaaz Ahamed" userId="354af85a-496a-464c-a30e-ea50a64145d9" providerId="ADAL" clId="{0182CD6E-24E9-42B7-98AD-C0BB31B8E118}" dt="2021-11-21T16:45:36.504" v="2"/>
+          <ac:spMkLst>
+            <pc:docMk/>
+            <pc:sldMk cId="1731914088" sldId="261"/>
+            <ac:spMk id="126" creationId="{F0F14420-E5BF-404C-A4A3-17C1312E00B2}"/>
+          </ac:spMkLst>
+        </pc:spChg>
+        <pc:spChg chg="mod">
+          <ac:chgData name="Firnaaz Ahamed" userId="354af85a-496a-464c-a30e-ea50a64145d9" providerId="ADAL" clId="{0182CD6E-24E9-42B7-98AD-C0BB31B8E118}" dt="2021-11-21T16:45:36.504" v="2"/>
+          <ac:spMkLst>
+            <pc:docMk/>
+            <pc:sldMk cId="1731914088" sldId="261"/>
+            <ac:spMk id="127" creationId="{996CBD08-8FDD-42B9-9095-64C943A6D58E}"/>
+          </ac:spMkLst>
+        </pc:spChg>
+        <pc:spChg chg="mod">
+          <ac:chgData name="Firnaaz Ahamed" userId="354af85a-496a-464c-a30e-ea50a64145d9" providerId="ADAL" clId="{0182CD6E-24E9-42B7-98AD-C0BB31B8E118}" dt="2021-11-21T16:45:36.504" v="2"/>
+          <ac:spMkLst>
+            <pc:docMk/>
+            <pc:sldMk cId="1731914088" sldId="261"/>
+            <ac:spMk id="128" creationId="{E999A28C-AEE9-4CF1-BF8B-6EDC244CE801}"/>
+          </ac:spMkLst>
+        </pc:spChg>
+        <pc:spChg chg="mod">
+          <ac:chgData name="Firnaaz Ahamed" userId="354af85a-496a-464c-a30e-ea50a64145d9" providerId="ADAL" clId="{0182CD6E-24E9-42B7-98AD-C0BB31B8E118}" dt="2021-11-21T16:45:36.504" v="2"/>
+          <ac:spMkLst>
+            <pc:docMk/>
+            <pc:sldMk cId="1731914088" sldId="261"/>
+            <ac:spMk id="129" creationId="{6ACD6B55-4AF8-403C-8D4B-7823FC831148}"/>
+          </ac:spMkLst>
+        </pc:spChg>
+        <pc:spChg chg="mod">
+          <ac:chgData name="Firnaaz Ahamed" userId="354af85a-496a-464c-a30e-ea50a64145d9" providerId="ADAL" clId="{0182CD6E-24E9-42B7-98AD-C0BB31B8E118}" dt="2021-11-21T16:45:36.504" v="2"/>
+          <ac:spMkLst>
+            <pc:docMk/>
+            <pc:sldMk cId="1731914088" sldId="261"/>
+            <ac:spMk id="130" creationId="{7B2062CA-BECC-46C4-BB84-93FB9AE2B0CF}"/>
+          </ac:spMkLst>
+        </pc:spChg>
+        <pc:spChg chg="mod">
+          <ac:chgData name="Firnaaz Ahamed" userId="354af85a-496a-464c-a30e-ea50a64145d9" providerId="ADAL" clId="{0182CD6E-24E9-42B7-98AD-C0BB31B8E118}" dt="2021-11-21T16:45:36.504" v="2"/>
+          <ac:spMkLst>
+            <pc:docMk/>
+            <pc:sldMk cId="1731914088" sldId="261"/>
+            <ac:spMk id="131" creationId="{97D3E8B6-F5FB-44DE-A3D1-6903574EA07B}"/>
+          </ac:spMkLst>
+        </pc:spChg>
+        <pc:spChg chg="mod">
+          <ac:chgData name="Firnaaz Ahamed" userId="354af85a-496a-464c-a30e-ea50a64145d9" providerId="ADAL" clId="{0182CD6E-24E9-42B7-98AD-C0BB31B8E118}" dt="2021-11-21T16:45:36.504" v="2"/>
+          <ac:spMkLst>
+            <pc:docMk/>
+            <pc:sldMk cId="1731914088" sldId="261"/>
+            <ac:spMk id="132" creationId="{06B57FC4-3D84-48F7-ACC7-74C65E1AE9DE}"/>
+          </ac:spMkLst>
+        </pc:spChg>
+        <pc:spChg chg="mod">
+          <ac:chgData name="Firnaaz Ahamed" userId="354af85a-496a-464c-a30e-ea50a64145d9" providerId="ADAL" clId="{0182CD6E-24E9-42B7-98AD-C0BB31B8E118}" dt="2021-11-21T16:45:36.504" v="2"/>
+          <ac:spMkLst>
+            <pc:docMk/>
+            <pc:sldMk cId="1731914088" sldId="261"/>
+            <ac:spMk id="133" creationId="{8266E8EE-5005-4AE3-9E43-82A89F8FF081}"/>
+          </ac:spMkLst>
+        </pc:spChg>
+        <pc:spChg chg="mod">
+          <ac:chgData name="Firnaaz Ahamed" userId="354af85a-496a-464c-a30e-ea50a64145d9" providerId="ADAL" clId="{0182CD6E-24E9-42B7-98AD-C0BB31B8E118}" dt="2021-11-21T16:45:36.504" v="2"/>
+          <ac:spMkLst>
+            <pc:docMk/>
+            <pc:sldMk cId="1731914088" sldId="261"/>
+            <ac:spMk id="134" creationId="{052271E8-A36E-442C-B2BD-8E6A93CCCC9F}"/>
+          </ac:spMkLst>
+        </pc:spChg>
+        <pc:spChg chg="mod">
+          <ac:chgData name="Firnaaz Ahamed" userId="354af85a-496a-464c-a30e-ea50a64145d9" providerId="ADAL" clId="{0182CD6E-24E9-42B7-98AD-C0BB31B8E118}" dt="2021-11-21T16:45:36.504" v="2"/>
+          <ac:spMkLst>
+            <pc:docMk/>
+            <pc:sldMk cId="1731914088" sldId="261"/>
+            <ac:spMk id="135" creationId="{909CC245-3B7D-43F7-8007-B1F1C904B950}"/>
+          </ac:spMkLst>
+        </pc:spChg>
+        <pc:spChg chg="mod">
+          <ac:chgData name="Firnaaz Ahamed" userId="354af85a-496a-464c-a30e-ea50a64145d9" providerId="ADAL" clId="{0182CD6E-24E9-42B7-98AD-C0BB31B8E118}" dt="2021-11-21T16:45:36.504" v="2"/>
+          <ac:spMkLst>
+            <pc:docMk/>
+            <pc:sldMk cId="1731914088" sldId="261"/>
+            <ac:spMk id="136" creationId="{FE268D13-1D22-484E-8FA3-F626063D2A14}"/>
+          </ac:spMkLst>
+        </pc:spChg>
+        <pc:spChg chg="mod">
+          <ac:chgData name="Firnaaz Ahamed" userId="354af85a-496a-464c-a30e-ea50a64145d9" providerId="ADAL" clId="{0182CD6E-24E9-42B7-98AD-C0BB31B8E118}" dt="2021-11-21T16:45:36.504" v="2"/>
+          <ac:spMkLst>
+            <pc:docMk/>
+            <pc:sldMk cId="1731914088" sldId="261"/>
+            <ac:spMk id="137" creationId="{FD0FC640-26D2-4359-9B02-D424CE9E2927}"/>
+          </ac:spMkLst>
+        </pc:spChg>
+        <pc:spChg chg="mod">
+          <ac:chgData name="Firnaaz Ahamed" userId="354af85a-496a-464c-a30e-ea50a64145d9" providerId="ADAL" clId="{0182CD6E-24E9-42B7-98AD-C0BB31B8E118}" dt="2021-11-21T16:45:36.504" v="2"/>
+          <ac:spMkLst>
+            <pc:docMk/>
+            <pc:sldMk cId="1731914088" sldId="261"/>
+            <ac:spMk id="138" creationId="{526597A1-9A3D-44F6-8E0C-1BF309CE7F51}"/>
+          </ac:spMkLst>
+        </pc:spChg>
+        <pc:spChg chg="mod">
+          <ac:chgData name="Firnaaz Ahamed" userId="354af85a-496a-464c-a30e-ea50a64145d9" providerId="ADAL" clId="{0182CD6E-24E9-42B7-98AD-C0BB31B8E118}" dt="2021-11-21T16:45:36.504" v="2"/>
+          <ac:spMkLst>
+            <pc:docMk/>
+            <pc:sldMk cId="1731914088" sldId="261"/>
+            <ac:spMk id="139" creationId="{1ADF9AAD-89E8-484B-B2E7-FF055AE1499E}"/>
+          </ac:spMkLst>
+        </pc:spChg>
+        <pc:spChg chg="mod">
+          <ac:chgData name="Firnaaz Ahamed" userId="354af85a-496a-464c-a30e-ea50a64145d9" providerId="ADAL" clId="{0182CD6E-24E9-42B7-98AD-C0BB31B8E118}" dt="2021-11-21T16:45:36.504" v="2"/>
+          <ac:spMkLst>
+            <pc:docMk/>
+            <pc:sldMk cId="1731914088" sldId="261"/>
+            <ac:spMk id="140" creationId="{EA7D8A6E-1C58-45DD-8CAE-04FCBDF1553E}"/>
+          </ac:spMkLst>
+        </pc:spChg>
+        <pc:spChg chg="mod">
+          <ac:chgData name="Firnaaz Ahamed" userId="354af85a-496a-464c-a30e-ea50a64145d9" providerId="ADAL" clId="{0182CD6E-24E9-42B7-98AD-C0BB31B8E118}" dt="2021-11-21T16:45:36.504" v="2"/>
+          <ac:spMkLst>
+            <pc:docMk/>
+            <pc:sldMk cId="1731914088" sldId="261"/>
+            <ac:spMk id="141" creationId="{B2D7B3C4-1FCD-472F-BAA8-5C7DC61CE86F}"/>
+          </ac:spMkLst>
+        </pc:spChg>
+        <pc:spChg chg="mod">
+          <ac:chgData name="Firnaaz Ahamed" userId="354af85a-496a-464c-a30e-ea50a64145d9" providerId="ADAL" clId="{0182CD6E-24E9-42B7-98AD-C0BB31B8E118}" dt="2021-11-21T16:45:36.504" v="2"/>
+          <ac:spMkLst>
+            <pc:docMk/>
+            <pc:sldMk cId="1731914088" sldId="261"/>
+            <ac:spMk id="145" creationId="{4D5681C1-DECE-4110-8B6C-6608BA26558E}"/>
+          </ac:spMkLst>
+        </pc:spChg>
+        <pc:spChg chg="mod">
+          <ac:chgData name="Firnaaz Ahamed" userId="354af85a-496a-464c-a30e-ea50a64145d9" providerId="ADAL" clId="{0182CD6E-24E9-42B7-98AD-C0BB31B8E118}" dt="2021-11-21T16:45:36.504" v="2"/>
+          <ac:spMkLst>
+            <pc:docMk/>
+            <pc:sldMk cId="1731914088" sldId="261"/>
+            <ac:spMk id="146" creationId="{9A1487F4-2F37-43A2-A6DD-A28B7FCF36B5}"/>
+          </ac:spMkLst>
+        </pc:spChg>
+        <pc:spChg chg="mod">
+          <ac:chgData name="Firnaaz Ahamed" userId="354af85a-496a-464c-a30e-ea50a64145d9" providerId="ADAL" clId="{0182CD6E-24E9-42B7-98AD-C0BB31B8E118}" dt="2021-11-21T16:45:36.504" v="2"/>
+          <ac:spMkLst>
+            <pc:docMk/>
+            <pc:sldMk cId="1731914088" sldId="261"/>
+            <ac:spMk id="147" creationId="{C6F4D60A-D95B-452B-8A87-0F1510F3DCBE}"/>
+          </ac:spMkLst>
+        </pc:spChg>
+        <pc:spChg chg="mod">
+          <ac:chgData name="Firnaaz Ahamed" userId="354af85a-496a-464c-a30e-ea50a64145d9" providerId="ADAL" clId="{0182CD6E-24E9-42B7-98AD-C0BB31B8E118}" dt="2021-11-21T16:45:36.504" v="2"/>
+          <ac:spMkLst>
+            <pc:docMk/>
+            <pc:sldMk cId="1731914088" sldId="261"/>
+            <ac:spMk id="148" creationId="{672E3432-EF0D-4DF5-BAD0-588A4A7FD39E}"/>
+          </ac:spMkLst>
+        </pc:spChg>
+        <pc:spChg chg="mod">
+          <ac:chgData name="Firnaaz Ahamed" userId="354af85a-496a-464c-a30e-ea50a64145d9" providerId="ADAL" clId="{0182CD6E-24E9-42B7-98AD-C0BB31B8E118}" dt="2021-11-21T16:45:36.504" v="2"/>
+          <ac:spMkLst>
+            <pc:docMk/>
+            <pc:sldMk cId="1731914088" sldId="261"/>
+            <ac:spMk id="149" creationId="{3BE8319A-8ACA-441E-838C-F5E01DC2D92F}"/>
+          </ac:spMkLst>
+        </pc:spChg>
+        <pc:spChg chg="mod">
+          <ac:chgData name="Firnaaz Ahamed" userId="354af85a-496a-464c-a30e-ea50a64145d9" providerId="ADAL" clId="{0182CD6E-24E9-42B7-98AD-C0BB31B8E118}" dt="2021-11-21T16:45:36.504" v="2"/>
+          <ac:spMkLst>
+            <pc:docMk/>
+            <pc:sldMk cId="1731914088" sldId="261"/>
+            <ac:spMk id="150" creationId="{1ABF5490-84E8-4EA1-B90A-6FC61EA23492}"/>
+          </ac:spMkLst>
+        </pc:spChg>
+        <pc:spChg chg="mod">
+          <ac:chgData name="Firnaaz Ahamed" userId="354af85a-496a-464c-a30e-ea50a64145d9" providerId="ADAL" clId="{0182CD6E-24E9-42B7-98AD-C0BB31B8E118}" dt="2021-11-21T16:45:36.504" v="2"/>
+          <ac:spMkLst>
+            <pc:docMk/>
+            <pc:sldMk cId="1731914088" sldId="261"/>
+            <ac:spMk id="151" creationId="{B31D6C44-7CE9-4134-8F35-BCAD803F0313}"/>
+          </ac:spMkLst>
+        </pc:spChg>
+        <pc:spChg chg="mod">
+          <ac:chgData name="Firnaaz Ahamed" userId="354af85a-496a-464c-a30e-ea50a64145d9" providerId="ADAL" clId="{0182CD6E-24E9-42B7-98AD-C0BB31B8E118}" dt="2021-11-21T16:45:36.504" v="2"/>
+          <ac:spMkLst>
+            <pc:docMk/>
+            <pc:sldMk cId="1731914088" sldId="261"/>
+            <ac:spMk id="152" creationId="{D5B11E86-D0C6-4BED-8715-67C6D8130E32}"/>
+          </ac:spMkLst>
+        </pc:spChg>
+        <pc:spChg chg="mod">
+          <ac:chgData name="Firnaaz Ahamed" userId="354af85a-496a-464c-a30e-ea50a64145d9" providerId="ADAL" clId="{0182CD6E-24E9-42B7-98AD-C0BB31B8E118}" dt="2021-11-21T16:45:36.504" v="2"/>
+          <ac:spMkLst>
+            <pc:docMk/>
+            <pc:sldMk cId="1731914088" sldId="261"/>
+            <ac:spMk id="153" creationId="{05CE2A6F-68D4-408F-8221-064930C74BD3}"/>
+          </ac:spMkLst>
+        </pc:spChg>
+        <pc:spChg chg="mod">
+          <ac:chgData name="Firnaaz Ahamed" userId="354af85a-496a-464c-a30e-ea50a64145d9" providerId="ADAL" clId="{0182CD6E-24E9-42B7-98AD-C0BB31B8E118}" dt="2021-11-21T16:45:36.504" v="2"/>
+          <ac:spMkLst>
+            <pc:docMk/>
+            <pc:sldMk cId="1731914088" sldId="261"/>
+            <ac:spMk id="154" creationId="{9ADDFBF3-6E9D-49CA-84F9-FDEEB9CADE32}"/>
+          </ac:spMkLst>
+        </pc:spChg>
+        <pc:spChg chg="mod">
+          <ac:chgData name="Firnaaz Ahamed" userId="354af85a-496a-464c-a30e-ea50a64145d9" providerId="ADAL" clId="{0182CD6E-24E9-42B7-98AD-C0BB31B8E118}" dt="2021-11-21T16:45:36.504" v="2"/>
+          <ac:spMkLst>
+            <pc:docMk/>
+            <pc:sldMk cId="1731914088" sldId="261"/>
+            <ac:spMk id="155" creationId="{BDDFD624-3C4C-412B-B64B-F9E7AE4C3585}"/>
+          </ac:spMkLst>
+        </pc:spChg>
+        <pc:spChg chg="mod">
+          <ac:chgData name="Firnaaz Ahamed" userId="354af85a-496a-464c-a30e-ea50a64145d9" providerId="ADAL" clId="{0182CD6E-24E9-42B7-98AD-C0BB31B8E118}" dt="2021-11-21T16:45:36.504" v="2"/>
+          <ac:spMkLst>
+            <pc:docMk/>
+            <pc:sldMk cId="1731914088" sldId="261"/>
+            <ac:spMk id="156" creationId="{FDEC7323-0E06-48FA-99A2-7E1A6AFE7028}"/>
+          </ac:spMkLst>
+        </pc:spChg>
+        <pc:spChg chg="mod">
+          <ac:chgData name="Firnaaz Ahamed" userId="354af85a-496a-464c-a30e-ea50a64145d9" providerId="ADAL" clId="{0182CD6E-24E9-42B7-98AD-C0BB31B8E118}" dt="2021-11-21T16:45:36.504" v="2"/>
+          <ac:spMkLst>
+            <pc:docMk/>
+            <pc:sldMk cId="1731914088" sldId="261"/>
+            <ac:spMk id="157" creationId="{A96A0118-F107-4818-B6EC-28C68287B3C1}"/>
+          </ac:spMkLst>
+        </pc:spChg>
+        <pc:spChg chg="mod">
+          <ac:chgData name="Firnaaz Ahamed" userId="354af85a-496a-464c-a30e-ea50a64145d9" providerId="ADAL" clId="{0182CD6E-24E9-42B7-98AD-C0BB31B8E118}" dt="2021-11-21T16:45:36.504" v="2"/>
+          <ac:spMkLst>
+            <pc:docMk/>
+            <pc:sldMk cId="1731914088" sldId="261"/>
+            <ac:spMk id="158" creationId="{B0165AC6-E891-4BCE-9E7B-D4ADAF3F79C6}"/>
+          </ac:spMkLst>
+        </pc:spChg>
+        <pc:spChg chg="mod">
+          <ac:chgData name="Firnaaz Ahamed" userId="354af85a-496a-464c-a30e-ea50a64145d9" providerId="ADAL" clId="{0182CD6E-24E9-42B7-98AD-C0BB31B8E118}" dt="2021-11-21T16:45:36.504" v="2"/>
+          <ac:spMkLst>
+            <pc:docMk/>
+            <pc:sldMk cId="1731914088" sldId="261"/>
+            <ac:spMk id="159" creationId="{C759B11B-CEA1-4908-9495-8773E2002137}"/>
+          </ac:spMkLst>
+        </pc:spChg>
+        <pc:spChg chg="mod">
+          <ac:chgData name="Firnaaz Ahamed" userId="354af85a-496a-464c-a30e-ea50a64145d9" providerId="ADAL" clId="{0182CD6E-24E9-42B7-98AD-C0BB31B8E118}" dt="2021-11-21T16:45:36.504" v="2"/>
+          <ac:spMkLst>
+            <pc:docMk/>
+            <pc:sldMk cId="1731914088" sldId="261"/>
+            <ac:spMk id="160" creationId="{EEE3999B-58BA-4072-A326-A800F88751F9}"/>
+          </ac:spMkLst>
+        </pc:spChg>
+        <pc:spChg chg="mod">
+          <ac:chgData name="Firnaaz Ahamed" userId="354af85a-496a-464c-a30e-ea50a64145d9" providerId="ADAL" clId="{0182CD6E-24E9-42B7-98AD-C0BB31B8E118}" dt="2021-11-21T16:45:36.504" v="2"/>
+          <ac:spMkLst>
+            <pc:docMk/>
+            <pc:sldMk cId="1731914088" sldId="261"/>
+            <ac:spMk id="161" creationId="{9310206B-AB1C-4463-89DD-16BFFDD514D0}"/>
+          </ac:spMkLst>
+        </pc:spChg>
+        <pc:spChg chg="mod">
+          <ac:chgData name="Firnaaz Ahamed" userId="354af85a-496a-464c-a30e-ea50a64145d9" providerId="ADAL" clId="{0182CD6E-24E9-42B7-98AD-C0BB31B8E118}" dt="2021-11-21T16:45:36.504" v="2"/>
+          <ac:spMkLst>
+            <pc:docMk/>
+            <pc:sldMk cId="1731914088" sldId="261"/>
+            <ac:spMk id="162" creationId="{2C757917-4A3B-427D-AF4A-698FECDD8306}"/>
+          </ac:spMkLst>
+        </pc:spChg>
+        <pc:spChg chg="mod">
+          <ac:chgData name="Firnaaz Ahamed" userId="354af85a-496a-464c-a30e-ea50a64145d9" providerId="ADAL" clId="{0182CD6E-24E9-42B7-98AD-C0BB31B8E118}" dt="2021-11-21T16:45:36.504" v="2"/>
+          <ac:spMkLst>
+            <pc:docMk/>
+            <pc:sldMk cId="1731914088" sldId="261"/>
+            <ac:spMk id="163" creationId="{EE072A35-68F6-4878-8191-FDAE9C519B40}"/>
+          </ac:spMkLst>
+        </pc:spChg>
+        <pc:spChg chg="mod">
+          <ac:chgData name="Firnaaz Ahamed" userId="354af85a-496a-464c-a30e-ea50a64145d9" providerId="ADAL" clId="{0182CD6E-24E9-42B7-98AD-C0BB31B8E118}" dt="2021-11-21T16:45:36.504" v="2"/>
+          <ac:spMkLst>
+            <pc:docMk/>
+            <pc:sldMk cId="1731914088" sldId="261"/>
+            <ac:spMk id="164" creationId="{AF468335-0BA3-437B-BE96-E4D8CAD55712}"/>
+          </ac:spMkLst>
+        </pc:spChg>
+        <pc:spChg chg="mod">
+          <ac:chgData name="Firnaaz Ahamed" userId="354af85a-496a-464c-a30e-ea50a64145d9" providerId="ADAL" clId="{0182CD6E-24E9-42B7-98AD-C0BB31B8E118}" dt="2021-11-21T16:45:36.504" v="2"/>
+          <ac:spMkLst>
+            <pc:docMk/>
+            <pc:sldMk cId="1731914088" sldId="261"/>
+            <ac:spMk id="168" creationId="{697CFF53-A8B4-43E4-8C41-30B1AEA93B64}"/>
+          </ac:spMkLst>
+        </pc:spChg>
+        <pc:spChg chg="mod">
+          <ac:chgData name="Firnaaz Ahamed" userId="354af85a-496a-464c-a30e-ea50a64145d9" providerId="ADAL" clId="{0182CD6E-24E9-42B7-98AD-C0BB31B8E118}" dt="2021-11-21T16:45:36.504" v="2"/>
+          <ac:spMkLst>
+            <pc:docMk/>
+            <pc:sldMk cId="1731914088" sldId="261"/>
+            <ac:spMk id="169" creationId="{73A204AF-ACC5-424E-B295-392304411B13}"/>
+          </ac:spMkLst>
+        </pc:spChg>
+        <pc:spChg chg="mod">
+          <ac:chgData name="Firnaaz Ahamed" userId="354af85a-496a-464c-a30e-ea50a64145d9" providerId="ADAL" clId="{0182CD6E-24E9-42B7-98AD-C0BB31B8E118}" dt="2021-11-21T16:45:36.504" v="2"/>
+          <ac:spMkLst>
+            <pc:docMk/>
+            <pc:sldMk cId="1731914088" sldId="261"/>
+            <ac:spMk id="170" creationId="{0559EA9C-6DD5-44B2-AF78-DC7F5CEA4A10}"/>
+          </ac:spMkLst>
+        </pc:spChg>
+        <pc:spChg chg="mod">
+          <ac:chgData name="Firnaaz Ahamed" userId="354af85a-496a-464c-a30e-ea50a64145d9" providerId="ADAL" clId="{0182CD6E-24E9-42B7-98AD-C0BB31B8E118}" dt="2021-11-21T16:45:36.504" v="2"/>
+          <ac:spMkLst>
+            <pc:docMk/>
+            <pc:sldMk cId="1731914088" sldId="261"/>
+            <ac:spMk id="171" creationId="{3488FCD3-0707-4268-BB05-C178BCDFCF33}"/>
+          </ac:spMkLst>
+        </pc:spChg>
+        <pc:spChg chg="mod">
+          <ac:chgData name="Firnaaz Ahamed" userId="354af85a-496a-464c-a30e-ea50a64145d9" providerId="ADAL" clId="{0182CD6E-24E9-42B7-98AD-C0BB31B8E118}" dt="2021-11-21T16:45:36.504" v="2"/>
+          <ac:spMkLst>
+            <pc:docMk/>
+            <pc:sldMk cId="1731914088" sldId="261"/>
+            <ac:spMk id="172" creationId="{394F0339-D79B-473F-B28A-ABBA1A0F9265}"/>
+          </ac:spMkLst>
+        </pc:spChg>
+        <pc:spChg chg="mod">
+          <ac:chgData name="Firnaaz Ahamed" userId="354af85a-496a-464c-a30e-ea50a64145d9" providerId="ADAL" clId="{0182CD6E-24E9-42B7-98AD-C0BB31B8E118}" dt="2021-11-21T16:45:36.504" v="2"/>
+          <ac:spMkLst>
+            <pc:docMk/>
+            <pc:sldMk cId="1731914088" sldId="261"/>
+            <ac:spMk id="173" creationId="{677A2ABD-7B45-4276-ACC8-6879F6C97BC7}"/>
+          </ac:spMkLst>
+        </pc:spChg>
+        <pc:spChg chg="mod">
+          <ac:chgData name="Firnaaz Ahamed" userId="354af85a-496a-464c-a30e-ea50a64145d9" providerId="ADAL" clId="{0182CD6E-24E9-42B7-98AD-C0BB31B8E118}" dt="2021-11-21T16:45:36.504" v="2"/>
+          <ac:spMkLst>
+            <pc:docMk/>
+            <pc:sldMk cId="1731914088" sldId="261"/>
+            <ac:spMk id="174" creationId="{34CF0E43-EF02-4148-B08A-51685D9DF51D}"/>
+          </ac:spMkLst>
+        </pc:spChg>
+        <pc:spChg chg="mod">
+          <ac:chgData name="Firnaaz Ahamed" userId="354af85a-496a-464c-a30e-ea50a64145d9" providerId="ADAL" clId="{0182CD6E-24E9-42B7-98AD-C0BB31B8E118}" dt="2021-11-21T16:45:36.504" v="2"/>
+          <ac:spMkLst>
+            <pc:docMk/>
+            <pc:sldMk cId="1731914088" sldId="261"/>
+            <ac:spMk id="175" creationId="{E467E1F3-1726-48D6-87BF-CC8A99EEB1F6}"/>
+          </ac:spMkLst>
+        </pc:spChg>
+        <pc:spChg chg="mod">
+          <ac:chgData name="Firnaaz Ahamed" userId="354af85a-496a-464c-a30e-ea50a64145d9" providerId="ADAL" clId="{0182CD6E-24E9-42B7-98AD-C0BB31B8E118}" dt="2021-11-21T16:45:36.504" v="2"/>
+          <ac:spMkLst>
+            <pc:docMk/>
+            <pc:sldMk cId="1731914088" sldId="261"/>
+            <ac:spMk id="176" creationId="{00A97B14-A92A-4F42-96E7-AE296F12E87C}"/>
+          </ac:spMkLst>
+        </pc:spChg>
+        <pc:spChg chg="mod">
+          <ac:chgData name="Firnaaz Ahamed" userId="354af85a-496a-464c-a30e-ea50a64145d9" providerId="ADAL" clId="{0182CD6E-24E9-42B7-98AD-C0BB31B8E118}" dt="2021-11-21T16:45:36.504" v="2"/>
+          <ac:spMkLst>
+            <pc:docMk/>
+            <pc:sldMk cId="1731914088" sldId="261"/>
+            <ac:spMk id="177" creationId="{FDBD2132-82AA-4D17-B280-E89222BF205B}"/>
+          </ac:spMkLst>
+        </pc:spChg>
+        <pc:spChg chg="mod">
+          <ac:chgData name="Firnaaz Ahamed" userId="354af85a-496a-464c-a30e-ea50a64145d9" providerId="ADAL" clId="{0182CD6E-24E9-42B7-98AD-C0BB31B8E118}" dt="2021-11-21T16:45:36.504" v="2"/>
+          <ac:spMkLst>
+            <pc:docMk/>
+            <pc:sldMk cId="1731914088" sldId="261"/>
+            <ac:spMk id="178" creationId="{34E86F36-DC01-4B43-AAAF-FEF16BCE2F57}"/>
+          </ac:spMkLst>
+        </pc:spChg>
+        <pc:spChg chg="mod">
+          <ac:chgData name="Firnaaz Ahamed" userId="354af85a-496a-464c-a30e-ea50a64145d9" providerId="ADAL" clId="{0182CD6E-24E9-42B7-98AD-C0BB31B8E118}" dt="2021-11-21T16:45:36.504" v="2"/>
+          <ac:spMkLst>
+            <pc:docMk/>
+            <pc:sldMk cId="1731914088" sldId="261"/>
+            <ac:spMk id="179" creationId="{B573F1D1-B0BA-40D5-8A40-EE72928E530F}"/>
+          </ac:spMkLst>
+        </pc:spChg>
+        <pc:spChg chg="mod">
+          <ac:chgData name="Firnaaz Ahamed" userId="354af85a-496a-464c-a30e-ea50a64145d9" providerId="ADAL" clId="{0182CD6E-24E9-42B7-98AD-C0BB31B8E118}" dt="2021-11-21T16:45:36.504" v="2"/>
+          <ac:spMkLst>
+            <pc:docMk/>
+            <pc:sldMk cId="1731914088" sldId="261"/>
+            <ac:spMk id="180" creationId="{D6D84724-150E-4252-BCF8-304CD01A128E}"/>
+          </ac:spMkLst>
+        </pc:spChg>
+        <pc:spChg chg="mod">
+          <ac:chgData name="Firnaaz Ahamed" userId="354af85a-496a-464c-a30e-ea50a64145d9" providerId="ADAL" clId="{0182CD6E-24E9-42B7-98AD-C0BB31B8E118}" dt="2021-11-21T16:45:36.504" v="2"/>
+          <ac:spMkLst>
+            <pc:docMk/>
+            <pc:sldMk cId="1731914088" sldId="261"/>
+            <ac:spMk id="181" creationId="{B05E59C1-7428-460A-B498-C84ED6D2EEC7}"/>
+          </ac:spMkLst>
+        </pc:spChg>
+        <pc:spChg chg="mod">
+          <ac:chgData name="Firnaaz Ahamed" userId="354af85a-496a-464c-a30e-ea50a64145d9" providerId="ADAL" clId="{0182CD6E-24E9-42B7-98AD-C0BB31B8E118}" dt="2021-11-21T16:45:36.504" v="2"/>
+          <ac:spMkLst>
+            <pc:docMk/>
+            <pc:sldMk cId="1731914088" sldId="261"/>
+            <ac:spMk id="182" creationId="{43955396-156A-46CE-8E4E-456106AAFD9F}"/>
+          </ac:spMkLst>
+        </pc:spChg>
+        <pc:spChg chg="mod">
+          <ac:chgData name="Firnaaz Ahamed" userId="354af85a-496a-464c-a30e-ea50a64145d9" providerId="ADAL" clId="{0182CD6E-24E9-42B7-98AD-C0BB31B8E118}" dt="2021-11-21T16:45:36.504" v="2"/>
+          <ac:spMkLst>
+            <pc:docMk/>
+            <pc:sldMk cId="1731914088" sldId="261"/>
+            <ac:spMk id="183" creationId="{52FBDEA7-B873-4ED0-B000-9CE170638F80}"/>
+          </ac:spMkLst>
+        </pc:spChg>
+        <pc:spChg chg="mod">
+          <ac:chgData name="Firnaaz Ahamed" userId="354af85a-496a-464c-a30e-ea50a64145d9" providerId="ADAL" clId="{0182CD6E-24E9-42B7-98AD-C0BB31B8E118}" dt="2021-11-21T16:45:36.504" v="2"/>
+          <ac:spMkLst>
+            <pc:docMk/>
+            <pc:sldMk cId="1731914088" sldId="261"/>
+            <ac:spMk id="184" creationId="{9F36DDE6-01BA-4A09-BE4E-83AB7693D378}"/>
+          </ac:spMkLst>
+        </pc:spChg>
+        <pc:spChg chg="mod">
+          <ac:chgData name="Firnaaz Ahamed" userId="354af85a-496a-464c-a30e-ea50a64145d9" providerId="ADAL" clId="{0182CD6E-24E9-42B7-98AD-C0BB31B8E118}" dt="2021-11-21T16:45:36.504" v="2"/>
+          <ac:spMkLst>
+            <pc:docMk/>
+            <pc:sldMk cId="1731914088" sldId="261"/>
+            <ac:spMk id="185" creationId="{68309E07-2130-4643-9C3A-0A37EA9D6F3C}"/>
+          </ac:spMkLst>
+        </pc:spChg>
+        <pc:spChg chg="mod">
+          <ac:chgData name="Firnaaz Ahamed" userId="354af85a-496a-464c-a30e-ea50a64145d9" providerId="ADAL" clId="{0182CD6E-24E9-42B7-98AD-C0BB31B8E118}" dt="2021-11-21T16:45:36.504" v="2"/>
+          <ac:spMkLst>
+            <pc:docMk/>
+            <pc:sldMk cId="1731914088" sldId="261"/>
+            <ac:spMk id="186" creationId="{F369E580-F6AC-4488-BEEC-91F9773ED333}"/>
+          </ac:spMkLst>
+        </pc:spChg>
+        <pc:spChg chg="mod">
+          <ac:chgData name="Firnaaz Ahamed" userId="354af85a-496a-464c-a30e-ea50a64145d9" providerId="ADAL" clId="{0182CD6E-24E9-42B7-98AD-C0BB31B8E118}" dt="2021-11-21T16:45:36.504" v="2"/>
+          <ac:spMkLst>
+            <pc:docMk/>
+            <pc:sldMk cId="1731914088" sldId="261"/>
+            <ac:spMk id="187" creationId="{8DA07497-F1B2-4C78-BB90-E5D1B2972C9F}"/>
+          </ac:spMkLst>
+        </pc:spChg>
+        <pc:spChg chg="mod">
+          <ac:chgData name="Firnaaz Ahamed" userId="354af85a-496a-464c-a30e-ea50a64145d9" providerId="ADAL" clId="{0182CD6E-24E9-42B7-98AD-C0BB31B8E118}" dt="2021-11-21T16:45:33.270" v="0" actId="165"/>
+          <ac:spMkLst>
+            <pc:docMk/>
+            <pc:sldMk cId="1731914088" sldId="261"/>
+            <ac:spMk id="332" creationId="{C63F1F8D-DCC2-4E20-AE2B-5325577236C6}"/>
+          </ac:spMkLst>
+        </pc:spChg>
+        <pc:spChg chg="mod">
+          <ac:chgData name="Firnaaz Ahamed" userId="354af85a-496a-464c-a30e-ea50a64145d9" providerId="ADAL" clId="{0182CD6E-24E9-42B7-98AD-C0BB31B8E118}" dt="2021-11-21T16:45:33.270" v="0" actId="165"/>
+          <ac:spMkLst>
+            <pc:docMk/>
+            <pc:sldMk cId="1731914088" sldId="261"/>
+            <ac:spMk id="333" creationId="{C29B9659-B4A4-4C31-9758-239162C9B8DE}"/>
+          </ac:spMkLst>
+        </pc:spChg>
+        <pc:spChg chg="mod">
+          <ac:chgData name="Firnaaz Ahamed" userId="354af85a-496a-464c-a30e-ea50a64145d9" providerId="ADAL" clId="{0182CD6E-24E9-42B7-98AD-C0BB31B8E118}" dt="2021-11-21T16:45:33.270" v="0" actId="165"/>
+          <ac:spMkLst>
+            <pc:docMk/>
+            <pc:sldMk cId="1731914088" sldId="261"/>
+            <ac:spMk id="334" creationId="{79890705-6EE6-45A7-85D5-F651E3BCEE97}"/>
+          </ac:spMkLst>
+        </pc:spChg>
+        <pc:spChg chg="mod">
+          <ac:chgData name="Firnaaz Ahamed" userId="354af85a-496a-464c-a30e-ea50a64145d9" providerId="ADAL" clId="{0182CD6E-24E9-42B7-98AD-C0BB31B8E118}" dt="2021-11-21T16:45:33.270" v="0" actId="165"/>
+          <ac:spMkLst>
+            <pc:docMk/>
+            <pc:sldMk cId="1731914088" sldId="261"/>
+            <ac:spMk id="335" creationId="{F4651F4D-3AB3-4AF9-ABE6-39E2BEE15F6B}"/>
+          </ac:spMkLst>
+        </pc:spChg>
+        <pc:spChg chg="mod">
+          <ac:chgData name="Firnaaz Ahamed" userId="354af85a-496a-464c-a30e-ea50a64145d9" providerId="ADAL" clId="{0182CD6E-24E9-42B7-98AD-C0BB31B8E118}" dt="2021-11-21T16:45:33.270" v="0" actId="165"/>
+          <ac:spMkLst>
+            <pc:docMk/>
+            <pc:sldMk cId="1731914088" sldId="261"/>
+            <ac:spMk id="338" creationId="{66C77E62-98C3-4BE8-9D88-16BE5F1B7442}"/>
+          </ac:spMkLst>
+        </pc:spChg>
+        <pc:spChg chg="mod">
+          <ac:chgData name="Firnaaz Ahamed" userId="354af85a-496a-464c-a30e-ea50a64145d9" providerId="ADAL" clId="{0182CD6E-24E9-42B7-98AD-C0BB31B8E118}" dt="2021-11-21T16:45:33.270" v="0" actId="165"/>
+          <ac:spMkLst>
+            <pc:docMk/>
+            <pc:sldMk cId="1731914088" sldId="261"/>
+            <ac:spMk id="339" creationId="{9E9A6C43-8B35-45EB-8296-A3DE9F6462E0}"/>
+          </ac:spMkLst>
+        </pc:spChg>
+        <pc:spChg chg="mod">
+          <ac:chgData name="Firnaaz Ahamed" userId="354af85a-496a-464c-a30e-ea50a64145d9" providerId="ADAL" clId="{0182CD6E-24E9-42B7-98AD-C0BB31B8E118}" dt="2021-11-21T16:45:33.270" v="0" actId="165"/>
+          <ac:spMkLst>
+            <pc:docMk/>
+            <pc:sldMk cId="1731914088" sldId="261"/>
+            <ac:spMk id="345" creationId="{A581DDD7-B073-4C27-A6F8-9C79FD9F10FD}"/>
+          </ac:spMkLst>
+        </pc:spChg>
+        <pc:spChg chg="mod">
+          <ac:chgData name="Firnaaz Ahamed" userId="354af85a-496a-464c-a30e-ea50a64145d9" providerId="ADAL" clId="{0182CD6E-24E9-42B7-98AD-C0BB31B8E118}" dt="2021-11-21T16:45:33.270" v="0" actId="165"/>
+          <ac:spMkLst>
+            <pc:docMk/>
+            <pc:sldMk cId="1731914088" sldId="261"/>
+            <ac:spMk id="346" creationId="{0736E469-6E0C-4647-8F03-B6BFFBFC39D2}"/>
+          </ac:spMkLst>
+        </pc:spChg>
+        <pc:spChg chg="mod">
+          <ac:chgData name="Firnaaz Ahamed" userId="354af85a-496a-464c-a30e-ea50a64145d9" providerId="ADAL" clId="{0182CD6E-24E9-42B7-98AD-C0BB31B8E118}" dt="2021-11-21T16:45:33.270" v="0" actId="165"/>
+          <ac:spMkLst>
+            <pc:docMk/>
+            <pc:sldMk cId="1731914088" sldId="261"/>
+            <ac:spMk id="351" creationId="{8E7E1FD3-D865-460D-AE13-DFA5EC4E378A}"/>
+          </ac:spMkLst>
+        </pc:spChg>
+        <pc:spChg chg="mod">
+          <ac:chgData name="Firnaaz Ahamed" userId="354af85a-496a-464c-a30e-ea50a64145d9" providerId="ADAL" clId="{0182CD6E-24E9-42B7-98AD-C0BB31B8E118}" dt="2021-11-21T16:45:33.270" v="0" actId="165"/>
+          <ac:spMkLst>
+            <pc:docMk/>
+            <pc:sldMk cId="1731914088" sldId="261"/>
+            <ac:spMk id="352" creationId="{3CC19F20-9D8A-4239-950E-B25572AF17A8}"/>
+          </ac:spMkLst>
+        </pc:spChg>
+        <pc:spChg chg="mod">
+          <ac:chgData name="Firnaaz Ahamed" userId="354af85a-496a-464c-a30e-ea50a64145d9" providerId="ADAL" clId="{0182CD6E-24E9-42B7-98AD-C0BB31B8E118}" dt="2021-11-21T16:45:33.270" v="0" actId="165"/>
+          <ac:spMkLst>
+            <pc:docMk/>
+            <pc:sldMk cId="1731914088" sldId="261"/>
+            <ac:spMk id="353" creationId="{A59096AD-453E-4298-B56F-78E6B98799A6}"/>
+          </ac:spMkLst>
+        </pc:spChg>
+        <pc:spChg chg="mod">
+          <ac:chgData name="Firnaaz Ahamed" userId="354af85a-496a-464c-a30e-ea50a64145d9" providerId="ADAL" clId="{0182CD6E-24E9-42B7-98AD-C0BB31B8E118}" dt="2021-11-21T16:45:33.270" v="0" actId="165"/>
+          <ac:spMkLst>
+            <pc:docMk/>
+            <pc:sldMk cId="1731914088" sldId="261"/>
+            <ac:spMk id="354" creationId="{E2CD7BC4-8977-4BDF-8448-EF82E470736D}"/>
+          </ac:spMkLst>
+        </pc:spChg>
+        <pc:spChg chg="mod">
+          <ac:chgData name="Firnaaz Ahamed" userId="354af85a-496a-464c-a30e-ea50a64145d9" providerId="ADAL" clId="{0182CD6E-24E9-42B7-98AD-C0BB31B8E118}" dt="2021-11-21T16:45:33.270" v="0" actId="165"/>
+          <ac:spMkLst>
+            <pc:docMk/>
+            <pc:sldMk cId="1731914088" sldId="261"/>
+            <ac:spMk id="355" creationId="{90318CCF-D57D-4249-ADBB-6AABC49D8267}"/>
+          </ac:spMkLst>
+        </pc:spChg>
+        <pc:spChg chg="mod">
+          <ac:chgData name="Firnaaz Ahamed" userId="354af85a-496a-464c-a30e-ea50a64145d9" providerId="ADAL" clId="{0182CD6E-24E9-42B7-98AD-C0BB31B8E118}" dt="2021-11-21T16:45:33.270" v="0" actId="165"/>
+          <ac:spMkLst>
+            <pc:docMk/>
+            <pc:sldMk cId="1731914088" sldId="261"/>
+            <ac:spMk id="356" creationId="{DFF557FA-D0AD-483C-9CB0-864B6F6BD653}"/>
+          </ac:spMkLst>
+        </pc:spChg>
+        <pc:spChg chg="mod">
+          <ac:chgData name="Firnaaz Ahamed" userId="354af85a-496a-464c-a30e-ea50a64145d9" providerId="ADAL" clId="{0182CD6E-24E9-42B7-98AD-C0BB31B8E118}" dt="2021-11-21T16:45:33.270" v="0" actId="165"/>
+          <ac:spMkLst>
+            <pc:docMk/>
+            <pc:sldMk cId="1731914088" sldId="261"/>
+            <ac:spMk id="357" creationId="{C299A544-C28A-4639-996C-BC685572728B}"/>
+          </ac:spMkLst>
+        </pc:spChg>
+        <pc:spChg chg="mod">
+          <ac:chgData name="Firnaaz Ahamed" userId="354af85a-496a-464c-a30e-ea50a64145d9" providerId="ADAL" clId="{0182CD6E-24E9-42B7-98AD-C0BB31B8E118}" dt="2021-11-21T16:45:33.270" v="0" actId="165"/>
+          <ac:spMkLst>
+            <pc:docMk/>
+            <pc:sldMk cId="1731914088" sldId="261"/>
+            <ac:spMk id="358" creationId="{8A0184C9-85F8-4C97-A7CD-CAA7120F12EC}"/>
+          </ac:spMkLst>
+        </pc:spChg>
+        <pc:spChg chg="mod">
+          <ac:chgData name="Firnaaz Ahamed" userId="354af85a-496a-464c-a30e-ea50a64145d9" providerId="ADAL" clId="{0182CD6E-24E9-42B7-98AD-C0BB31B8E118}" dt="2021-11-21T16:45:33.270" v="0" actId="165"/>
+          <ac:spMkLst>
+            <pc:docMk/>
+            <pc:sldMk cId="1731914088" sldId="261"/>
+            <ac:spMk id="367" creationId="{6E25DFFB-1CD1-4950-A371-8694E74C9B6C}"/>
+          </ac:spMkLst>
+        </pc:spChg>
+        <pc:spChg chg="mod">
+          <ac:chgData name="Firnaaz Ahamed" userId="354af85a-496a-464c-a30e-ea50a64145d9" providerId="ADAL" clId="{0182CD6E-24E9-42B7-98AD-C0BB31B8E118}" dt="2021-11-21T16:45:33.270" v="0" actId="165"/>
+          <ac:spMkLst>
+            <pc:docMk/>
+            <pc:sldMk cId="1731914088" sldId="261"/>
+            <ac:spMk id="368" creationId="{F2B1DF8F-0878-42F4-8046-3D2E4544B3E7}"/>
+          </ac:spMkLst>
+        </pc:spChg>
+        <pc:spChg chg="mod">
+          <ac:chgData name="Firnaaz Ahamed" userId="354af85a-496a-464c-a30e-ea50a64145d9" providerId="ADAL" clId="{0182CD6E-24E9-42B7-98AD-C0BB31B8E118}" dt="2021-11-21T16:45:33.270" v="0" actId="165"/>
+          <ac:spMkLst>
+            <pc:docMk/>
+            <pc:sldMk cId="1731914088" sldId="261"/>
+            <ac:spMk id="370" creationId="{45F12AD3-1EAF-484F-81A6-010E8A1ED327}"/>
+          </ac:spMkLst>
+        </pc:spChg>
+        <pc:spChg chg="mod">
+          <ac:chgData name="Firnaaz Ahamed" userId="354af85a-496a-464c-a30e-ea50a64145d9" providerId="ADAL" clId="{0182CD6E-24E9-42B7-98AD-C0BB31B8E118}" dt="2021-11-21T16:45:33.270" v="0" actId="165"/>
+          <ac:spMkLst>
+            <pc:docMk/>
+            <pc:sldMk cId="1731914088" sldId="261"/>
+            <ac:spMk id="371" creationId="{54CE7C73-26EE-4346-A83E-C6AC5F50B95D}"/>
+          </ac:spMkLst>
+        </pc:spChg>
+        <pc:spChg chg="mod">
+          <ac:chgData name="Firnaaz Ahamed" userId="354af85a-496a-464c-a30e-ea50a64145d9" providerId="ADAL" clId="{0182CD6E-24E9-42B7-98AD-C0BB31B8E118}" dt="2021-11-21T16:45:33.270" v="0" actId="165"/>
+          <ac:spMkLst>
+            <pc:docMk/>
+            <pc:sldMk cId="1731914088" sldId="261"/>
+            <ac:spMk id="373" creationId="{17290DAA-1A37-4F4B-9FC6-1F8060D39905}"/>
+          </ac:spMkLst>
+        </pc:spChg>
+        <pc:spChg chg="mod">
+          <ac:chgData name="Firnaaz Ahamed" userId="354af85a-496a-464c-a30e-ea50a64145d9" providerId="ADAL" clId="{0182CD6E-24E9-42B7-98AD-C0BB31B8E118}" dt="2021-11-21T16:45:33.270" v="0" actId="165"/>
+          <ac:spMkLst>
+            <pc:docMk/>
+            <pc:sldMk cId="1731914088" sldId="261"/>
+            <ac:spMk id="374" creationId="{0170734D-EDC6-4AAD-9EA1-11D1A95DD688}"/>
+          </ac:spMkLst>
+        </pc:spChg>
+        <pc:spChg chg="mod">
+          <ac:chgData name="Firnaaz Ahamed" userId="354af85a-496a-464c-a30e-ea50a64145d9" providerId="ADAL" clId="{0182CD6E-24E9-42B7-98AD-C0BB31B8E118}" dt="2021-11-21T16:45:33.270" v="0" actId="165"/>
+          <ac:spMkLst>
+            <pc:docMk/>
+            <pc:sldMk cId="1731914088" sldId="261"/>
+            <ac:spMk id="376" creationId="{99DC5C48-8E0A-4E80-B99F-8331F83AB398}"/>
+          </ac:spMkLst>
+        </pc:spChg>
+        <pc:spChg chg="mod">
+          <ac:chgData name="Firnaaz Ahamed" userId="354af85a-496a-464c-a30e-ea50a64145d9" providerId="ADAL" clId="{0182CD6E-24E9-42B7-98AD-C0BB31B8E118}" dt="2021-11-21T16:45:33.270" v="0" actId="165"/>
+          <ac:spMkLst>
+            <pc:docMk/>
+            <pc:sldMk cId="1731914088" sldId="261"/>
+            <ac:spMk id="377" creationId="{6A494A31-FAF2-4DD7-AE48-2CEBBB8C027E}"/>
+          </ac:spMkLst>
+        </pc:spChg>
+        <pc:spChg chg="mod">
+          <ac:chgData name="Firnaaz Ahamed" userId="354af85a-496a-464c-a30e-ea50a64145d9" providerId="ADAL" clId="{0182CD6E-24E9-42B7-98AD-C0BB31B8E118}" dt="2021-11-21T16:45:33.270" v="0" actId="165"/>
+          <ac:spMkLst>
+            <pc:docMk/>
+            <pc:sldMk cId="1731914088" sldId="261"/>
+            <ac:spMk id="379" creationId="{6C11731C-9BC3-4DFA-A2CB-62368AF14CF4}"/>
+          </ac:spMkLst>
+        </pc:spChg>
+        <pc:spChg chg="mod">
+          <ac:chgData name="Firnaaz Ahamed" userId="354af85a-496a-464c-a30e-ea50a64145d9" providerId="ADAL" clId="{0182CD6E-24E9-42B7-98AD-C0BB31B8E118}" dt="2021-11-21T16:45:33.270" v="0" actId="165"/>
+          <ac:spMkLst>
+            <pc:docMk/>
+            <pc:sldMk cId="1731914088" sldId="261"/>
+            <ac:spMk id="380" creationId="{72D52AF3-B129-4F7F-981E-8E86064F41DA}"/>
+          </ac:spMkLst>
+        </pc:spChg>
+        <pc:spChg chg="mod">
+          <ac:chgData name="Firnaaz Ahamed" userId="354af85a-496a-464c-a30e-ea50a64145d9" providerId="ADAL" clId="{0182CD6E-24E9-42B7-98AD-C0BB31B8E118}" dt="2021-11-21T16:45:33.270" v="0" actId="165"/>
+          <ac:spMkLst>
+            <pc:docMk/>
+            <pc:sldMk cId="1731914088" sldId="261"/>
+            <ac:spMk id="382" creationId="{80EFD730-8BF0-4FA6-A5D1-D6D01B32B83A}"/>
+          </ac:spMkLst>
+        </pc:spChg>
+        <pc:spChg chg="mod">
+          <ac:chgData name="Firnaaz Ahamed" userId="354af85a-496a-464c-a30e-ea50a64145d9" providerId="ADAL" clId="{0182CD6E-24E9-42B7-98AD-C0BB31B8E118}" dt="2021-11-21T16:45:33.270" v="0" actId="165"/>
+          <ac:spMkLst>
+            <pc:docMk/>
+            <pc:sldMk cId="1731914088" sldId="261"/>
+            <ac:spMk id="383" creationId="{04C6725A-B163-4CD4-9761-BF16358EDAC3}"/>
+          </ac:spMkLst>
+        </pc:spChg>
+        <pc:spChg chg="mod">
+          <ac:chgData name="Firnaaz Ahamed" userId="354af85a-496a-464c-a30e-ea50a64145d9" providerId="ADAL" clId="{0182CD6E-24E9-42B7-98AD-C0BB31B8E118}" dt="2021-11-21T16:45:33.270" v="0" actId="165"/>
+          <ac:spMkLst>
+            <pc:docMk/>
+            <pc:sldMk cId="1731914088" sldId="261"/>
+            <ac:spMk id="405" creationId="{5D7AFC28-033C-4635-89FF-924408E3B789}"/>
+          </ac:spMkLst>
+        </pc:spChg>
+        <pc:spChg chg="mod">
+          <ac:chgData name="Firnaaz Ahamed" userId="354af85a-496a-464c-a30e-ea50a64145d9" providerId="ADAL" clId="{0182CD6E-24E9-42B7-98AD-C0BB31B8E118}" dt="2021-11-21T16:45:33.270" v="0" actId="165"/>
+          <ac:spMkLst>
+            <pc:docMk/>
+            <pc:sldMk cId="1731914088" sldId="261"/>
+            <ac:spMk id="408" creationId="{D855E67D-5817-4B5C-B27E-89953D7EEBA2}"/>
+          </ac:spMkLst>
+        </pc:spChg>
+        <pc:spChg chg="mod">
+          <ac:chgData name="Firnaaz Ahamed" userId="354af85a-496a-464c-a30e-ea50a64145d9" providerId="ADAL" clId="{0182CD6E-24E9-42B7-98AD-C0BB31B8E118}" dt="2021-11-21T16:45:33.270" v="0" actId="165"/>
+          <ac:spMkLst>
+            <pc:docMk/>
+            <pc:sldMk cId="1731914088" sldId="261"/>
+            <ac:spMk id="409" creationId="{8EBB0034-69ED-428B-A56E-FBF3E4207D39}"/>
+          </ac:spMkLst>
+        </pc:spChg>
+        <pc:spChg chg="mod">
+          <ac:chgData name="Firnaaz Ahamed" userId="354af85a-496a-464c-a30e-ea50a64145d9" providerId="ADAL" clId="{0182CD6E-24E9-42B7-98AD-C0BB31B8E118}" dt="2021-11-21T16:45:33.270" v="0" actId="165"/>
+          <ac:spMkLst>
+            <pc:docMk/>
+            <pc:sldMk cId="1731914088" sldId="261"/>
+            <ac:spMk id="440" creationId="{9FA234B1-8429-4D20-8CB7-8F8D923F3BB6}"/>
+          </ac:spMkLst>
+        </pc:spChg>
+        <pc:spChg chg="mod">
+          <ac:chgData name="Firnaaz Ahamed" userId="354af85a-496a-464c-a30e-ea50a64145d9" providerId="ADAL" clId="{0182CD6E-24E9-42B7-98AD-C0BB31B8E118}" dt="2021-11-21T16:45:33.270" v="0" actId="165"/>
+          <ac:spMkLst>
+            <pc:docMk/>
+            <pc:sldMk cId="1731914088" sldId="261"/>
+            <ac:spMk id="454" creationId="{2000110A-5781-4FDF-B646-37C2983EE91D}"/>
+          </ac:spMkLst>
+        </pc:spChg>
+        <pc:spChg chg="mod">
+          <ac:chgData name="Firnaaz Ahamed" userId="354af85a-496a-464c-a30e-ea50a64145d9" providerId="ADAL" clId="{0182CD6E-24E9-42B7-98AD-C0BB31B8E118}" dt="2021-11-21T16:45:33.270" v="0" actId="165"/>
+          <ac:spMkLst>
+            <pc:docMk/>
+            <pc:sldMk cId="1731914088" sldId="261"/>
+            <ac:spMk id="472" creationId="{9EE55F46-55F1-45BD-8FE1-D66437F25DF2}"/>
+          </ac:spMkLst>
+        </pc:spChg>
+        <pc:spChg chg="mod">
+          <ac:chgData name="Firnaaz Ahamed" userId="354af85a-496a-464c-a30e-ea50a64145d9" providerId="ADAL" clId="{0182CD6E-24E9-42B7-98AD-C0BB31B8E118}" dt="2021-11-21T16:45:33.270" v="0" actId="165"/>
+          <ac:spMkLst>
+            <pc:docMk/>
+            <pc:sldMk cId="1731914088" sldId="261"/>
+            <ac:spMk id="475" creationId="{E719F99C-CAEC-4269-9F6B-61B061B7B40D}"/>
+          </ac:spMkLst>
+        </pc:spChg>
+        <pc:spChg chg="mod">
+          <ac:chgData name="Firnaaz Ahamed" userId="354af85a-496a-464c-a30e-ea50a64145d9" providerId="ADAL" clId="{0182CD6E-24E9-42B7-98AD-C0BB31B8E118}" dt="2021-11-21T16:45:33.270" v="0" actId="165"/>
+          <ac:spMkLst>
+            <pc:docMk/>
+            <pc:sldMk cId="1731914088" sldId="261"/>
+            <ac:spMk id="476" creationId="{7890D5D6-B629-48D0-B980-FE2ADE93EDBD}"/>
+          </ac:spMkLst>
+        </pc:spChg>
+        <pc:spChg chg="mod">
+          <ac:chgData name="Firnaaz Ahamed" userId="354af85a-496a-464c-a30e-ea50a64145d9" providerId="ADAL" clId="{0182CD6E-24E9-42B7-98AD-C0BB31B8E118}" dt="2021-11-21T16:45:33.270" v="0" actId="165"/>
+          <ac:spMkLst>
+            <pc:docMk/>
+            <pc:sldMk cId="1731914088" sldId="261"/>
+            <ac:spMk id="477" creationId="{A8F82308-967D-4ADE-8F7D-04B21F154D9E}"/>
+          </ac:spMkLst>
+        </pc:spChg>
+        <pc:spChg chg="mod">
+          <ac:chgData name="Firnaaz Ahamed" userId="354af85a-496a-464c-a30e-ea50a64145d9" providerId="ADAL" clId="{0182CD6E-24E9-42B7-98AD-C0BB31B8E118}" dt="2021-11-21T16:45:33.270" v="0" actId="165"/>
+          <ac:spMkLst>
+            <pc:docMk/>
+            <pc:sldMk cId="1731914088" sldId="261"/>
+            <ac:spMk id="478" creationId="{A3D2D62B-044E-42FD-B45C-8D35E7A49CE7}"/>
+          </ac:spMkLst>
+        </pc:spChg>
+        <pc:spChg chg="mod">
+          <ac:chgData name="Firnaaz Ahamed" userId="354af85a-496a-464c-a30e-ea50a64145d9" providerId="ADAL" clId="{0182CD6E-24E9-42B7-98AD-C0BB31B8E118}" dt="2021-11-21T16:45:33.270" v="0" actId="165"/>
+          <ac:spMkLst>
+            <pc:docMk/>
+            <pc:sldMk cId="1731914088" sldId="261"/>
+            <ac:spMk id="479" creationId="{8354494C-73FA-4F4A-A1D4-058D3C6CBFBD}"/>
+          </ac:spMkLst>
+        </pc:spChg>
+        <pc:spChg chg="mod">
+          <ac:chgData name="Firnaaz Ahamed" userId="354af85a-496a-464c-a30e-ea50a64145d9" providerId="ADAL" clId="{0182CD6E-24E9-42B7-98AD-C0BB31B8E118}" dt="2021-11-21T16:45:33.270" v="0" actId="165"/>
+          <ac:spMkLst>
+            <pc:docMk/>
+            <pc:sldMk cId="1731914088" sldId="261"/>
+            <ac:spMk id="482" creationId="{B77C12FE-4E6B-4CAB-9641-A24BF9036C7D}"/>
+          </ac:spMkLst>
+        </pc:spChg>
+        <pc:spChg chg="mod">
+          <ac:chgData name="Firnaaz Ahamed" userId="354af85a-496a-464c-a30e-ea50a64145d9" providerId="ADAL" clId="{0182CD6E-24E9-42B7-98AD-C0BB31B8E118}" dt="2021-11-21T16:45:33.270" v="0" actId="165"/>
+          <ac:spMkLst>
+            <pc:docMk/>
+            <pc:sldMk cId="1731914088" sldId="261"/>
+            <ac:spMk id="483" creationId="{146EE773-EF86-45A5-8DAC-8EE1D2E08E7D}"/>
+          </ac:spMkLst>
+        </pc:spChg>
+        <pc:grpChg chg="mod">
+          <ac:chgData name="Firnaaz Ahamed" userId="354af85a-496a-464c-a30e-ea50a64145d9" providerId="ADAL" clId="{0182CD6E-24E9-42B7-98AD-C0BB31B8E118}" dt="2021-11-21T16:45:33.270" v="0" actId="165"/>
+          <ac:grpSpMkLst>
+            <pc:docMk/>
+            <pc:sldMk cId="1731914088" sldId="261"/>
+            <ac:grpSpMk id="22" creationId="{8C2DCC4A-3013-441D-977F-AD3139BE6C75}"/>
+          </ac:grpSpMkLst>
+        </pc:grpChg>
+        <pc:grpChg chg="del mod topLvl">
+          <ac:chgData name="Firnaaz Ahamed" userId="354af85a-496a-464c-a30e-ea50a64145d9" providerId="ADAL" clId="{0182CD6E-24E9-42B7-98AD-C0BB31B8E118}" dt="2021-11-21T16:45:35.331" v="1" actId="478"/>
+          <ac:grpSpMkLst>
+            <pc:docMk/>
+            <pc:sldMk cId="1731914088" sldId="261"/>
+            <ac:grpSpMk id="28" creationId="{3BCA9BD0-C81E-4971-8C75-82A8FFA31F9C}"/>
+          </ac:grpSpMkLst>
+        </pc:grpChg>
+        <pc:grpChg chg="mod topLvl">
+          <ac:chgData name="Firnaaz Ahamed" userId="354af85a-496a-464c-a30e-ea50a64145d9" providerId="ADAL" clId="{0182CD6E-24E9-42B7-98AD-C0BB31B8E118}" dt="2021-11-21T16:59:00.409" v="340" actId="164"/>
+          <ac:grpSpMkLst>
+            <pc:docMk/>
+            <pc:sldMk cId="1731914088" sldId="261"/>
+            <ac:grpSpMk id="34" creationId="{6E4C3CC8-2249-40EE-89FE-33BD613D4F11}"/>
+          </ac:grpSpMkLst>
+        </pc:grpChg>
+        <pc:grpChg chg="del">
+          <ac:chgData name="Firnaaz Ahamed" userId="354af85a-496a-464c-a30e-ea50a64145d9" providerId="ADAL" clId="{0182CD6E-24E9-42B7-98AD-C0BB31B8E118}" dt="2021-11-21T16:45:33.270" v="0" actId="165"/>
+          <ac:grpSpMkLst>
+            <pc:docMk/>
+            <pc:sldMk cId="1731914088" sldId="261"/>
+            <ac:grpSpMk id="39" creationId="{0F3D7477-0414-4496-9ADB-066F9883C25B}"/>
+          </ac:grpSpMkLst>
+        </pc:grpChg>
+        <pc:grpChg chg="add mod">
+          <ac:chgData name="Firnaaz Ahamed" userId="354af85a-496a-464c-a30e-ea50a64145d9" providerId="ADAL" clId="{0182CD6E-24E9-42B7-98AD-C0BB31B8E118}" dt="2021-11-21T16:59:03.831" v="341" actId="1076"/>
+          <ac:grpSpMkLst>
+            <pc:docMk/>
+            <pc:sldMk cId="1731914088" sldId="261"/>
+            <ac:grpSpMk id="43" creationId="{C4A75A26-3040-4AA0-9AD8-7F2DA94310A6}"/>
+          </ac:grpSpMkLst>
+        </pc:grpChg>
+        <pc:grpChg chg="mod">
+          <ac:chgData name="Firnaaz Ahamed" userId="354af85a-496a-464c-a30e-ea50a64145d9" providerId="ADAL" clId="{0182CD6E-24E9-42B7-98AD-C0BB31B8E118}" dt="2021-11-21T16:45:33.270" v="0" actId="165"/>
+          <ac:grpSpMkLst>
+            <pc:docMk/>
+            <pc:sldMk cId="1731914088" sldId="261"/>
+            <ac:grpSpMk id="46" creationId="{413E4E41-9909-49FC-859C-D0AAEE3A477F}"/>
+          </ac:grpSpMkLst>
+        </pc:grpChg>
+        <pc:grpChg chg="mod topLvl">
+          <ac:chgData name="Firnaaz Ahamed" userId="354af85a-496a-464c-a30e-ea50a64145d9" providerId="ADAL" clId="{0182CD6E-24E9-42B7-98AD-C0BB31B8E118}" dt="2021-11-21T16:59:00.409" v="340" actId="164"/>
+          <ac:grpSpMkLst>
+            <pc:docMk/>
+            <pc:sldMk cId="1731914088" sldId="261"/>
+            <ac:grpSpMk id="48" creationId="{1199C9EE-D42A-454A-96A9-6D3041C3AFDB}"/>
+          </ac:grpSpMkLst>
+        </pc:grpChg>
+        <pc:grpChg chg="add mod ord">
+          <ac:chgData name="Firnaaz Ahamed" userId="354af85a-496a-464c-a30e-ea50a64145d9" providerId="ADAL" clId="{0182CD6E-24E9-42B7-98AD-C0BB31B8E118}" dt="2021-11-21T16:59:00.409" v="340" actId="164"/>
+          <ac:grpSpMkLst>
+            <pc:docMk/>
+            <pc:sldMk cId="1731914088" sldId="261"/>
+            <ac:grpSpMk id="76" creationId="{F270767C-769A-41BF-B74E-0CC5F8820CA6}"/>
+          </ac:grpSpMkLst>
+        </pc:grpChg>
+        <pc:grpChg chg="mod">
+          <ac:chgData name="Firnaaz Ahamed" userId="354af85a-496a-464c-a30e-ea50a64145d9" providerId="ADAL" clId="{0182CD6E-24E9-42B7-98AD-C0BB31B8E118}" dt="2021-11-21T16:45:36.504" v="2"/>
+          <ac:grpSpMkLst>
+            <pc:docMk/>
+            <pc:sldMk cId="1731914088" sldId="261"/>
+            <ac:grpSpMk id="78" creationId="{3419966C-E5D0-4BEE-9D39-B5C7556F7EDA}"/>
+          </ac:grpSpMkLst>
+        </pc:grpChg>
+        <pc:grpChg chg="mod">
+          <ac:chgData name="Firnaaz Ahamed" userId="354af85a-496a-464c-a30e-ea50a64145d9" providerId="ADAL" clId="{0182CD6E-24E9-42B7-98AD-C0BB31B8E118}" dt="2021-11-21T16:45:36.504" v="2"/>
+          <ac:grpSpMkLst>
+            <pc:docMk/>
+            <pc:sldMk cId="1731914088" sldId="261"/>
+            <ac:grpSpMk id="83" creationId="{BF924444-8F0C-47CE-9068-2595905B1F9B}"/>
+          </ac:grpSpMkLst>
+        </pc:grpChg>
+        <pc:grpChg chg="mod">
+          <ac:chgData name="Firnaaz Ahamed" userId="354af85a-496a-464c-a30e-ea50a64145d9" providerId="ADAL" clId="{0182CD6E-24E9-42B7-98AD-C0BB31B8E118}" dt="2021-11-21T16:45:36.504" v="2"/>
+          <ac:grpSpMkLst>
+            <pc:docMk/>
+            <pc:sldMk cId="1731914088" sldId="261"/>
+            <ac:grpSpMk id="87" creationId="{5A57678F-23AF-41DD-ACA6-58F732F2D78C}"/>
+          </ac:grpSpMkLst>
+        </pc:grpChg>
+        <pc:grpChg chg="mod">
+          <ac:chgData name="Firnaaz Ahamed" userId="354af85a-496a-464c-a30e-ea50a64145d9" providerId="ADAL" clId="{0182CD6E-24E9-42B7-98AD-C0BB31B8E118}" dt="2021-11-21T16:45:36.504" v="2"/>
+          <ac:grpSpMkLst>
+            <pc:docMk/>
+            <pc:sldMk cId="1731914088" sldId="261"/>
+            <ac:grpSpMk id="88" creationId="{06511D5E-F043-4A60-8229-C20558F96523}"/>
+          </ac:grpSpMkLst>
+        </pc:grpChg>
+        <pc:grpChg chg="mod">
+          <ac:chgData name="Firnaaz Ahamed" userId="354af85a-496a-464c-a30e-ea50a64145d9" providerId="ADAL" clId="{0182CD6E-24E9-42B7-98AD-C0BB31B8E118}" dt="2021-11-21T16:45:36.504" v="2"/>
+          <ac:grpSpMkLst>
+            <pc:docMk/>
+            <pc:sldMk cId="1731914088" sldId="261"/>
+            <ac:grpSpMk id="89" creationId="{C61FAABA-2D8D-4586-97C3-0DCB5CFEB817}"/>
+          </ac:grpSpMkLst>
+        </pc:grpChg>
+        <pc:grpChg chg="mod">
+          <ac:chgData name="Firnaaz Ahamed" userId="354af85a-496a-464c-a30e-ea50a64145d9" providerId="ADAL" clId="{0182CD6E-24E9-42B7-98AD-C0BB31B8E118}" dt="2021-11-21T16:45:36.504" v="2"/>
+          <ac:grpSpMkLst>
+            <pc:docMk/>
+            <pc:sldMk cId="1731914088" sldId="261"/>
+            <ac:grpSpMk id="114" creationId="{40C9A818-BC39-4750-900E-4C4FA2269165}"/>
+          </ac:grpSpMkLst>
+        </pc:grpChg>
+        <pc:grpChg chg="mod">
+          <ac:chgData name="Firnaaz Ahamed" userId="354af85a-496a-464c-a30e-ea50a64145d9" providerId="ADAL" clId="{0182CD6E-24E9-42B7-98AD-C0BB31B8E118}" dt="2021-11-21T16:45:36.504" v="2"/>
+          <ac:grpSpMkLst>
+            <pc:docMk/>
+            <pc:sldMk cId="1731914088" sldId="261"/>
+            <ac:grpSpMk id="116" creationId="{CECC08F3-3C25-4ED9-9C2A-5C352D9DDD22}"/>
+          </ac:grpSpMkLst>
+        </pc:grpChg>
+        <pc:grpChg chg="mod">
+          <ac:chgData name="Firnaaz Ahamed" userId="354af85a-496a-464c-a30e-ea50a64145d9" providerId="ADAL" clId="{0182CD6E-24E9-42B7-98AD-C0BB31B8E118}" dt="2021-11-21T16:45:36.504" v="2"/>
+          <ac:grpSpMkLst>
+            <pc:docMk/>
+            <pc:sldMk cId="1731914088" sldId="261"/>
+            <ac:grpSpMk id="117" creationId="{A01359C6-96FD-4CA1-B053-81F0943918AA}"/>
+          </ac:grpSpMkLst>
+        </pc:grpChg>
+        <pc:grpChg chg="mod">
+          <ac:chgData name="Firnaaz Ahamed" userId="354af85a-496a-464c-a30e-ea50a64145d9" providerId="ADAL" clId="{0182CD6E-24E9-42B7-98AD-C0BB31B8E118}" dt="2021-11-21T16:45:36.504" v="2"/>
+          <ac:grpSpMkLst>
+            <pc:docMk/>
+            <pc:sldMk cId="1731914088" sldId="261"/>
+            <ac:grpSpMk id="118" creationId="{DAB562AB-CCE9-4EC3-BE1F-AD4949A5DD82}"/>
+          </ac:grpSpMkLst>
+        </pc:grpChg>
+        <pc:grpChg chg="mod">
+          <ac:chgData name="Firnaaz Ahamed" userId="354af85a-496a-464c-a30e-ea50a64145d9" providerId="ADAL" clId="{0182CD6E-24E9-42B7-98AD-C0BB31B8E118}" dt="2021-11-21T16:45:36.504" v="2"/>
+          <ac:grpSpMkLst>
+            <pc:docMk/>
+            <pc:sldMk cId="1731914088" sldId="261"/>
+            <ac:grpSpMk id="120" creationId="{510C23B0-4C05-4E6E-8DE4-3C3A07AC693E}"/>
+          </ac:grpSpMkLst>
+        </pc:grpChg>
+        <pc:grpChg chg="mod">
+          <ac:chgData name="Firnaaz Ahamed" userId="354af85a-496a-464c-a30e-ea50a64145d9" providerId="ADAL" clId="{0182CD6E-24E9-42B7-98AD-C0BB31B8E118}" dt="2021-11-21T16:45:36.504" v="2"/>
+          <ac:grpSpMkLst>
+            <pc:docMk/>
+            <pc:sldMk cId="1731914088" sldId="261"/>
+            <ac:grpSpMk id="121" creationId="{513D8C5A-3FC9-4060-A983-A10046E705E6}"/>
+          </ac:grpSpMkLst>
+        </pc:grpChg>
+        <pc:grpChg chg="mod">
+          <ac:chgData name="Firnaaz Ahamed" userId="354af85a-496a-464c-a30e-ea50a64145d9" providerId="ADAL" clId="{0182CD6E-24E9-42B7-98AD-C0BB31B8E118}" dt="2021-11-21T16:45:36.504" v="2"/>
+          <ac:grpSpMkLst>
+            <pc:docMk/>
+            <pc:sldMk cId="1731914088" sldId="261"/>
+            <ac:grpSpMk id="142" creationId="{51ACCF94-6352-402F-912A-5BA9CE0B66D3}"/>
+          </ac:grpSpMkLst>
+        </pc:grpChg>
+        <pc:grpChg chg="mod">
+          <ac:chgData name="Firnaaz Ahamed" userId="354af85a-496a-464c-a30e-ea50a64145d9" providerId="ADAL" clId="{0182CD6E-24E9-42B7-98AD-C0BB31B8E118}" dt="2021-11-21T16:45:36.504" v="2"/>
+          <ac:grpSpMkLst>
+            <pc:docMk/>
+            <pc:sldMk cId="1731914088" sldId="261"/>
+            <ac:grpSpMk id="143" creationId="{E94564CF-6B10-4F09-A02F-410D83C84687}"/>
+          </ac:grpSpMkLst>
+        </pc:grpChg>
+        <pc:grpChg chg="mod">
+          <ac:chgData name="Firnaaz Ahamed" userId="354af85a-496a-464c-a30e-ea50a64145d9" providerId="ADAL" clId="{0182CD6E-24E9-42B7-98AD-C0BB31B8E118}" dt="2021-11-21T16:45:36.504" v="2"/>
+          <ac:grpSpMkLst>
+            <pc:docMk/>
+            <pc:sldMk cId="1731914088" sldId="261"/>
+            <ac:grpSpMk id="144" creationId="{33B97CD5-2DFA-4ED7-B559-7FFE2FA428FD}"/>
+          </ac:grpSpMkLst>
+        </pc:grpChg>
+        <pc:grpChg chg="mod">
+          <ac:chgData name="Firnaaz Ahamed" userId="354af85a-496a-464c-a30e-ea50a64145d9" providerId="ADAL" clId="{0182CD6E-24E9-42B7-98AD-C0BB31B8E118}" dt="2021-11-21T16:45:36.504" v="2"/>
+          <ac:grpSpMkLst>
+            <pc:docMk/>
+            <pc:sldMk cId="1731914088" sldId="261"/>
+            <ac:grpSpMk id="165" creationId="{A9D0DAF6-2544-4B2F-8A57-2B3A0847DBEC}"/>
+          </ac:grpSpMkLst>
+        </pc:grpChg>
+        <pc:grpChg chg="mod">
+          <ac:chgData name="Firnaaz Ahamed" userId="354af85a-496a-464c-a30e-ea50a64145d9" providerId="ADAL" clId="{0182CD6E-24E9-42B7-98AD-C0BB31B8E118}" dt="2021-11-21T16:45:36.504" v="2"/>
+          <ac:grpSpMkLst>
+            <pc:docMk/>
+            <pc:sldMk cId="1731914088" sldId="261"/>
+            <ac:grpSpMk id="166" creationId="{3E9AA3C0-8052-4A0C-9EC3-040F0B47DBDC}"/>
+          </ac:grpSpMkLst>
+        </pc:grpChg>
+        <pc:grpChg chg="mod">
+          <ac:chgData name="Firnaaz Ahamed" userId="354af85a-496a-464c-a30e-ea50a64145d9" providerId="ADAL" clId="{0182CD6E-24E9-42B7-98AD-C0BB31B8E118}" dt="2021-11-21T16:45:36.504" v="2"/>
+          <ac:grpSpMkLst>
+            <pc:docMk/>
+            <pc:sldMk cId="1731914088" sldId="261"/>
+            <ac:grpSpMk id="167" creationId="{E0F57ECD-B5F4-4B63-B989-77E5E422604E}"/>
+          </ac:grpSpMkLst>
+        </pc:grpChg>
+        <pc:grpChg chg="mod">
+          <ac:chgData name="Firnaaz Ahamed" userId="354af85a-496a-464c-a30e-ea50a64145d9" providerId="ADAL" clId="{0182CD6E-24E9-42B7-98AD-C0BB31B8E118}" dt="2021-11-21T16:45:33.270" v="0" actId="165"/>
+          <ac:grpSpMkLst>
+            <pc:docMk/>
+            <pc:sldMk cId="1731914088" sldId="261"/>
+            <ac:grpSpMk id="348" creationId="{D870C7E6-6506-40D8-8819-FE2FA871E9A3}"/>
+          </ac:grpSpMkLst>
+        </pc:grpChg>
+        <pc:grpChg chg="mod">
+          <ac:chgData name="Firnaaz Ahamed" userId="354af85a-496a-464c-a30e-ea50a64145d9" providerId="ADAL" clId="{0182CD6E-24E9-42B7-98AD-C0BB31B8E118}" dt="2021-11-21T16:45:33.270" v="0" actId="165"/>
+          <ac:grpSpMkLst>
+            <pc:docMk/>
+            <pc:sldMk cId="1731914088" sldId="261"/>
+            <ac:grpSpMk id="350" creationId="{4A8BDA3E-0831-4DAE-95A7-D09D4291DB87}"/>
+          </ac:grpSpMkLst>
+        </pc:grpChg>
+        <pc:grpChg chg="mod">
+          <ac:chgData name="Firnaaz Ahamed" userId="354af85a-496a-464c-a30e-ea50a64145d9" providerId="ADAL" clId="{0182CD6E-24E9-42B7-98AD-C0BB31B8E118}" dt="2021-11-21T16:45:33.270" v="0" actId="165"/>
+          <ac:grpSpMkLst>
+            <pc:docMk/>
+            <pc:sldMk cId="1731914088" sldId="261"/>
+            <ac:grpSpMk id="375" creationId="{6925F28A-706E-41B7-B4BF-20DA89795902}"/>
+          </ac:grpSpMkLst>
+        </pc:grpChg>
+        <pc:grpChg chg="mod ord topLvl">
+          <ac:chgData name="Firnaaz Ahamed" userId="354af85a-496a-464c-a30e-ea50a64145d9" providerId="ADAL" clId="{0182CD6E-24E9-42B7-98AD-C0BB31B8E118}" dt="2021-11-21T16:59:00.409" v="340" actId="164"/>
+          <ac:grpSpMkLst>
+            <pc:docMk/>
+            <pc:sldMk cId="1731914088" sldId="261"/>
+            <ac:grpSpMk id="455" creationId="{246497D9-05FC-4927-BBB0-DC4BB211DDEF}"/>
+          </ac:grpSpMkLst>
+        </pc:grpChg>
+        <pc:grpChg chg="mod">
+          <ac:chgData name="Firnaaz Ahamed" userId="354af85a-496a-464c-a30e-ea50a64145d9" providerId="ADAL" clId="{0182CD6E-24E9-42B7-98AD-C0BB31B8E118}" dt="2021-11-21T16:45:33.270" v="0" actId="165"/>
+          <ac:grpSpMkLst>
+            <pc:docMk/>
+            <pc:sldMk cId="1731914088" sldId="261"/>
+            <ac:grpSpMk id="470" creationId="{5DA37AB7-36EB-432B-809F-34D90E5A56C0}"/>
+          </ac:grpSpMkLst>
+        </pc:grpChg>
+        <pc:cxnChg chg="del mod topLvl">
+          <ac:chgData name="Firnaaz Ahamed" userId="354af85a-496a-464c-a30e-ea50a64145d9" providerId="ADAL" clId="{0182CD6E-24E9-42B7-98AD-C0BB31B8E118}" dt="2021-11-21T16:48:44.935" v="24" actId="478"/>
+          <ac:cxnSpMkLst>
+            <pc:docMk/>
+            <pc:sldMk cId="1731914088" sldId="261"/>
+            <ac:cxnSpMk id="6" creationId="{6B011C6F-0CD1-427F-856D-03FD6037B3DB}"/>
+          </ac:cxnSpMkLst>
+        </pc:cxnChg>
+        <pc:cxnChg chg="add mod">
+          <ac:chgData name="Firnaaz Ahamed" userId="354af85a-496a-464c-a30e-ea50a64145d9" providerId="ADAL" clId="{0182CD6E-24E9-42B7-98AD-C0BB31B8E118}" dt="2021-11-21T16:59:00.409" v="340" actId="164"/>
+          <ac:cxnSpMkLst>
+            <pc:docMk/>
+            <pc:sldMk cId="1731914088" sldId="261"/>
+            <ac:cxnSpMk id="11" creationId="{A20C3715-9183-4E84-BD77-78C932D82D77}"/>
+          </ac:cxnSpMkLst>
+        </pc:cxnChg>
+        <pc:cxnChg chg="del mod ord topLvl">
+          <ac:chgData name="Firnaaz Ahamed" userId="354af85a-496a-464c-a30e-ea50a64145d9" providerId="ADAL" clId="{0182CD6E-24E9-42B7-98AD-C0BB31B8E118}" dt="2021-11-21T16:48:45.358" v="25" actId="478"/>
+          <ac:cxnSpMkLst>
+            <pc:docMk/>
+            <pc:sldMk cId="1731914088" sldId="261"/>
+            <ac:cxnSpMk id="13" creationId="{C6485855-3D61-4CEA-A0FF-17574A9C84B4}"/>
+          </ac:cxnSpMkLst>
+        </pc:cxnChg>
+        <pc:cxnChg chg="mod">
+          <ac:chgData name="Firnaaz Ahamed" userId="354af85a-496a-464c-a30e-ea50a64145d9" providerId="ADAL" clId="{0182CD6E-24E9-42B7-98AD-C0BB31B8E118}" dt="2021-11-21T16:45:33.270" v="0" actId="165"/>
+          <ac:cxnSpMkLst>
+            <pc:docMk/>
+            <pc:sldMk cId="1731914088" sldId="261"/>
+            <ac:cxnSpMk id="20" creationId="{0483BE55-134D-4646-B5C0-6CEEE7FCF093}"/>
+          </ac:cxnSpMkLst>
+        </pc:cxnChg>
+        <pc:cxnChg chg="mod">
+          <ac:chgData name="Firnaaz Ahamed" userId="354af85a-496a-464c-a30e-ea50a64145d9" providerId="ADAL" clId="{0182CD6E-24E9-42B7-98AD-C0BB31B8E118}" dt="2021-11-21T16:45:33.270" v="0" actId="165"/>
+          <ac:cxnSpMkLst>
+            <pc:docMk/>
+            <pc:sldMk cId="1731914088" sldId="261"/>
+            <ac:cxnSpMk id="24" creationId="{99908E6F-99F2-48D4-A212-5541577E073A}"/>
+          </ac:cxnSpMkLst>
+        </pc:cxnChg>
+        <pc:cxnChg chg="add mod">
+          <ac:chgData name="Firnaaz Ahamed" userId="354af85a-496a-464c-a30e-ea50a64145d9" providerId="ADAL" clId="{0182CD6E-24E9-42B7-98AD-C0BB31B8E118}" dt="2021-11-21T16:59:00.409" v="340" actId="164"/>
+          <ac:cxnSpMkLst>
+            <pc:docMk/>
+            <pc:sldMk cId="1731914088" sldId="261"/>
+            <ac:cxnSpMk id="32" creationId="{D71FE086-BCE9-45F6-B193-770EDA281AED}"/>
+          </ac:cxnSpMkLst>
+        </pc:cxnChg>
+        <pc:cxnChg chg="mod">
+          <ac:chgData name="Firnaaz Ahamed" userId="354af85a-496a-464c-a30e-ea50a64145d9" providerId="ADAL" clId="{0182CD6E-24E9-42B7-98AD-C0BB31B8E118}" dt="2021-11-21T16:55:30.655" v="276" actId="14100"/>
+          <ac:cxnSpMkLst>
+            <pc:docMk/>
+            <pc:sldMk cId="1731914088" sldId="261"/>
+            <ac:cxnSpMk id="79" creationId="{DEF1A1AB-86FA-44EF-B765-AD734EC6388B}"/>
+          </ac:cxnSpMkLst>
+        </pc:cxnChg>
+        <pc:cxnChg chg="mod">
+          <ac:chgData name="Firnaaz Ahamed" userId="354af85a-496a-464c-a30e-ea50a64145d9" providerId="ADAL" clId="{0182CD6E-24E9-42B7-98AD-C0BB31B8E118}" dt="2021-11-21T16:56:21.950" v="282" actId="14100"/>
+          <ac:cxnSpMkLst>
+            <pc:docMk/>
+            <pc:sldMk cId="1731914088" sldId="261"/>
+            <ac:cxnSpMk id="80" creationId="{0C14279D-0F76-4CB9-9120-C8341CB15568}"/>
+          </ac:cxnSpMkLst>
+        </pc:cxnChg>
+        <pc:cxnChg chg="mod">
+          <ac:chgData name="Firnaaz Ahamed" userId="354af85a-496a-464c-a30e-ea50a64145d9" providerId="ADAL" clId="{0182CD6E-24E9-42B7-98AD-C0BB31B8E118}" dt="2021-11-21T16:53:09.240" v="201" actId="207"/>
+          <ac:cxnSpMkLst>
+            <pc:docMk/>
+            <pc:sldMk cId="1731914088" sldId="261"/>
+            <ac:cxnSpMk id="84" creationId="{0C5FFB72-59B9-4EE3-A29B-04E04475409F}"/>
+          </ac:cxnSpMkLst>
+        </pc:cxnChg>
+        <pc:cxnChg chg="mod topLvl">
+          <ac:chgData name="Firnaaz Ahamed" userId="354af85a-496a-464c-a30e-ea50a64145d9" providerId="ADAL" clId="{0182CD6E-24E9-42B7-98AD-C0BB31B8E118}" dt="2021-11-21T16:59:00.409" v="340" actId="164"/>
+          <ac:cxnSpMkLst>
+            <pc:docMk/>
+            <pc:sldMk cId="1731914088" sldId="261"/>
+            <ac:cxnSpMk id="91" creationId="{7956D468-02D5-4FA0-928D-03F0D6BB102F}"/>
+          </ac:cxnSpMkLst>
+        </pc:cxnChg>
+        <pc:cxnChg chg="mod topLvl">
+          <ac:chgData name="Firnaaz Ahamed" userId="354af85a-496a-464c-a30e-ea50a64145d9" providerId="ADAL" clId="{0182CD6E-24E9-42B7-98AD-C0BB31B8E118}" dt="2021-11-21T16:59:00.409" v="340" actId="164"/>
+          <ac:cxnSpMkLst>
+            <pc:docMk/>
+            <pc:sldMk cId="1731914088" sldId="261"/>
+            <ac:cxnSpMk id="94" creationId="{C9A329E5-45A1-401B-BE17-ADB03718EA2E}"/>
+          </ac:cxnSpMkLst>
+        </pc:cxnChg>
+        <pc:cxnChg chg="del mod ord topLvl">
+          <ac:chgData name="Firnaaz Ahamed" userId="354af85a-496a-464c-a30e-ea50a64145d9" providerId="ADAL" clId="{0182CD6E-24E9-42B7-98AD-C0BB31B8E118}" dt="2021-11-21T16:48:45.919" v="26" actId="478"/>
+          <ac:cxnSpMkLst>
+            <pc:docMk/>
+            <pc:sldMk cId="1731914088" sldId="261"/>
+            <ac:cxnSpMk id="115" creationId="{464C995C-707E-4C63-8E74-F25F39B7295F}"/>
+          </ac:cxnSpMkLst>
+        </pc:cxnChg>
+        <pc:cxnChg chg="add mod">
+          <ac:chgData name="Firnaaz Ahamed" userId="354af85a-496a-464c-a30e-ea50a64145d9" providerId="ADAL" clId="{0182CD6E-24E9-42B7-98AD-C0BB31B8E118}" dt="2021-11-21T16:59:00.409" v="340" actId="164"/>
+          <ac:cxnSpMkLst>
+            <pc:docMk/>
+            <pc:sldMk cId="1731914088" sldId="261"/>
+            <ac:cxnSpMk id="191" creationId="{71724676-4995-43BF-9E65-70E89E27B224}"/>
+          </ac:cxnSpMkLst>
+        </pc:cxnChg>
+        <pc:cxnChg chg="add mod">
+          <ac:chgData name="Firnaaz Ahamed" userId="354af85a-496a-464c-a30e-ea50a64145d9" providerId="ADAL" clId="{0182CD6E-24E9-42B7-98AD-C0BB31B8E118}" dt="2021-11-21T16:59:00.409" v="340" actId="164"/>
+          <ac:cxnSpMkLst>
+            <pc:docMk/>
+            <pc:sldMk cId="1731914088" sldId="261"/>
+            <ac:cxnSpMk id="194" creationId="{77108ECF-F926-4CCB-A028-4339C8026924}"/>
+          </ac:cxnSpMkLst>
+        </pc:cxnChg>
+        <pc:cxnChg chg="mod">
+          <ac:chgData name="Firnaaz Ahamed" userId="354af85a-496a-464c-a30e-ea50a64145d9" providerId="ADAL" clId="{0182CD6E-24E9-42B7-98AD-C0BB31B8E118}" dt="2021-11-21T16:45:33.270" v="0" actId="165"/>
+          <ac:cxnSpMkLst>
+            <pc:docMk/>
+            <pc:sldMk cId="1731914088" sldId="261"/>
+            <ac:cxnSpMk id="344" creationId="{623E09CD-4286-4E97-BB8E-8B6402959F98}"/>
+          </ac:cxnSpMkLst>
+        </pc:cxnChg>
+        <pc:cxnChg chg="mod">
+          <ac:chgData name="Firnaaz Ahamed" userId="354af85a-496a-464c-a30e-ea50a64145d9" providerId="ADAL" clId="{0182CD6E-24E9-42B7-98AD-C0BB31B8E118}" dt="2021-11-21T16:45:33.270" v="0" actId="165"/>
+          <ac:cxnSpMkLst>
+            <pc:docMk/>
+            <pc:sldMk cId="1731914088" sldId="261"/>
+            <ac:cxnSpMk id="406" creationId="{0103ECBA-C565-484E-9B87-F4B2207BADD8}"/>
+          </ac:cxnSpMkLst>
+        </pc:cxnChg>
+        <pc:cxnChg chg="mod">
+          <ac:chgData name="Firnaaz Ahamed" userId="354af85a-496a-464c-a30e-ea50a64145d9" providerId="ADAL" clId="{0182CD6E-24E9-42B7-98AD-C0BB31B8E118}" dt="2021-11-21T16:45:33.270" v="0" actId="165"/>
+          <ac:cxnSpMkLst>
+            <pc:docMk/>
+            <pc:sldMk cId="1731914088" sldId="261"/>
+            <ac:cxnSpMk id="407" creationId="{A9E625F7-DA34-499D-BC8D-D0AB903FD987}"/>
+          </ac:cxnSpMkLst>
+        </pc:cxnChg>
+        <pc:cxnChg chg="mod">
+          <ac:chgData name="Firnaaz Ahamed" userId="354af85a-496a-464c-a30e-ea50a64145d9" providerId="ADAL" clId="{0182CD6E-24E9-42B7-98AD-C0BB31B8E118}" dt="2021-11-21T16:45:33.270" v="0" actId="165"/>
+          <ac:cxnSpMkLst>
+            <pc:docMk/>
+            <pc:sldMk cId="1731914088" sldId="261"/>
+            <ac:cxnSpMk id="473" creationId="{075C941B-9FAB-4EF4-A427-1767993476F2}"/>
+          </ac:cxnSpMkLst>
+        </pc:cxnChg>
+        <pc:cxnChg chg="mod">
+          <ac:chgData name="Firnaaz Ahamed" userId="354af85a-496a-464c-a30e-ea50a64145d9" providerId="ADAL" clId="{0182CD6E-24E9-42B7-98AD-C0BB31B8E118}" dt="2021-11-21T16:45:33.270" v="0" actId="165"/>
+          <ac:cxnSpMkLst>
+            <pc:docMk/>
+            <pc:sldMk cId="1731914088" sldId="261"/>
+            <ac:cxnSpMk id="474" creationId="{E49AE504-ED4C-4EAD-B33C-CA36CF8C8C2D}"/>
+          </ac:cxnSpMkLst>
+        </pc:cxnChg>
+      </pc:sldChg>
+      <pc:sldChg chg="addSp delSp modSp mod">
+        <pc:chgData name="Firnaaz Ahamed" userId="354af85a-496a-464c-a30e-ea50a64145d9" providerId="ADAL" clId="{0182CD6E-24E9-42B7-98AD-C0BB31B8E118}" dt="2021-11-21T17:02:50.472" v="351" actId="1076"/>
+        <pc:sldMkLst>
+          <pc:docMk/>
+          <pc:sldMk cId="2408328518" sldId="262"/>
+        </pc:sldMkLst>
+        <pc:picChg chg="del">
+          <ac:chgData name="Firnaaz Ahamed" userId="354af85a-496a-464c-a30e-ea50a64145d9" providerId="ADAL" clId="{0182CD6E-24E9-42B7-98AD-C0BB31B8E118}" dt="2021-11-21T16:45:57.148" v="5" actId="478"/>
+          <ac:picMkLst>
+            <pc:docMk/>
+            <pc:sldMk cId="2408328518" sldId="262"/>
+            <ac:picMk id="3" creationId="{F403DEA9-E5E5-4BBD-A7C8-85146474615E}"/>
+          </ac:picMkLst>
+        </pc:picChg>
+        <pc:picChg chg="add mod modCrop">
+          <ac:chgData name="Firnaaz Ahamed" userId="354af85a-496a-464c-a30e-ea50a64145d9" providerId="ADAL" clId="{0182CD6E-24E9-42B7-98AD-C0BB31B8E118}" dt="2021-11-21T17:02:50.472" v="351" actId="1076"/>
+          <ac:picMkLst>
+            <pc:docMk/>
+            <pc:sldMk cId="2408328518" sldId="262"/>
+            <ac:picMk id="4" creationId="{92828743-000B-4879-BAAD-0D9C1D878948}"/>
+          </ac:picMkLst>
+        </pc:picChg>
+      </pc:sldChg>
+    </pc:docChg>
+  </pc:docChgLst>
   <pc:docChgLst>
     <pc:chgData name="Firnaaz Ahamed" userId="354af85a-496a-464c-a30e-ea50a64145d9" providerId="ADAL" clId="{8CD588F1-FACF-41D5-B468-3A100B5EE959}"/>
     <pc:docChg chg="undo custSel addSld delSld modSld addSection modSection">
@@ -11281,7 +12808,7 @@
           <a:p>
             <a:fld id="{B5C1A0A9-505F-40E5-A04F-4DDBF8554F28}" type="datetimeFigureOut">
               <a:rPr lang="en-US" smtClean="0"/>
-              <a:t>11/19/2021</a:t>
+              <a:t>11/21/2021</a:t>
             </a:fld>
             <a:endParaRPr lang="en-US"/>
           </a:p>
@@ -11451,7 +12978,7 @@
           <a:p>
             <a:fld id="{B5C1A0A9-505F-40E5-A04F-4DDBF8554F28}" type="datetimeFigureOut">
               <a:rPr lang="en-US" smtClean="0"/>
-              <a:t>11/19/2021</a:t>
+              <a:t>11/21/2021</a:t>
             </a:fld>
             <a:endParaRPr lang="en-US"/>
           </a:p>
@@ -11631,7 +13158,7 @@
           <a:p>
             <a:fld id="{B5C1A0A9-505F-40E5-A04F-4DDBF8554F28}" type="datetimeFigureOut">
               <a:rPr lang="en-US" smtClean="0"/>
-              <a:t>11/19/2021</a:t>
+              <a:t>11/21/2021</a:t>
             </a:fld>
             <a:endParaRPr lang="en-US"/>
           </a:p>
@@ -11801,7 +13328,7 @@
           <a:p>
             <a:fld id="{B5C1A0A9-505F-40E5-A04F-4DDBF8554F28}" type="datetimeFigureOut">
               <a:rPr lang="en-US" smtClean="0"/>
-              <a:t>11/19/2021</a:t>
+              <a:t>11/21/2021</a:t>
             </a:fld>
             <a:endParaRPr lang="en-US"/>
           </a:p>
@@ -12045,7 +13572,7 @@
           <a:p>
             <a:fld id="{B5C1A0A9-505F-40E5-A04F-4DDBF8554F28}" type="datetimeFigureOut">
               <a:rPr lang="en-US" smtClean="0"/>
-              <a:t>11/19/2021</a:t>
+              <a:t>11/21/2021</a:t>
             </a:fld>
             <a:endParaRPr lang="en-US"/>
           </a:p>
@@ -12277,7 +13804,7 @@
           <a:p>
             <a:fld id="{B5C1A0A9-505F-40E5-A04F-4DDBF8554F28}" type="datetimeFigureOut">
               <a:rPr lang="en-US" smtClean="0"/>
-              <a:t>11/19/2021</a:t>
+              <a:t>11/21/2021</a:t>
             </a:fld>
             <a:endParaRPr lang="en-US"/>
           </a:p>
@@ -12644,7 +14171,7 @@
           <a:p>
             <a:fld id="{B5C1A0A9-505F-40E5-A04F-4DDBF8554F28}" type="datetimeFigureOut">
               <a:rPr lang="en-US" smtClean="0"/>
-              <a:t>11/19/2021</a:t>
+              <a:t>11/21/2021</a:t>
             </a:fld>
             <a:endParaRPr lang="en-US"/>
           </a:p>
@@ -12762,7 +14289,7 @@
           <a:p>
             <a:fld id="{B5C1A0A9-505F-40E5-A04F-4DDBF8554F28}" type="datetimeFigureOut">
               <a:rPr lang="en-US" smtClean="0"/>
-              <a:t>11/19/2021</a:t>
+              <a:t>11/21/2021</a:t>
             </a:fld>
             <a:endParaRPr lang="en-US"/>
           </a:p>
@@ -12857,7 +14384,7 @@
           <a:p>
             <a:fld id="{B5C1A0A9-505F-40E5-A04F-4DDBF8554F28}" type="datetimeFigureOut">
               <a:rPr lang="en-US" smtClean="0"/>
-              <a:t>11/19/2021</a:t>
+              <a:t>11/21/2021</a:t>
             </a:fld>
             <a:endParaRPr lang="en-US"/>
           </a:p>
@@ -13134,7 +14661,7 @@
           <a:p>
             <a:fld id="{B5C1A0A9-505F-40E5-A04F-4DDBF8554F28}" type="datetimeFigureOut">
               <a:rPr lang="en-US" smtClean="0"/>
-              <a:t>11/19/2021</a:t>
+              <a:t>11/21/2021</a:t>
             </a:fld>
             <a:endParaRPr lang="en-US"/>
           </a:p>
@@ -13391,7 +14918,7 @@
           <a:p>
             <a:fld id="{B5C1A0A9-505F-40E5-A04F-4DDBF8554F28}" type="datetimeFigureOut">
               <a:rPr lang="en-US" smtClean="0"/>
-              <a:t>11/19/2021</a:t>
+              <a:t>11/21/2021</a:t>
             </a:fld>
             <a:endParaRPr lang="en-US"/>
           </a:p>
@@ -13604,7 +15131,7 @@
           <a:p>
             <a:fld id="{B5C1A0A9-505F-40E5-A04F-4DDBF8554F28}" type="datetimeFigureOut">
               <a:rPr lang="en-US" smtClean="0"/>
-              <a:t>11/19/2021</a:t>
+              <a:t>11/21/2021</a:t>
             </a:fld>
             <a:endParaRPr lang="en-US"/>
           </a:p>
@@ -14011,10 +15538,10 @@
       </p:grpSpPr>
       <p:grpSp>
         <p:nvGrpSpPr>
-          <p:cNvPr id="39" name="Group 38">
+          <p:cNvPr id="43" name="Group 42">
             <a:extLst>
               <a:ext uri="{FF2B5EF4-FFF2-40B4-BE49-F238E27FC236}">
-                <a16:creationId xmlns:a16="http://schemas.microsoft.com/office/drawing/2014/main" id="{0F3D7477-0414-4496-9ADB-066F9883C25B}"/>
+                <a16:creationId xmlns:a16="http://schemas.microsoft.com/office/drawing/2014/main" id="{C4A75A26-3040-4AA0-9AD8-7F2DA94310A6}"/>
               </a:ext>
             </a:extLst>
           </p:cNvPr>
@@ -14023,12 +15550,4878 @@
         </p:nvGrpSpPr>
         <p:grpSpPr>
           <a:xfrm>
-            <a:off x="27472" y="284032"/>
-            <a:ext cx="3005756" cy="2492635"/>
-            <a:chOff x="-81541" y="290231"/>
-            <a:chExt cx="3005756" cy="2492635"/>
+            <a:off x="189016" y="314512"/>
+            <a:ext cx="2623328" cy="2614555"/>
+            <a:chOff x="27472" y="284032"/>
+            <a:chExt cx="2623328" cy="2614555"/>
           </a:xfrm>
         </p:grpSpPr>
+        <p:grpSp>
+          <p:nvGrpSpPr>
+            <p:cNvPr id="76" name="Group 75">
+              <a:extLst>
+                <a:ext uri="{FF2B5EF4-FFF2-40B4-BE49-F238E27FC236}">
+                  <a16:creationId xmlns:a16="http://schemas.microsoft.com/office/drawing/2014/main" id="{F270767C-769A-41BF-B74E-0CC5F8820CA6}"/>
+                </a:ext>
+              </a:extLst>
+            </p:cNvPr>
+            <p:cNvGrpSpPr/>
+            <p:nvPr/>
+          </p:nvGrpSpPr>
+          <p:grpSpPr>
+            <a:xfrm>
+              <a:off x="1503219" y="992341"/>
+              <a:ext cx="1147581" cy="1006072"/>
+              <a:chOff x="852717" y="1509826"/>
+              <a:chExt cx="840446" cy="736811"/>
+            </a:xfrm>
+          </p:grpSpPr>
+          <p:sp>
+            <p:nvSpPr>
+              <p:cNvPr id="77" name="Rectangle 76">
+                <a:extLst>
+                  <a:ext uri="{FF2B5EF4-FFF2-40B4-BE49-F238E27FC236}">
+                    <a16:creationId xmlns:a16="http://schemas.microsoft.com/office/drawing/2014/main" id="{716B5BD0-FA93-45E7-9366-07FBB1438711}"/>
+                  </a:ext>
+                </a:extLst>
+              </p:cNvPr>
+              <p:cNvSpPr/>
+              <p:nvPr/>
+            </p:nvSpPr>
+            <p:spPr>
+              <a:xfrm>
+                <a:off x="1035831" y="1551779"/>
+                <a:ext cx="589215" cy="562351"/>
+              </a:xfrm>
+              <a:prstGeom prst="rect">
+                <a:avLst/>
+              </a:prstGeom>
+              <a:solidFill>
+                <a:schemeClr val="bg2"/>
+              </a:solidFill>
+              <a:ln>
+                <a:noFill/>
+              </a:ln>
+            </p:spPr>
+            <p:style>
+              <a:lnRef idx="2">
+                <a:schemeClr val="accent1">
+                  <a:shade val="50000"/>
+                </a:schemeClr>
+              </a:lnRef>
+              <a:fillRef idx="1">
+                <a:schemeClr val="accent1"/>
+              </a:fillRef>
+              <a:effectRef idx="0">
+                <a:schemeClr val="accent1"/>
+              </a:effectRef>
+              <a:fontRef idx="minor">
+                <a:schemeClr val="lt1"/>
+              </a:fontRef>
+            </p:style>
+            <p:txBody>
+              <a:bodyPr rtlCol="0" anchor="ctr"/>
+              <a:lstStyle/>
+              <a:p>
+                <a:pPr algn="ctr"/>
+                <a:endParaRPr lang="en-MY"/>
+              </a:p>
+            </p:txBody>
+          </p:sp>
+          <p:grpSp>
+            <p:nvGrpSpPr>
+              <p:cNvPr id="78" name="Group 77">
+                <a:extLst>
+                  <a:ext uri="{FF2B5EF4-FFF2-40B4-BE49-F238E27FC236}">
+                    <a16:creationId xmlns:a16="http://schemas.microsoft.com/office/drawing/2014/main" id="{3419966C-E5D0-4BEE-9D39-B5C7556F7EDA}"/>
+                  </a:ext>
+                </a:extLst>
+              </p:cNvPr>
+              <p:cNvGrpSpPr/>
+              <p:nvPr/>
+            </p:nvGrpSpPr>
+            <p:grpSpPr>
+              <a:xfrm>
+                <a:off x="1092598" y="1667029"/>
+                <a:ext cx="403100" cy="397098"/>
+                <a:chOff x="1020332" y="2408089"/>
+                <a:chExt cx="403100" cy="397098"/>
+              </a:xfrm>
+            </p:grpSpPr>
+            <p:grpSp>
+              <p:nvGrpSpPr>
+                <p:cNvPr id="114" name="Group 113">
+                  <a:extLst>
+                    <a:ext uri="{FF2B5EF4-FFF2-40B4-BE49-F238E27FC236}">
+                      <a16:creationId xmlns:a16="http://schemas.microsoft.com/office/drawing/2014/main" id="{40C9A818-BC39-4750-900E-4C4FA2269165}"/>
+                    </a:ext>
+                  </a:extLst>
+                </p:cNvPr>
+                <p:cNvGrpSpPr/>
+                <p:nvPr/>
+              </p:nvGrpSpPr>
+              <p:grpSpPr>
+                <a:xfrm rot="3310578">
+                  <a:off x="1081576" y="2415513"/>
+                  <a:ext cx="312914" cy="370798"/>
+                  <a:chOff x="1987152" y="1570823"/>
+                  <a:chExt cx="312914" cy="370798"/>
+                </a:xfrm>
+                <a:solidFill>
+                  <a:schemeClr val="tx1"/>
+                </a:solidFill>
+              </p:grpSpPr>
+              <p:grpSp>
+                <p:nvGrpSpPr>
+                  <p:cNvPr id="165" name="Group 164">
+                    <a:extLst>
+                      <a:ext uri="{FF2B5EF4-FFF2-40B4-BE49-F238E27FC236}">
+                        <a16:creationId xmlns:a16="http://schemas.microsoft.com/office/drawing/2014/main" id="{A9D0DAF6-2544-4B2F-8A57-2B3A0847DBEC}"/>
+                      </a:ext>
+                    </a:extLst>
+                  </p:cNvPr>
+                  <p:cNvGrpSpPr/>
+                  <p:nvPr/>
+                </p:nvGrpSpPr>
+                <p:grpSpPr>
+                  <a:xfrm rot="1734796">
+                    <a:off x="1987152" y="1792683"/>
+                    <a:ext cx="93042" cy="148938"/>
+                    <a:chOff x="988332" y="1820177"/>
+                    <a:chExt cx="93042" cy="148938"/>
+                  </a:xfrm>
+                  <a:grpFill/>
+                </p:grpSpPr>
+                <p:sp>
+                  <p:nvSpPr>
+                    <p:cNvPr id="182" name="Oval 181">
+                      <a:extLst>
+                        <a:ext uri="{FF2B5EF4-FFF2-40B4-BE49-F238E27FC236}">
+                          <a16:creationId xmlns:a16="http://schemas.microsoft.com/office/drawing/2014/main" id="{43955396-156A-46CE-8E4E-456106AAFD9F}"/>
+                        </a:ext>
+                      </a:extLst>
+                    </p:cNvPr>
+                    <p:cNvSpPr/>
+                    <p:nvPr/>
+                  </p:nvSpPr>
+                  <p:spPr>
+                    <a:xfrm flipV="1">
+                      <a:off x="1001118" y="1906242"/>
+                      <a:ext cx="31014" cy="29509"/>
+                    </a:xfrm>
+                    <a:prstGeom prst="ellipse">
+                      <a:avLst/>
+                    </a:prstGeom>
+                    <a:grpFill/>
+                    <a:ln>
+                      <a:noFill/>
+                    </a:ln>
+                  </p:spPr>
+                  <p:style>
+                    <a:lnRef idx="2">
+                      <a:schemeClr val="accent1">
+                        <a:shade val="50000"/>
+                      </a:schemeClr>
+                    </a:lnRef>
+                    <a:fillRef idx="1">
+                      <a:schemeClr val="accent1"/>
+                    </a:fillRef>
+                    <a:effectRef idx="0">
+                      <a:schemeClr val="accent1"/>
+                    </a:effectRef>
+                    <a:fontRef idx="minor">
+                      <a:schemeClr val="lt1"/>
+                    </a:fontRef>
+                  </p:style>
+                  <p:txBody>
+                    <a:bodyPr rtlCol="0" anchor="ctr"/>
+                    <a:lstStyle/>
+                    <a:p>
+                      <a:pPr algn="ctr"/>
+                      <a:endParaRPr lang="en-US"/>
+                    </a:p>
+                  </p:txBody>
+                </p:sp>
+                <p:sp>
+                  <p:nvSpPr>
+                    <p:cNvPr id="183" name="Oval 182">
+                      <a:extLst>
+                        <a:ext uri="{FF2B5EF4-FFF2-40B4-BE49-F238E27FC236}">
+                          <a16:creationId xmlns:a16="http://schemas.microsoft.com/office/drawing/2014/main" id="{52FBDEA7-B873-4ED0-B000-9CE170638F80}"/>
+                        </a:ext>
+                      </a:extLst>
+                    </p:cNvPr>
+                    <p:cNvSpPr/>
+                    <p:nvPr/>
+                  </p:nvSpPr>
+                  <p:spPr>
+                    <a:xfrm flipV="1">
+                      <a:off x="1034853" y="1939606"/>
+                      <a:ext cx="31014" cy="29509"/>
+                    </a:xfrm>
+                    <a:prstGeom prst="ellipse">
+                      <a:avLst/>
+                    </a:prstGeom>
+                    <a:grpFill/>
+                    <a:ln>
+                      <a:noFill/>
+                    </a:ln>
+                  </p:spPr>
+                  <p:style>
+                    <a:lnRef idx="2">
+                      <a:schemeClr val="accent1">
+                        <a:shade val="50000"/>
+                      </a:schemeClr>
+                    </a:lnRef>
+                    <a:fillRef idx="1">
+                      <a:schemeClr val="accent1"/>
+                    </a:fillRef>
+                    <a:effectRef idx="0">
+                      <a:schemeClr val="accent1"/>
+                    </a:effectRef>
+                    <a:fontRef idx="minor">
+                      <a:schemeClr val="lt1"/>
+                    </a:fontRef>
+                  </p:style>
+                  <p:txBody>
+                    <a:bodyPr rtlCol="0" anchor="ctr"/>
+                    <a:lstStyle/>
+                    <a:p>
+                      <a:pPr algn="ctr"/>
+                      <a:endParaRPr lang="en-US"/>
+                    </a:p>
+                  </p:txBody>
+                </p:sp>
+                <p:sp>
+                  <p:nvSpPr>
+                    <p:cNvPr id="184" name="Oval 183">
+                      <a:extLst>
+                        <a:ext uri="{FF2B5EF4-FFF2-40B4-BE49-F238E27FC236}">
+                          <a16:creationId xmlns:a16="http://schemas.microsoft.com/office/drawing/2014/main" id="{9F36DDE6-01BA-4A09-BE4E-83AB7693D378}"/>
+                        </a:ext>
+                      </a:extLst>
+                    </p:cNvPr>
+                    <p:cNvSpPr/>
+                    <p:nvPr/>
+                  </p:nvSpPr>
+                  <p:spPr>
+                    <a:xfrm flipV="1">
+                      <a:off x="1050360" y="1901184"/>
+                      <a:ext cx="31014" cy="29509"/>
+                    </a:xfrm>
+                    <a:prstGeom prst="ellipse">
+                      <a:avLst/>
+                    </a:prstGeom>
+                    <a:grpFill/>
+                    <a:ln>
+                      <a:noFill/>
+                    </a:ln>
+                  </p:spPr>
+                  <p:style>
+                    <a:lnRef idx="2">
+                      <a:schemeClr val="accent1">
+                        <a:shade val="50000"/>
+                      </a:schemeClr>
+                    </a:lnRef>
+                    <a:fillRef idx="1">
+                      <a:schemeClr val="accent1"/>
+                    </a:fillRef>
+                    <a:effectRef idx="0">
+                      <a:schemeClr val="accent1"/>
+                    </a:effectRef>
+                    <a:fontRef idx="minor">
+                      <a:schemeClr val="lt1"/>
+                    </a:fontRef>
+                  </p:style>
+                  <p:txBody>
+                    <a:bodyPr rtlCol="0" anchor="ctr"/>
+                    <a:lstStyle/>
+                    <a:p>
+                      <a:pPr algn="ctr"/>
+                      <a:endParaRPr lang="en-US"/>
+                    </a:p>
+                  </p:txBody>
+                </p:sp>
+                <p:sp>
+                  <p:nvSpPr>
+                    <p:cNvPr id="185" name="Oval 184">
+                      <a:extLst>
+                        <a:ext uri="{FF2B5EF4-FFF2-40B4-BE49-F238E27FC236}">
+                          <a16:creationId xmlns:a16="http://schemas.microsoft.com/office/drawing/2014/main" id="{68309E07-2130-4643-9C3A-0A37EA9D6F3C}"/>
+                        </a:ext>
+                      </a:extLst>
+                    </p:cNvPr>
+                    <p:cNvSpPr/>
+                    <p:nvPr/>
+                  </p:nvSpPr>
+                  <p:spPr>
+                    <a:xfrm flipV="1">
+                      <a:off x="1027100" y="1865137"/>
+                      <a:ext cx="31014" cy="29509"/>
+                    </a:xfrm>
+                    <a:prstGeom prst="ellipse">
+                      <a:avLst/>
+                    </a:prstGeom>
+                    <a:grpFill/>
+                    <a:ln>
+                      <a:noFill/>
+                    </a:ln>
+                  </p:spPr>
+                  <p:style>
+                    <a:lnRef idx="2">
+                      <a:schemeClr val="accent1">
+                        <a:shade val="50000"/>
+                      </a:schemeClr>
+                    </a:lnRef>
+                    <a:fillRef idx="1">
+                      <a:schemeClr val="accent1"/>
+                    </a:fillRef>
+                    <a:effectRef idx="0">
+                      <a:schemeClr val="accent1"/>
+                    </a:effectRef>
+                    <a:fontRef idx="minor">
+                      <a:schemeClr val="lt1"/>
+                    </a:fontRef>
+                  </p:style>
+                  <p:txBody>
+                    <a:bodyPr rtlCol="0" anchor="ctr"/>
+                    <a:lstStyle/>
+                    <a:p>
+                      <a:pPr algn="ctr"/>
+                      <a:endParaRPr lang="en-US"/>
+                    </a:p>
+                  </p:txBody>
+                </p:sp>
+                <p:sp>
+                  <p:nvSpPr>
+                    <p:cNvPr id="186" name="Oval 185">
+                      <a:extLst>
+                        <a:ext uri="{FF2B5EF4-FFF2-40B4-BE49-F238E27FC236}">
+                          <a16:creationId xmlns:a16="http://schemas.microsoft.com/office/drawing/2014/main" id="{F369E580-F6AC-4488-BEEC-91F9773ED333}"/>
+                        </a:ext>
+                      </a:extLst>
+                    </p:cNvPr>
+                    <p:cNvSpPr/>
+                    <p:nvPr/>
+                  </p:nvSpPr>
+                  <p:spPr>
+                    <a:xfrm flipV="1">
+                      <a:off x="988332" y="1840978"/>
+                      <a:ext cx="31014" cy="29509"/>
+                    </a:xfrm>
+                    <a:prstGeom prst="ellipse">
+                      <a:avLst/>
+                    </a:prstGeom>
+                    <a:grpFill/>
+                    <a:ln>
+                      <a:noFill/>
+                    </a:ln>
+                  </p:spPr>
+                  <p:style>
+                    <a:lnRef idx="2">
+                      <a:schemeClr val="accent1">
+                        <a:shade val="50000"/>
+                      </a:schemeClr>
+                    </a:lnRef>
+                    <a:fillRef idx="1">
+                      <a:schemeClr val="accent1"/>
+                    </a:fillRef>
+                    <a:effectRef idx="0">
+                      <a:schemeClr val="accent1"/>
+                    </a:effectRef>
+                    <a:fontRef idx="minor">
+                      <a:schemeClr val="lt1"/>
+                    </a:fontRef>
+                  </p:style>
+                  <p:txBody>
+                    <a:bodyPr rtlCol="0" anchor="ctr"/>
+                    <a:lstStyle/>
+                    <a:p>
+                      <a:pPr algn="ctr"/>
+                      <a:endParaRPr lang="en-US"/>
+                    </a:p>
+                  </p:txBody>
+                </p:sp>
+                <p:sp>
+                  <p:nvSpPr>
+                    <p:cNvPr id="187" name="Oval 186">
+                      <a:extLst>
+                        <a:ext uri="{FF2B5EF4-FFF2-40B4-BE49-F238E27FC236}">
+                          <a16:creationId xmlns:a16="http://schemas.microsoft.com/office/drawing/2014/main" id="{8DA07497-F1B2-4C78-BB90-E5D1B2972C9F}"/>
+                        </a:ext>
+                      </a:extLst>
+                    </p:cNvPr>
+                    <p:cNvSpPr/>
+                    <p:nvPr/>
+                  </p:nvSpPr>
+                  <p:spPr>
+                    <a:xfrm flipV="1">
+                      <a:off x="1034382" y="1820177"/>
+                      <a:ext cx="31014" cy="29509"/>
+                    </a:xfrm>
+                    <a:prstGeom prst="ellipse">
+                      <a:avLst/>
+                    </a:prstGeom>
+                    <a:grpFill/>
+                    <a:ln>
+                      <a:noFill/>
+                    </a:ln>
+                  </p:spPr>
+                  <p:style>
+                    <a:lnRef idx="2">
+                      <a:schemeClr val="accent1">
+                        <a:shade val="50000"/>
+                      </a:schemeClr>
+                    </a:lnRef>
+                    <a:fillRef idx="1">
+                      <a:schemeClr val="accent1"/>
+                    </a:fillRef>
+                    <a:effectRef idx="0">
+                      <a:schemeClr val="accent1"/>
+                    </a:effectRef>
+                    <a:fontRef idx="minor">
+                      <a:schemeClr val="lt1"/>
+                    </a:fontRef>
+                  </p:style>
+                  <p:txBody>
+                    <a:bodyPr rtlCol="0" anchor="ctr"/>
+                    <a:lstStyle/>
+                    <a:p>
+                      <a:pPr algn="ctr"/>
+                      <a:endParaRPr lang="en-US"/>
+                    </a:p>
+                  </p:txBody>
+                </p:sp>
+              </p:grpSp>
+              <p:grpSp>
+                <p:nvGrpSpPr>
+                  <p:cNvPr id="166" name="Group 165">
+                    <a:extLst>
+                      <a:ext uri="{FF2B5EF4-FFF2-40B4-BE49-F238E27FC236}">
+                        <a16:creationId xmlns:a16="http://schemas.microsoft.com/office/drawing/2014/main" id="{3E9AA3C0-8052-4A0C-9EC3-040F0B47DBDC}"/>
+                      </a:ext>
+                    </a:extLst>
+                  </p:cNvPr>
+                  <p:cNvGrpSpPr/>
+                  <p:nvPr/>
+                </p:nvGrpSpPr>
+                <p:grpSpPr>
+                  <a:xfrm rot="14275821">
+                    <a:off x="2047882" y="1658479"/>
+                    <a:ext cx="131339" cy="148938"/>
+                    <a:chOff x="972825" y="1820177"/>
+                    <a:chExt cx="131339" cy="148938"/>
+                  </a:xfrm>
+                  <a:grpFill/>
+                </p:grpSpPr>
+                <p:sp>
+                  <p:nvSpPr>
+                    <p:cNvPr id="174" name="Oval 173">
+                      <a:extLst>
+                        <a:ext uri="{FF2B5EF4-FFF2-40B4-BE49-F238E27FC236}">
+                          <a16:creationId xmlns:a16="http://schemas.microsoft.com/office/drawing/2014/main" id="{34CF0E43-EF02-4148-B08A-51685D9DF51D}"/>
+                        </a:ext>
+                      </a:extLst>
+                    </p:cNvPr>
+                    <p:cNvSpPr/>
+                    <p:nvPr/>
+                  </p:nvSpPr>
+                  <p:spPr>
+                    <a:xfrm flipV="1">
+                      <a:off x="1001118" y="1906242"/>
+                      <a:ext cx="31014" cy="29509"/>
+                    </a:xfrm>
+                    <a:prstGeom prst="ellipse">
+                      <a:avLst/>
+                    </a:prstGeom>
+                    <a:grpFill/>
+                    <a:ln>
+                      <a:noFill/>
+                    </a:ln>
+                  </p:spPr>
+                  <p:style>
+                    <a:lnRef idx="2">
+                      <a:schemeClr val="accent1">
+                        <a:shade val="50000"/>
+                      </a:schemeClr>
+                    </a:lnRef>
+                    <a:fillRef idx="1">
+                      <a:schemeClr val="accent1"/>
+                    </a:fillRef>
+                    <a:effectRef idx="0">
+                      <a:schemeClr val="accent1"/>
+                    </a:effectRef>
+                    <a:fontRef idx="minor">
+                      <a:schemeClr val="lt1"/>
+                    </a:fontRef>
+                  </p:style>
+                  <p:txBody>
+                    <a:bodyPr rtlCol="0" anchor="ctr"/>
+                    <a:lstStyle/>
+                    <a:p>
+                      <a:pPr algn="ctr"/>
+                      <a:endParaRPr lang="en-US"/>
+                    </a:p>
+                  </p:txBody>
+                </p:sp>
+                <p:sp>
+                  <p:nvSpPr>
+                    <p:cNvPr id="175" name="Oval 174">
+                      <a:extLst>
+                        <a:ext uri="{FF2B5EF4-FFF2-40B4-BE49-F238E27FC236}">
+                          <a16:creationId xmlns:a16="http://schemas.microsoft.com/office/drawing/2014/main" id="{E467E1F3-1726-48D6-87BF-CC8A99EEB1F6}"/>
+                        </a:ext>
+                      </a:extLst>
+                    </p:cNvPr>
+                    <p:cNvSpPr/>
+                    <p:nvPr/>
+                  </p:nvSpPr>
+                  <p:spPr>
+                    <a:xfrm flipV="1">
+                      <a:off x="1034853" y="1939606"/>
+                      <a:ext cx="31014" cy="29509"/>
+                    </a:xfrm>
+                    <a:prstGeom prst="ellipse">
+                      <a:avLst/>
+                    </a:prstGeom>
+                    <a:grpFill/>
+                    <a:ln>
+                      <a:noFill/>
+                    </a:ln>
+                  </p:spPr>
+                  <p:style>
+                    <a:lnRef idx="2">
+                      <a:schemeClr val="accent1">
+                        <a:shade val="50000"/>
+                      </a:schemeClr>
+                    </a:lnRef>
+                    <a:fillRef idx="1">
+                      <a:schemeClr val="accent1"/>
+                    </a:fillRef>
+                    <a:effectRef idx="0">
+                      <a:schemeClr val="accent1"/>
+                    </a:effectRef>
+                    <a:fontRef idx="minor">
+                      <a:schemeClr val="lt1"/>
+                    </a:fontRef>
+                  </p:style>
+                  <p:txBody>
+                    <a:bodyPr rtlCol="0" anchor="ctr"/>
+                    <a:lstStyle/>
+                    <a:p>
+                      <a:pPr algn="ctr"/>
+                      <a:endParaRPr lang="en-US"/>
+                    </a:p>
+                  </p:txBody>
+                </p:sp>
+                <p:sp>
+                  <p:nvSpPr>
+                    <p:cNvPr id="176" name="Oval 175">
+                      <a:extLst>
+                        <a:ext uri="{FF2B5EF4-FFF2-40B4-BE49-F238E27FC236}">
+                          <a16:creationId xmlns:a16="http://schemas.microsoft.com/office/drawing/2014/main" id="{00A97B14-A92A-4F42-96E7-AE296F12E87C}"/>
+                        </a:ext>
+                      </a:extLst>
+                    </p:cNvPr>
+                    <p:cNvSpPr/>
+                    <p:nvPr/>
+                  </p:nvSpPr>
+                  <p:spPr>
+                    <a:xfrm flipV="1">
+                      <a:off x="972825" y="1871675"/>
+                      <a:ext cx="31014" cy="29509"/>
+                    </a:xfrm>
+                    <a:prstGeom prst="ellipse">
+                      <a:avLst/>
+                    </a:prstGeom>
+                    <a:grpFill/>
+                    <a:ln>
+                      <a:noFill/>
+                    </a:ln>
+                  </p:spPr>
+                  <p:style>
+                    <a:lnRef idx="2">
+                      <a:schemeClr val="accent1">
+                        <a:shade val="50000"/>
+                      </a:schemeClr>
+                    </a:lnRef>
+                    <a:fillRef idx="1">
+                      <a:schemeClr val="accent1"/>
+                    </a:fillRef>
+                    <a:effectRef idx="0">
+                      <a:schemeClr val="accent1"/>
+                    </a:effectRef>
+                    <a:fontRef idx="minor">
+                      <a:schemeClr val="lt1"/>
+                    </a:fontRef>
+                  </p:style>
+                  <p:txBody>
+                    <a:bodyPr rtlCol="0" anchor="ctr"/>
+                    <a:lstStyle/>
+                    <a:p>
+                      <a:pPr algn="ctr"/>
+                      <a:endParaRPr lang="en-US"/>
+                    </a:p>
+                  </p:txBody>
+                </p:sp>
+                <p:sp>
+                  <p:nvSpPr>
+                    <p:cNvPr id="177" name="Oval 176">
+                      <a:extLst>
+                        <a:ext uri="{FF2B5EF4-FFF2-40B4-BE49-F238E27FC236}">
+                          <a16:creationId xmlns:a16="http://schemas.microsoft.com/office/drawing/2014/main" id="{FDBD2132-82AA-4D17-B280-E89222BF205B}"/>
+                        </a:ext>
+                      </a:extLst>
+                    </p:cNvPr>
+                    <p:cNvSpPr/>
+                    <p:nvPr/>
+                  </p:nvSpPr>
+                  <p:spPr>
+                    <a:xfrm flipV="1">
+                      <a:off x="1050360" y="1901184"/>
+                      <a:ext cx="31014" cy="29509"/>
+                    </a:xfrm>
+                    <a:prstGeom prst="ellipse">
+                      <a:avLst/>
+                    </a:prstGeom>
+                    <a:grpFill/>
+                    <a:ln>
+                      <a:noFill/>
+                    </a:ln>
+                  </p:spPr>
+                  <p:style>
+                    <a:lnRef idx="2">
+                      <a:schemeClr val="accent1">
+                        <a:shade val="50000"/>
+                      </a:schemeClr>
+                    </a:lnRef>
+                    <a:fillRef idx="1">
+                      <a:schemeClr val="accent1"/>
+                    </a:fillRef>
+                    <a:effectRef idx="0">
+                      <a:schemeClr val="accent1"/>
+                    </a:effectRef>
+                    <a:fontRef idx="minor">
+                      <a:schemeClr val="lt1"/>
+                    </a:fontRef>
+                  </p:style>
+                  <p:txBody>
+                    <a:bodyPr rtlCol="0" anchor="ctr"/>
+                    <a:lstStyle/>
+                    <a:p>
+                      <a:pPr algn="ctr"/>
+                      <a:endParaRPr lang="en-US"/>
+                    </a:p>
+                  </p:txBody>
+                </p:sp>
+                <p:sp>
+                  <p:nvSpPr>
+                    <p:cNvPr id="178" name="Oval 177">
+                      <a:extLst>
+                        <a:ext uri="{FF2B5EF4-FFF2-40B4-BE49-F238E27FC236}">
+                          <a16:creationId xmlns:a16="http://schemas.microsoft.com/office/drawing/2014/main" id="{34E86F36-DC01-4B43-AAAF-FEF16BCE2F57}"/>
+                        </a:ext>
+                      </a:extLst>
+                    </p:cNvPr>
+                    <p:cNvSpPr/>
+                    <p:nvPr/>
+                  </p:nvSpPr>
+                  <p:spPr>
+                    <a:xfrm flipV="1">
+                      <a:off x="1027100" y="1865137"/>
+                      <a:ext cx="31014" cy="29509"/>
+                    </a:xfrm>
+                    <a:prstGeom prst="ellipse">
+                      <a:avLst/>
+                    </a:prstGeom>
+                    <a:grpFill/>
+                    <a:ln>
+                      <a:noFill/>
+                    </a:ln>
+                  </p:spPr>
+                  <p:style>
+                    <a:lnRef idx="2">
+                      <a:schemeClr val="accent1">
+                        <a:shade val="50000"/>
+                      </a:schemeClr>
+                    </a:lnRef>
+                    <a:fillRef idx="1">
+                      <a:schemeClr val="accent1"/>
+                    </a:fillRef>
+                    <a:effectRef idx="0">
+                      <a:schemeClr val="accent1"/>
+                    </a:effectRef>
+                    <a:fontRef idx="minor">
+                      <a:schemeClr val="lt1"/>
+                    </a:fontRef>
+                  </p:style>
+                  <p:txBody>
+                    <a:bodyPr rtlCol="0" anchor="ctr"/>
+                    <a:lstStyle/>
+                    <a:p>
+                      <a:pPr algn="ctr"/>
+                      <a:endParaRPr lang="en-US"/>
+                    </a:p>
+                  </p:txBody>
+                </p:sp>
+                <p:sp>
+                  <p:nvSpPr>
+                    <p:cNvPr id="179" name="Oval 178">
+                      <a:extLst>
+                        <a:ext uri="{FF2B5EF4-FFF2-40B4-BE49-F238E27FC236}">
+                          <a16:creationId xmlns:a16="http://schemas.microsoft.com/office/drawing/2014/main" id="{B573F1D1-B0BA-40D5-8A40-EE72928E530F}"/>
+                        </a:ext>
+                      </a:extLst>
+                    </p:cNvPr>
+                    <p:cNvSpPr/>
+                    <p:nvPr/>
+                  </p:nvSpPr>
+                  <p:spPr>
+                    <a:xfrm flipV="1">
+                      <a:off x="1073150" y="1847661"/>
+                      <a:ext cx="31014" cy="29509"/>
+                    </a:xfrm>
+                    <a:prstGeom prst="ellipse">
+                      <a:avLst/>
+                    </a:prstGeom>
+                    <a:grpFill/>
+                    <a:ln>
+                      <a:noFill/>
+                    </a:ln>
+                  </p:spPr>
+                  <p:style>
+                    <a:lnRef idx="2">
+                      <a:schemeClr val="accent1">
+                        <a:shade val="50000"/>
+                      </a:schemeClr>
+                    </a:lnRef>
+                    <a:fillRef idx="1">
+                      <a:schemeClr val="accent1"/>
+                    </a:fillRef>
+                    <a:effectRef idx="0">
+                      <a:schemeClr val="accent1"/>
+                    </a:effectRef>
+                    <a:fontRef idx="minor">
+                      <a:schemeClr val="lt1"/>
+                    </a:fontRef>
+                  </p:style>
+                  <p:txBody>
+                    <a:bodyPr rtlCol="0" anchor="ctr"/>
+                    <a:lstStyle/>
+                    <a:p>
+                      <a:pPr algn="ctr"/>
+                      <a:endParaRPr lang="en-US"/>
+                    </a:p>
+                  </p:txBody>
+                </p:sp>
+                <p:sp>
+                  <p:nvSpPr>
+                    <p:cNvPr id="180" name="Oval 179">
+                      <a:extLst>
+                        <a:ext uri="{FF2B5EF4-FFF2-40B4-BE49-F238E27FC236}">
+                          <a16:creationId xmlns:a16="http://schemas.microsoft.com/office/drawing/2014/main" id="{D6D84724-150E-4252-BCF8-304CD01A128E}"/>
+                        </a:ext>
+                      </a:extLst>
+                    </p:cNvPr>
+                    <p:cNvSpPr/>
+                    <p:nvPr/>
+                  </p:nvSpPr>
+                  <p:spPr>
+                    <a:xfrm flipV="1">
+                      <a:off x="988332" y="1840978"/>
+                      <a:ext cx="31014" cy="29509"/>
+                    </a:xfrm>
+                    <a:prstGeom prst="ellipse">
+                      <a:avLst/>
+                    </a:prstGeom>
+                    <a:grpFill/>
+                    <a:ln>
+                      <a:noFill/>
+                    </a:ln>
+                  </p:spPr>
+                  <p:style>
+                    <a:lnRef idx="2">
+                      <a:schemeClr val="accent1">
+                        <a:shade val="50000"/>
+                      </a:schemeClr>
+                    </a:lnRef>
+                    <a:fillRef idx="1">
+                      <a:schemeClr val="accent1"/>
+                    </a:fillRef>
+                    <a:effectRef idx="0">
+                      <a:schemeClr val="accent1"/>
+                    </a:effectRef>
+                    <a:fontRef idx="minor">
+                      <a:schemeClr val="lt1"/>
+                    </a:fontRef>
+                  </p:style>
+                  <p:txBody>
+                    <a:bodyPr rtlCol="0" anchor="ctr"/>
+                    <a:lstStyle/>
+                    <a:p>
+                      <a:pPr algn="ctr"/>
+                      <a:endParaRPr lang="en-US"/>
+                    </a:p>
+                  </p:txBody>
+                </p:sp>
+                <p:sp>
+                  <p:nvSpPr>
+                    <p:cNvPr id="181" name="Oval 180">
+                      <a:extLst>
+                        <a:ext uri="{FF2B5EF4-FFF2-40B4-BE49-F238E27FC236}">
+                          <a16:creationId xmlns:a16="http://schemas.microsoft.com/office/drawing/2014/main" id="{B05E59C1-7428-460A-B498-C84ED6D2EEC7}"/>
+                        </a:ext>
+                      </a:extLst>
+                    </p:cNvPr>
+                    <p:cNvSpPr/>
+                    <p:nvPr/>
+                  </p:nvSpPr>
+                  <p:spPr>
+                    <a:xfrm flipV="1">
+                      <a:off x="1034382" y="1820177"/>
+                      <a:ext cx="31014" cy="29509"/>
+                    </a:xfrm>
+                    <a:prstGeom prst="ellipse">
+                      <a:avLst/>
+                    </a:prstGeom>
+                    <a:grpFill/>
+                    <a:ln>
+                      <a:noFill/>
+                    </a:ln>
+                  </p:spPr>
+                  <p:style>
+                    <a:lnRef idx="2">
+                      <a:schemeClr val="accent1">
+                        <a:shade val="50000"/>
+                      </a:schemeClr>
+                    </a:lnRef>
+                    <a:fillRef idx="1">
+                      <a:schemeClr val="accent1"/>
+                    </a:fillRef>
+                    <a:effectRef idx="0">
+                      <a:schemeClr val="accent1"/>
+                    </a:effectRef>
+                    <a:fontRef idx="minor">
+                      <a:schemeClr val="lt1"/>
+                    </a:fontRef>
+                  </p:style>
+                  <p:txBody>
+                    <a:bodyPr rtlCol="0" anchor="ctr"/>
+                    <a:lstStyle/>
+                    <a:p>
+                      <a:pPr algn="ctr"/>
+                      <a:endParaRPr lang="en-US"/>
+                    </a:p>
+                  </p:txBody>
+                </p:sp>
+              </p:grpSp>
+              <p:grpSp>
+                <p:nvGrpSpPr>
+                  <p:cNvPr id="167" name="Group 166">
+                    <a:extLst>
+                      <a:ext uri="{FF2B5EF4-FFF2-40B4-BE49-F238E27FC236}">
+                        <a16:creationId xmlns:a16="http://schemas.microsoft.com/office/drawing/2014/main" id="{E0F57ECD-B5F4-4B63-B989-77E5E422604E}"/>
+                      </a:ext>
+                    </a:extLst>
+                  </p:cNvPr>
+                  <p:cNvGrpSpPr/>
+                  <p:nvPr/>
+                </p:nvGrpSpPr>
+                <p:grpSpPr>
+                  <a:xfrm rot="3407543">
+                    <a:off x="2179076" y="1542875"/>
+                    <a:ext cx="93042" cy="148938"/>
+                    <a:chOff x="988332" y="1820177"/>
+                    <a:chExt cx="93042" cy="148938"/>
+                  </a:xfrm>
+                  <a:grpFill/>
+                </p:grpSpPr>
+                <p:sp>
+                  <p:nvSpPr>
+                    <p:cNvPr id="168" name="Oval 167">
+                      <a:extLst>
+                        <a:ext uri="{FF2B5EF4-FFF2-40B4-BE49-F238E27FC236}">
+                          <a16:creationId xmlns:a16="http://schemas.microsoft.com/office/drawing/2014/main" id="{697CFF53-A8B4-43E4-8C41-30B1AEA93B64}"/>
+                        </a:ext>
+                      </a:extLst>
+                    </p:cNvPr>
+                    <p:cNvSpPr/>
+                    <p:nvPr/>
+                  </p:nvSpPr>
+                  <p:spPr>
+                    <a:xfrm flipV="1">
+                      <a:off x="1001118" y="1906242"/>
+                      <a:ext cx="31014" cy="29509"/>
+                    </a:xfrm>
+                    <a:prstGeom prst="ellipse">
+                      <a:avLst/>
+                    </a:prstGeom>
+                    <a:grpFill/>
+                    <a:ln>
+                      <a:noFill/>
+                    </a:ln>
+                  </p:spPr>
+                  <p:style>
+                    <a:lnRef idx="2">
+                      <a:schemeClr val="accent1">
+                        <a:shade val="50000"/>
+                      </a:schemeClr>
+                    </a:lnRef>
+                    <a:fillRef idx="1">
+                      <a:schemeClr val="accent1"/>
+                    </a:fillRef>
+                    <a:effectRef idx="0">
+                      <a:schemeClr val="accent1"/>
+                    </a:effectRef>
+                    <a:fontRef idx="minor">
+                      <a:schemeClr val="lt1"/>
+                    </a:fontRef>
+                  </p:style>
+                  <p:txBody>
+                    <a:bodyPr rtlCol="0" anchor="ctr"/>
+                    <a:lstStyle/>
+                    <a:p>
+                      <a:pPr algn="ctr"/>
+                      <a:endParaRPr lang="en-US"/>
+                    </a:p>
+                  </p:txBody>
+                </p:sp>
+                <p:sp>
+                  <p:nvSpPr>
+                    <p:cNvPr id="169" name="Oval 168">
+                      <a:extLst>
+                        <a:ext uri="{FF2B5EF4-FFF2-40B4-BE49-F238E27FC236}">
+                          <a16:creationId xmlns:a16="http://schemas.microsoft.com/office/drawing/2014/main" id="{73A204AF-ACC5-424E-B295-392304411B13}"/>
+                        </a:ext>
+                      </a:extLst>
+                    </p:cNvPr>
+                    <p:cNvSpPr/>
+                    <p:nvPr/>
+                  </p:nvSpPr>
+                  <p:spPr>
+                    <a:xfrm flipV="1">
+                      <a:off x="1034853" y="1939606"/>
+                      <a:ext cx="31014" cy="29509"/>
+                    </a:xfrm>
+                    <a:prstGeom prst="ellipse">
+                      <a:avLst/>
+                    </a:prstGeom>
+                    <a:grpFill/>
+                    <a:ln>
+                      <a:noFill/>
+                    </a:ln>
+                  </p:spPr>
+                  <p:style>
+                    <a:lnRef idx="2">
+                      <a:schemeClr val="accent1">
+                        <a:shade val="50000"/>
+                      </a:schemeClr>
+                    </a:lnRef>
+                    <a:fillRef idx="1">
+                      <a:schemeClr val="accent1"/>
+                    </a:fillRef>
+                    <a:effectRef idx="0">
+                      <a:schemeClr val="accent1"/>
+                    </a:effectRef>
+                    <a:fontRef idx="minor">
+                      <a:schemeClr val="lt1"/>
+                    </a:fontRef>
+                  </p:style>
+                  <p:txBody>
+                    <a:bodyPr rtlCol="0" anchor="ctr"/>
+                    <a:lstStyle/>
+                    <a:p>
+                      <a:pPr algn="ctr"/>
+                      <a:endParaRPr lang="en-US"/>
+                    </a:p>
+                  </p:txBody>
+                </p:sp>
+                <p:sp>
+                  <p:nvSpPr>
+                    <p:cNvPr id="170" name="Oval 169">
+                      <a:extLst>
+                        <a:ext uri="{FF2B5EF4-FFF2-40B4-BE49-F238E27FC236}">
+                          <a16:creationId xmlns:a16="http://schemas.microsoft.com/office/drawing/2014/main" id="{0559EA9C-6DD5-44B2-AF78-DC7F5CEA4A10}"/>
+                        </a:ext>
+                      </a:extLst>
+                    </p:cNvPr>
+                    <p:cNvSpPr/>
+                    <p:nvPr/>
+                  </p:nvSpPr>
+                  <p:spPr>
+                    <a:xfrm flipV="1">
+                      <a:off x="1050360" y="1901184"/>
+                      <a:ext cx="31014" cy="29509"/>
+                    </a:xfrm>
+                    <a:prstGeom prst="ellipse">
+                      <a:avLst/>
+                    </a:prstGeom>
+                    <a:grpFill/>
+                    <a:ln>
+                      <a:noFill/>
+                    </a:ln>
+                  </p:spPr>
+                  <p:style>
+                    <a:lnRef idx="2">
+                      <a:schemeClr val="accent1">
+                        <a:shade val="50000"/>
+                      </a:schemeClr>
+                    </a:lnRef>
+                    <a:fillRef idx="1">
+                      <a:schemeClr val="accent1"/>
+                    </a:fillRef>
+                    <a:effectRef idx="0">
+                      <a:schemeClr val="accent1"/>
+                    </a:effectRef>
+                    <a:fontRef idx="minor">
+                      <a:schemeClr val="lt1"/>
+                    </a:fontRef>
+                  </p:style>
+                  <p:txBody>
+                    <a:bodyPr rtlCol="0" anchor="ctr"/>
+                    <a:lstStyle/>
+                    <a:p>
+                      <a:pPr algn="ctr"/>
+                      <a:endParaRPr lang="en-US"/>
+                    </a:p>
+                  </p:txBody>
+                </p:sp>
+                <p:sp>
+                  <p:nvSpPr>
+                    <p:cNvPr id="171" name="Oval 170">
+                      <a:extLst>
+                        <a:ext uri="{FF2B5EF4-FFF2-40B4-BE49-F238E27FC236}">
+                          <a16:creationId xmlns:a16="http://schemas.microsoft.com/office/drawing/2014/main" id="{3488FCD3-0707-4268-BB05-C178BCDFCF33}"/>
+                        </a:ext>
+                      </a:extLst>
+                    </p:cNvPr>
+                    <p:cNvSpPr/>
+                    <p:nvPr/>
+                  </p:nvSpPr>
+                  <p:spPr>
+                    <a:xfrm flipV="1">
+                      <a:off x="1027100" y="1865137"/>
+                      <a:ext cx="31014" cy="29509"/>
+                    </a:xfrm>
+                    <a:prstGeom prst="ellipse">
+                      <a:avLst/>
+                    </a:prstGeom>
+                    <a:grpFill/>
+                    <a:ln>
+                      <a:noFill/>
+                    </a:ln>
+                  </p:spPr>
+                  <p:style>
+                    <a:lnRef idx="2">
+                      <a:schemeClr val="accent1">
+                        <a:shade val="50000"/>
+                      </a:schemeClr>
+                    </a:lnRef>
+                    <a:fillRef idx="1">
+                      <a:schemeClr val="accent1"/>
+                    </a:fillRef>
+                    <a:effectRef idx="0">
+                      <a:schemeClr val="accent1"/>
+                    </a:effectRef>
+                    <a:fontRef idx="minor">
+                      <a:schemeClr val="lt1"/>
+                    </a:fontRef>
+                  </p:style>
+                  <p:txBody>
+                    <a:bodyPr rtlCol="0" anchor="ctr"/>
+                    <a:lstStyle/>
+                    <a:p>
+                      <a:pPr algn="ctr"/>
+                      <a:endParaRPr lang="en-US"/>
+                    </a:p>
+                  </p:txBody>
+                </p:sp>
+                <p:sp>
+                  <p:nvSpPr>
+                    <p:cNvPr id="172" name="Oval 171">
+                      <a:extLst>
+                        <a:ext uri="{FF2B5EF4-FFF2-40B4-BE49-F238E27FC236}">
+                          <a16:creationId xmlns:a16="http://schemas.microsoft.com/office/drawing/2014/main" id="{394F0339-D79B-473F-B28A-ABBA1A0F9265}"/>
+                        </a:ext>
+                      </a:extLst>
+                    </p:cNvPr>
+                    <p:cNvSpPr/>
+                    <p:nvPr/>
+                  </p:nvSpPr>
+                  <p:spPr>
+                    <a:xfrm flipV="1">
+                      <a:off x="988332" y="1840978"/>
+                      <a:ext cx="31014" cy="29509"/>
+                    </a:xfrm>
+                    <a:prstGeom prst="ellipse">
+                      <a:avLst/>
+                    </a:prstGeom>
+                    <a:grpFill/>
+                    <a:ln>
+                      <a:noFill/>
+                    </a:ln>
+                  </p:spPr>
+                  <p:style>
+                    <a:lnRef idx="2">
+                      <a:schemeClr val="accent1">
+                        <a:shade val="50000"/>
+                      </a:schemeClr>
+                    </a:lnRef>
+                    <a:fillRef idx="1">
+                      <a:schemeClr val="accent1"/>
+                    </a:fillRef>
+                    <a:effectRef idx="0">
+                      <a:schemeClr val="accent1"/>
+                    </a:effectRef>
+                    <a:fontRef idx="minor">
+                      <a:schemeClr val="lt1"/>
+                    </a:fontRef>
+                  </p:style>
+                  <p:txBody>
+                    <a:bodyPr rtlCol="0" anchor="ctr"/>
+                    <a:lstStyle/>
+                    <a:p>
+                      <a:pPr algn="ctr"/>
+                      <a:endParaRPr lang="en-US"/>
+                    </a:p>
+                  </p:txBody>
+                </p:sp>
+                <p:sp>
+                  <p:nvSpPr>
+                    <p:cNvPr id="173" name="Oval 172">
+                      <a:extLst>
+                        <a:ext uri="{FF2B5EF4-FFF2-40B4-BE49-F238E27FC236}">
+                          <a16:creationId xmlns:a16="http://schemas.microsoft.com/office/drawing/2014/main" id="{677A2ABD-7B45-4276-ACC8-6879F6C97BC7}"/>
+                        </a:ext>
+                      </a:extLst>
+                    </p:cNvPr>
+                    <p:cNvSpPr/>
+                    <p:nvPr/>
+                  </p:nvSpPr>
+                  <p:spPr>
+                    <a:xfrm flipV="1">
+                      <a:off x="1034382" y="1820177"/>
+                      <a:ext cx="31014" cy="29509"/>
+                    </a:xfrm>
+                    <a:prstGeom prst="ellipse">
+                      <a:avLst/>
+                    </a:prstGeom>
+                    <a:grpFill/>
+                    <a:ln>
+                      <a:noFill/>
+                    </a:ln>
+                  </p:spPr>
+                  <p:style>
+                    <a:lnRef idx="2">
+                      <a:schemeClr val="accent1">
+                        <a:shade val="50000"/>
+                      </a:schemeClr>
+                    </a:lnRef>
+                    <a:fillRef idx="1">
+                      <a:schemeClr val="accent1"/>
+                    </a:fillRef>
+                    <a:effectRef idx="0">
+                      <a:schemeClr val="accent1"/>
+                    </a:effectRef>
+                    <a:fontRef idx="minor">
+                      <a:schemeClr val="lt1"/>
+                    </a:fontRef>
+                  </p:style>
+                  <p:txBody>
+                    <a:bodyPr rtlCol="0" anchor="ctr"/>
+                    <a:lstStyle/>
+                    <a:p>
+                      <a:pPr algn="ctr"/>
+                      <a:endParaRPr lang="en-US"/>
+                    </a:p>
+                  </p:txBody>
+                </p:sp>
+              </p:grpSp>
+            </p:grpSp>
+            <p:grpSp>
+              <p:nvGrpSpPr>
+                <p:cNvPr id="116" name="Group 115">
+                  <a:extLst>
+                    <a:ext uri="{FF2B5EF4-FFF2-40B4-BE49-F238E27FC236}">
+                      <a16:creationId xmlns:a16="http://schemas.microsoft.com/office/drawing/2014/main" id="{CECC08F3-3C25-4ED9-9C2A-5C352D9DDD22}"/>
+                    </a:ext>
+                  </a:extLst>
+                </p:cNvPr>
+                <p:cNvGrpSpPr/>
+                <p:nvPr/>
+              </p:nvGrpSpPr>
+              <p:grpSpPr>
+                <a:xfrm rot="12451218">
+                  <a:off x="1095996" y="2408089"/>
+                  <a:ext cx="312914" cy="370798"/>
+                  <a:chOff x="1987152" y="1570823"/>
+                  <a:chExt cx="312914" cy="370798"/>
+                </a:xfrm>
+                <a:solidFill>
+                  <a:schemeClr val="tx1"/>
+                </a:solidFill>
+              </p:grpSpPr>
+              <p:grpSp>
+                <p:nvGrpSpPr>
+                  <p:cNvPr id="142" name="Group 141">
+                    <a:extLst>
+                      <a:ext uri="{FF2B5EF4-FFF2-40B4-BE49-F238E27FC236}">
+                        <a16:creationId xmlns:a16="http://schemas.microsoft.com/office/drawing/2014/main" id="{51ACCF94-6352-402F-912A-5BA9CE0B66D3}"/>
+                      </a:ext>
+                    </a:extLst>
+                  </p:cNvPr>
+                  <p:cNvGrpSpPr/>
+                  <p:nvPr/>
+                </p:nvGrpSpPr>
+                <p:grpSpPr>
+                  <a:xfrm rot="1734796">
+                    <a:off x="1987152" y="1792683"/>
+                    <a:ext cx="93042" cy="148938"/>
+                    <a:chOff x="988332" y="1820177"/>
+                    <a:chExt cx="93042" cy="148938"/>
+                  </a:xfrm>
+                  <a:grpFill/>
+                </p:grpSpPr>
+                <p:sp>
+                  <p:nvSpPr>
+                    <p:cNvPr id="159" name="Oval 158">
+                      <a:extLst>
+                        <a:ext uri="{FF2B5EF4-FFF2-40B4-BE49-F238E27FC236}">
+                          <a16:creationId xmlns:a16="http://schemas.microsoft.com/office/drawing/2014/main" id="{C759B11B-CEA1-4908-9495-8773E2002137}"/>
+                        </a:ext>
+                      </a:extLst>
+                    </p:cNvPr>
+                    <p:cNvSpPr/>
+                    <p:nvPr/>
+                  </p:nvSpPr>
+                  <p:spPr>
+                    <a:xfrm flipV="1">
+                      <a:off x="1001118" y="1906242"/>
+                      <a:ext cx="31014" cy="29509"/>
+                    </a:xfrm>
+                    <a:prstGeom prst="ellipse">
+                      <a:avLst/>
+                    </a:prstGeom>
+                    <a:grpFill/>
+                    <a:ln>
+                      <a:noFill/>
+                    </a:ln>
+                  </p:spPr>
+                  <p:style>
+                    <a:lnRef idx="2">
+                      <a:schemeClr val="accent1">
+                        <a:shade val="50000"/>
+                      </a:schemeClr>
+                    </a:lnRef>
+                    <a:fillRef idx="1">
+                      <a:schemeClr val="accent1"/>
+                    </a:fillRef>
+                    <a:effectRef idx="0">
+                      <a:schemeClr val="accent1"/>
+                    </a:effectRef>
+                    <a:fontRef idx="minor">
+                      <a:schemeClr val="lt1"/>
+                    </a:fontRef>
+                  </p:style>
+                  <p:txBody>
+                    <a:bodyPr rtlCol="0" anchor="ctr"/>
+                    <a:lstStyle/>
+                    <a:p>
+                      <a:pPr algn="ctr"/>
+                      <a:endParaRPr lang="en-US"/>
+                    </a:p>
+                  </p:txBody>
+                </p:sp>
+                <p:sp>
+                  <p:nvSpPr>
+                    <p:cNvPr id="160" name="Oval 159">
+                      <a:extLst>
+                        <a:ext uri="{FF2B5EF4-FFF2-40B4-BE49-F238E27FC236}">
+                          <a16:creationId xmlns:a16="http://schemas.microsoft.com/office/drawing/2014/main" id="{EEE3999B-58BA-4072-A326-A800F88751F9}"/>
+                        </a:ext>
+                      </a:extLst>
+                    </p:cNvPr>
+                    <p:cNvSpPr/>
+                    <p:nvPr/>
+                  </p:nvSpPr>
+                  <p:spPr>
+                    <a:xfrm flipV="1">
+                      <a:off x="1034853" y="1939606"/>
+                      <a:ext cx="31014" cy="29509"/>
+                    </a:xfrm>
+                    <a:prstGeom prst="ellipse">
+                      <a:avLst/>
+                    </a:prstGeom>
+                    <a:grpFill/>
+                    <a:ln>
+                      <a:noFill/>
+                    </a:ln>
+                  </p:spPr>
+                  <p:style>
+                    <a:lnRef idx="2">
+                      <a:schemeClr val="accent1">
+                        <a:shade val="50000"/>
+                      </a:schemeClr>
+                    </a:lnRef>
+                    <a:fillRef idx="1">
+                      <a:schemeClr val="accent1"/>
+                    </a:fillRef>
+                    <a:effectRef idx="0">
+                      <a:schemeClr val="accent1"/>
+                    </a:effectRef>
+                    <a:fontRef idx="minor">
+                      <a:schemeClr val="lt1"/>
+                    </a:fontRef>
+                  </p:style>
+                  <p:txBody>
+                    <a:bodyPr rtlCol="0" anchor="ctr"/>
+                    <a:lstStyle/>
+                    <a:p>
+                      <a:pPr algn="ctr"/>
+                      <a:endParaRPr lang="en-US"/>
+                    </a:p>
+                  </p:txBody>
+                </p:sp>
+                <p:sp>
+                  <p:nvSpPr>
+                    <p:cNvPr id="161" name="Oval 160">
+                      <a:extLst>
+                        <a:ext uri="{FF2B5EF4-FFF2-40B4-BE49-F238E27FC236}">
+                          <a16:creationId xmlns:a16="http://schemas.microsoft.com/office/drawing/2014/main" id="{9310206B-AB1C-4463-89DD-16BFFDD514D0}"/>
+                        </a:ext>
+                      </a:extLst>
+                    </p:cNvPr>
+                    <p:cNvSpPr/>
+                    <p:nvPr/>
+                  </p:nvSpPr>
+                  <p:spPr>
+                    <a:xfrm flipV="1">
+                      <a:off x="1050360" y="1901184"/>
+                      <a:ext cx="31014" cy="29509"/>
+                    </a:xfrm>
+                    <a:prstGeom prst="ellipse">
+                      <a:avLst/>
+                    </a:prstGeom>
+                    <a:grpFill/>
+                    <a:ln>
+                      <a:noFill/>
+                    </a:ln>
+                  </p:spPr>
+                  <p:style>
+                    <a:lnRef idx="2">
+                      <a:schemeClr val="accent1">
+                        <a:shade val="50000"/>
+                      </a:schemeClr>
+                    </a:lnRef>
+                    <a:fillRef idx="1">
+                      <a:schemeClr val="accent1"/>
+                    </a:fillRef>
+                    <a:effectRef idx="0">
+                      <a:schemeClr val="accent1"/>
+                    </a:effectRef>
+                    <a:fontRef idx="minor">
+                      <a:schemeClr val="lt1"/>
+                    </a:fontRef>
+                  </p:style>
+                  <p:txBody>
+                    <a:bodyPr rtlCol="0" anchor="ctr"/>
+                    <a:lstStyle/>
+                    <a:p>
+                      <a:pPr algn="ctr"/>
+                      <a:endParaRPr lang="en-US"/>
+                    </a:p>
+                  </p:txBody>
+                </p:sp>
+                <p:sp>
+                  <p:nvSpPr>
+                    <p:cNvPr id="162" name="Oval 161">
+                      <a:extLst>
+                        <a:ext uri="{FF2B5EF4-FFF2-40B4-BE49-F238E27FC236}">
+                          <a16:creationId xmlns:a16="http://schemas.microsoft.com/office/drawing/2014/main" id="{2C757917-4A3B-427D-AF4A-698FECDD8306}"/>
+                        </a:ext>
+                      </a:extLst>
+                    </p:cNvPr>
+                    <p:cNvSpPr/>
+                    <p:nvPr/>
+                  </p:nvSpPr>
+                  <p:spPr>
+                    <a:xfrm flipV="1">
+                      <a:off x="1027100" y="1865137"/>
+                      <a:ext cx="31014" cy="29509"/>
+                    </a:xfrm>
+                    <a:prstGeom prst="ellipse">
+                      <a:avLst/>
+                    </a:prstGeom>
+                    <a:grpFill/>
+                    <a:ln>
+                      <a:noFill/>
+                    </a:ln>
+                  </p:spPr>
+                  <p:style>
+                    <a:lnRef idx="2">
+                      <a:schemeClr val="accent1">
+                        <a:shade val="50000"/>
+                      </a:schemeClr>
+                    </a:lnRef>
+                    <a:fillRef idx="1">
+                      <a:schemeClr val="accent1"/>
+                    </a:fillRef>
+                    <a:effectRef idx="0">
+                      <a:schemeClr val="accent1"/>
+                    </a:effectRef>
+                    <a:fontRef idx="minor">
+                      <a:schemeClr val="lt1"/>
+                    </a:fontRef>
+                  </p:style>
+                  <p:txBody>
+                    <a:bodyPr rtlCol="0" anchor="ctr"/>
+                    <a:lstStyle/>
+                    <a:p>
+                      <a:pPr algn="ctr"/>
+                      <a:endParaRPr lang="en-US"/>
+                    </a:p>
+                  </p:txBody>
+                </p:sp>
+                <p:sp>
+                  <p:nvSpPr>
+                    <p:cNvPr id="163" name="Oval 162">
+                      <a:extLst>
+                        <a:ext uri="{FF2B5EF4-FFF2-40B4-BE49-F238E27FC236}">
+                          <a16:creationId xmlns:a16="http://schemas.microsoft.com/office/drawing/2014/main" id="{EE072A35-68F6-4878-8191-FDAE9C519B40}"/>
+                        </a:ext>
+                      </a:extLst>
+                    </p:cNvPr>
+                    <p:cNvSpPr/>
+                    <p:nvPr/>
+                  </p:nvSpPr>
+                  <p:spPr>
+                    <a:xfrm flipV="1">
+                      <a:off x="988332" y="1840978"/>
+                      <a:ext cx="31014" cy="29509"/>
+                    </a:xfrm>
+                    <a:prstGeom prst="ellipse">
+                      <a:avLst/>
+                    </a:prstGeom>
+                    <a:grpFill/>
+                    <a:ln>
+                      <a:noFill/>
+                    </a:ln>
+                  </p:spPr>
+                  <p:style>
+                    <a:lnRef idx="2">
+                      <a:schemeClr val="accent1">
+                        <a:shade val="50000"/>
+                      </a:schemeClr>
+                    </a:lnRef>
+                    <a:fillRef idx="1">
+                      <a:schemeClr val="accent1"/>
+                    </a:fillRef>
+                    <a:effectRef idx="0">
+                      <a:schemeClr val="accent1"/>
+                    </a:effectRef>
+                    <a:fontRef idx="minor">
+                      <a:schemeClr val="lt1"/>
+                    </a:fontRef>
+                  </p:style>
+                  <p:txBody>
+                    <a:bodyPr rtlCol="0" anchor="ctr"/>
+                    <a:lstStyle/>
+                    <a:p>
+                      <a:pPr algn="ctr"/>
+                      <a:endParaRPr lang="en-US"/>
+                    </a:p>
+                  </p:txBody>
+                </p:sp>
+                <p:sp>
+                  <p:nvSpPr>
+                    <p:cNvPr id="164" name="Oval 163">
+                      <a:extLst>
+                        <a:ext uri="{FF2B5EF4-FFF2-40B4-BE49-F238E27FC236}">
+                          <a16:creationId xmlns:a16="http://schemas.microsoft.com/office/drawing/2014/main" id="{AF468335-0BA3-437B-BE96-E4D8CAD55712}"/>
+                        </a:ext>
+                      </a:extLst>
+                    </p:cNvPr>
+                    <p:cNvSpPr/>
+                    <p:nvPr/>
+                  </p:nvSpPr>
+                  <p:spPr>
+                    <a:xfrm flipV="1">
+                      <a:off x="1034382" y="1820177"/>
+                      <a:ext cx="31014" cy="29509"/>
+                    </a:xfrm>
+                    <a:prstGeom prst="ellipse">
+                      <a:avLst/>
+                    </a:prstGeom>
+                    <a:grpFill/>
+                    <a:ln>
+                      <a:noFill/>
+                    </a:ln>
+                  </p:spPr>
+                  <p:style>
+                    <a:lnRef idx="2">
+                      <a:schemeClr val="accent1">
+                        <a:shade val="50000"/>
+                      </a:schemeClr>
+                    </a:lnRef>
+                    <a:fillRef idx="1">
+                      <a:schemeClr val="accent1"/>
+                    </a:fillRef>
+                    <a:effectRef idx="0">
+                      <a:schemeClr val="accent1"/>
+                    </a:effectRef>
+                    <a:fontRef idx="minor">
+                      <a:schemeClr val="lt1"/>
+                    </a:fontRef>
+                  </p:style>
+                  <p:txBody>
+                    <a:bodyPr rtlCol="0" anchor="ctr"/>
+                    <a:lstStyle/>
+                    <a:p>
+                      <a:pPr algn="ctr"/>
+                      <a:endParaRPr lang="en-US"/>
+                    </a:p>
+                  </p:txBody>
+                </p:sp>
+              </p:grpSp>
+              <p:grpSp>
+                <p:nvGrpSpPr>
+                  <p:cNvPr id="143" name="Group 142">
+                    <a:extLst>
+                      <a:ext uri="{FF2B5EF4-FFF2-40B4-BE49-F238E27FC236}">
+                        <a16:creationId xmlns:a16="http://schemas.microsoft.com/office/drawing/2014/main" id="{E94564CF-6B10-4F09-A02F-410D83C84687}"/>
+                      </a:ext>
+                    </a:extLst>
+                  </p:cNvPr>
+                  <p:cNvGrpSpPr/>
+                  <p:nvPr/>
+                </p:nvGrpSpPr>
+                <p:grpSpPr>
+                  <a:xfrm rot="14275821">
+                    <a:off x="2047882" y="1658479"/>
+                    <a:ext cx="131339" cy="148938"/>
+                    <a:chOff x="972825" y="1820177"/>
+                    <a:chExt cx="131339" cy="148938"/>
+                  </a:xfrm>
+                  <a:grpFill/>
+                </p:grpSpPr>
+                <p:sp>
+                  <p:nvSpPr>
+                    <p:cNvPr id="151" name="Oval 150">
+                      <a:extLst>
+                        <a:ext uri="{FF2B5EF4-FFF2-40B4-BE49-F238E27FC236}">
+                          <a16:creationId xmlns:a16="http://schemas.microsoft.com/office/drawing/2014/main" id="{B31D6C44-7CE9-4134-8F35-BCAD803F0313}"/>
+                        </a:ext>
+                      </a:extLst>
+                    </p:cNvPr>
+                    <p:cNvSpPr/>
+                    <p:nvPr/>
+                  </p:nvSpPr>
+                  <p:spPr>
+                    <a:xfrm flipV="1">
+                      <a:off x="1001118" y="1906242"/>
+                      <a:ext cx="31014" cy="29509"/>
+                    </a:xfrm>
+                    <a:prstGeom prst="ellipse">
+                      <a:avLst/>
+                    </a:prstGeom>
+                    <a:grpFill/>
+                    <a:ln>
+                      <a:noFill/>
+                    </a:ln>
+                  </p:spPr>
+                  <p:style>
+                    <a:lnRef idx="2">
+                      <a:schemeClr val="accent1">
+                        <a:shade val="50000"/>
+                      </a:schemeClr>
+                    </a:lnRef>
+                    <a:fillRef idx="1">
+                      <a:schemeClr val="accent1"/>
+                    </a:fillRef>
+                    <a:effectRef idx="0">
+                      <a:schemeClr val="accent1"/>
+                    </a:effectRef>
+                    <a:fontRef idx="minor">
+                      <a:schemeClr val="lt1"/>
+                    </a:fontRef>
+                  </p:style>
+                  <p:txBody>
+                    <a:bodyPr rtlCol="0" anchor="ctr"/>
+                    <a:lstStyle/>
+                    <a:p>
+                      <a:pPr algn="ctr"/>
+                      <a:endParaRPr lang="en-US"/>
+                    </a:p>
+                  </p:txBody>
+                </p:sp>
+                <p:sp>
+                  <p:nvSpPr>
+                    <p:cNvPr id="152" name="Oval 151">
+                      <a:extLst>
+                        <a:ext uri="{FF2B5EF4-FFF2-40B4-BE49-F238E27FC236}">
+                          <a16:creationId xmlns:a16="http://schemas.microsoft.com/office/drawing/2014/main" id="{D5B11E86-D0C6-4BED-8715-67C6D8130E32}"/>
+                        </a:ext>
+                      </a:extLst>
+                    </p:cNvPr>
+                    <p:cNvSpPr/>
+                    <p:nvPr/>
+                  </p:nvSpPr>
+                  <p:spPr>
+                    <a:xfrm flipV="1">
+                      <a:off x="1034853" y="1939606"/>
+                      <a:ext cx="31014" cy="29509"/>
+                    </a:xfrm>
+                    <a:prstGeom prst="ellipse">
+                      <a:avLst/>
+                    </a:prstGeom>
+                    <a:grpFill/>
+                    <a:ln>
+                      <a:noFill/>
+                    </a:ln>
+                  </p:spPr>
+                  <p:style>
+                    <a:lnRef idx="2">
+                      <a:schemeClr val="accent1">
+                        <a:shade val="50000"/>
+                      </a:schemeClr>
+                    </a:lnRef>
+                    <a:fillRef idx="1">
+                      <a:schemeClr val="accent1"/>
+                    </a:fillRef>
+                    <a:effectRef idx="0">
+                      <a:schemeClr val="accent1"/>
+                    </a:effectRef>
+                    <a:fontRef idx="minor">
+                      <a:schemeClr val="lt1"/>
+                    </a:fontRef>
+                  </p:style>
+                  <p:txBody>
+                    <a:bodyPr rtlCol="0" anchor="ctr"/>
+                    <a:lstStyle/>
+                    <a:p>
+                      <a:pPr algn="ctr"/>
+                      <a:endParaRPr lang="en-US"/>
+                    </a:p>
+                  </p:txBody>
+                </p:sp>
+                <p:sp>
+                  <p:nvSpPr>
+                    <p:cNvPr id="153" name="Oval 152">
+                      <a:extLst>
+                        <a:ext uri="{FF2B5EF4-FFF2-40B4-BE49-F238E27FC236}">
+                          <a16:creationId xmlns:a16="http://schemas.microsoft.com/office/drawing/2014/main" id="{05CE2A6F-68D4-408F-8221-064930C74BD3}"/>
+                        </a:ext>
+                      </a:extLst>
+                    </p:cNvPr>
+                    <p:cNvSpPr/>
+                    <p:nvPr/>
+                  </p:nvSpPr>
+                  <p:spPr>
+                    <a:xfrm flipV="1">
+                      <a:off x="972825" y="1871675"/>
+                      <a:ext cx="31014" cy="29509"/>
+                    </a:xfrm>
+                    <a:prstGeom prst="ellipse">
+                      <a:avLst/>
+                    </a:prstGeom>
+                    <a:grpFill/>
+                    <a:ln>
+                      <a:noFill/>
+                    </a:ln>
+                  </p:spPr>
+                  <p:style>
+                    <a:lnRef idx="2">
+                      <a:schemeClr val="accent1">
+                        <a:shade val="50000"/>
+                      </a:schemeClr>
+                    </a:lnRef>
+                    <a:fillRef idx="1">
+                      <a:schemeClr val="accent1"/>
+                    </a:fillRef>
+                    <a:effectRef idx="0">
+                      <a:schemeClr val="accent1"/>
+                    </a:effectRef>
+                    <a:fontRef idx="minor">
+                      <a:schemeClr val="lt1"/>
+                    </a:fontRef>
+                  </p:style>
+                  <p:txBody>
+                    <a:bodyPr rtlCol="0" anchor="ctr"/>
+                    <a:lstStyle/>
+                    <a:p>
+                      <a:pPr algn="ctr"/>
+                      <a:endParaRPr lang="en-US"/>
+                    </a:p>
+                  </p:txBody>
+                </p:sp>
+                <p:sp>
+                  <p:nvSpPr>
+                    <p:cNvPr id="154" name="Oval 153">
+                      <a:extLst>
+                        <a:ext uri="{FF2B5EF4-FFF2-40B4-BE49-F238E27FC236}">
+                          <a16:creationId xmlns:a16="http://schemas.microsoft.com/office/drawing/2014/main" id="{9ADDFBF3-6E9D-49CA-84F9-FDEEB9CADE32}"/>
+                        </a:ext>
+                      </a:extLst>
+                    </p:cNvPr>
+                    <p:cNvSpPr/>
+                    <p:nvPr/>
+                  </p:nvSpPr>
+                  <p:spPr>
+                    <a:xfrm flipV="1">
+                      <a:off x="1050360" y="1901184"/>
+                      <a:ext cx="31014" cy="29509"/>
+                    </a:xfrm>
+                    <a:prstGeom prst="ellipse">
+                      <a:avLst/>
+                    </a:prstGeom>
+                    <a:grpFill/>
+                    <a:ln>
+                      <a:noFill/>
+                    </a:ln>
+                  </p:spPr>
+                  <p:style>
+                    <a:lnRef idx="2">
+                      <a:schemeClr val="accent1">
+                        <a:shade val="50000"/>
+                      </a:schemeClr>
+                    </a:lnRef>
+                    <a:fillRef idx="1">
+                      <a:schemeClr val="accent1"/>
+                    </a:fillRef>
+                    <a:effectRef idx="0">
+                      <a:schemeClr val="accent1"/>
+                    </a:effectRef>
+                    <a:fontRef idx="minor">
+                      <a:schemeClr val="lt1"/>
+                    </a:fontRef>
+                  </p:style>
+                  <p:txBody>
+                    <a:bodyPr rtlCol="0" anchor="ctr"/>
+                    <a:lstStyle/>
+                    <a:p>
+                      <a:pPr algn="ctr"/>
+                      <a:endParaRPr lang="en-US"/>
+                    </a:p>
+                  </p:txBody>
+                </p:sp>
+                <p:sp>
+                  <p:nvSpPr>
+                    <p:cNvPr id="155" name="Oval 154">
+                      <a:extLst>
+                        <a:ext uri="{FF2B5EF4-FFF2-40B4-BE49-F238E27FC236}">
+                          <a16:creationId xmlns:a16="http://schemas.microsoft.com/office/drawing/2014/main" id="{BDDFD624-3C4C-412B-B64B-F9E7AE4C3585}"/>
+                        </a:ext>
+                      </a:extLst>
+                    </p:cNvPr>
+                    <p:cNvSpPr/>
+                    <p:nvPr/>
+                  </p:nvSpPr>
+                  <p:spPr>
+                    <a:xfrm flipV="1">
+                      <a:off x="1027100" y="1865137"/>
+                      <a:ext cx="31014" cy="29509"/>
+                    </a:xfrm>
+                    <a:prstGeom prst="ellipse">
+                      <a:avLst/>
+                    </a:prstGeom>
+                    <a:grpFill/>
+                    <a:ln>
+                      <a:noFill/>
+                    </a:ln>
+                  </p:spPr>
+                  <p:style>
+                    <a:lnRef idx="2">
+                      <a:schemeClr val="accent1">
+                        <a:shade val="50000"/>
+                      </a:schemeClr>
+                    </a:lnRef>
+                    <a:fillRef idx="1">
+                      <a:schemeClr val="accent1"/>
+                    </a:fillRef>
+                    <a:effectRef idx="0">
+                      <a:schemeClr val="accent1"/>
+                    </a:effectRef>
+                    <a:fontRef idx="minor">
+                      <a:schemeClr val="lt1"/>
+                    </a:fontRef>
+                  </p:style>
+                  <p:txBody>
+                    <a:bodyPr rtlCol="0" anchor="ctr"/>
+                    <a:lstStyle/>
+                    <a:p>
+                      <a:pPr algn="ctr"/>
+                      <a:endParaRPr lang="en-US"/>
+                    </a:p>
+                  </p:txBody>
+                </p:sp>
+                <p:sp>
+                  <p:nvSpPr>
+                    <p:cNvPr id="156" name="Oval 155">
+                      <a:extLst>
+                        <a:ext uri="{FF2B5EF4-FFF2-40B4-BE49-F238E27FC236}">
+                          <a16:creationId xmlns:a16="http://schemas.microsoft.com/office/drawing/2014/main" id="{FDEC7323-0E06-48FA-99A2-7E1A6AFE7028}"/>
+                        </a:ext>
+                      </a:extLst>
+                    </p:cNvPr>
+                    <p:cNvSpPr/>
+                    <p:nvPr/>
+                  </p:nvSpPr>
+                  <p:spPr>
+                    <a:xfrm flipV="1">
+                      <a:off x="1073150" y="1847661"/>
+                      <a:ext cx="31014" cy="29509"/>
+                    </a:xfrm>
+                    <a:prstGeom prst="ellipse">
+                      <a:avLst/>
+                    </a:prstGeom>
+                    <a:grpFill/>
+                    <a:ln>
+                      <a:noFill/>
+                    </a:ln>
+                  </p:spPr>
+                  <p:style>
+                    <a:lnRef idx="2">
+                      <a:schemeClr val="accent1">
+                        <a:shade val="50000"/>
+                      </a:schemeClr>
+                    </a:lnRef>
+                    <a:fillRef idx="1">
+                      <a:schemeClr val="accent1"/>
+                    </a:fillRef>
+                    <a:effectRef idx="0">
+                      <a:schemeClr val="accent1"/>
+                    </a:effectRef>
+                    <a:fontRef idx="minor">
+                      <a:schemeClr val="lt1"/>
+                    </a:fontRef>
+                  </p:style>
+                  <p:txBody>
+                    <a:bodyPr rtlCol="0" anchor="ctr"/>
+                    <a:lstStyle/>
+                    <a:p>
+                      <a:pPr algn="ctr"/>
+                      <a:endParaRPr lang="en-US"/>
+                    </a:p>
+                  </p:txBody>
+                </p:sp>
+                <p:sp>
+                  <p:nvSpPr>
+                    <p:cNvPr id="157" name="Oval 156">
+                      <a:extLst>
+                        <a:ext uri="{FF2B5EF4-FFF2-40B4-BE49-F238E27FC236}">
+                          <a16:creationId xmlns:a16="http://schemas.microsoft.com/office/drawing/2014/main" id="{A96A0118-F107-4818-B6EC-28C68287B3C1}"/>
+                        </a:ext>
+                      </a:extLst>
+                    </p:cNvPr>
+                    <p:cNvSpPr/>
+                    <p:nvPr/>
+                  </p:nvSpPr>
+                  <p:spPr>
+                    <a:xfrm flipV="1">
+                      <a:off x="988332" y="1840978"/>
+                      <a:ext cx="31014" cy="29509"/>
+                    </a:xfrm>
+                    <a:prstGeom prst="ellipse">
+                      <a:avLst/>
+                    </a:prstGeom>
+                    <a:grpFill/>
+                    <a:ln>
+                      <a:noFill/>
+                    </a:ln>
+                  </p:spPr>
+                  <p:style>
+                    <a:lnRef idx="2">
+                      <a:schemeClr val="accent1">
+                        <a:shade val="50000"/>
+                      </a:schemeClr>
+                    </a:lnRef>
+                    <a:fillRef idx="1">
+                      <a:schemeClr val="accent1"/>
+                    </a:fillRef>
+                    <a:effectRef idx="0">
+                      <a:schemeClr val="accent1"/>
+                    </a:effectRef>
+                    <a:fontRef idx="minor">
+                      <a:schemeClr val="lt1"/>
+                    </a:fontRef>
+                  </p:style>
+                  <p:txBody>
+                    <a:bodyPr rtlCol="0" anchor="ctr"/>
+                    <a:lstStyle/>
+                    <a:p>
+                      <a:pPr algn="ctr"/>
+                      <a:endParaRPr lang="en-US"/>
+                    </a:p>
+                  </p:txBody>
+                </p:sp>
+                <p:sp>
+                  <p:nvSpPr>
+                    <p:cNvPr id="158" name="Oval 157">
+                      <a:extLst>
+                        <a:ext uri="{FF2B5EF4-FFF2-40B4-BE49-F238E27FC236}">
+                          <a16:creationId xmlns:a16="http://schemas.microsoft.com/office/drawing/2014/main" id="{B0165AC6-E891-4BCE-9E7B-D4ADAF3F79C6}"/>
+                        </a:ext>
+                      </a:extLst>
+                    </p:cNvPr>
+                    <p:cNvSpPr/>
+                    <p:nvPr/>
+                  </p:nvSpPr>
+                  <p:spPr>
+                    <a:xfrm flipV="1">
+                      <a:off x="1034382" y="1820177"/>
+                      <a:ext cx="31014" cy="29509"/>
+                    </a:xfrm>
+                    <a:prstGeom prst="ellipse">
+                      <a:avLst/>
+                    </a:prstGeom>
+                    <a:grpFill/>
+                    <a:ln>
+                      <a:noFill/>
+                    </a:ln>
+                  </p:spPr>
+                  <p:style>
+                    <a:lnRef idx="2">
+                      <a:schemeClr val="accent1">
+                        <a:shade val="50000"/>
+                      </a:schemeClr>
+                    </a:lnRef>
+                    <a:fillRef idx="1">
+                      <a:schemeClr val="accent1"/>
+                    </a:fillRef>
+                    <a:effectRef idx="0">
+                      <a:schemeClr val="accent1"/>
+                    </a:effectRef>
+                    <a:fontRef idx="minor">
+                      <a:schemeClr val="lt1"/>
+                    </a:fontRef>
+                  </p:style>
+                  <p:txBody>
+                    <a:bodyPr rtlCol="0" anchor="ctr"/>
+                    <a:lstStyle/>
+                    <a:p>
+                      <a:pPr algn="ctr"/>
+                      <a:endParaRPr lang="en-US"/>
+                    </a:p>
+                  </p:txBody>
+                </p:sp>
+              </p:grpSp>
+              <p:grpSp>
+                <p:nvGrpSpPr>
+                  <p:cNvPr id="144" name="Group 143">
+                    <a:extLst>
+                      <a:ext uri="{FF2B5EF4-FFF2-40B4-BE49-F238E27FC236}">
+                        <a16:creationId xmlns:a16="http://schemas.microsoft.com/office/drawing/2014/main" id="{33B97CD5-2DFA-4ED7-B559-7FFE2FA428FD}"/>
+                      </a:ext>
+                    </a:extLst>
+                  </p:cNvPr>
+                  <p:cNvGrpSpPr/>
+                  <p:nvPr/>
+                </p:nvGrpSpPr>
+                <p:grpSpPr>
+                  <a:xfrm rot="3407543">
+                    <a:off x="2179076" y="1542875"/>
+                    <a:ext cx="93042" cy="148938"/>
+                    <a:chOff x="988332" y="1820177"/>
+                    <a:chExt cx="93042" cy="148938"/>
+                  </a:xfrm>
+                  <a:grpFill/>
+                </p:grpSpPr>
+                <p:sp>
+                  <p:nvSpPr>
+                    <p:cNvPr id="145" name="Oval 144">
+                      <a:extLst>
+                        <a:ext uri="{FF2B5EF4-FFF2-40B4-BE49-F238E27FC236}">
+                          <a16:creationId xmlns:a16="http://schemas.microsoft.com/office/drawing/2014/main" id="{4D5681C1-DECE-4110-8B6C-6608BA26558E}"/>
+                        </a:ext>
+                      </a:extLst>
+                    </p:cNvPr>
+                    <p:cNvSpPr/>
+                    <p:nvPr/>
+                  </p:nvSpPr>
+                  <p:spPr>
+                    <a:xfrm flipV="1">
+                      <a:off x="1001118" y="1906242"/>
+                      <a:ext cx="31014" cy="29509"/>
+                    </a:xfrm>
+                    <a:prstGeom prst="ellipse">
+                      <a:avLst/>
+                    </a:prstGeom>
+                    <a:grpFill/>
+                    <a:ln>
+                      <a:noFill/>
+                    </a:ln>
+                  </p:spPr>
+                  <p:style>
+                    <a:lnRef idx="2">
+                      <a:schemeClr val="accent1">
+                        <a:shade val="50000"/>
+                      </a:schemeClr>
+                    </a:lnRef>
+                    <a:fillRef idx="1">
+                      <a:schemeClr val="accent1"/>
+                    </a:fillRef>
+                    <a:effectRef idx="0">
+                      <a:schemeClr val="accent1"/>
+                    </a:effectRef>
+                    <a:fontRef idx="minor">
+                      <a:schemeClr val="lt1"/>
+                    </a:fontRef>
+                  </p:style>
+                  <p:txBody>
+                    <a:bodyPr rtlCol="0" anchor="ctr"/>
+                    <a:lstStyle/>
+                    <a:p>
+                      <a:pPr algn="ctr"/>
+                      <a:endParaRPr lang="en-US"/>
+                    </a:p>
+                  </p:txBody>
+                </p:sp>
+                <p:sp>
+                  <p:nvSpPr>
+                    <p:cNvPr id="146" name="Oval 145">
+                      <a:extLst>
+                        <a:ext uri="{FF2B5EF4-FFF2-40B4-BE49-F238E27FC236}">
+                          <a16:creationId xmlns:a16="http://schemas.microsoft.com/office/drawing/2014/main" id="{9A1487F4-2F37-43A2-A6DD-A28B7FCF36B5}"/>
+                        </a:ext>
+                      </a:extLst>
+                    </p:cNvPr>
+                    <p:cNvSpPr/>
+                    <p:nvPr/>
+                  </p:nvSpPr>
+                  <p:spPr>
+                    <a:xfrm flipV="1">
+                      <a:off x="1034853" y="1939606"/>
+                      <a:ext cx="31014" cy="29509"/>
+                    </a:xfrm>
+                    <a:prstGeom prst="ellipse">
+                      <a:avLst/>
+                    </a:prstGeom>
+                    <a:grpFill/>
+                    <a:ln>
+                      <a:noFill/>
+                    </a:ln>
+                  </p:spPr>
+                  <p:style>
+                    <a:lnRef idx="2">
+                      <a:schemeClr val="accent1">
+                        <a:shade val="50000"/>
+                      </a:schemeClr>
+                    </a:lnRef>
+                    <a:fillRef idx="1">
+                      <a:schemeClr val="accent1"/>
+                    </a:fillRef>
+                    <a:effectRef idx="0">
+                      <a:schemeClr val="accent1"/>
+                    </a:effectRef>
+                    <a:fontRef idx="minor">
+                      <a:schemeClr val="lt1"/>
+                    </a:fontRef>
+                  </p:style>
+                  <p:txBody>
+                    <a:bodyPr rtlCol="0" anchor="ctr"/>
+                    <a:lstStyle/>
+                    <a:p>
+                      <a:pPr algn="ctr"/>
+                      <a:endParaRPr lang="en-US"/>
+                    </a:p>
+                  </p:txBody>
+                </p:sp>
+                <p:sp>
+                  <p:nvSpPr>
+                    <p:cNvPr id="147" name="Oval 146">
+                      <a:extLst>
+                        <a:ext uri="{FF2B5EF4-FFF2-40B4-BE49-F238E27FC236}">
+                          <a16:creationId xmlns:a16="http://schemas.microsoft.com/office/drawing/2014/main" id="{C6F4D60A-D95B-452B-8A87-0F1510F3DCBE}"/>
+                        </a:ext>
+                      </a:extLst>
+                    </p:cNvPr>
+                    <p:cNvSpPr/>
+                    <p:nvPr/>
+                  </p:nvSpPr>
+                  <p:spPr>
+                    <a:xfrm flipV="1">
+                      <a:off x="1050360" y="1901184"/>
+                      <a:ext cx="31014" cy="29509"/>
+                    </a:xfrm>
+                    <a:prstGeom prst="ellipse">
+                      <a:avLst/>
+                    </a:prstGeom>
+                    <a:grpFill/>
+                    <a:ln>
+                      <a:noFill/>
+                    </a:ln>
+                  </p:spPr>
+                  <p:style>
+                    <a:lnRef idx="2">
+                      <a:schemeClr val="accent1">
+                        <a:shade val="50000"/>
+                      </a:schemeClr>
+                    </a:lnRef>
+                    <a:fillRef idx="1">
+                      <a:schemeClr val="accent1"/>
+                    </a:fillRef>
+                    <a:effectRef idx="0">
+                      <a:schemeClr val="accent1"/>
+                    </a:effectRef>
+                    <a:fontRef idx="minor">
+                      <a:schemeClr val="lt1"/>
+                    </a:fontRef>
+                  </p:style>
+                  <p:txBody>
+                    <a:bodyPr rtlCol="0" anchor="ctr"/>
+                    <a:lstStyle/>
+                    <a:p>
+                      <a:pPr algn="ctr"/>
+                      <a:endParaRPr lang="en-US"/>
+                    </a:p>
+                  </p:txBody>
+                </p:sp>
+                <p:sp>
+                  <p:nvSpPr>
+                    <p:cNvPr id="148" name="Oval 147">
+                      <a:extLst>
+                        <a:ext uri="{FF2B5EF4-FFF2-40B4-BE49-F238E27FC236}">
+                          <a16:creationId xmlns:a16="http://schemas.microsoft.com/office/drawing/2014/main" id="{672E3432-EF0D-4DF5-BAD0-588A4A7FD39E}"/>
+                        </a:ext>
+                      </a:extLst>
+                    </p:cNvPr>
+                    <p:cNvSpPr/>
+                    <p:nvPr/>
+                  </p:nvSpPr>
+                  <p:spPr>
+                    <a:xfrm flipV="1">
+                      <a:off x="1027100" y="1865137"/>
+                      <a:ext cx="31014" cy="29509"/>
+                    </a:xfrm>
+                    <a:prstGeom prst="ellipse">
+                      <a:avLst/>
+                    </a:prstGeom>
+                    <a:grpFill/>
+                    <a:ln>
+                      <a:noFill/>
+                    </a:ln>
+                  </p:spPr>
+                  <p:style>
+                    <a:lnRef idx="2">
+                      <a:schemeClr val="accent1">
+                        <a:shade val="50000"/>
+                      </a:schemeClr>
+                    </a:lnRef>
+                    <a:fillRef idx="1">
+                      <a:schemeClr val="accent1"/>
+                    </a:fillRef>
+                    <a:effectRef idx="0">
+                      <a:schemeClr val="accent1"/>
+                    </a:effectRef>
+                    <a:fontRef idx="minor">
+                      <a:schemeClr val="lt1"/>
+                    </a:fontRef>
+                  </p:style>
+                  <p:txBody>
+                    <a:bodyPr rtlCol="0" anchor="ctr"/>
+                    <a:lstStyle/>
+                    <a:p>
+                      <a:pPr algn="ctr"/>
+                      <a:endParaRPr lang="en-US"/>
+                    </a:p>
+                  </p:txBody>
+                </p:sp>
+                <p:sp>
+                  <p:nvSpPr>
+                    <p:cNvPr id="149" name="Oval 148">
+                      <a:extLst>
+                        <a:ext uri="{FF2B5EF4-FFF2-40B4-BE49-F238E27FC236}">
+                          <a16:creationId xmlns:a16="http://schemas.microsoft.com/office/drawing/2014/main" id="{3BE8319A-8ACA-441E-838C-F5E01DC2D92F}"/>
+                        </a:ext>
+                      </a:extLst>
+                    </p:cNvPr>
+                    <p:cNvSpPr/>
+                    <p:nvPr/>
+                  </p:nvSpPr>
+                  <p:spPr>
+                    <a:xfrm flipV="1">
+                      <a:off x="988332" y="1840978"/>
+                      <a:ext cx="31014" cy="29509"/>
+                    </a:xfrm>
+                    <a:prstGeom prst="ellipse">
+                      <a:avLst/>
+                    </a:prstGeom>
+                    <a:grpFill/>
+                    <a:ln>
+                      <a:noFill/>
+                    </a:ln>
+                  </p:spPr>
+                  <p:style>
+                    <a:lnRef idx="2">
+                      <a:schemeClr val="accent1">
+                        <a:shade val="50000"/>
+                      </a:schemeClr>
+                    </a:lnRef>
+                    <a:fillRef idx="1">
+                      <a:schemeClr val="accent1"/>
+                    </a:fillRef>
+                    <a:effectRef idx="0">
+                      <a:schemeClr val="accent1"/>
+                    </a:effectRef>
+                    <a:fontRef idx="minor">
+                      <a:schemeClr val="lt1"/>
+                    </a:fontRef>
+                  </p:style>
+                  <p:txBody>
+                    <a:bodyPr rtlCol="0" anchor="ctr"/>
+                    <a:lstStyle/>
+                    <a:p>
+                      <a:pPr algn="ctr"/>
+                      <a:endParaRPr lang="en-US"/>
+                    </a:p>
+                  </p:txBody>
+                </p:sp>
+                <p:sp>
+                  <p:nvSpPr>
+                    <p:cNvPr id="150" name="Oval 149">
+                      <a:extLst>
+                        <a:ext uri="{FF2B5EF4-FFF2-40B4-BE49-F238E27FC236}">
+                          <a16:creationId xmlns:a16="http://schemas.microsoft.com/office/drawing/2014/main" id="{1ABF5490-84E8-4EA1-B90A-6FC61EA23492}"/>
+                        </a:ext>
+                      </a:extLst>
+                    </p:cNvPr>
+                    <p:cNvSpPr/>
+                    <p:nvPr/>
+                  </p:nvSpPr>
+                  <p:spPr>
+                    <a:xfrm flipV="1">
+                      <a:off x="1034382" y="1820177"/>
+                      <a:ext cx="31014" cy="29509"/>
+                    </a:xfrm>
+                    <a:prstGeom prst="ellipse">
+                      <a:avLst/>
+                    </a:prstGeom>
+                    <a:grpFill/>
+                    <a:ln>
+                      <a:noFill/>
+                    </a:ln>
+                  </p:spPr>
+                  <p:style>
+                    <a:lnRef idx="2">
+                      <a:schemeClr val="accent1">
+                        <a:shade val="50000"/>
+                      </a:schemeClr>
+                    </a:lnRef>
+                    <a:fillRef idx="1">
+                      <a:schemeClr val="accent1"/>
+                    </a:fillRef>
+                    <a:effectRef idx="0">
+                      <a:schemeClr val="accent1"/>
+                    </a:effectRef>
+                    <a:fontRef idx="minor">
+                      <a:schemeClr val="lt1"/>
+                    </a:fontRef>
+                  </p:style>
+                  <p:txBody>
+                    <a:bodyPr rtlCol="0" anchor="ctr"/>
+                    <a:lstStyle/>
+                    <a:p>
+                      <a:pPr algn="ctr"/>
+                      <a:endParaRPr lang="en-US"/>
+                    </a:p>
+                  </p:txBody>
+                </p:sp>
+              </p:grpSp>
+            </p:grpSp>
+            <p:grpSp>
+              <p:nvGrpSpPr>
+                <p:cNvPr id="117" name="Group 116">
+                  <a:extLst>
+                    <a:ext uri="{FF2B5EF4-FFF2-40B4-BE49-F238E27FC236}">
+                      <a16:creationId xmlns:a16="http://schemas.microsoft.com/office/drawing/2014/main" id="{A01359C6-96FD-4CA1-B053-81F0943918AA}"/>
+                    </a:ext>
+                  </a:extLst>
+                </p:cNvPr>
+                <p:cNvGrpSpPr/>
+                <p:nvPr/>
+              </p:nvGrpSpPr>
+              <p:grpSpPr>
+                <a:xfrm rot="15318766">
+                  <a:off x="1049274" y="2463331"/>
+                  <a:ext cx="312914" cy="370798"/>
+                  <a:chOff x="1987152" y="1570823"/>
+                  <a:chExt cx="312914" cy="370798"/>
+                </a:xfrm>
+                <a:solidFill>
+                  <a:schemeClr val="tx1"/>
+                </a:solidFill>
+              </p:grpSpPr>
+              <p:grpSp>
+                <p:nvGrpSpPr>
+                  <p:cNvPr id="118" name="Group 117">
+                    <a:extLst>
+                      <a:ext uri="{FF2B5EF4-FFF2-40B4-BE49-F238E27FC236}">
+                        <a16:creationId xmlns:a16="http://schemas.microsoft.com/office/drawing/2014/main" id="{DAB562AB-CCE9-4EC3-BE1F-AD4949A5DD82}"/>
+                      </a:ext>
+                    </a:extLst>
+                  </p:cNvPr>
+                  <p:cNvGrpSpPr/>
+                  <p:nvPr/>
+                </p:nvGrpSpPr>
+                <p:grpSpPr>
+                  <a:xfrm rot="1734796">
+                    <a:off x="1987152" y="1792683"/>
+                    <a:ext cx="93042" cy="148938"/>
+                    <a:chOff x="988332" y="1820177"/>
+                    <a:chExt cx="93042" cy="148938"/>
+                  </a:xfrm>
+                  <a:grpFill/>
+                </p:grpSpPr>
+                <p:sp>
+                  <p:nvSpPr>
+                    <p:cNvPr id="136" name="Oval 135">
+                      <a:extLst>
+                        <a:ext uri="{FF2B5EF4-FFF2-40B4-BE49-F238E27FC236}">
+                          <a16:creationId xmlns:a16="http://schemas.microsoft.com/office/drawing/2014/main" id="{FE268D13-1D22-484E-8FA3-F626063D2A14}"/>
+                        </a:ext>
+                      </a:extLst>
+                    </p:cNvPr>
+                    <p:cNvSpPr/>
+                    <p:nvPr/>
+                  </p:nvSpPr>
+                  <p:spPr>
+                    <a:xfrm flipV="1">
+                      <a:off x="1001118" y="1906242"/>
+                      <a:ext cx="31014" cy="29509"/>
+                    </a:xfrm>
+                    <a:prstGeom prst="ellipse">
+                      <a:avLst/>
+                    </a:prstGeom>
+                    <a:grpFill/>
+                    <a:ln>
+                      <a:noFill/>
+                    </a:ln>
+                  </p:spPr>
+                  <p:style>
+                    <a:lnRef idx="2">
+                      <a:schemeClr val="accent1">
+                        <a:shade val="50000"/>
+                      </a:schemeClr>
+                    </a:lnRef>
+                    <a:fillRef idx="1">
+                      <a:schemeClr val="accent1"/>
+                    </a:fillRef>
+                    <a:effectRef idx="0">
+                      <a:schemeClr val="accent1"/>
+                    </a:effectRef>
+                    <a:fontRef idx="minor">
+                      <a:schemeClr val="lt1"/>
+                    </a:fontRef>
+                  </p:style>
+                  <p:txBody>
+                    <a:bodyPr rtlCol="0" anchor="ctr"/>
+                    <a:lstStyle/>
+                    <a:p>
+                      <a:pPr algn="ctr"/>
+                      <a:endParaRPr lang="en-US"/>
+                    </a:p>
+                  </p:txBody>
+                </p:sp>
+                <p:sp>
+                  <p:nvSpPr>
+                    <p:cNvPr id="137" name="Oval 136">
+                      <a:extLst>
+                        <a:ext uri="{FF2B5EF4-FFF2-40B4-BE49-F238E27FC236}">
+                          <a16:creationId xmlns:a16="http://schemas.microsoft.com/office/drawing/2014/main" id="{FD0FC640-26D2-4359-9B02-D424CE9E2927}"/>
+                        </a:ext>
+                      </a:extLst>
+                    </p:cNvPr>
+                    <p:cNvSpPr/>
+                    <p:nvPr/>
+                  </p:nvSpPr>
+                  <p:spPr>
+                    <a:xfrm flipV="1">
+                      <a:off x="1034853" y="1939606"/>
+                      <a:ext cx="31014" cy="29509"/>
+                    </a:xfrm>
+                    <a:prstGeom prst="ellipse">
+                      <a:avLst/>
+                    </a:prstGeom>
+                    <a:grpFill/>
+                    <a:ln>
+                      <a:noFill/>
+                    </a:ln>
+                  </p:spPr>
+                  <p:style>
+                    <a:lnRef idx="2">
+                      <a:schemeClr val="accent1">
+                        <a:shade val="50000"/>
+                      </a:schemeClr>
+                    </a:lnRef>
+                    <a:fillRef idx="1">
+                      <a:schemeClr val="accent1"/>
+                    </a:fillRef>
+                    <a:effectRef idx="0">
+                      <a:schemeClr val="accent1"/>
+                    </a:effectRef>
+                    <a:fontRef idx="minor">
+                      <a:schemeClr val="lt1"/>
+                    </a:fontRef>
+                  </p:style>
+                  <p:txBody>
+                    <a:bodyPr rtlCol="0" anchor="ctr"/>
+                    <a:lstStyle/>
+                    <a:p>
+                      <a:pPr algn="ctr"/>
+                      <a:endParaRPr lang="en-US"/>
+                    </a:p>
+                  </p:txBody>
+                </p:sp>
+                <p:sp>
+                  <p:nvSpPr>
+                    <p:cNvPr id="138" name="Oval 137">
+                      <a:extLst>
+                        <a:ext uri="{FF2B5EF4-FFF2-40B4-BE49-F238E27FC236}">
+                          <a16:creationId xmlns:a16="http://schemas.microsoft.com/office/drawing/2014/main" id="{526597A1-9A3D-44F6-8E0C-1BF309CE7F51}"/>
+                        </a:ext>
+                      </a:extLst>
+                    </p:cNvPr>
+                    <p:cNvSpPr/>
+                    <p:nvPr/>
+                  </p:nvSpPr>
+                  <p:spPr>
+                    <a:xfrm flipV="1">
+                      <a:off x="1050360" y="1901184"/>
+                      <a:ext cx="31014" cy="29509"/>
+                    </a:xfrm>
+                    <a:prstGeom prst="ellipse">
+                      <a:avLst/>
+                    </a:prstGeom>
+                    <a:grpFill/>
+                    <a:ln>
+                      <a:noFill/>
+                    </a:ln>
+                  </p:spPr>
+                  <p:style>
+                    <a:lnRef idx="2">
+                      <a:schemeClr val="accent1">
+                        <a:shade val="50000"/>
+                      </a:schemeClr>
+                    </a:lnRef>
+                    <a:fillRef idx="1">
+                      <a:schemeClr val="accent1"/>
+                    </a:fillRef>
+                    <a:effectRef idx="0">
+                      <a:schemeClr val="accent1"/>
+                    </a:effectRef>
+                    <a:fontRef idx="minor">
+                      <a:schemeClr val="lt1"/>
+                    </a:fontRef>
+                  </p:style>
+                  <p:txBody>
+                    <a:bodyPr rtlCol="0" anchor="ctr"/>
+                    <a:lstStyle/>
+                    <a:p>
+                      <a:pPr algn="ctr"/>
+                      <a:endParaRPr lang="en-US"/>
+                    </a:p>
+                  </p:txBody>
+                </p:sp>
+                <p:sp>
+                  <p:nvSpPr>
+                    <p:cNvPr id="139" name="Oval 138">
+                      <a:extLst>
+                        <a:ext uri="{FF2B5EF4-FFF2-40B4-BE49-F238E27FC236}">
+                          <a16:creationId xmlns:a16="http://schemas.microsoft.com/office/drawing/2014/main" id="{1ADF9AAD-89E8-484B-B2E7-FF055AE1499E}"/>
+                        </a:ext>
+                      </a:extLst>
+                    </p:cNvPr>
+                    <p:cNvSpPr/>
+                    <p:nvPr/>
+                  </p:nvSpPr>
+                  <p:spPr>
+                    <a:xfrm flipV="1">
+                      <a:off x="1027100" y="1865137"/>
+                      <a:ext cx="31014" cy="29509"/>
+                    </a:xfrm>
+                    <a:prstGeom prst="ellipse">
+                      <a:avLst/>
+                    </a:prstGeom>
+                    <a:grpFill/>
+                    <a:ln>
+                      <a:noFill/>
+                    </a:ln>
+                  </p:spPr>
+                  <p:style>
+                    <a:lnRef idx="2">
+                      <a:schemeClr val="accent1">
+                        <a:shade val="50000"/>
+                      </a:schemeClr>
+                    </a:lnRef>
+                    <a:fillRef idx="1">
+                      <a:schemeClr val="accent1"/>
+                    </a:fillRef>
+                    <a:effectRef idx="0">
+                      <a:schemeClr val="accent1"/>
+                    </a:effectRef>
+                    <a:fontRef idx="minor">
+                      <a:schemeClr val="lt1"/>
+                    </a:fontRef>
+                  </p:style>
+                  <p:txBody>
+                    <a:bodyPr rtlCol="0" anchor="ctr"/>
+                    <a:lstStyle/>
+                    <a:p>
+                      <a:pPr algn="ctr"/>
+                      <a:endParaRPr lang="en-US"/>
+                    </a:p>
+                  </p:txBody>
+                </p:sp>
+                <p:sp>
+                  <p:nvSpPr>
+                    <p:cNvPr id="140" name="Oval 139">
+                      <a:extLst>
+                        <a:ext uri="{FF2B5EF4-FFF2-40B4-BE49-F238E27FC236}">
+                          <a16:creationId xmlns:a16="http://schemas.microsoft.com/office/drawing/2014/main" id="{EA7D8A6E-1C58-45DD-8CAE-04FCBDF1553E}"/>
+                        </a:ext>
+                      </a:extLst>
+                    </p:cNvPr>
+                    <p:cNvSpPr/>
+                    <p:nvPr/>
+                  </p:nvSpPr>
+                  <p:spPr>
+                    <a:xfrm flipV="1">
+                      <a:off x="988332" y="1840978"/>
+                      <a:ext cx="31014" cy="29509"/>
+                    </a:xfrm>
+                    <a:prstGeom prst="ellipse">
+                      <a:avLst/>
+                    </a:prstGeom>
+                    <a:grpFill/>
+                    <a:ln>
+                      <a:noFill/>
+                    </a:ln>
+                  </p:spPr>
+                  <p:style>
+                    <a:lnRef idx="2">
+                      <a:schemeClr val="accent1">
+                        <a:shade val="50000"/>
+                      </a:schemeClr>
+                    </a:lnRef>
+                    <a:fillRef idx="1">
+                      <a:schemeClr val="accent1"/>
+                    </a:fillRef>
+                    <a:effectRef idx="0">
+                      <a:schemeClr val="accent1"/>
+                    </a:effectRef>
+                    <a:fontRef idx="minor">
+                      <a:schemeClr val="lt1"/>
+                    </a:fontRef>
+                  </p:style>
+                  <p:txBody>
+                    <a:bodyPr rtlCol="0" anchor="ctr"/>
+                    <a:lstStyle/>
+                    <a:p>
+                      <a:pPr algn="ctr"/>
+                      <a:endParaRPr lang="en-US"/>
+                    </a:p>
+                  </p:txBody>
+                </p:sp>
+                <p:sp>
+                  <p:nvSpPr>
+                    <p:cNvPr id="141" name="Oval 140">
+                      <a:extLst>
+                        <a:ext uri="{FF2B5EF4-FFF2-40B4-BE49-F238E27FC236}">
+                          <a16:creationId xmlns:a16="http://schemas.microsoft.com/office/drawing/2014/main" id="{B2D7B3C4-1FCD-472F-BAA8-5C7DC61CE86F}"/>
+                        </a:ext>
+                      </a:extLst>
+                    </p:cNvPr>
+                    <p:cNvSpPr/>
+                    <p:nvPr/>
+                  </p:nvSpPr>
+                  <p:spPr>
+                    <a:xfrm flipV="1">
+                      <a:off x="1034382" y="1820177"/>
+                      <a:ext cx="31014" cy="29509"/>
+                    </a:xfrm>
+                    <a:prstGeom prst="ellipse">
+                      <a:avLst/>
+                    </a:prstGeom>
+                    <a:grpFill/>
+                    <a:ln>
+                      <a:noFill/>
+                    </a:ln>
+                  </p:spPr>
+                  <p:style>
+                    <a:lnRef idx="2">
+                      <a:schemeClr val="accent1">
+                        <a:shade val="50000"/>
+                      </a:schemeClr>
+                    </a:lnRef>
+                    <a:fillRef idx="1">
+                      <a:schemeClr val="accent1"/>
+                    </a:fillRef>
+                    <a:effectRef idx="0">
+                      <a:schemeClr val="accent1"/>
+                    </a:effectRef>
+                    <a:fontRef idx="minor">
+                      <a:schemeClr val="lt1"/>
+                    </a:fontRef>
+                  </p:style>
+                  <p:txBody>
+                    <a:bodyPr rtlCol="0" anchor="ctr"/>
+                    <a:lstStyle/>
+                    <a:p>
+                      <a:pPr algn="ctr"/>
+                      <a:endParaRPr lang="en-US"/>
+                    </a:p>
+                  </p:txBody>
+                </p:sp>
+              </p:grpSp>
+              <p:grpSp>
+                <p:nvGrpSpPr>
+                  <p:cNvPr id="120" name="Group 119">
+                    <a:extLst>
+                      <a:ext uri="{FF2B5EF4-FFF2-40B4-BE49-F238E27FC236}">
+                        <a16:creationId xmlns:a16="http://schemas.microsoft.com/office/drawing/2014/main" id="{510C23B0-4C05-4E6E-8DE4-3C3A07AC693E}"/>
+                      </a:ext>
+                    </a:extLst>
+                  </p:cNvPr>
+                  <p:cNvGrpSpPr/>
+                  <p:nvPr/>
+                </p:nvGrpSpPr>
+                <p:grpSpPr>
+                  <a:xfrm rot="14275821">
+                    <a:off x="2047882" y="1658479"/>
+                    <a:ext cx="131339" cy="148938"/>
+                    <a:chOff x="972825" y="1820177"/>
+                    <a:chExt cx="131339" cy="148938"/>
+                  </a:xfrm>
+                  <a:grpFill/>
+                </p:grpSpPr>
+                <p:sp>
+                  <p:nvSpPr>
+                    <p:cNvPr id="128" name="Oval 127">
+                      <a:extLst>
+                        <a:ext uri="{FF2B5EF4-FFF2-40B4-BE49-F238E27FC236}">
+                          <a16:creationId xmlns:a16="http://schemas.microsoft.com/office/drawing/2014/main" id="{E999A28C-AEE9-4CF1-BF8B-6EDC244CE801}"/>
+                        </a:ext>
+                      </a:extLst>
+                    </p:cNvPr>
+                    <p:cNvSpPr/>
+                    <p:nvPr/>
+                  </p:nvSpPr>
+                  <p:spPr>
+                    <a:xfrm flipV="1">
+                      <a:off x="1001118" y="1906242"/>
+                      <a:ext cx="31014" cy="29509"/>
+                    </a:xfrm>
+                    <a:prstGeom prst="ellipse">
+                      <a:avLst/>
+                    </a:prstGeom>
+                    <a:grpFill/>
+                    <a:ln>
+                      <a:noFill/>
+                    </a:ln>
+                  </p:spPr>
+                  <p:style>
+                    <a:lnRef idx="2">
+                      <a:schemeClr val="accent1">
+                        <a:shade val="50000"/>
+                      </a:schemeClr>
+                    </a:lnRef>
+                    <a:fillRef idx="1">
+                      <a:schemeClr val="accent1"/>
+                    </a:fillRef>
+                    <a:effectRef idx="0">
+                      <a:schemeClr val="accent1"/>
+                    </a:effectRef>
+                    <a:fontRef idx="minor">
+                      <a:schemeClr val="lt1"/>
+                    </a:fontRef>
+                  </p:style>
+                  <p:txBody>
+                    <a:bodyPr rtlCol="0" anchor="ctr"/>
+                    <a:lstStyle/>
+                    <a:p>
+                      <a:pPr algn="ctr"/>
+                      <a:endParaRPr lang="en-US"/>
+                    </a:p>
+                  </p:txBody>
+                </p:sp>
+                <p:sp>
+                  <p:nvSpPr>
+                    <p:cNvPr id="129" name="Oval 128">
+                      <a:extLst>
+                        <a:ext uri="{FF2B5EF4-FFF2-40B4-BE49-F238E27FC236}">
+                          <a16:creationId xmlns:a16="http://schemas.microsoft.com/office/drawing/2014/main" id="{6ACD6B55-4AF8-403C-8D4B-7823FC831148}"/>
+                        </a:ext>
+                      </a:extLst>
+                    </p:cNvPr>
+                    <p:cNvSpPr/>
+                    <p:nvPr/>
+                  </p:nvSpPr>
+                  <p:spPr>
+                    <a:xfrm flipV="1">
+                      <a:off x="1034853" y="1939606"/>
+                      <a:ext cx="31014" cy="29509"/>
+                    </a:xfrm>
+                    <a:prstGeom prst="ellipse">
+                      <a:avLst/>
+                    </a:prstGeom>
+                    <a:grpFill/>
+                    <a:ln>
+                      <a:noFill/>
+                    </a:ln>
+                  </p:spPr>
+                  <p:style>
+                    <a:lnRef idx="2">
+                      <a:schemeClr val="accent1">
+                        <a:shade val="50000"/>
+                      </a:schemeClr>
+                    </a:lnRef>
+                    <a:fillRef idx="1">
+                      <a:schemeClr val="accent1"/>
+                    </a:fillRef>
+                    <a:effectRef idx="0">
+                      <a:schemeClr val="accent1"/>
+                    </a:effectRef>
+                    <a:fontRef idx="minor">
+                      <a:schemeClr val="lt1"/>
+                    </a:fontRef>
+                  </p:style>
+                  <p:txBody>
+                    <a:bodyPr rtlCol="0" anchor="ctr"/>
+                    <a:lstStyle/>
+                    <a:p>
+                      <a:pPr algn="ctr"/>
+                      <a:endParaRPr lang="en-US"/>
+                    </a:p>
+                  </p:txBody>
+                </p:sp>
+                <p:sp>
+                  <p:nvSpPr>
+                    <p:cNvPr id="130" name="Oval 129">
+                      <a:extLst>
+                        <a:ext uri="{FF2B5EF4-FFF2-40B4-BE49-F238E27FC236}">
+                          <a16:creationId xmlns:a16="http://schemas.microsoft.com/office/drawing/2014/main" id="{7B2062CA-BECC-46C4-BB84-93FB9AE2B0CF}"/>
+                        </a:ext>
+                      </a:extLst>
+                    </p:cNvPr>
+                    <p:cNvSpPr/>
+                    <p:nvPr/>
+                  </p:nvSpPr>
+                  <p:spPr>
+                    <a:xfrm flipV="1">
+                      <a:off x="972825" y="1871675"/>
+                      <a:ext cx="31014" cy="29509"/>
+                    </a:xfrm>
+                    <a:prstGeom prst="ellipse">
+                      <a:avLst/>
+                    </a:prstGeom>
+                    <a:grpFill/>
+                    <a:ln>
+                      <a:noFill/>
+                    </a:ln>
+                  </p:spPr>
+                  <p:style>
+                    <a:lnRef idx="2">
+                      <a:schemeClr val="accent1">
+                        <a:shade val="50000"/>
+                      </a:schemeClr>
+                    </a:lnRef>
+                    <a:fillRef idx="1">
+                      <a:schemeClr val="accent1"/>
+                    </a:fillRef>
+                    <a:effectRef idx="0">
+                      <a:schemeClr val="accent1"/>
+                    </a:effectRef>
+                    <a:fontRef idx="minor">
+                      <a:schemeClr val="lt1"/>
+                    </a:fontRef>
+                  </p:style>
+                  <p:txBody>
+                    <a:bodyPr rtlCol="0" anchor="ctr"/>
+                    <a:lstStyle/>
+                    <a:p>
+                      <a:pPr algn="ctr"/>
+                      <a:endParaRPr lang="en-US"/>
+                    </a:p>
+                  </p:txBody>
+                </p:sp>
+                <p:sp>
+                  <p:nvSpPr>
+                    <p:cNvPr id="131" name="Oval 130">
+                      <a:extLst>
+                        <a:ext uri="{FF2B5EF4-FFF2-40B4-BE49-F238E27FC236}">
+                          <a16:creationId xmlns:a16="http://schemas.microsoft.com/office/drawing/2014/main" id="{97D3E8B6-F5FB-44DE-A3D1-6903574EA07B}"/>
+                        </a:ext>
+                      </a:extLst>
+                    </p:cNvPr>
+                    <p:cNvSpPr/>
+                    <p:nvPr/>
+                  </p:nvSpPr>
+                  <p:spPr>
+                    <a:xfrm flipV="1">
+                      <a:off x="1050360" y="1901184"/>
+                      <a:ext cx="31014" cy="29509"/>
+                    </a:xfrm>
+                    <a:prstGeom prst="ellipse">
+                      <a:avLst/>
+                    </a:prstGeom>
+                    <a:grpFill/>
+                    <a:ln>
+                      <a:noFill/>
+                    </a:ln>
+                  </p:spPr>
+                  <p:style>
+                    <a:lnRef idx="2">
+                      <a:schemeClr val="accent1">
+                        <a:shade val="50000"/>
+                      </a:schemeClr>
+                    </a:lnRef>
+                    <a:fillRef idx="1">
+                      <a:schemeClr val="accent1"/>
+                    </a:fillRef>
+                    <a:effectRef idx="0">
+                      <a:schemeClr val="accent1"/>
+                    </a:effectRef>
+                    <a:fontRef idx="minor">
+                      <a:schemeClr val="lt1"/>
+                    </a:fontRef>
+                  </p:style>
+                  <p:txBody>
+                    <a:bodyPr rtlCol="0" anchor="ctr"/>
+                    <a:lstStyle/>
+                    <a:p>
+                      <a:pPr algn="ctr"/>
+                      <a:endParaRPr lang="en-US"/>
+                    </a:p>
+                  </p:txBody>
+                </p:sp>
+                <p:sp>
+                  <p:nvSpPr>
+                    <p:cNvPr id="132" name="Oval 131">
+                      <a:extLst>
+                        <a:ext uri="{FF2B5EF4-FFF2-40B4-BE49-F238E27FC236}">
+                          <a16:creationId xmlns:a16="http://schemas.microsoft.com/office/drawing/2014/main" id="{06B57FC4-3D84-48F7-ACC7-74C65E1AE9DE}"/>
+                        </a:ext>
+                      </a:extLst>
+                    </p:cNvPr>
+                    <p:cNvSpPr/>
+                    <p:nvPr/>
+                  </p:nvSpPr>
+                  <p:spPr>
+                    <a:xfrm flipV="1">
+                      <a:off x="1027100" y="1865137"/>
+                      <a:ext cx="31014" cy="29509"/>
+                    </a:xfrm>
+                    <a:prstGeom prst="ellipse">
+                      <a:avLst/>
+                    </a:prstGeom>
+                    <a:grpFill/>
+                    <a:ln>
+                      <a:noFill/>
+                    </a:ln>
+                  </p:spPr>
+                  <p:style>
+                    <a:lnRef idx="2">
+                      <a:schemeClr val="accent1">
+                        <a:shade val="50000"/>
+                      </a:schemeClr>
+                    </a:lnRef>
+                    <a:fillRef idx="1">
+                      <a:schemeClr val="accent1"/>
+                    </a:fillRef>
+                    <a:effectRef idx="0">
+                      <a:schemeClr val="accent1"/>
+                    </a:effectRef>
+                    <a:fontRef idx="minor">
+                      <a:schemeClr val="lt1"/>
+                    </a:fontRef>
+                  </p:style>
+                  <p:txBody>
+                    <a:bodyPr rtlCol="0" anchor="ctr"/>
+                    <a:lstStyle/>
+                    <a:p>
+                      <a:pPr algn="ctr"/>
+                      <a:endParaRPr lang="en-US"/>
+                    </a:p>
+                  </p:txBody>
+                </p:sp>
+                <p:sp>
+                  <p:nvSpPr>
+                    <p:cNvPr id="133" name="Oval 132">
+                      <a:extLst>
+                        <a:ext uri="{FF2B5EF4-FFF2-40B4-BE49-F238E27FC236}">
+                          <a16:creationId xmlns:a16="http://schemas.microsoft.com/office/drawing/2014/main" id="{8266E8EE-5005-4AE3-9E43-82A89F8FF081}"/>
+                        </a:ext>
+                      </a:extLst>
+                    </p:cNvPr>
+                    <p:cNvSpPr/>
+                    <p:nvPr/>
+                  </p:nvSpPr>
+                  <p:spPr>
+                    <a:xfrm flipV="1">
+                      <a:off x="1073150" y="1847661"/>
+                      <a:ext cx="31014" cy="29509"/>
+                    </a:xfrm>
+                    <a:prstGeom prst="ellipse">
+                      <a:avLst/>
+                    </a:prstGeom>
+                    <a:grpFill/>
+                    <a:ln>
+                      <a:noFill/>
+                    </a:ln>
+                  </p:spPr>
+                  <p:style>
+                    <a:lnRef idx="2">
+                      <a:schemeClr val="accent1">
+                        <a:shade val="50000"/>
+                      </a:schemeClr>
+                    </a:lnRef>
+                    <a:fillRef idx="1">
+                      <a:schemeClr val="accent1"/>
+                    </a:fillRef>
+                    <a:effectRef idx="0">
+                      <a:schemeClr val="accent1"/>
+                    </a:effectRef>
+                    <a:fontRef idx="minor">
+                      <a:schemeClr val="lt1"/>
+                    </a:fontRef>
+                  </p:style>
+                  <p:txBody>
+                    <a:bodyPr rtlCol="0" anchor="ctr"/>
+                    <a:lstStyle/>
+                    <a:p>
+                      <a:pPr algn="ctr"/>
+                      <a:endParaRPr lang="en-US"/>
+                    </a:p>
+                  </p:txBody>
+                </p:sp>
+                <p:sp>
+                  <p:nvSpPr>
+                    <p:cNvPr id="134" name="Oval 133">
+                      <a:extLst>
+                        <a:ext uri="{FF2B5EF4-FFF2-40B4-BE49-F238E27FC236}">
+                          <a16:creationId xmlns:a16="http://schemas.microsoft.com/office/drawing/2014/main" id="{052271E8-A36E-442C-B2BD-8E6A93CCCC9F}"/>
+                        </a:ext>
+                      </a:extLst>
+                    </p:cNvPr>
+                    <p:cNvSpPr/>
+                    <p:nvPr/>
+                  </p:nvSpPr>
+                  <p:spPr>
+                    <a:xfrm flipV="1">
+                      <a:off x="988332" y="1840978"/>
+                      <a:ext cx="31014" cy="29509"/>
+                    </a:xfrm>
+                    <a:prstGeom prst="ellipse">
+                      <a:avLst/>
+                    </a:prstGeom>
+                    <a:grpFill/>
+                    <a:ln>
+                      <a:noFill/>
+                    </a:ln>
+                  </p:spPr>
+                  <p:style>
+                    <a:lnRef idx="2">
+                      <a:schemeClr val="accent1">
+                        <a:shade val="50000"/>
+                      </a:schemeClr>
+                    </a:lnRef>
+                    <a:fillRef idx="1">
+                      <a:schemeClr val="accent1"/>
+                    </a:fillRef>
+                    <a:effectRef idx="0">
+                      <a:schemeClr val="accent1"/>
+                    </a:effectRef>
+                    <a:fontRef idx="minor">
+                      <a:schemeClr val="lt1"/>
+                    </a:fontRef>
+                  </p:style>
+                  <p:txBody>
+                    <a:bodyPr rtlCol="0" anchor="ctr"/>
+                    <a:lstStyle/>
+                    <a:p>
+                      <a:pPr algn="ctr"/>
+                      <a:endParaRPr lang="en-US"/>
+                    </a:p>
+                  </p:txBody>
+                </p:sp>
+                <p:sp>
+                  <p:nvSpPr>
+                    <p:cNvPr id="135" name="Oval 134">
+                      <a:extLst>
+                        <a:ext uri="{FF2B5EF4-FFF2-40B4-BE49-F238E27FC236}">
+                          <a16:creationId xmlns:a16="http://schemas.microsoft.com/office/drawing/2014/main" id="{909CC245-3B7D-43F7-8007-B1F1C904B950}"/>
+                        </a:ext>
+                      </a:extLst>
+                    </p:cNvPr>
+                    <p:cNvSpPr/>
+                    <p:nvPr/>
+                  </p:nvSpPr>
+                  <p:spPr>
+                    <a:xfrm flipV="1">
+                      <a:off x="1034382" y="1820177"/>
+                      <a:ext cx="31014" cy="29509"/>
+                    </a:xfrm>
+                    <a:prstGeom prst="ellipse">
+                      <a:avLst/>
+                    </a:prstGeom>
+                    <a:grpFill/>
+                    <a:ln>
+                      <a:noFill/>
+                    </a:ln>
+                  </p:spPr>
+                  <p:style>
+                    <a:lnRef idx="2">
+                      <a:schemeClr val="accent1">
+                        <a:shade val="50000"/>
+                      </a:schemeClr>
+                    </a:lnRef>
+                    <a:fillRef idx="1">
+                      <a:schemeClr val="accent1"/>
+                    </a:fillRef>
+                    <a:effectRef idx="0">
+                      <a:schemeClr val="accent1"/>
+                    </a:effectRef>
+                    <a:fontRef idx="minor">
+                      <a:schemeClr val="lt1"/>
+                    </a:fontRef>
+                  </p:style>
+                  <p:txBody>
+                    <a:bodyPr rtlCol="0" anchor="ctr"/>
+                    <a:lstStyle/>
+                    <a:p>
+                      <a:pPr algn="ctr"/>
+                      <a:endParaRPr lang="en-US"/>
+                    </a:p>
+                  </p:txBody>
+                </p:sp>
+              </p:grpSp>
+              <p:grpSp>
+                <p:nvGrpSpPr>
+                  <p:cNvPr id="121" name="Group 120">
+                    <a:extLst>
+                      <a:ext uri="{FF2B5EF4-FFF2-40B4-BE49-F238E27FC236}">
+                        <a16:creationId xmlns:a16="http://schemas.microsoft.com/office/drawing/2014/main" id="{513D8C5A-3FC9-4060-A983-A10046E705E6}"/>
+                      </a:ext>
+                    </a:extLst>
+                  </p:cNvPr>
+                  <p:cNvGrpSpPr/>
+                  <p:nvPr/>
+                </p:nvGrpSpPr>
+                <p:grpSpPr>
+                  <a:xfrm rot="3407543">
+                    <a:off x="2179076" y="1542875"/>
+                    <a:ext cx="93042" cy="148938"/>
+                    <a:chOff x="988332" y="1820177"/>
+                    <a:chExt cx="93042" cy="148938"/>
+                  </a:xfrm>
+                  <a:grpFill/>
+                </p:grpSpPr>
+                <p:sp>
+                  <p:nvSpPr>
+                    <p:cNvPr id="122" name="Oval 121">
+                      <a:extLst>
+                        <a:ext uri="{FF2B5EF4-FFF2-40B4-BE49-F238E27FC236}">
+                          <a16:creationId xmlns:a16="http://schemas.microsoft.com/office/drawing/2014/main" id="{B966E105-39D8-4CD9-A561-70326B39DAE2}"/>
+                        </a:ext>
+                      </a:extLst>
+                    </p:cNvPr>
+                    <p:cNvSpPr/>
+                    <p:nvPr/>
+                  </p:nvSpPr>
+                  <p:spPr>
+                    <a:xfrm flipV="1">
+                      <a:off x="1001118" y="1906242"/>
+                      <a:ext cx="31014" cy="29509"/>
+                    </a:xfrm>
+                    <a:prstGeom prst="ellipse">
+                      <a:avLst/>
+                    </a:prstGeom>
+                    <a:grpFill/>
+                    <a:ln>
+                      <a:noFill/>
+                    </a:ln>
+                  </p:spPr>
+                  <p:style>
+                    <a:lnRef idx="2">
+                      <a:schemeClr val="accent1">
+                        <a:shade val="50000"/>
+                      </a:schemeClr>
+                    </a:lnRef>
+                    <a:fillRef idx="1">
+                      <a:schemeClr val="accent1"/>
+                    </a:fillRef>
+                    <a:effectRef idx="0">
+                      <a:schemeClr val="accent1"/>
+                    </a:effectRef>
+                    <a:fontRef idx="minor">
+                      <a:schemeClr val="lt1"/>
+                    </a:fontRef>
+                  </p:style>
+                  <p:txBody>
+                    <a:bodyPr rtlCol="0" anchor="ctr"/>
+                    <a:lstStyle/>
+                    <a:p>
+                      <a:pPr algn="ctr"/>
+                      <a:endParaRPr lang="en-US"/>
+                    </a:p>
+                  </p:txBody>
+                </p:sp>
+                <p:sp>
+                  <p:nvSpPr>
+                    <p:cNvPr id="123" name="Oval 122">
+                      <a:extLst>
+                        <a:ext uri="{FF2B5EF4-FFF2-40B4-BE49-F238E27FC236}">
+                          <a16:creationId xmlns:a16="http://schemas.microsoft.com/office/drawing/2014/main" id="{71ED40E4-AE66-4D2D-875D-70773A188F73}"/>
+                        </a:ext>
+                      </a:extLst>
+                    </p:cNvPr>
+                    <p:cNvSpPr/>
+                    <p:nvPr/>
+                  </p:nvSpPr>
+                  <p:spPr>
+                    <a:xfrm flipV="1">
+                      <a:off x="1034853" y="1939606"/>
+                      <a:ext cx="31014" cy="29509"/>
+                    </a:xfrm>
+                    <a:prstGeom prst="ellipse">
+                      <a:avLst/>
+                    </a:prstGeom>
+                    <a:grpFill/>
+                    <a:ln>
+                      <a:noFill/>
+                    </a:ln>
+                  </p:spPr>
+                  <p:style>
+                    <a:lnRef idx="2">
+                      <a:schemeClr val="accent1">
+                        <a:shade val="50000"/>
+                      </a:schemeClr>
+                    </a:lnRef>
+                    <a:fillRef idx="1">
+                      <a:schemeClr val="accent1"/>
+                    </a:fillRef>
+                    <a:effectRef idx="0">
+                      <a:schemeClr val="accent1"/>
+                    </a:effectRef>
+                    <a:fontRef idx="minor">
+                      <a:schemeClr val="lt1"/>
+                    </a:fontRef>
+                  </p:style>
+                  <p:txBody>
+                    <a:bodyPr rtlCol="0" anchor="ctr"/>
+                    <a:lstStyle/>
+                    <a:p>
+                      <a:pPr algn="ctr"/>
+                      <a:endParaRPr lang="en-US"/>
+                    </a:p>
+                  </p:txBody>
+                </p:sp>
+                <p:sp>
+                  <p:nvSpPr>
+                    <p:cNvPr id="124" name="Oval 123">
+                      <a:extLst>
+                        <a:ext uri="{FF2B5EF4-FFF2-40B4-BE49-F238E27FC236}">
+                          <a16:creationId xmlns:a16="http://schemas.microsoft.com/office/drawing/2014/main" id="{D9555808-3AFE-4F12-B8C4-16E02303FD5C}"/>
+                        </a:ext>
+                      </a:extLst>
+                    </p:cNvPr>
+                    <p:cNvSpPr/>
+                    <p:nvPr/>
+                  </p:nvSpPr>
+                  <p:spPr>
+                    <a:xfrm flipV="1">
+                      <a:off x="1050360" y="1901184"/>
+                      <a:ext cx="31014" cy="29509"/>
+                    </a:xfrm>
+                    <a:prstGeom prst="ellipse">
+                      <a:avLst/>
+                    </a:prstGeom>
+                    <a:grpFill/>
+                    <a:ln>
+                      <a:noFill/>
+                    </a:ln>
+                  </p:spPr>
+                  <p:style>
+                    <a:lnRef idx="2">
+                      <a:schemeClr val="accent1">
+                        <a:shade val="50000"/>
+                      </a:schemeClr>
+                    </a:lnRef>
+                    <a:fillRef idx="1">
+                      <a:schemeClr val="accent1"/>
+                    </a:fillRef>
+                    <a:effectRef idx="0">
+                      <a:schemeClr val="accent1"/>
+                    </a:effectRef>
+                    <a:fontRef idx="minor">
+                      <a:schemeClr val="lt1"/>
+                    </a:fontRef>
+                  </p:style>
+                  <p:txBody>
+                    <a:bodyPr rtlCol="0" anchor="ctr"/>
+                    <a:lstStyle/>
+                    <a:p>
+                      <a:pPr algn="ctr"/>
+                      <a:endParaRPr lang="en-US"/>
+                    </a:p>
+                  </p:txBody>
+                </p:sp>
+                <p:sp>
+                  <p:nvSpPr>
+                    <p:cNvPr id="125" name="Oval 124">
+                      <a:extLst>
+                        <a:ext uri="{FF2B5EF4-FFF2-40B4-BE49-F238E27FC236}">
+                          <a16:creationId xmlns:a16="http://schemas.microsoft.com/office/drawing/2014/main" id="{1DDED9F8-E928-421A-B64B-118BA678B3CC}"/>
+                        </a:ext>
+                      </a:extLst>
+                    </p:cNvPr>
+                    <p:cNvSpPr/>
+                    <p:nvPr/>
+                  </p:nvSpPr>
+                  <p:spPr>
+                    <a:xfrm flipV="1">
+                      <a:off x="1027100" y="1865137"/>
+                      <a:ext cx="31014" cy="29509"/>
+                    </a:xfrm>
+                    <a:prstGeom prst="ellipse">
+                      <a:avLst/>
+                    </a:prstGeom>
+                    <a:grpFill/>
+                    <a:ln>
+                      <a:noFill/>
+                    </a:ln>
+                  </p:spPr>
+                  <p:style>
+                    <a:lnRef idx="2">
+                      <a:schemeClr val="accent1">
+                        <a:shade val="50000"/>
+                      </a:schemeClr>
+                    </a:lnRef>
+                    <a:fillRef idx="1">
+                      <a:schemeClr val="accent1"/>
+                    </a:fillRef>
+                    <a:effectRef idx="0">
+                      <a:schemeClr val="accent1"/>
+                    </a:effectRef>
+                    <a:fontRef idx="minor">
+                      <a:schemeClr val="lt1"/>
+                    </a:fontRef>
+                  </p:style>
+                  <p:txBody>
+                    <a:bodyPr rtlCol="0" anchor="ctr"/>
+                    <a:lstStyle/>
+                    <a:p>
+                      <a:pPr algn="ctr"/>
+                      <a:endParaRPr lang="en-US"/>
+                    </a:p>
+                  </p:txBody>
+                </p:sp>
+                <p:sp>
+                  <p:nvSpPr>
+                    <p:cNvPr id="126" name="Oval 125">
+                      <a:extLst>
+                        <a:ext uri="{FF2B5EF4-FFF2-40B4-BE49-F238E27FC236}">
+                          <a16:creationId xmlns:a16="http://schemas.microsoft.com/office/drawing/2014/main" id="{F0F14420-E5BF-404C-A4A3-17C1312E00B2}"/>
+                        </a:ext>
+                      </a:extLst>
+                    </p:cNvPr>
+                    <p:cNvSpPr/>
+                    <p:nvPr/>
+                  </p:nvSpPr>
+                  <p:spPr>
+                    <a:xfrm flipV="1">
+                      <a:off x="988332" y="1840978"/>
+                      <a:ext cx="31014" cy="29509"/>
+                    </a:xfrm>
+                    <a:prstGeom prst="ellipse">
+                      <a:avLst/>
+                    </a:prstGeom>
+                    <a:grpFill/>
+                    <a:ln>
+                      <a:noFill/>
+                    </a:ln>
+                  </p:spPr>
+                  <p:style>
+                    <a:lnRef idx="2">
+                      <a:schemeClr val="accent1">
+                        <a:shade val="50000"/>
+                      </a:schemeClr>
+                    </a:lnRef>
+                    <a:fillRef idx="1">
+                      <a:schemeClr val="accent1"/>
+                    </a:fillRef>
+                    <a:effectRef idx="0">
+                      <a:schemeClr val="accent1"/>
+                    </a:effectRef>
+                    <a:fontRef idx="minor">
+                      <a:schemeClr val="lt1"/>
+                    </a:fontRef>
+                  </p:style>
+                  <p:txBody>
+                    <a:bodyPr rtlCol="0" anchor="ctr"/>
+                    <a:lstStyle/>
+                    <a:p>
+                      <a:pPr algn="ctr"/>
+                      <a:endParaRPr lang="en-US"/>
+                    </a:p>
+                  </p:txBody>
+                </p:sp>
+                <p:sp>
+                  <p:nvSpPr>
+                    <p:cNvPr id="127" name="Oval 126">
+                      <a:extLst>
+                        <a:ext uri="{FF2B5EF4-FFF2-40B4-BE49-F238E27FC236}">
+                          <a16:creationId xmlns:a16="http://schemas.microsoft.com/office/drawing/2014/main" id="{996CBD08-8FDD-42B9-9095-64C943A6D58E}"/>
+                        </a:ext>
+                      </a:extLst>
+                    </p:cNvPr>
+                    <p:cNvSpPr/>
+                    <p:nvPr/>
+                  </p:nvSpPr>
+                  <p:spPr>
+                    <a:xfrm flipV="1">
+                      <a:off x="1034382" y="1820177"/>
+                      <a:ext cx="31014" cy="29509"/>
+                    </a:xfrm>
+                    <a:prstGeom prst="ellipse">
+                      <a:avLst/>
+                    </a:prstGeom>
+                    <a:grpFill/>
+                    <a:ln>
+                      <a:noFill/>
+                    </a:ln>
+                  </p:spPr>
+                  <p:style>
+                    <a:lnRef idx="2">
+                      <a:schemeClr val="accent1">
+                        <a:shade val="50000"/>
+                      </a:schemeClr>
+                    </a:lnRef>
+                    <a:fillRef idx="1">
+                      <a:schemeClr val="accent1"/>
+                    </a:fillRef>
+                    <a:effectRef idx="0">
+                      <a:schemeClr val="accent1"/>
+                    </a:effectRef>
+                    <a:fontRef idx="minor">
+                      <a:schemeClr val="lt1"/>
+                    </a:fontRef>
+                  </p:style>
+                  <p:txBody>
+                    <a:bodyPr rtlCol="0" anchor="ctr"/>
+                    <a:lstStyle/>
+                    <a:p>
+                      <a:pPr algn="ctr"/>
+                      <a:endParaRPr lang="en-US"/>
+                    </a:p>
+                  </p:txBody>
+                </p:sp>
+              </p:grpSp>
+            </p:grpSp>
+          </p:grpSp>
+          <p:cxnSp>
+            <p:nvCxnSpPr>
+              <p:cNvPr id="79" name="Straight Arrow Connector 78">
+                <a:extLst>
+                  <a:ext uri="{FF2B5EF4-FFF2-40B4-BE49-F238E27FC236}">
+                    <a16:creationId xmlns:a16="http://schemas.microsoft.com/office/drawing/2014/main" id="{DEF1A1AB-86FA-44EF-B765-AD734EC6388B}"/>
+                  </a:ext>
+                </a:extLst>
+              </p:cNvPr>
+              <p:cNvCxnSpPr>
+                <a:cxnSpLocks/>
+              </p:cNvCxnSpPr>
+              <p:nvPr/>
+            </p:nvCxnSpPr>
+            <p:spPr>
+              <a:xfrm flipV="1">
+                <a:off x="1035831" y="1551779"/>
+                <a:ext cx="0" cy="562352"/>
+              </a:xfrm>
+              <a:prstGeom prst="straightConnector1">
+                <a:avLst/>
+              </a:prstGeom>
+              <a:ln>
+                <a:solidFill>
+                  <a:schemeClr val="tx1"/>
+                </a:solidFill>
+                <a:tailEnd type="triangle" w="sm" len="sm"/>
+              </a:ln>
+            </p:spPr>
+            <p:style>
+              <a:lnRef idx="1">
+                <a:schemeClr val="accent1"/>
+              </a:lnRef>
+              <a:fillRef idx="0">
+                <a:schemeClr val="accent1"/>
+              </a:fillRef>
+              <a:effectRef idx="0">
+                <a:schemeClr val="accent1"/>
+              </a:effectRef>
+              <a:fontRef idx="minor">
+                <a:schemeClr val="tx1"/>
+              </a:fontRef>
+            </p:style>
+          </p:cxnSp>
+          <p:cxnSp>
+            <p:nvCxnSpPr>
+              <p:cNvPr id="80" name="Straight Arrow Connector 79">
+                <a:extLst>
+                  <a:ext uri="{FF2B5EF4-FFF2-40B4-BE49-F238E27FC236}">
+                    <a16:creationId xmlns:a16="http://schemas.microsoft.com/office/drawing/2014/main" id="{0C14279D-0F76-4CB9-9120-C8341CB15568}"/>
+                  </a:ext>
+                </a:extLst>
+              </p:cNvPr>
+              <p:cNvCxnSpPr>
+                <a:cxnSpLocks/>
+              </p:cNvCxnSpPr>
+              <p:nvPr/>
+            </p:nvCxnSpPr>
+            <p:spPr>
+              <a:xfrm flipV="1">
+                <a:off x="1033279" y="2111648"/>
+                <a:ext cx="590919" cy="4938"/>
+              </a:xfrm>
+              <a:prstGeom prst="straightConnector1">
+                <a:avLst/>
+              </a:prstGeom>
+              <a:ln>
+                <a:solidFill>
+                  <a:schemeClr val="tx1"/>
+                </a:solidFill>
+                <a:tailEnd type="triangle" w="sm" len="sm"/>
+              </a:ln>
+            </p:spPr>
+            <p:style>
+              <a:lnRef idx="1">
+                <a:schemeClr val="accent1"/>
+              </a:lnRef>
+              <a:fillRef idx="0">
+                <a:schemeClr val="accent1"/>
+              </a:fillRef>
+              <a:effectRef idx="0">
+                <a:schemeClr val="accent1"/>
+              </a:effectRef>
+              <a:fontRef idx="minor">
+                <a:schemeClr val="tx1"/>
+              </a:fontRef>
+            </p:style>
+          </p:cxnSp>
+          <p:sp>
+            <p:nvSpPr>
+              <p:cNvPr id="81" name="Rectangle: Rounded Corners 80">
+                <a:extLst>
+                  <a:ext uri="{FF2B5EF4-FFF2-40B4-BE49-F238E27FC236}">
+                    <a16:creationId xmlns:a16="http://schemas.microsoft.com/office/drawing/2014/main" id="{20E0B047-CB50-47CC-A7F6-AFB7D4FAC1C9}"/>
+                  </a:ext>
+                </a:extLst>
+              </p:cNvPr>
+              <p:cNvSpPr/>
+              <p:nvPr/>
+            </p:nvSpPr>
+            <p:spPr>
+              <a:xfrm>
+                <a:off x="925175" y="2128680"/>
+                <a:ext cx="699021" cy="78688"/>
+              </a:xfrm>
+              <a:prstGeom prst="roundRect">
+                <a:avLst/>
+              </a:prstGeom>
+              <a:noFill/>
+              <a:ln>
+                <a:noFill/>
+              </a:ln>
+            </p:spPr>
+            <p:style>
+              <a:lnRef idx="2">
+                <a:schemeClr val="accent1">
+                  <a:shade val="50000"/>
+                </a:schemeClr>
+              </a:lnRef>
+              <a:fillRef idx="1">
+                <a:schemeClr val="accent1"/>
+              </a:fillRef>
+              <a:effectRef idx="0">
+                <a:schemeClr val="accent1"/>
+              </a:effectRef>
+              <a:fontRef idx="minor">
+                <a:schemeClr val="lt1"/>
+              </a:fontRef>
+            </p:style>
+            <p:txBody>
+              <a:bodyPr rtlCol="0" anchor="ctr"/>
+              <a:lstStyle/>
+              <a:p>
+                <a:pPr algn="ctr"/>
+                <a:r>
+                  <a:rPr lang="en-US" sz="600" dirty="0">
+                    <a:solidFill>
+                      <a:schemeClr val="tx1"/>
+                    </a:solidFill>
+                  </a:rPr>
+                  <a:t>% Occupancy</a:t>
+                </a:r>
+                <a:endParaRPr lang="en-MY" sz="600" dirty="0">
+                  <a:solidFill>
+                    <a:schemeClr val="tx1"/>
+                  </a:solidFill>
+                </a:endParaRPr>
+              </a:p>
+            </p:txBody>
+          </p:sp>
+          <p:sp>
+            <p:nvSpPr>
+              <p:cNvPr id="82" name="Rectangle: Rounded Corners 81">
+                <a:extLst>
+                  <a:ext uri="{FF2B5EF4-FFF2-40B4-BE49-F238E27FC236}">
+                    <a16:creationId xmlns:a16="http://schemas.microsoft.com/office/drawing/2014/main" id="{230CC81B-939A-4236-9082-74439EE1F1F2}"/>
+                  </a:ext>
+                </a:extLst>
+              </p:cNvPr>
+              <p:cNvSpPr/>
+              <p:nvPr/>
+            </p:nvSpPr>
+            <p:spPr>
+              <a:xfrm rot="16200000">
+                <a:off x="592505" y="1770038"/>
+                <a:ext cx="736811" cy="216387"/>
+              </a:xfrm>
+              <a:prstGeom prst="roundRect">
+                <a:avLst/>
+              </a:prstGeom>
+              <a:noFill/>
+              <a:ln>
+                <a:noFill/>
+              </a:ln>
+            </p:spPr>
+            <p:style>
+              <a:lnRef idx="2">
+                <a:schemeClr val="accent1">
+                  <a:shade val="50000"/>
+                </a:schemeClr>
+              </a:lnRef>
+              <a:fillRef idx="1">
+                <a:schemeClr val="accent1"/>
+              </a:fillRef>
+              <a:effectRef idx="0">
+                <a:schemeClr val="accent1"/>
+              </a:effectRef>
+              <a:fontRef idx="minor">
+                <a:schemeClr val="lt1"/>
+              </a:fontRef>
+            </p:style>
+            <p:txBody>
+              <a:bodyPr rtlCol="0" anchor="ctr"/>
+              <a:lstStyle/>
+              <a:p>
+                <a:pPr algn="ctr"/>
+                <a:r>
+                  <a:rPr lang="en-US" sz="600" dirty="0">
+                    <a:solidFill>
+                      <a:schemeClr val="tx1"/>
+                    </a:solidFill>
+                  </a:rPr>
+                  <a:t>Thermodynamic properties</a:t>
+                </a:r>
+                <a:endParaRPr lang="en-MY" sz="600" dirty="0">
+                  <a:solidFill>
+                    <a:schemeClr val="tx1"/>
+                  </a:solidFill>
+                </a:endParaRPr>
+              </a:p>
+            </p:txBody>
+          </p:sp>
+          <p:grpSp>
+            <p:nvGrpSpPr>
+              <p:cNvPr id="83" name="Group 82">
+                <a:extLst>
+                  <a:ext uri="{FF2B5EF4-FFF2-40B4-BE49-F238E27FC236}">
+                    <a16:creationId xmlns:a16="http://schemas.microsoft.com/office/drawing/2014/main" id="{BF924444-8F0C-47CE-9068-2595905B1F9B}"/>
+                  </a:ext>
+                </a:extLst>
+              </p:cNvPr>
+              <p:cNvGrpSpPr/>
+              <p:nvPr/>
+            </p:nvGrpSpPr>
+            <p:grpSpPr>
+              <a:xfrm rot="6086126">
+                <a:off x="1129982" y="1700541"/>
+                <a:ext cx="312914" cy="370798"/>
+                <a:chOff x="1987152" y="1570823"/>
+                <a:chExt cx="312914" cy="370798"/>
+              </a:xfrm>
+            </p:grpSpPr>
+            <p:grpSp>
+              <p:nvGrpSpPr>
+                <p:cNvPr id="87" name="Group 86">
+                  <a:extLst>
+                    <a:ext uri="{FF2B5EF4-FFF2-40B4-BE49-F238E27FC236}">
+                      <a16:creationId xmlns:a16="http://schemas.microsoft.com/office/drawing/2014/main" id="{5A57678F-23AF-41DD-ACA6-58F732F2D78C}"/>
+                    </a:ext>
+                  </a:extLst>
+                </p:cNvPr>
+                <p:cNvGrpSpPr/>
+                <p:nvPr/>
+              </p:nvGrpSpPr>
+              <p:grpSpPr>
+                <a:xfrm rot="1734796">
+                  <a:off x="1987152" y="1792683"/>
+                  <a:ext cx="93042" cy="148938"/>
+                  <a:chOff x="988332" y="1820177"/>
+                  <a:chExt cx="93042" cy="148938"/>
+                </a:xfrm>
+                <a:solidFill>
+                  <a:schemeClr val="accent2"/>
+                </a:solidFill>
+              </p:grpSpPr>
+              <p:sp>
+                <p:nvSpPr>
+                  <p:cNvPr id="108" name="Oval 107">
+                    <a:extLst>
+                      <a:ext uri="{FF2B5EF4-FFF2-40B4-BE49-F238E27FC236}">
+                        <a16:creationId xmlns:a16="http://schemas.microsoft.com/office/drawing/2014/main" id="{B3EA47D6-E8E5-422F-AE83-E1AEA51AD094}"/>
+                      </a:ext>
+                    </a:extLst>
+                  </p:cNvPr>
+                  <p:cNvSpPr/>
+                  <p:nvPr/>
+                </p:nvSpPr>
+                <p:spPr>
+                  <a:xfrm flipV="1">
+                    <a:off x="1001118" y="1906242"/>
+                    <a:ext cx="31014" cy="29509"/>
+                  </a:xfrm>
+                  <a:prstGeom prst="ellipse">
+                    <a:avLst/>
+                  </a:prstGeom>
+                  <a:solidFill>
+                    <a:srgbClr val="C00000"/>
+                  </a:solidFill>
+                  <a:ln>
+                    <a:noFill/>
+                  </a:ln>
+                </p:spPr>
+                <p:style>
+                  <a:lnRef idx="2">
+                    <a:schemeClr val="accent1">
+                      <a:shade val="50000"/>
+                    </a:schemeClr>
+                  </a:lnRef>
+                  <a:fillRef idx="1">
+                    <a:schemeClr val="accent1"/>
+                  </a:fillRef>
+                  <a:effectRef idx="0">
+                    <a:schemeClr val="accent1"/>
+                  </a:effectRef>
+                  <a:fontRef idx="minor">
+                    <a:schemeClr val="lt1"/>
+                  </a:fontRef>
+                </p:style>
+                <p:txBody>
+                  <a:bodyPr rtlCol="0" anchor="ctr"/>
+                  <a:lstStyle/>
+                  <a:p>
+                    <a:pPr algn="ctr"/>
+                    <a:endParaRPr lang="en-US"/>
+                  </a:p>
+                </p:txBody>
+              </p:sp>
+              <p:sp>
+                <p:nvSpPr>
+                  <p:cNvPr id="109" name="Oval 108">
+                    <a:extLst>
+                      <a:ext uri="{FF2B5EF4-FFF2-40B4-BE49-F238E27FC236}">
+                        <a16:creationId xmlns:a16="http://schemas.microsoft.com/office/drawing/2014/main" id="{319191C7-44D8-491A-84EA-897536187A2C}"/>
+                      </a:ext>
+                    </a:extLst>
+                  </p:cNvPr>
+                  <p:cNvSpPr/>
+                  <p:nvPr/>
+                </p:nvSpPr>
+                <p:spPr>
+                  <a:xfrm flipV="1">
+                    <a:off x="1034853" y="1939606"/>
+                    <a:ext cx="31014" cy="29509"/>
+                  </a:xfrm>
+                  <a:prstGeom prst="ellipse">
+                    <a:avLst/>
+                  </a:prstGeom>
+                  <a:grpFill/>
+                  <a:ln>
+                    <a:noFill/>
+                  </a:ln>
+                </p:spPr>
+                <p:style>
+                  <a:lnRef idx="2">
+                    <a:schemeClr val="accent1">
+                      <a:shade val="50000"/>
+                    </a:schemeClr>
+                  </a:lnRef>
+                  <a:fillRef idx="1">
+                    <a:schemeClr val="accent1"/>
+                  </a:fillRef>
+                  <a:effectRef idx="0">
+                    <a:schemeClr val="accent1"/>
+                  </a:effectRef>
+                  <a:fontRef idx="minor">
+                    <a:schemeClr val="lt1"/>
+                  </a:fontRef>
+                </p:style>
+                <p:txBody>
+                  <a:bodyPr rtlCol="0" anchor="ctr"/>
+                  <a:lstStyle/>
+                  <a:p>
+                    <a:pPr algn="ctr"/>
+                    <a:endParaRPr lang="en-US"/>
+                  </a:p>
+                </p:txBody>
+              </p:sp>
+              <p:sp>
+                <p:nvSpPr>
+                  <p:cNvPr id="110" name="Oval 109">
+                    <a:extLst>
+                      <a:ext uri="{FF2B5EF4-FFF2-40B4-BE49-F238E27FC236}">
+                        <a16:creationId xmlns:a16="http://schemas.microsoft.com/office/drawing/2014/main" id="{4238C17F-790E-40DE-B51C-46F5BB4BC58D}"/>
+                      </a:ext>
+                    </a:extLst>
+                  </p:cNvPr>
+                  <p:cNvSpPr/>
+                  <p:nvPr/>
+                </p:nvSpPr>
+                <p:spPr>
+                  <a:xfrm flipV="1">
+                    <a:off x="1050360" y="1901184"/>
+                    <a:ext cx="31014" cy="29509"/>
+                  </a:xfrm>
+                  <a:prstGeom prst="ellipse">
+                    <a:avLst/>
+                  </a:prstGeom>
+                  <a:solidFill>
+                    <a:srgbClr val="C00000"/>
+                  </a:solidFill>
+                  <a:ln>
+                    <a:noFill/>
+                  </a:ln>
+                </p:spPr>
+                <p:style>
+                  <a:lnRef idx="2">
+                    <a:schemeClr val="accent1">
+                      <a:shade val="50000"/>
+                    </a:schemeClr>
+                  </a:lnRef>
+                  <a:fillRef idx="1">
+                    <a:schemeClr val="accent1"/>
+                  </a:fillRef>
+                  <a:effectRef idx="0">
+                    <a:schemeClr val="accent1"/>
+                  </a:effectRef>
+                  <a:fontRef idx="minor">
+                    <a:schemeClr val="lt1"/>
+                  </a:fontRef>
+                </p:style>
+                <p:txBody>
+                  <a:bodyPr rtlCol="0" anchor="ctr"/>
+                  <a:lstStyle/>
+                  <a:p>
+                    <a:pPr algn="ctr"/>
+                    <a:endParaRPr lang="en-US"/>
+                  </a:p>
+                </p:txBody>
+              </p:sp>
+              <p:sp>
+                <p:nvSpPr>
+                  <p:cNvPr id="111" name="Oval 110">
+                    <a:extLst>
+                      <a:ext uri="{FF2B5EF4-FFF2-40B4-BE49-F238E27FC236}">
+                        <a16:creationId xmlns:a16="http://schemas.microsoft.com/office/drawing/2014/main" id="{10B786E6-F49C-444B-B709-1E405AC4D07F}"/>
+                      </a:ext>
+                    </a:extLst>
+                  </p:cNvPr>
+                  <p:cNvSpPr/>
+                  <p:nvPr/>
+                </p:nvSpPr>
+                <p:spPr>
+                  <a:xfrm flipV="1">
+                    <a:off x="1027100" y="1865137"/>
+                    <a:ext cx="31014" cy="29509"/>
+                  </a:xfrm>
+                  <a:prstGeom prst="ellipse">
+                    <a:avLst/>
+                  </a:prstGeom>
+                  <a:solidFill>
+                    <a:srgbClr val="C00000"/>
+                  </a:solidFill>
+                  <a:ln>
+                    <a:noFill/>
+                  </a:ln>
+                </p:spPr>
+                <p:style>
+                  <a:lnRef idx="2">
+                    <a:schemeClr val="accent1">
+                      <a:shade val="50000"/>
+                    </a:schemeClr>
+                  </a:lnRef>
+                  <a:fillRef idx="1">
+                    <a:schemeClr val="accent1"/>
+                  </a:fillRef>
+                  <a:effectRef idx="0">
+                    <a:schemeClr val="accent1"/>
+                  </a:effectRef>
+                  <a:fontRef idx="minor">
+                    <a:schemeClr val="lt1"/>
+                  </a:fontRef>
+                </p:style>
+                <p:txBody>
+                  <a:bodyPr rtlCol="0" anchor="ctr"/>
+                  <a:lstStyle/>
+                  <a:p>
+                    <a:pPr algn="ctr"/>
+                    <a:endParaRPr lang="en-US"/>
+                  </a:p>
+                </p:txBody>
+              </p:sp>
+              <p:sp>
+                <p:nvSpPr>
+                  <p:cNvPr id="112" name="Oval 111">
+                    <a:extLst>
+                      <a:ext uri="{FF2B5EF4-FFF2-40B4-BE49-F238E27FC236}">
+                        <a16:creationId xmlns:a16="http://schemas.microsoft.com/office/drawing/2014/main" id="{7C033A7C-4F8C-4FAF-91E2-6DA769EB2B71}"/>
+                      </a:ext>
+                    </a:extLst>
+                  </p:cNvPr>
+                  <p:cNvSpPr/>
+                  <p:nvPr/>
+                </p:nvSpPr>
+                <p:spPr>
+                  <a:xfrm flipV="1">
+                    <a:off x="988332" y="1840978"/>
+                    <a:ext cx="31014" cy="29509"/>
+                  </a:xfrm>
+                  <a:prstGeom prst="ellipse">
+                    <a:avLst/>
+                  </a:prstGeom>
+                  <a:solidFill>
+                    <a:srgbClr val="C00000"/>
+                  </a:solidFill>
+                  <a:ln>
+                    <a:noFill/>
+                  </a:ln>
+                </p:spPr>
+                <p:style>
+                  <a:lnRef idx="2">
+                    <a:schemeClr val="accent1">
+                      <a:shade val="50000"/>
+                    </a:schemeClr>
+                  </a:lnRef>
+                  <a:fillRef idx="1">
+                    <a:schemeClr val="accent1"/>
+                  </a:fillRef>
+                  <a:effectRef idx="0">
+                    <a:schemeClr val="accent1"/>
+                  </a:effectRef>
+                  <a:fontRef idx="minor">
+                    <a:schemeClr val="lt1"/>
+                  </a:fontRef>
+                </p:style>
+                <p:txBody>
+                  <a:bodyPr rtlCol="0" anchor="ctr"/>
+                  <a:lstStyle/>
+                  <a:p>
+                    <a:pPr algn="ctr"/>
+                    <a:endParaRPr lang="en-US"/>
+                  </a:p>
+                </p:txBody>
+              </p:sp>
+              <p:sp>
+                <p:nvSpPr>
+                  <p:cNvPr id="113" name="Oval 112">
+                    <a:extLst>
+                      <a:ext uri="{FF2B5EF4-FFF2-40B4-BE49-F238E27FC236}">
+                        <a16:creationId xmlns:a16="http://schemas.microsoft.com/office/drawing/2014/main" id="{D133162F-81FB-481C-B4B5-6BB7EDEE7C44}"/>
+                      </a:ext>
+                    </a:extLst>
+                  </p:cNvPr>
+                  <p:cNvSpPr/>
+                  <p:nvPr/>
+                </p:nvSpPr>
+                <p:spPr>
+                  <a:xfrm flipV="1">
+                    <a:off x="1034382" y="1820177"/>
+                    <a:ext cx="31014" cy="29509"/>
+                  </a:xfrm>
+                  <a:prstGeom prst="ellipse">
+                    <a:avLst/>
+                  </a:prstGeom>
+                  <a:grpFill/>
+                  <a:ln>
+                    <a:noFill/>
+                  </a:ln>
+                </p:spPr>
+                <p:style>
+                  <a:lnRef idx="2">
+                    <a:schemeClr val="accent1">
+                      <a:shade val="50000"/>
+                    </a:schemeClr>
+                  </a:lnRef>
+                  <a:fillRef idx="1">
+                    <a:schemeClr val="accent1"/>
+                  </a:fillRef>
+                  <a:effectRef idx="0">
+                    <a:schemeClr val="accent1"/>
+                  </a:effectRef>
+                  <a:fontRef idx="minor">
+                    <a:schemeClr val="lt1"/>
+                  </a:fontRef>
+                </p:style>
+                <p:txBody>
+                  <a:bodyPr rtlCol="0" anchor="ctr"/>
+                  <a:lstStyle/>
+                  <a:p>
+                    <a:pPr algn="ctr"/>
+                    <a:endParaRPr lang="en-US"/>
+                  </a:p>
+                </p:txBody>
+              </p:sp>
+            </p:grpSp>
+            <p:grpSp>
+              <p:nvGrpSpPr>
+                <p:cNvPr id="88" name="Group 87">
+                  <a:extLst>
+                    <a:ext uri="{FF2B5EF4-FFF2-40B4-BE49-F238E27FC236}">
+                      <a16:creationId xmlns:a16="http://schemas.microsoft.com/office/drawing/2014/main" id="{06511D5E-F043-4A60-8229-C20558F96523}"/>
+                    </a:ext>
+                  </a:extLst>
+                </p:cNvPr>
+                <p:cNvGrpSpPr/>
+                <p:nvPr/>
+              </p:nvGrpSpPr>
+              <p:grpSpPr>
+                <a:xfrm rot="14275821">
+                  <a:off x="2047882" y="1658479"/>
+                  <a:ext cx="131339" cy="148938"/>
+                  <a:chOff x="972825" y="1820177"/>
+                  <a:chExt cx="131339" cy="148938"/>
+                </a:xfrm>
+                <a:solidFill>
+                  <a:schemeClr val="accent2"/>
+                </a:solidFill>
+              </p:grpSpPr>
+              <p:sp>
+                <p:nvSpPr>
+                  <p:cNvPr id="100" name="Oval 99">
+                    <a:extLst>
+                      <a:ext uri="{FF2B5EF4-FFF2-40B4-BE49-F238E27FC236}">
+                        <a16:creationId xmlns:a16="http://schemas.microsoft.com/office/drawing/2014/main" id="{75B3F919-BA39-45D4-BD5B-A314637FE6A3}"/>
+                      </a:ext>
+                    </a:extLst>
+                  </p:cNvPr>
+                  <p:cNvSpPr/>
+                  <p:nvPr/>
+                </p:nvSpPr>
+                <p:spPr>
+                  <a:xfrm flipV="1">
+                    <a:off x="1001118" y="1906242"/>
+                    <a:ext cx="31014" cy="29509"/>
+                  </a:xfrm>
+                  <a:prstGeom prst="ellipse">
+                    <a:avLst/>
+                  </a:prstGeom>
+                  <a:grpFill/>
+                  <a:ln>
+                    <a:noFill/>
+                  </a:ln>
+                </p:spPr>
+                <p:style>
+                  <a:lnRef idx="2">
+                    <a:schemeClr val="accent1">
+                      <a:shade val="50000"/>
+                    </a:schemeClr>
+                  </a:lnRef>
+                  <a:fillRef idx="1">
+                    <a:schemeClr val="accent1"/>
+                  </a:fillRef>
+                  <a:effectRef idx="0">
+                    <a:schemeClr val="accent1"/>
+                  </a:effectRef>
+                  <a:fontRef idx="minor">
+                    <a:schemeClr val="lt1"/>
+                  </a:fontRef>
+                </p:style>
+                <p:txBody>
+                  <a:bodyPr rtlCol="0" anchor="ctr"/>
+                  <a:lstStyle/>
+                  <a:p>
+                    <a:pPr algn="ctr"/>
+                    <a:endParaRPr lang="en-US"/>
+                  </a:p>
+                </p:txBody>
+              </p:sp>
+              <p:sp>
+                <p:nvSpPr>
+                  <p:cNvPr id="101" name="Oval 100">
+                    <a:extLst>
+                      <a:ext uri="{FF2B5EF4-FFF2-40B4-BE49-F238E27FC236}">
+                        <a16:creationId xmlns:a16="http://schemas.microsoft.com/office/drawing/2014/main" id="{950A1D12-BEBC-4F89-A527-2FF59C3550B9}"/>
+                      </a:ext>
+                    </a:extLst>
+                  </p:cNvPr>
+                  <p:cNvSpPr/>
+                  <p:nvPr/>
+                </p:nvSpPr>
+                <p:spPr>
+                  <a:xfrm flipV="1">
+                    <a:off x="1034853" y="1939606"/>
+                    <a:ext cx="31014" cy="29509"/>
+                  </a:xfrm>
+                  <a:prstGeom prst="ellipse">
+                    <a:avLst/>
+                  </a:prstGeom>
+                  <a:grpFill/>
+                  <a:ln>
+                    <a:noFill/>
+                  </a:ln>
+                </p:spPr>
+                <p:style>
+                  <a:lnRef idx="2">
+                    <a:schemeClr val="accent1">
+                      <a:shade val="50000"/>
+                    </a:schemeClr>
+                  </a:lnRef>
+                  <a:fillRef idx="1">
+                    <a:schemeClr val="accent1"/>
+                  </a:fillRef>
+                  <a:effectRef idx="0">
+                    <a:schemeClr val="accent1"/>
+                  </a:effectRef>
+                  <a:fontRef idx="minor">
+                    <a:schemeClr val="lt1"/>
+                  </a:fontRef>
+                </p:style>
+                <p:txBody>
+                  <a:bodyPr rtlCol="0" anchor="ctr"/>
+                  <a:lstStyle/>
+                  <a:p>
+                    <a:pPr algn="ctr"/>
+                    <a:endParaRPr lang="en-US"/>
+                  </a:p>
+                </p:txBody>
+              </p:sp>
+              <p:sp>
+                <p:nvSpPr>
+                  <p:cNvPr id="102" name="Oval 101">
+                    <a:extLst>
+                      <a:ext uri="{FF2B5EF4-FFF2-40B4-BE49-F238E27FC236}">
+                        <a16:creationId xmlns:a16="http://schemas.microsoft.com/office/drawing/2014/main" id="{86CFC9E4-0BC9-4AD6-A733-443FD5096923}"/>
+                      </a:ext>
+                    </a:extLst>
+                  </p:cNvPr>
+                  <p:cNvSpPr/>
+                  <p:nvPr/>
+                </p:nvSpPr>
+                <p:spPr>
+                  <a:xfrm flipV="1">
+                    <a:off x="972825" y="1871675"/>
+                    <a:ext cx="31014" cy="29509"/>
+                  </a:xfrm>
+                  <a:prstGeom prst="ellipse">
+                    <a:avLst/>
+                  </a:prstGeom>
+                  <a:solidFill>
+                    <a:srgbClr val="FFFF00"/>
+                  </a:solidFill>
+                  <a:ln>
+                    <a:noFill/>
+                  </a:ln>
+                </p:spPr>
+                <p:style>
+                  <a:lnRef idx="2">
+                    <a:schemeClr val="accent1">
+                      <a:shade val="50000"/>
+                    </a:schemeClr>
+                  </a:lnRef>
+                  <a:fillRef idx="1">
+                    <a:schemeClr val="accent1"/>
+                  </a:fillRef>
+                  <a:effectRef idx="0">
+                    <a:schemeClr val="accent1"/>
+                  </a:effectRef>
+                  <a:fontRef idx="minor">
+                    <a:schemeClr val="lt1"/>
+                  </a:fontRef>
+                </p:style>
+                <p:txBody>
+                  <a:bodyPr rtlCol="0" anchor="ctr"/>
+                  <a:lstStyle/>
+                  <a:p>
+                    <a:pPr algn="ctr"/>
+                    <a:endParaRPr lang="en-US"/>
+                  </a:p>
+                </p:txBody>
+              </p:sp>
+              <p:sp>
+                <p:nvSpPr>
+                  <p:cNvPr id="103" name="Oval 102">
+                    <a:extLst>
+                      <a:ext uri="{FF2B5EF4-FFF2-40B4-BE49-F238E27FC236}">
+                        <a16:creationId xmlns:a16="http://schemas.microsoft.com/office/drawing/2014/main" id="{45A14A6E-F2F2-42F5-878E-D267CF0A4FFE}"/>
+                      </a:ext>
+                    </a:extLst>
+                  </p:cNvPr>
+                  <p:cNvSpPr/>
+                  <p:nvPr/>
+                </p:nvSpPr>
+                <p:spPr>
+                  <a:xfrm flipV="1">
+                    <a:off x="1050360" y="1901184"/>
+                    <a:ext cx="31014" cy="29509"/>
+                  </a:xfrm>
+                  <a:prstGeom prst="ellipse">
+                    <a:avLst/>
+                  </a:prstGeom>
+                  <a:solidFill>
+                    <a:srgbClr val="FFFF00"/>
+                  </a:solidFill>
+                  <a:ln>
+                    <a:noFill/>
+                  </a:ln>
+                </p:spPr>
+                <p:style>
+                  <a:lnRef idx="2">
+                    <a:schemeClr val="accent1">
+                      <a:shade val="50000"/>
+                    </a:schemeClr>
+                  </a:lnRef>
+                  <a:fillRef idx="1">
+                    <a:schemeClr val="accent1"/>
+                  </a:fillRef>
+                  <a:effectRef idx="0">
+                    <a:schemeClr val="accent1"/>
+                  </a:effectRef>
+                  <a:fontRef idx="minor">
+                    <a:schemeClr val="lt1"/>
+                  </a:fontRef>
+                </p:style>
+                <p:txBody>
+                  <a:bodyPr rtlCol="0" anchor="ctr"/>
+                  <a:lstStyle/>
+                  <a:p>
+                    <a:pPr algn="ctr"/>
+                    <a:endParaRPr lang="en-US"/>
+                  </a:p>
+                </p:txBody>
+              </p:sp>
+              <p:sp>
+                <p:nvSpPr>
+                  <p:cNvPr id="104" name="Oval 103">
+                    <a:extLst>
+                      <a:ext uri="{FF2B5EF4-FFF2-40B4-BE49-F238E27FC236}">
+                        <a16:creationId xmlns:a16="http://schemas.microsoft.com/office/drawing/2014/main" id="{188E143A-058C-4C56-888B-3C2BE89EA489}"/>
+                      </a:ext>
+                    </a:extLst>
+                  </p:cNvPr>
+                  <p:cNvSpPr/>
+                  <p:nvPr/>
+                </p:nvSpPr>
+                <p:spPr>
+                  <a:xfrm flipV="1">
+                    <a:off x="1027100" y="1865137"/>
+                    <a:ext cx="31014" cy="29509"/>
+                  </a:xfrm>
+                  <a:prstGeom prst="ellipse">
+                    <a:avLst/>
+                  </a:prstGeom>
+                  <a:solidFill>
+                    <a:srgbClr val="FFFF00"/>
+                  </a:solidFill>
+                  <a:ln>
+                    <a:noFill/>
+                  </a:ln>
+                </p:spPr>
+                <p:style>
+                  <a:lnRef idx="2">
+                    <a:schemeClr val="accent1">
+                      <a:shade val="50000"/>
+                    </a:schemeClr>
+                  </a:lnRef>
+                  <a:fillRef idx="1">
+                    <a:schemeClr val="accent1"/>
+                  </a:fillRef>
+                  <a:effectRef idx="0">
+                    <a:schemeClr val="accent1"/>
+                  </a:effectRef>
+                  <a:fontRef idx="minor">
+                    <a:schemeClr val="lt1"/>
+                  </a:fontRef>
+                </p:style>
+                <p:txBody>
+                  <a:bodyPr rtlCol="0" anchor="ctr"/>
+                  <a:lstStyle/>
+                  <a:p>
+                    <a:pPr algn="ctr"/>
+                    <a:endParaRPr lang="en-US"/>
+                  </a:p>
+                </p:txBody>
+              </p:sp>
+              <p:sp>
+                <p:nvSpPr>
+                  <p:cNvPr id="105" name="Oval 104">
+                    <a:extLst>
+                      <a:ext uri="{FF2B5EF4-FFF2-40B4-BE49-F238E27FC236}">
+                        <a16:creationId xmlns:a16="http://schemas.microsoft.com/office/drawing/2014/main" id="{8A63179C-3BB8-4B4E-A4C3-89B6AEAB614D}"/>
+                      </a:ext>
+                    </a:extLst>
+                  </p:cNvPr>
+                  <p:cNvSpPr/>
+                  <p:nvPr/>
+                </p:nvSpPr>
+                <p:spPr>
+                  <a:xfrm flipV="1">
+                    <a:off x="1073150" y="1847661"/>
+                    <a:ext cx="31014" cy="29509"/>
+                  </a:xfrm>
+                  <a:prstGeom prst="ellipse">
+                    <a:avLst/>
+                  </a:prstGeom>
+                  <a:grpFill/>
+                  <a:ln>
+                    <a:noFill/>
+                  </a:ln>
+                </p:spPr>
+                <p:style>
+                  <a:lnRef idx="2">
+                    <a:schemeClr val="accent1">
+                      <a:shade val="50000"/>
+                    </a:schemeClr>
+                  </a:lnRef>
+                  <a:fillRef idx="1">
+                    <a:schemeClr val="accent1"/>
+                  </a:fillRef>
+                  <a:effectRef idx="0">
+                    <a:schemeClr val="accent1"/>
+                  </a:effectRef>
+                  <a:fontRef idx="minor">
+                    <a:schemeClr val="lt1"/>
+                  </a:fontRef>
+                </p:style>
+                <p:txBody>
+                  <a:bodyPr rtlCol="0" anchor="ctr"/>
+                  <a:lstStyle/>
+                  <a:p>
+                    <a:pPr algn="ctr"/>
+                    <a:endParaRPr lang="en-US"/>
+                  </a:p>
+                </p:txBody>
+              </p:sp>
+              <p:sp>
+                <p:nvSpPr>
+                  <p:cNvPr id="106" name="Oval 105">
+                    <a:extLst>
+                      <a:ext uri="{FF2B5EF4-FFF2-40B4-BE49-F238E27FC236}">
+                        <a16:creationId xmlns:a16="http://schemas.microsoft.com/office/drawing/2014/main" id="{E81132D0-C01D-4035-8738-B3699E5C08EF}"/>
+                      </a:ext>
+                    </a:extLst>
+                  </p:cNvPr>
+                  <p:cNvSpPr/>
+                  <p:nvPr/>
+                </p:nvSpPr>
+                <p:spPr>
+                  <a:xfrm flipV="1">
+                    <a:off x="988332" y="1840978"/>
+                    <a:ext cx="31014" cy="29509"/>
+                  </a:xfrm>
+                  <a:prstGeom prst="ellipse">
+                    <a:avLst/>
+                  </a:prstGeom>
+                  <a:solidFill>
+                    <a:srgbClr val="FFFF00"/>
+                  </a:solidFill>
+                  <a:ln>
+                    <a:noFill/>
+                  </a:ln>
+                </p:spPr>
+                <p:style>
+                  <a:lnRef idx="2">
+                    <a:schemeClr val="accent1">
+                      <a:shade val="50000"/>
+                    </a:schemeClr>
+                  </a:lnRef>
+                  <a:fillRef idx="1">
+                    <a:schemeClr val="accent1"/>
+                  </a:fillRef>
+                  <a:effectRef idx="0">
+                    <a:schemeClr val="accent1"/>
+                  </a:effectRef>
+                  <a:fontRef idx="minor">
+                    <a:schemeClr val="lt1"/>
+                  </a:fontRef>
+                </p:style>
+                <p:txBody>
+                  <a:bodyPr rtlCol="0" anchor="ctr"/>
+                  <a:lstStyle/>
+                  <a:p>
+                    <a:pPr algn="ctr"/>
+                    <a:endParaRPr lang="en-US"/>
+                  </a:p>
+                </p:txBody>
+              </p:sp>
+              <p:sp>
+                <p:nvSpPr>
+                  <p:cNvPr id="107" name="Oval 106">
+                    <a:extLst>
+                      <a:ext uri="{FF2B5EF4-FFF2-40B4-BE49-F238E27FC236}">
+                        <a16:creationId xmlns:a16="http://schemas.microsoft.com/office/drawing/2014/main" id="{82FF2311-5F59-4AAC-A890-EE0FD850E56C}"/>
+                      </a:ext>
+                    </a:extLst>
+                  </p:cNvPr>
+                  <p:cNvSpPr/>
+                  <p:nvPr/>
+                </p:nvSpPr>
+                <p:spPr>
+                  <a:xfrm flipV="1">
+                    <a:off x="1034382" y="1820177"/>
+                    <a:ext cx="31014" cy="29509"/>
+                  </a:xfrm>
+                  <a:prstGeom prst="ellipse">
+                    <a:avLst/>
+                  </a:prstGeom>
+                  <a:grpFill/>
+                  <a:ln>
+                    <a:noFill/>
+                  </a:ln>
+                </p:spPr>
+                <p:style>
+                  <a:lnRef idx="2">
+                    <a:schemeClr val="accent1">
+                      <a:shade val="50000"/>
+                    </a:schemeClr>
+                  </a:lnRef>
+                  <a:fillRef idx="1">
+                    <a:schemeClr val="accent1"/>
+                  </a:fillRef>
+                  <a:effectRef idx="0">
+                    <a:schemeClr val="accent1"/>
+                  </a:effectRef>
+                  <a:fontRef idx="minor">
+                    <a:schemeClr val="lt1"/>
+                  </a:fontRef>
+                </p:style>
+                <p:txBody>
+                  <a:bodyPr rtlCol="0" anchor="ctr"/>
+                  <a:lstStyle/>
+                  <a:p>
+                    <a:pPr algn="ctr"/>
+                    <a:endParaRPr lang="en-US"/>
+                  </a:p>
+                </p:txBody>
+              </p:sp>
+            </p:grpSp>
+            <p:grpSp>
+              <p:nvGrpSpPr>
+                <p:cNvPr id="89" name="Group 88">
+                  <a:extLst>
+                    <a:ext uri="{FF2B5EF4-FFF2-40B4-BE49-F238E27FC236}">
+                      <a16:creationId xmlns:a16="http://schemas.microsoft.com/office/drawing/2014/main" id="{C61FAABA-2D8D-4586-97C3-0DCB5CFEB817}"/>
+                    </a:ext>
+                  </a:extLst>
+                </p:cNvPr>
+                <p:cNvGrpSpPr/>
+                <p:nvPr/>
+              </p:nvGrpSpPr>
+              <p:grpSpPr>
+                <a:xfrm rot="3407543">
+                  <a:off x="2179076" y="1542875"/>
+                  <a:ext cx="93042" cy="148938"/>
+                  <a:chOff x="988332" y="1820177"/>
+                  <a:chExt cx="93042" cy="148938"/>
+                </a:xfrm>
+                <a:solidFill>
+                  <a:schemeClr val="accent2"/>
+                </a:solidFill>
+              </p:grpSpPr>
+              <p:sp>
+                <p:nvSpPr>
+                  <p:cNvPr id="90" name="Oval 89">
+                    <a:extLst>
+                      <a:ext uri="{FF2B5EF4-FFF2-40B4-BE49-F238E27FC236}">
+                        <a16:creationId xmlns:a16="http://schemas.microsoft.com/office/drawing/2014/main" id="{1BB44949-E8D4-4291-A04D-33263DDC2B83}"/>
+                      </a:ext>
+                    </a:extLst>
+                  </p:cNvPr>
+                  <p:cNvSpPr/>
+                  <p:nvPr/>
+                </p:nvSpPr>
+                <p:spPr>
+                  <a:xfrm flipV="1">
+                    <a:off x="1001118" y="1906242"/>
+                    <a:ext cx="31014" cy="29509"/>
+                  </a:xfrm>
+                  <a:prstGeom prst="ellipse">
+                    <a:avLst/>
+                  </a:prstGeom>
+                  <a:solidFill>
+                    <a:srgbClr val="00B050"/>
+                  </a:solidFill>
+                  <a:ln>
+                    <a:noFill/>
+                  </a:ln>
+                </p:spPr>
+                <p:style>
+                  <a:lnRef idx="2">
+                    <a:schemeClr val="accent1">
+                      <a:shade val="50000"/>
+                    </a:schemeClr>
+                  </a:lnRef>
+                  <a:fillRef idx="1">
+                    <a:schemeClr val="accent1"/>
+                  </a:fillRef>
+                  <a:effectRef idx="0">
+                    <a:schemeClr val="accent1"/>
+                  </a:effectRef>
+                  <a:fontRef idx="minor">
+                    <a:schemeClr val="lt1"/>
+                  </a:fontRef>
+                </p:style>
+                <p:txBody>
+                  <a:bodyPr rtlCol="0" anchor="ctr"/>
+                  <a:lstStyle/>
+                  <a:p>
+                    <a:pPr algn="ctr"/>
+                    <a:endParaRPr lang="en-US"/>
+                  </a:p>
+                </p:txBody>
+              </p:sp>
+              <p:sp>
+                <p:nvSpPr>
+                  <p:cNvPr id="92" name="Oval 91">
+                    <a:extLst>
+                      <a:ext uri="{FF2B5EF4-FFF2-40B4-BE49-F238E27FC236}">
+                        <a16:creationId xmlns:a16="http://schemas.microsoft.com/office/drawing/2014/main" id="{975B210C-FF43-4A51-80E8-A27C7A9B6F3C}"/>
+                      </a:ext>
+                    </a:extLst>
+                  </p:cNvPr>
+                  <p:cNvSpPr/>
+                  <p:nvPr/>
+                </p:nvSpPr>
+                <p:spPr>
+                  <a:xfrm flipV="1">
+                    <a:off x="1034853" y="1939606"/>
+                    <a:ext cx="31014" cy="29509"/>
+                  </a:xfrm>
+                  <a:prstGeom prst="ellipse">
+                    <a:avLst/>
+                  </a:prstGeom>
+                  <a:grpFill/>
+                  <a:ln>
+                    <a:noFill/>
+                  </a:ln>
+                </p:spPr>
+                <p:style>
+                  <a:lnRef idx="2">
+                    <a:schemeClr val="accent1">
+                      <a:shade val="50000"/>
+                    </a:schemeClr>
+                  </a:lnRef>
+                  <a:fillRef idx="1">
+                    <a:schemeClr val="accent1"/>
+                  </a:fillRef>
+                  <a:effectRef idx="0">
+                    <a:schemeClr val="accent1"/>
+                  </a:effectRef>
+                  <a:fontRef idx="minor">
+                    <a:schemeClr val="lt1"/>
+                  </a:fontRef>
+                </p:style>
+                <p:txBody>
+                  <a:bodyPr rtlCol="0" anchor="ctr"/>
+                  <a:lstStyle/>
+                  <a:p>
+                    <a:pPr algn="ctr"/>
+                    <a:endParaRPr lang="en-US"/>
+                  </a:p>
+                </p:txBody>
+              </p:sp>
+              <p:sp>
+                <p:nvSpPr>
+                  <p:cNvPr id="93" name="Oval 92">
+                    <a:extLst>
+                      <a:ext uri="{FF2B5EF4-FFF2-40B4-BE49-F238E27FC236}">
+                        <a16:creationId xmlns:a16="http://schemas.microsoft.com/office/drawing/2014/main" id="{877363A7-6983-4DC0-8BA1-B4CA928309D9}"/>
+                      </a:ext>
+                    </a:extLst>
+                  </p:cNvPr>
+                  <p:cNvSpPr/>
+                  <p:nvPr/>
+                </p:nvSpPr>
+                <p:spPr>
+                  <a:xfrm flipV="1">
+                    <a:off x="1050360" y="1901184"/>
+                    <a:ext cx="31014" cy="29509"/>
+                  </a:xfrm>
+                  <a:prstGeom prst="ellipse">
+                    <a:avLst/>
+                  </a:prstGeom>
+                  <a:solidFill>
+                    <a:srgbClr val="00B050"/>
+                  </a:solidFill>
+                  <a:ln>
+                    <a:noFill/>
+                  </a:ln>
+                </p:spPr>
+                <p:style>
+                  <a:lnRef idx="2">
+                    <a:schemeClr val="accent1">
+                      <a:shade val="50000"/>
+                    </a:schemeClr>
+                  </a:lnRef>
+                  <a:fillRef idx="1">
+                    <a:schemeClr val="accent1"/>
+                  </a:fillRef>
+                  <a:effectRef idx="0">
+                    <a:schemeClr val="accent1"/>
+                  </a:effectRef>
+                  <a:fontRef idx="minor">
+                    <a:schemeClr val="lt1"/>
+                  </a:fontRef>
+                </p:style>
+                <p:txBody>
+                  <a:bodyPr rtlCol="0" anchor="ctr"/>
+                  <a:lstStyle/>
+                  <a:p>
+                    <a:pPr algn="ctr"/>
+                    <a:endParaRPr lang="en-US"/>
+                  </a:p>
+                </p:txBody>
+              </p:sp>
+              <p:sp>
+                <p:nvSpPr>
+                  <p:cNvPr id="97" name="Oval 96">
+                    <a:extLst>
+                      <a:ext uri="{FF2B5EF4-FFF2-40B4-BE49-F238E27FC236}">
+                        <a16:creationId xmlns:a16="http://schemas.microsoft.com/office/drawing/2014/main" id="{935CABEB-BC50-4EF7-AE5C-A1D4DC66619F}"/>
+                      </a:ext>
+                    </a:extLst>
+                  </p:cNvPr>
+                  <p:cNvSpPr/>
+                  <p:nvPr/>
+                </p:nvSpPr>
+                <p:spPr>
+                  <a:xfrm flipV="1">
+                    <a:off x="1027100" y="1865137"/>
+                    <a:ext cx="31014" cy="29509"/>
+                  </a:xfrm>
+                  <a:prstGeom prst="ellipse">
+                    <a:avLst/>
+                  </a:prstGeom>
+                  <a:solidFill>
+                    <a:srgbClr val="00B050"/>
+                  </a:solidFill>
+                  <a:ln>
+                    <a:noFill/>
+                  </a:ln>
+                </p:spPr>
+                <p:style>
+                  <a:lnRef idx="2">
+                    <a:schemeClr val="accent1">
+                      <a:shade val="50000"/>
+                    </a:schemeClr>
+                  </a:lnRef>
+                  <a:fillRef idx="1">
+                    <a:schemeClr val="accent1"/>
+                  </a:fillRef>
+                  <a:effectRef idx="0">
+                    <a:schemeClr val="accent1"/>
+                  </a:effectRef>
+                  <a:fontRef idx="minor">
+                    <a:schemeClr val="lt1"/>
+                  </a:fontRef>
+                </p:style>
+                <p:txBody>
+                  <a:bodyPr rtlCol="0" anchor="ctr"/>
+                  <a:lstStyle/>
+                  <a:p>
+                    <a:pPr algn="ctr"/>
+                    <a:endParaRPr lang="en-US"/>
+                  </a:p>
+                </p:txBody>
+              </p:sp>
+              <p:sp>
+                <p:nvSpPr>
+                  <p:cNvPr id="98" name="Oval 97">
+                    <a:extLst>
+                      <a:ext uri="{FF2B5EF4-FFF2-40B4-BE49-F238E27FC236}">
+                        <a16:creationId xmlns:a16="http://schemas.microsoft.com/office/drawing/2014/main" id="{8EE7C62D-0C7B-4CF4-8D99-5C6112FBF1CE}"/>
+                      </a:ext>
+                    </a:extLst>
+                  </p:cNvPr>
+                  <p:cNvSpPr/>
+                  <p:nvPr/>
+                </p:nvSpPr>
+                <p:spPr>
+                  <a:xfrm flipV="1">
+                    <a:off x="988332" y="1840978"/>
+                    <a:ext cx="31014" cy="29509"/>
+                  </a:xfrm>
+                  <a:prstGeom prst="ellipse">
+                    <a:avLst/>
+                  </a:prstGeom>
+                  <a:solidFill>
+                    <a:srgbClr val="00B050"/>
+                  </a:solidFill>
+                  <a:ln>
+                    <a:noFill/>
+                  </a:ln>
+                </p:spPr>
+                <p:style>
+                  <a:lnRef idx="2">
+                    <a:schemeClr val="accent1">
+                      <a:shade val="50000"/>
+                    </a:schemeClr>
+                  </a:lnRef>
+                  <a:fillRef idx="1">
+                    <a:schemeClr val="accent1"/>
+                  </a:fillRef>
+                  <a:effectRef idx="0">
+                    <a:schemeClr val="accent1"/>
+                  </a:effectRef>
+                  <a:fontRef idx="minor">
+                    <a:schemeClr val="lt1"/>
+                  </a:fontRef>
+                </p:style>
+                <p:txBody>
+                  <a:bodyPr rtlCol="0" anchor="ctr"/>
+                  <a:lstStyle/>
+                  <a:p>
+                    <a:pPr algn="ctr"/>
+                    <a:endParaRPr lang="en-US"/>
+                  </a:p>
+                </p:txBody>
+              </p:sp>
+              <p:sp>
+                <p:nvSpPr>
+                  <p:cNvPr id="99" name="Oval 98">
+                    <a:extLst>
+                      <a:ext uri="{FF2B5EF4-FFF2-40B4-BE49-F238E27FC236}">
+                        <a16:creationId xmlns:a16="http://schemas.microsoft.com/office/drawing/2014/main" id="{C9615464-916B-4AAD-AB9D-182296F4A3AC}"/>
+                      </a:ext>
+                    </a:extLst>
+                  </p:cNvPr>
+                  <p:cNvSpPr/>
+                  <p:nvPr/>
+                </p:nvSpPr>
+                <p:spPr>
+                  <a:xfrm flipV="1">
+                    <a:off x="1034382" y="1820177"/>
+                    <a:ext cx="31014" cy="29509"/>
+                  </a:xfrm>
+                  <a:prstGeom prst="ellipse">
+                    <a:avLst/>
+                  </a:prstGeom>
+                  <a:solidFill>
+                    <a:srgbClr val="00B050"/>
+                  </a:solidFill>
+                  <a:ln>
+                    <a:noFill/>
+                  </a:ln>
+                </p:spPr>
+                <p:style>
+                  <a:lnRef idx="2">
+                    <a:schemeClr val="accent1">
+                      <a:shade val="50000"/>
+                    </a:schemeClr>
+                  </a:lnRef>
+                  <a:fillRef idx="1">
+                    <a:schemeClr val="accent1"/>
+                  </a:fillRef>
+                  <a:effectRef idx="0">
+                    <a:schemeClr val="accent1"/>
+                  </a:effectRef>
+                  <a:fontRef idx="minor">
+                    <a:schemeClr val="lt1"/>
+                  </a:fontRef>
+                </p:style>
+                <p:txBody>
+                  <a:bodyPr rtlCol="0" anchor="ctr"/>
+                  <a:lstStyle/>
+                  <a:p>
+                    <a:pPr algn="ctr"/>
+                    <a:endParaRPr lang="en-US"/>
+                  </a:p>
+                </p:txBody>
+              </p:sp>
+            </p:grpSp>
+          </p:grpSp>
+          <p:cxnSp>
+            <p:nvCxnSpPr>
+              <p:cNvPr id="84" name="Straight Connector 83">
+                <a:extLst>
+                  <a:ext uri="{FF2B5EF4-FFF2-40B4-BE49-F238E27FC236}">
+                    <a16:creationId xmlns:a16="http://schemas.microsoft.com/office/drawing/2014/main" id="{0C5FFB72-59B9-4EE3-A29B-04E04475409F}"/>
+                  </a:ext>
+                </a:extLst>
+              </p:cNvPr>
+              <p:cNvCxnSpPr>
+                <a:cxnSpLocks/>
+              </p:cNvCxnSpPr>
+              <p:nvPr/>
+            </p:nvCxnSpPr>
+            <p:spPr>
+              <a:xfrm rot="5400000" flipV="1">
+                <a:off x="1065705" y="1702964"/>
+                <a:ext cx="409115" cy="351990"/>
+              </a:xfrm>
+              <a:prstGeom prst="line">
+                <a:avLst/>
+              </a:prstGeom>
+              <a:solidFill>
+                <a:srgbClr val="00B050"/>
+              </a:solidFill>
+              <a:ln>
+                <a:solidFill>
+                  <a:schemeClr val="tx1"/>
+                </a:solidFill>
+                <a:prstDash val="dash"/>
+              </a:ln>
+            </p:spPr>
+            <p:style>
+              <a:lnRef idx="1">
+                <a:schemeClr val="accent1"/>
+              </a:lnRef>
+              <a:fillRef idx="0">
+                <a:schemeClr val="accent1"/>
+              </a:fillRef>
+              <a:effectRef idx="0">
+                <a:schemeClr val="accent1"/>
+              </a:effectRef>
+              <a:fontRef idx="minor">
+                <a:schemeClr val="tx1"/>
+              </a:fontRef>
+            </p:style>
+          </p:cxnSp>
+          <p:sp>
+            <p:nvSpPr>
+              <p:cNvPr id="85" name="Rectangle: Rounded Corners 84">
+                <a:extLst>
+                  <a:ext uri="{FF2B5EF4-FFF2-40B4-BE49-F238E27FC236}">
+                    <a16:creationId xmlns:a16="http://schemas.microsoft.com/office/drawing/2014/main" id="{F7F67460-9FF1-4EC1-8643-3B2028310080}"/>
+                  </a:ext>
+                </a:extLst>
+              </p:cNvPr>
+              <p:cNvSpPr/>
+              <p:nvPr/>
+            </p:nvSpPr>
+            <p:spPr>
+              <a:xfrm>
+                <a:off x="1018793" y="1543616"/>
+                <a:ext cx="674370" cy="175212"/>
+              </a:xfrm>
+              <a:prstGeom prst="roundRect">
+                <a:avLst/>
+              </a:prstGeom>
+              <a:noFill/>
+              <a:ln>
+                <a:noFill/>
+              </a:ln>
+            </p:spPr>
+            <p:style>
+              <a:lnRef idx="2">
+                <a:schemeClr val="accent1">
+                  <a:shade val="50000"/>
+                </a:schemeClr>
+              </a:lnRef>
+              <a:fillRef idx="1">
+                <a:schemeClr val="accent1"/>
+              </a:fillRef>
+              <a:effectRef idx="0">
+                <a:schemeClr val="accent1"/>
+              </a:effectRef>
+              <a:fontRef idx="minor">
+                <a:schemeClr val="lt1"/>
+              </a:fontRef>
+            </p:style>
+            <p:txBody>
+              <a:bodyPr rtlCol="0" anchor="ctr"/>
+              <a:lstStyle/>
+              <a:p>
+                <a:pPr algn="ctr"/>
+                <a:r>
+                  <a:rPr lang="en-US" sz="500" dirty="0">
+                    <a:solidFill>
+                      <a:schemeClr val="accent2"/>
+                    </a:solidFill>
+                  </a:rPr>
+                  <a:t>Colored: condition-specific OM molecular signatures</a:t>
+                </a:r>
+                <a:endParaRPr lang="en-MY" sz="500" dirty="0">
+                  <a:solidFill>
+                    <a:schemeClr val="accent2"/>
+                  </a:solidFill>
+                </a:endParaRPr>
+              </a:p>
+            </p:txBody>
+          </p:sp>
+          <p:sp>
+            <p:nvSpPr>
+              <p:cNvPr id="86" name="Rectangle: Rounded Corners 85">
+                <a:extLst>
+                  <a:ext uri="{FF2B5EF4-FFF2-40B4-BE49-F238E27FC236}">
+                    <a16:creationId xmlns:a16="http://schemas.microsoft.com/office/drawing/2014/main" id="{492A5222-80AD-40A6-8FFA-187691221677}"/>
+                  </a:ext>
+                </a:extLst>
+              </p:cNvPr>
+              <p:cNvSpPr/>
+              <p:nvPr/>
+            </p:nvSpPr>
+            <p:spPr>
+              <a:xfrm>
+                <a:off x="972271" y="2007027"/>
+                <a:ext cx="480823" cy="100188"/>
+              </a:xfrm>
+              <a:prstGeom prst="roundRect">
+                <a:avLst/>
+              </a:prstGeom>
+              <a:noFill/>
+              <a:ln>
+                <a:noFill/>
+              </a:ln>
+            </p:spPr>
+            <p:style>
+              <a:lnRef idx="2">
+                <a:schemeClr val="accent1">
+                  <a:shade val="50000"/>
+                </a:schemeClr>
+              </a:lnRef>
+              <a:fillRef idx="1">
+                <a:schemeClr val="accent1"/>
+              </a:fillRef>
+              <a:effectRef idx="0">
+                <a:schemeClr val="accent1"/>
+              </a:effectRef>
+              <a:fontRef idx="minor">
+                <a:schemeClr val="lt1"/>
+              </a:fontRef>
+            </p:style>
+            <p:txBody>
+              <a:bodyPr rtlCol="0" anchor="ctr"/>
+              <a:lstStyle/>
+              <a:p>
+                <a:pPr algn="ctr"/>
+                <a:r>
+                  <a:rPr lang="en-US" sz="500" dirty="0">
+                    <a:solidFill>
+                      <a:schemeClr val="tx1"/>
+                    </a:solidFill>
+                  </a:rPr>
+                  <a:t>Black: all species</a:t>
+                </a:r>
+                <a:endParaRPr lang="en-MY" sz="500" dirty="0">
+                  <a:solidFill>
+                    <a:schemeClr val="tx1"/>
+                  </a:solidFill>
+                </a:endParaRPr>
+              </a:p>
+            </p:txBody>
+          </p:sp>
+        </p:grpSp>
         <p:grpSp>
           <p:nvGrpSpPr>
             <p:cNvPr id="34" name="Group 33">
@@ -14043,7 +20436,7 @@
           </p:nvGrpSpPr>
           <p:grpSpPr>
             <a:xfrm>
-              <a:off x="-81541" y="290231"/>
+              <a:off x="27472" y="284032"/>
               <a:ext cx="1616755" cy="588256"/>
               <a:chOff x="-300398" y="405062"/>
               <a:chExt cx="1616755" cy="588256"/>
@@ -14585,1450 +20978,6 @@
         </p:grpSp>
         <p:grpSp>
           <p:nvGrpSpPr>
-            <p:cNvPr id="28" name="Group 27">
-              <a:extLst>
-                <a:ext uri="{FF2B5EF4-FFF2-40B4-BE49-F238E27FC236}">
-                  <a16:creationId xmlns:a16="http://schemas.microsoft.com/office/drawing/2014/main" id="{3BCA9BD0-C81E-4971-8C75-82A8FFA31F9C}"/>
-                </a:ext>
-              </a:extLst>
-            </p:cNvPr>
-            <p:cNvGrpSpPr/>
-            <p:nvPr/>
-          </p:nvGrpSpPr>
-          <p:grpSpPr>
-            <a:xfrm>
-              <a:off x="1842714" y="878487"/>
-              <a:ext cx="1081501" cy="1058484"/>
-              <a:chOff x="825248" y="1315584"/>
-              <a:chExt cx="752833" cy="736811"/>
-            </a:xfrm>
-          </p:grpSpPr>
-          <p:sp>
-            <p:nvSpPr>
-              <p:cNvPr id="18" name="Rectangle 17">
-                <a:extLst>
-                  <a:ext uri="{FF2B5EF4-FFF2-40B4-BE49-F238E27FC236}">
-                    <a16:creationId xmlns:a16="http://schemas.microsoft.com/office/drawing/2014/main" id="{8AFF1953-D008-4B46-9F84-6157EA9A07ED}"/>
-                  </a:ext>
-                </a:extLst>
-              </p:cNvPr>
-              <p:cNvSpPr/>
-              <p:nvPr/>
-            </p:nvSpPr>
-            <p:spPr>
-              <a:xfrm>
-                <a:off x="951170" y="1434095"/>
-                <a:ext cx="519106" cy="499791"/>
-              </a:xfrm>
-              <a:prstGeom prst="rect">
-                <a:avLst/>
-              </a:prstGeom>
-              <a:solidFill>
-                <a:schemeClr val="bg2"/>
-              </a:solidFill>
-              <a:ln>
-                <a:noFill/>
-              </a:ln>
-            </p:spPr>
-            <p:style>
-              <a:lnRef idx="2">
-                <a:schemeClr val="accent1">
-                  <a:shade val="50000"/>
-                </a:schemeClr>
-              </a:lnRef>
-              <a:fillRef idx="1">
-                <a:schemeClr val="accent1"/>
-              </a:fillRef>
-              <a:effectRef idx="0">
-                <a:schemeClr val="accent1"/>
-              </a:effectRef>
-              <a:fontRef idx="minor">
-                <a:schemeClr val="lt1"/>
-              </a:fontRef>
-            </p:style>
-            <p:txBody>
-              <a:bodyPr rtlCol="0" anchor="ctr"/>
-              <a:lstStyle/>
-              <a:p>
-                <a:pPr algn="ctr"/>
-                <a:endParaRPr lang="en-MY"/>
-              </a:p>
-            </p:txBody>
-          </p:sp>
-          <p:cxnSp>
-            <p:nvCxnSpPr>
-              <p:cNvPr id="20" name="Straight Arrow Connector 19">
-                <a:extLst>
-                  <a:ext uri="{FF2B5EF4-FFF2-40B4-BE49-F238E27FC236}">
-                    <a16:creationId xmlns:a16="http://schemas.microsoft.com/office/drawing/2014/main" id="{0483BE55-134D-4646-B5C0-6CEEE7FCF093}"/>
-                  </a:ext>
-                </a:extLst>
-              </p:cNvPr>
-              <p:cNvCxnSpPr>
-                <a:cxnSpLocks/>
-              </p:cNvCxnSpPr>
-              <p:nvPr/>
-            </p:nvCxnSpPr>
-            <p:spPr>
-              <a:xfrm flipV="1">
-                <a:off x="951170" y="1410667"/>
-                <a:ext cx="0" cy="523219"/>
-              </a:xfrm>
-              <a:prstGeom prst="straightConnector1">
-                <a:avLst/>
-              </a:prstGeom>
-              <a:ln>
-                <a:solidFill>
-                  <a:schemeClr val="tx1"/>
-                </a:solidFill>
-                <a:tailEnd type="triangle" w="sm" len="sm"/>
-              </a:ln>
-            </p:spPr>
-            <p:style>
-              <a:lnRef idx="1">
-                <a:schemeClr val="accent1"/>
-              </a:lnRef>
-              <a:fillRef idx="0">
-                <a:schemeClr val="accent1"/>
-              </a:fillRef>
-              <a:effectRef idx="0">
-                <a:schemeClr val="accent1"/>
-              </a:effectRef>
-              <a:fontRef idx="minor">
-                <a:schemeClr val="tx1"/>
-              </a:fontRef>
-            </p:style>
-          </p:cxnSp>
-          <p:cxnSp>
-            <p:nvCxnSpPr>
-              <p:cNvPr id="344" name="Straight Arrow Connector 343">
-                <a:extLst>
-                  <a:ext uri="{FF2B5EF4-FFF2-40B4-BE49-F238E27FC236}">
-                    <a16:creationId xmlns:a16="http://schemas.microsoft.com/office/drawing/2014/main" id="{623E09CD-4286-4E97-BB8E-8B6402959F98}"/>
-                  </a:ext>
-                </a:extLst>
-              </p:cNvPr>
-              <p:cNvCxnSpPr>
-                <a:cxnSpLocks/>
-              </p:cNvCxnSpPr>
-              <p:nvPr/>
-            </p:nvCxnSpPr>
-            <p:spPr>
-              <a:xfrm rot="5400000" flipV="1">
-                <a:off x="1210228" y="1674732"/>
-                <a:ext cx="0" cy="523219"/>
-              </a:xfrm>
-              <a:prstGeom prst="straightConnector1">
-                <a:avLst/>
-              </a:prstGeom>
-              <a:ln>
-                <a:solidFill>
-                  <a:schemeClr val="tx1"/>
-                </a:solidFill>
-                <a:tailEnd type="triangle" w="sm" len="sm"/>
-              </a:ln>
-            </p:spPr>
-            <p:style>
-              <a:lnRef idx="1">
-                <a:schemeClr val="accent1"/>
-              </a:lnRef>
-              <a:fillRef idx="0">
-                <a:schemeClr val="accent1"/>
-              </a:fillRef>
-              <a:effectRef idx="0">
-                <a:schemeClr val="accent1"/>
-              </a:effectRef>
-              <a:fontRef idx="minor">
-                <a:schemeClr val="tx1"/>
-              </a:fontRef>
-            </p:style>
-          </p:cxnSp>
-          <p:sp>
-            <p:nvSpPr>
-              <p:cNvPr id="345" name="Rectangle: Rounded Corners 344">
-                <a:extLst>
-                  <a:ext uri="{FF2B5EF4-FFF2-40B4-BE49-F238E27FC236}">
-                    <a16:creationId xmlns:a16="http://schemas.microsoft.com/office/drawing/2014/main" id="{A581DDD7-B073-4C27-A6F8-9C79FD9F10FD}"/>
-                  </a:ext>
-                </a:extLst>
-              </p:cNvPr>
-              <p:cNvSpPr/>
-              <p:nvPr/>
-            </p:nvSpPr>
-            <p:spPr>
-              <a:xfrm>
-                <a:off x="879060" y="1937582"/>
-                <a:ext cx="699021" cy="114813"/>
-              </a:xfrm>
-              <a:prstGeom prst="roundRect">
-                <a:avLst/>
-              </a:prstGeom>
-              <a:noFill/>
-              <a:ln>
-                <a:noFill/>
-              </a:ln>
-            </p:spPr>
-            <p:style>
-              <a:lnRef idx="2">
-                <a:schemeClr val="accent1">
-                  <a:shade val="50000"/>
-                </a:schemeClr>
-              </a:lnRef>
-              <a:fillRef idx="1">
-                <a:schemeClr val="accent1"/>
-              </a:fillRef>
-              <a:effectRef idx="0">
-                <a:schemeClr val="accent1"/>
-              </a:effectRef>
-              <a:fontRef idx="minor">
-                <a:schemeClr val="lt1"/>
-              </a:fontRef>
-            </p:style>
-            <p:txBody>
-              <a:bodyPr rtlCol="0" anchor="ctr"/>
-              <a:lstStyle/>
-              <a:p>
-                <a:pPr algn="ctr"/>
-                <a:r>
-                  <a:rPr lang="en-US" sz="600" dirty="0">
-                    <a:solidFill>
-                      <a:schemeClr val="tx1"/>
-                    </a:solidFill>
-                  </a:rPr>
-                  <a:t>Biogeochemical </a:t>
-                </a:r>
-              </a:p>
-              <a:p>
-                <a:pPr algn="ctr"/>
-                <a:r>
-                  <a:rPr lang="en-US" sz="600" dirty="0">
-                    <a:solidFill>
-                      <a:schemeClr val="tx1"/>
-                    </a:solidFill>
-                  </a:rPr>
-                  <a:t>conditions </a:t>
-                </a:r>
-                <a:endParaRPr lang="en-MY" sz="600" dirty="0">
-                  <a:solidFill>
-                    <a:schemeClr val="tx1"/>
-                  </a:solidFill>
-                </a:endParaRPr>
-              </a:p>
-            </p:txBody>
-          </p:sp>
-          <p:sp>
-            <p:nvSpPr>
-              <p:cNvPr id="346" name="Rectangle: Rounded Corners 345">
-                <a:extLst>
-                  <a:ext uri="{FF2B5EF4-FFF2-40B4-BE49-F238E27FC236}">
-                    <a16:creationId xmlns:a16="http://schemas.microsoft.com/office/drawing/2014/main" id="{0736E469-6E0C-4647-8F03-B6BFFBFC39D2}"/>
-                  </a:ext>
-                </a:extLst>
-              </p:cNvPr>
-              <p:cNvSpPr/>
-              <p:nvPr/>
-            </p:nvSpPr>
-            <p:spPr>
-              <a:xfrm rot="16200000">
-                <a:off x="505386" y="1635446"/>
-                <a:ext cx="736811" cy="97088"/>
-              </a:xfrm>
-              <a:prstGeom prst="roundRect">
-                <a:avLst/>
-              </a:prstGeom>
-              <a:noFill/>
-              <a:ln>
-                <a:noFill/>
-              </a:ln>
-            </p:spPr>
-            <p:style>
-              <a:lnRef idx="2">
-                <a:schemeClr val="accent1">
-                  <a:shade val="50000"/>
-                </a:schemeClr>
-              </a:lnRef>
-              <a:fillRef idx="1">
-                <a:schemeClr val="accent1"/>
-              </a:fillRef>
-              <a:effectRef idx="0">
-                <a:schemeClr val="accent1"/>
-              </a:effectRef>
-              <a:fontRef idx="minor">
-                <a:schemeClr val="lt1"/>
-              </a:fontRef>
-            </p:style>
-            <p:txBody>
-              <a:bodyPr rtlCol="0" anchor="ctr"/>
-              <a:lstStyle/>
-              <a:p>
-                <a:pPr algn="ctr"/>
-                <a:r>
-                  <a:rPr lang="en-US" sz="600" dirty="0">
-                    <a:solidFill>
-                      <a:schemeClr val="tx1"/>
-                    </a:solidFill>
-                  </a:rPr>
-                  <a:t>Thermodynamic </a:t>
-                </a:r>
-              </a:p>
-              <a:p>
-                <a:pPr algn="ctr"/>
-                <a:r>
-                  <a:rPr lang="en-US" sz="600" dirty="0">
-                    <a:solidFill>
-                      <a:schemeClr val="tx1"/>
-                    </a:solidFill>
-                  </a:rPr>
-                  <a:t>properties</a:t>
-                </a:r>
-                <a:endParaRPr lang="en-MY" sz="600" dirty="0">
-                  <a:solidFill>
-                    <a:schemeClr val="tx1"/>
-                  </a:solidFill>
-                </a:endParaRPr>
-              </a:p>
-            </p:txBody>
-          </p:sp>
-          <p:grpSp>
-            <p:nvGrpSpPr>
-              <p:cNvPr id="22" name="Group 21">
-                <a:extLst>
-                  <a:ext uri="{FF2B5EF4-FFF2-40B4-BE49-F238E27FC236}">
-                    <a16:creationId xmlns:a16="http://schemas.microsoft.com/office/drawing/2014/main" id="{8C2DCC4A-3013-441D-977F-AD3139BE6C75}"/>
-                  </a:ext>
-                </a:extLst>
-              </p:cNvPr>
-              <p:cNvGrpSpPr/>
-              <p:nvPr/>
-            </p:nvGrpSpPr>
-            <p:grpSpPr>
-              <a:xfrm rot="686126">
-                <a:off x="1045321" y="1520297"/>
-                <a:ext cx="312914" cy="370798"/>
-                <a:chOff x="1987152" y="1570823"/>
-                <a:chExt cx="312914" cy="370798"/>
-              </a:xfrm>
-            </p:grpSpPr>
-            <p:grpSp>
-              <p:nvGrpSpPr>
-                <p:cNvPr id="348" name="Group 347">
-                  <a:extLst>
-                    <a:ext uri="{FF2B5EF4-FFF2-40B4-BE49-F238E27FC236}">
-                      <a16:creationId xmlns:a16="http://schemas.microsoft.com/office/drawing/2014/main" id="{D870C7E6-6506-40D8-8819-FE2FA871E9A3}"/>
-                    </a:ext>
-                  </a:extLst>
-                </p:cNvPr>
-                <p:cNvGrpSpPr/>
-                <p:nvPr/>
-              </p:nvGrpSpPr>
-              <p:grpSpPr>
-                <a:xfrm rot="1734796">
-                  <a:off x="1987152" y="1792683"/>
-                  <a:ext cx="93042" cy="148938"/>
-                  <a:chOff x="988332" y="1820177"/>
-                  <a:chExt cx="93042" cy="148938"/>
-                </a:xfrm>
-                <a:solidFill>
-                  <a:schemeClr val="accent2"/>
-                </a:solidFill>
-              </p:grpSpPr>
-              <p:sp>
-                <p:nvSpPr>
-                  <p:cNvPr id="367" name="Oval 366">
-                    <a:extLst>
-                      <a:ext uri="{FF2B5EF4-FFF2-40B4-BE49-F238E27FC236}">
-                        <a16:creationId xmlns:a16="http://schemas.microsoft.com/office/drawing/2014/main" id="{6E25DFFB-1CD1-4950-A371-8694E74C9B6C}"/>
-                      </a:ext>
-                    </a:extLst>
-                  </p:cNvPr>
-                  <p:cNvSpPr/>
-                  <p:nvPr/>
-                </p:nvSpPr>
-                <p:spPr>
-                  <a:xfrm flipV="1">
-                    <a:off x="1001118" y="1906242"/>
-                    <a:ext cx="31014" cy="29509"/>
-                  </a:xfrm>
-                  <a:prstGeom prst="ellipse">
-                    <a:avLst/>
-                  </a:prstGeom>
-                  <a:grpFill/>
-                  <a:ln>
-                    <a:noFill/>
-                  </a:ln>
-                </p:spPr>
-                <p:style>
-                  <a:lnRef idx="2">
-                    <a:schemeClr val="accent1">
-                      <a:shade val="50000"/>
-                    </a:schemeClr>
-                  </a:lnRef>
-                  <a:fillRef idx="1">
-                    <a:schemeClr val="accent1"/>
-                  </a:fillRef>
-                  <a:effectRef idx="0">
-                    <a:schemeClr val="accent1"/>
-                  </a:effectRef>
-                  <a:fontRef idx="minor">
-                    <a:schemeClr val="lt1"/>
-                  </a:fontRef>
-                </p:style>
-                <p:txBody>
-                  <a:bodyPr rtlCol="0" anchor="ctr"/>
-                  <a:lstStyle/>
-                  <a:p>
-                    <a:pPr algn="ctr"/>
-                    <a:endParaRPr lang="en-US"/>
-                  </a:p>
-                </p:txBody>
-              </p:sp>
-              <p:sp>
-                <p:nvSpPr>
-                  <p:cNvPr id="368" name="Oval 367">
-                    <a:extLst>
-                      <a:ext uri="{FF2B5EF4-FFF2-40B4-BE49-F238E27FC236}">
-                        <a16:creationId xmlns:a16="http://schemas.microsoft.com/office/drawing/2014/main" id="{F2B1DF8F-0878-42F4-8046-3D2E4544B3E7}"/>
-                      </a:ext>
-                    </a:extLst>
-                  </p:cNvPr>
-                  <p:cNvSpPr/>
-                  <p:nvPr/>
-                </p:nvSpPr>
-                <p:spPr>
-                  <a:xfrm flipV="1">
-                    <a:off x="1034853" y="1939606"/>
-                    <a:ext cx="31014" cy="29509"/>
-                  </a:xfrm>
-                  <a:prstGeom prst="ellipse">
-                    <a:avLst/>
-                  </a:prstGeom>
-                  <a:grpFill/>
-                  <a:ln>
-                    <a:noFill/>
-                  </a:ln>
-                </p:spPr>
-                <p:style>
-                  <a:lnRef idx="2">
-                    <a:schemeClr val="accent1">
-                      <a:shade val="50000"/>
-                    </a:schemeClr>
-                  </a:lnRef>
-                  <a:fillRef idx="1">
-                    <a:schemeClr val="accent1"/>
-                  </a:fillRef>
-                  <a:effectRef idx="0">
-                    <a:schemeClr val="accent1"/>
-                  </a:effectRef>
-                  <a:fontRef idx="minor">
-                    <a:schemeClr val="lt1"/>
-                  </a:fontRef>
-                </p:style>
-                <p:txBody>
-                  <a:bodyPr rtlCol="0" anchor="ctr"/>
-                  <a:lstStyle/>
-                  <a:p>
-                    <a:pPr algn="ctr"/>
-                    <a:endParaRPr lang="en-US"/>
-                  </a:p>
-                </p:txBody>
-              </p:sp>
-              <p:sp>
-                <p:nvSpPr>
-                  <p:cNvPr id="370" name="Oval 369">
-                    <a:extLst>
-                      <a:ext uri="{FF2B5EF4-FFF2-40B4-BE49-F238E27FC236}">
-                        <a16:creationId xmlns:a16="http://schemas.microsoft.com/office/drawing/2014/main" id="{45F12AD3-1EAF-484F-81A6-010E8A1ED327}"/>
-                      </a:ext>
-                    </a:extLst>
-                  </p:cNvPr>
-                  <p:cNvSpPr/>
-                  <p:nvPr/>
-                </p:nvSpPr>
-                <p:spPr>
-                  <a:xfrm flipV="1">
-                    <a:off x="1050360" y="1901184"/>
-                    <a:ext cx="31014" cy="29509"/>
-                  </a:xfrm>
-                  <a:prstGeom prst="ellipse">
-                    <a:avLst/>
-                  </a:prstGeom>
-                  <a:grpFill/>
-                  <a:ln>
-                    <a:noFill/>
-                  </a:ln>
-                </p:spPr>
-                <p:style>
-                  <a:lnRef idx="2">
-                    <a:schemeClr val="accent1">
-                      <a:shade val="50000"/>
-                    </a:schemeClr>
-                  </a:lnRef>
-                  <a:fillRef idx="1">
-                    <a:schemeClr val="accent1"/>
-                  </a:fillRef>
-                  <a:effectRef idx="0">
-                    <a:schemeClr val="accent1"/>
-                  </a:effectRef>
-                  <a:fontRef idx="minor">
-                    <a:schemeClr val="lt1"/>
-                  </a:fontRef>
-                </p:style>
-                <p:txBody>
-                  <a:bodyPr rtlCol="0" anchor="ctr"/>
-                  <a:lstStyle/>
-                  <a:p>
-                    <a:pPr algn="ctr"/>
-                    <a:endParaRPr lang="en-US"/>
-                  </a:p>
-                </p:txBody>
-              </p:sp>
-              <p:sp>
-                <p:nvSpPr>
-                  <p:cNvPr id="371" name="Oval 370">
-                    <a:extLst>
-                      <a:ext uri="{FF2B5EF4-FFF2-40B4-BE49-F238E27FC236}">
-                        <a16:creationId xmlns:a16="http://schemas.microsoft.com/office/drawing/2014/main" id="{54CE7C73-26EE-4346-A83E-C6AC5F50B95D}"/>
-                      </a:ext>
-                    </a:extLst>
-                  </p:cNvPr>
-                  <p:cNvSpPr/>
-                  <p:nvPr/>
-                </p:nvSpPr>
-                <p:spPr>
-                  <a:xfrm flipV="1">
-                    <a:off x="1027100" y="1865137"/>
-                    <a:ext cx="31014" cy="29509"/>
-                  </a:xfrm>
-                  <a:prstGeom prst="ellipse">
-                    <a:avLst/>
-                  </a:prstGeom>
-                  <a:grpFill/>
-                  <a:ln>
-                    <a:noFill/>
-                  </a:ln>
-                </p:spPr>
-                <p:style>
-                  <a:lnRef idx="2">
-                    <a:schemeClr val="accent1">
-                      <a:shade val="50000"/>
-                    </a:schemeClr>
-                  </a:lnRef>
-                  <a:fillRef idx="1">
-                    <a:schemeClr val="accent1"/>
-                  </a:fillRef>
-                  <a:effectRef idx="0">
-                    <a:schemeClr val="accent1"/>
-                  </a:effectRef>
-                  <a:fontRef idx="minor">
-                    <a:schemeClr val="lt1"/>
-                  </a:fontRef>
-                </p:style>
-                <p:txBody>
-                  <a:bodyPr rtlCol="0" anchor="ctr"/>
-                  <a:lstStyle/>
-                  <a:p>
-                    <a:pPr algn="ctr"/>
-                    <a:endParaRPr lang="en-US"/>
-                  </a:p>
-                </p:txBody>
-              </p:sp>
-              <p:sp>
-                <p:nvSpPr>
-                  <p:cNvPr id="373" name="Oval 372">
-                    <a:extLst>
-                      <a:ext uri="{FF2B5EF4-FFF2-40B4-BE49-F238E27FC236}">
-                        <a16:creationId xmlns:a16="http://schemas.microsoft.com/office/drawing/2014/main" id="{17290DAA-1A37-4F4B-9FC6-1F8060D39905}"/>
-                      </a:ext>
-                    </a:extLst>
-                  </p:cNvPr>
-                  <p:cNvSpPr/>
-                  <p:nvPr/>
-                </p:nvSpPr>
-                <p:spPr>
-                  <a:xfrm flipV="1">
-                    <a:off x="988332" y="1840978"/>
-                    <a:ext cx="31014" cy="29509"/>
-                  </a:xfrm>
-                  <a:prstGeom prst="ellipse">
-                    <a:avLst/>
-                  </a:prstGeom>
-                  <a:grpFill/>
-                  <a:ln>
-                    <a:noFill/>
-                  </a:ln>
-                </p:spPr>
-                <p:style>
-                  <a:lnRef idx="2">
-                    <a:schemeClr val="accent1">
-                      <a:shade val="50000"/>
-                    </a:schemeClr>
-                  </a:lnRef>
-                  <a:fillRef idx="1">
-                    <a:schemeClr val="accent1"/>
-                  </a:fillRef>
-                  <a:effectRef idx="0">
-                    <a:schemeClr val="accent1"/>
-                  </a:effectRef>
-                  <a:fontRef idx="minor">
-                    <a:schemeClr val="lt1"/>
-                  </a:fontRef>
-                </p:style>
-                <p:txBody>
-                  <a:bodyPr rtlCol="0" anchor="ctr"/>
-                  <a:lstStyle/>
-                  <a:p>
-                    <a:pPr algn="ctr"/>
-                    <a:endParaRPr lang="en-US"/>
-                  </a:p>
-                </p:txBody>
-              </p:sp>
-              <p:sp>
-                <p:nvSpPr>
-                  <p:cNvPr id="374" name="Oval 373">
-                    <a:extLst>
-                      <a:ext uri="{FF2B5EF4-FFF2-40B4-BE49-F238E27FC236}">
-                        <a16:creationId xmlns:a16="http://schemas.microsoft.com/office/drawing/2014/main" id="{0170734D-EDC6-4AAD-9EA1-11D1A95DD688}"/>
-                      </a:ext>
-                    </a:extLst>
-                  </p:cNvPr>
-                  <p:cNvSpPr/>
-                  <p:nvPr/>
-                </p:nvSpPr>
-                <p:spPr>
-                  <a:xfrm flipV="1">
-                    <a:off x="1034382" y="1820177"/>
-                    <a:ext cx="31014" cy="29509"/>
-                  </a:xfrm>
-                  <a:prstGeom prst="ellipse">
-                    <a:avLst/>
-                  </a:prstGeom>
-                  <a:grpFill/>
-                  <a:ln>
-                    <a:noFill/>
-                  </a:ln>
-                </p:spPr>
-                <p:style>
-                  <a:lnRef idx="2">
-                    <a:schemeClr val="accent1">
-                      <a:shade val="50000"/>
-                    </a:schemeClr>
-                  </a:lnRef>
-                  <a:fillRef idx="1">
-                    <a:schemeClr val="accent1"/>
-                  </a:fillRef>
-                  <a:effectRef idx="0">
-                    <a:schemeClr val="accent1"/>
-                  </a:effectRef>
-                  <a:fontRef idx="minor">
-                    <a:schemeClr val="lt1"/>
-                  </a:fontRef>
-                </p:style>
-                <p:txBody>
-                  <a:bodyPr rtlCol="0" anchor="ctr"/>
-                  <a:lstStyle/>
-                  <a:p>
-                    <a:pPr algn="ctr"/>
-                    <a:endParaRPr lang="en-US"/>
-                  </a:p>
-                </p:txBody>
-              </p:sp>
-            </p:grpSp>
-            <p:grpSp>
-              <p:nvGrpSpPr>
-                <p:cNvPr id="350" name="Group 349">
-                  <a:extLst>
-                    <a:ext uri="{FF2B5EF4-FFF2-40B4-BE49-F238E27FC236}">
-                      <a16:creationId xmlns:a16="http://schemas.microsoft.com/office/drawing/2014/main" id="{4A8BDA3E-0831-4DAE-95A7-D09D4291DB87}"/>
-                    </a:ext>
-                  </a:extLst>
-                </p:cNvPr>
-                <p:cNvGrpSpPr/>
-                <p:nvPr/>
-              </p:nvGrpSpPr>
-              <p:grpSpPr>
-                <a:xfrm rot="14275821">
-                  <a:off x="2047882" y="1658479"/>
-                  <a:ext cx="131339" cy="148938"/>
-                  <a:chOff x="972825" y="1820177"/>
-                  <a:chExt cx="131339" cy="148938"/>
-                </a:xfrm>
-                <a:solidFill>
-                  <a:schemeClr val="accent2"/>
-                </a:solidFill>
-              </p:grpSpPr>
-              <p:sp>
-                <p:nvSpPr>
-                  <p:cNvPr id="351" name="Oval 350">
-                    <a:extLst>
-                      <a:ext uri="{FF2B5EF4-FFF2-40B4-BE49-F238E27FC236}">
-                        <a16:creationId xmlns:a16="http://schemas.microsoft.com/office/drawing/2014/main" id="{8E7E1FD3-D865-460D-AE13-DFA5EC4E378A}"/>
-                      </a:ext>
-                    </a:extLst>
-                  </p:cNvPr>
-                  <p:cNvSpPr/>
-                  <p:nvPr/>
-                </p:nvSpPr>
-                <p:spPr>
-                  <a:xfrm flipV="1">
-                    <a:off x="1001118" y="1906242"/>
-                    <a:ext cx="31014" cy="29509"/>
-                  </a:xfrm>
-                  <a:prstGeom prst="ellipse">
-                    <a:avLst/>
-                  </a:prstGeom>
-                  <a:grpFill/>
-                  <a:ln>
-                    <a:noFill/>
-                  </a:ln>
-                </p:spPr>
-                <p:style>
-                  <a:lnRef idx="2">
-                    <a:schemeClr val="accent1">
-                      <a:shade val="50000"/>
-                    </a:schemeClr>
-                  </a:lnRef>
-                  <a:fillRef idx="1">
-                    <a:schemeClr val="accent1"/>
-                  </a:fillRef>
-                  <a:effectRef idx="0">
-                    <a:schemeClr val="accent1"/>
-                  </a:effectRef>
-                  <a:fontRef idx="minor">
-                    <a:schemeClr val="lt1"/>
-                  </a:fontRef>
-                </p:style>
-                <p:txBody>
-                  <a:bodyPr rtlCol="0" anchor="ctr"/>
-                  <a:lstStyle/>
-                  <a:p>
-                    <a:pPr algn="ctr"/>
-                    <a:endParaRPr lang="en-US"/>
-                  </a:p>
-                </p:txBody>
-              </p:sp>
-              <p:sp>
-                <p:nvSpPr>
-                  <p:cNvPr id="352" name="Oval 351">
-                    <a:extLst>
-                      <a:ext uri="{FF2B5EF4-FFF2-40B4-BE49-F238E27FC236}">
-                        <a16:creationId xmlns:a16="http://schemas.microsoft.com/office/drawing/2014/main" id="{3CC19F20-9D8A-4239-950E-B25572AF17A8}"/>
-                      </a:ext>
-                    </a:extLst>
-                  </p:cNvPr>
-                  <p:cNvSpPr/>
-                  <p:nvPr/>
-                </p:nvSpPr>
-                <p:spPr>
-                  <a:xfrm flipV="1">
-                    <a:off x="1034853" y="1939606"/>
-                    <a:ext cx="31014" cy="29509"/>
-                  </a:xfrm>
-                  <a:prstGeom prst="ellipse">
-                    <a:avLst/>
-                  </a:prstGeom>
-                  <a:grpFill/>
-                  <a:ln>
-                    <a:noFill/>
-                  </a:ln>
-                </p:spPr>
-                <p:style>
-                  <a:lnRef idx="2">
-                    <a:schemeClr val="accent1">
-                      <a:shade val="50000"/>
-                    </a:schemeClr>
-                  </a:lnRef>
-                  <a:fillRef idx="1">
-                    <a:schemeClr val="accent1"/>
-                  </a:fillRef>
-                  <a:effectRef idx="0">
-                    <a:schemeClr val="accent1"/>
-                  </a:effectRef>
-                  <a:fontRef idx="minor">
-                    <a:schemeClr val="lt1"/>
-                  </a:fontRef>
-                </p:style>
-                <p:txBody>
-                  <a:bodyPr rtlCol="0" anchor="ctr"/>
-                  <a:lstStyle/>
-                  <a:p>
-                    <a:pPr algn="ctr"/>
-                    <a:endParaRPr lang="en-US"/>
-                  </a:p>
-                </p:txBody>
-              </p:sp>
-              <p:sp>
-                <p:nvSpPr>
-                  <p:cNvPr id="353" name="Oval 352">
-                    <a:extLst>
-                      <a:ext uri="{FF2B5EF4-FFF2-40B4-BE49-F238E27FC236}">
-                        <a16:creationId xmlns:a16="http://schemas.microsoft.com/office/drawing/2014/main" id="{A59096AD-453E-4298-B56F-78E6B98799A6}"/>
-                      </a:ext>
-                    </a:extLst>
-                  </p:cNvPr>
-                  <p:cNvSpPr/>
-                  <p:nvPr/>
-                </p:nvSpPr>
-                <p:spPr>
-                  <a:xfrm flipV="1">
-                    <a:off x="972825" y="1871675"/>
-                    <a:ext cx="31014" cy="29509"/>
-                  </a:xfrm>
-                  <a:prstGeom prst="ellipse">
-                    <a:avLst/>
-                  </a:prstGeom>
-                  <a:grpFill/>
-                  <a:ln>
-                    <a:noFill/>
-                  </a:ln>
-                </p:spPr>
-                <p:style>
-                  <a:lnRef idx="2">
-                    <a:schemeClr val="accent1">
-                      <a:shade val="50000"/>
-                    </a:schemeClr>
-                  </a:lnRef>
-                  <a:fillRef idx="1">
-                    <a:schemeClr val="accent1"/>
-                  </a:fillRef>
-                  <a:effectRef idx="0">
-                    <a:schemeClr val="accent1"/>
-                  </a:effectRef>
-                  <a:fontRef idx="minor">
-                    <a:schemeClr val="lt1"/>
-                  </a:fontRef>
-                </p:style>
-                <p:txBody>
-                  <a:bodyPr rtlCol="0" anchor="ctr"/>
-                  <a:lstStyle/>
-                  <a:p>
-                    <a:pPr algn="ctr"/>
-                    <a:endParaRPr lang="en-US"/>
-                  </a:p>
-                </p:txBody>
-              </p:sp>
-              <p:sp>
-                <p:nvSpPr>
-                  <p:cNvPr id="354" name="Oval 353">
-                    <a:extLst>
-                      <a:ext uri="{FF2B5EF4-FFF2-40B4-BE49-F238E27FC236}">
-                        <a16:creationId xmlns:a16="http://schemas.microsoft.com/office/drawing/2014/main" id="{E2CD7BC4-8977-4BDF-8448-EF82E470736D}"/>
-                      </a:ext>
-                    </a:extLst>
-                  </p:cNvPr>
-                  <p:cNvSpPr/>
-                  <p:nvPr/>
-                </p:nvSpPr>
-                <p:spPr>
-                  <a:xfrm flipV="1">
-                    <a:off x="1050360" y="1901184"/>
-                    <a:ext cx="31014" cy="29509"/>
-                  </a:xfrm>
-                  <a:prstGeom prst="ellipse">
-                    <a:avLst/>
-                  </a:prstGeom>
-                  <a:grpFill/>
-                  <a:ln>
-                    <a:noFill/>
-                  </a:ln>
-                </p:spPr>
-                <p:style>
-                  <a:lnRef idx="2">
-                    <a:schemeClr val="accent1">
-                      <a:shade val="50000"/>
-                    </a:schemeClr>
-                  </a:lnRef>
-                  <a:fillRef idx="1">
-                    <a:schemeClr val="accent1"/>
-                  </a:fillRef>
-                  <a:effectRef idx="0">
-                    <a:schemeClr val="accent1"/>
-                  </a:effectRef>
-                  <a:fontRef idx="minor">
-                    <a:schemeClr val="lt1"/>
-                  </a:fontRef>
-                </p:style>
-                <p:txBody>
-                  <a:bodyPr rtlCol="0" anchor="ctr"/>
-                  <a:lstStyle/>
-                  <a:p>
-                    <a:pPr algn="ctr"/>
-                    <a:endParaRPr lang="en-US"/>
-                  </a:p>
-                </p:txBody>
-              </p:sp>
-              <p:sp>
-                <p:nvSpPr>
-                  <p:cNvPr id="355" name="Oval 354">
-                    <a:extLst>
-                      <a:ext uri="{FF2B5EF4-FFF2-40B4-BE49-F238E27FC236}">
-                        <a16:creationId xmlns:a16="http://schemas.microsoft.com/office/drawing/2014/main" id="{90318CCF-D57D-4249-ADBB-6AABC49D8267}"/>
-                      </a:ext>
-                    </a:extLst>
-                  </p:cNvPr>
-                  <p:cNvSpPr/>
-                  <p:nvPr/>
-                </p:nvSpPr>
-                <p:spPr>
-                  <a:xfrm flipV="1">
-                    <a:off x="1027100" y="1865137"/>
-                    <a:ext cx="31014" cy="29509"/>
-                  </a:xfrm>
-                  <a:prstGeom prst="ellipse">
-                    <a:avLst/>
-                  </a:prstGeom>
-                  <a:grpFill/>
-                  <a:ln>
-                    <a:noFill/>
-                  </a:ln>
-                </p:spPr>
-                <p:style>
-                  <a:lnRef idx="2">
-                    <a:schemeClr val="accent1">
-                      <a:shade val="50000"/>
-                    </a:schemeClr>
-                  </a:lnRef>
-                  <a:fillRef idx="1">
-                    <a:schemeClr val="accent1"/>
-                  </a:fillRef>
-                  <a:effectRef idx="0">
-                    <a:schemeClr val="accent1"/>
-                  </a:effectRef>
-                  <a:fontRef idx="minor">
-                    <a:schemeClr val="lt1"/>
-                  </a:fontRef>
-                </p:style>
-                <p:txBody>
-                  <a:bodyPr rtlCol="0" anchor="ctr"/>
-                  <a:lstStyle/>
-                  <a:p>
-                    <a:pPr algn="ctr"/>
-                    <a:endParaRPr lang="en-US"/>
-                  </a:p>
-                </p:txBody>
-              </p:sp>
-              <p:sp>
-                <p:nvSpPr>
-                  <p:cNvPr id="356" name="Oval 355">
-                    <a:extLst>
-                      <a:ext uri="{FF2B5EF4-FFF2-40B4-BE49-F238E27FC236}">
-                        <a16:creationId xmlns:a16="http://schemas.microsoft.com/office/drawing/2014/main" id="{DFF557FA-D0AD-483C-9CB0-864B6F6BD653}"/>
-                      </a:ext>
-                    </a:extLst>
-                  </p:cNvPr>
-                  <p:cNvSpPr/>
-                  <p:nvPr/>
-                </p:nvSpPr>
-                <p:spPr>
-                  <a:xfrm flipV="1">
-                    <a:off x="1073150" y="1847661"/>
-                    <a:ext cx="31014" cy="29509"/>
-                  </a:xfrm>
-                  <a:prstGeom prst="ellipse">
-                    <a:avLst/>
-                  </a:prstGeom>
-                  <a:grpFill/>
-                  <a:ln>
-                    <a:noFill/>
-                  </a:ln>
-                </p:spPr>
-                <p:style>
-                  <a:lnRef idx="2">
-                    <a:schemeClr val="accent1">
-                      <a:shade val="50000"/>
-                    </a:schemeClr>
-                  </a:lnRef>
-                  <a:fillRef idx="1">
-                    <a:schemeClr val="accent1"/>
-                  </a:fillRef>
-                  <a:effectRef idx="0">
-                    <a:schemeClr val="accent1"/>
-                  </a:effectRef>
-                  <a:fontRef idx="minor">
-                    <a:schemeClr val="lt1"/>
-                  </a:fontRef>
-                </p:style>
-                <p:txBody>
-                  <a:bodyPr rtlCol="0" anchor="ctr"/>
-                  <a:lstStyle/>
-                  <a:p>
-                    <a:pPr algn="ctr"/>
-                    <a:endParaRPr lang="en-US"/>
-                  </a:p>
-                </p:txBody>
-              </p:sp>
-              <p:sp>
-                <p:nvSpPr>
-                  <p:cNvPr id="357" name="Oval 356">
-                    <a:extLst>
-                      <a:ext uri="{FF2B5EF4-FFF2-40B4-BE49-F238E27FC236}">
-                        <a16:creationId xmlns:a16="http://schemas.microsoft.com/office/drawing/2014/main" id="{C299A544-C28A-4639-996C-BC685572728B}"/>
-                      </a:ext>
-                    </a:extLst>
-                  </p:cNvPr>
-                  <p:cNvSpPr/>
-                  <p:nvPr/>
-                </p:nvSpPr>
-                <p:spPr>
-                  <a:xfrm flipV="1">
-                    <a:off x="988332" y="1840978"/>
-                    <a:ext cx="31014" cy="29509"/>
-                  </a:xfrm>
-                  <a:prstGeom prst="ellipse">
-                    <a:avLst/>
-                  </a:prstGeom>
-                  <a:grpFill/>
-                  <a:ln>
-                    <a:noFill/>
-                  </a:ln>
-                </p:spPr>
-                <p:style>
-                  <a:lnRef idx="2">
-                    <a:schemeClr val="accent1">
-                      <a:shade val="50000"/>
-                    </a:schemeClr>
-                  </a:lnRef>
-                  <a:fillRef idx="1">
-                    <a:schemeClr val="accent1"/>
-                  </a:fillRef>
-                  <a:effectRef idx="0">
-                    <a:schemeClr val="accent1"/>
-                  </a:effectRef>
-                  <a:fontRef idx="minor">
-                    <a:schemeClr val="lt1"/>
-                  </a:fontRef>
-                </p:style>
-                <p:txBody>
-                  <a:bodyPr rtlCol="0" anchor="ctr"/>
-                  <a:lstStyle/>
-                  <a:p>
-                    <a:pPr algn="ctr"/>
-                    <a:endParaRPr lang="en-US"/>
-                  </a:p>
-                </p:txBody>
-              </p:sp>
-              <p:sp>
-                <p:nvSpPr>
-                  <p:cNvPr id="358" name="Oval 357">
-                    <a:extLst>
-                      <a:ext uri="{FF2B5EF4-FFF2-40B4-BE49-F238E27FC236}">
-                        <a16:creationId xmlns:a16="http://schemas.microsoft.com/office/drawing/2014/main" id="{8A0184C9-85F8-4C97-A7CD-CAA7120F12EC}"/>
-                      </a:ext>
-                    </a:extLst>
-                  </p:cNvPr>
-                  <p:cNvSpPr/>
-                  <p:nvPr/>
-                </p:nvSpPr>
-                <p:spPr>
-                  <a:xfrm flipV="1">
-                    <a:off x="1034382" y="1820177"/>
-                    <a:ext cx="31014" cy="29509"/>
-                  </a:xfrm>
-                  <a:prstGeom prst="ellipse">
-                    <a:avLst/>
-                  </a:prstGeom>
-                  <a:grpFill/>
-                  <a:ln>
-                    <a:noFill/>
-                  </a:ln>
-                </p:spPr>
-                <p:style>
-                  <a:lnRef idx="2">
-                    <a:schemeClr val="accent1">
-                      <a:shade val="50000"/>
-                    </a:schemeClr>
-                  </a:lnRef>
-                  <a:fillRef idx="1">
-                    <a:schemeClr val="accent1"/>
-                  </a:fillRef>
-                  <a:effectRef idx="0">
-                    <a:schemeClr val="accent1"/>
-                  </a:effectRef>
-                  <a:fontRef idx="minor">
-                    <a:schemeClr val="lt1"/>
-                  </a:fontRef>
-                </p:style>
-                <p:txBody>
-                  <a:bodyPr rtlCol="0" anchor="ctr"/>
-                  <a:lstStyle/>
-                  <a:p>
-                    <a:pPr algn="ctr"/>
-                    <a:endParaRPr lang="en-US"/>
-                  </a:p>
-                </p:txBody>
-              </p:sp>
-            </p:grpSp>
-            <p:grpSp>
-              <p:nvGrpSpPr>
-                <p:cNvPr id="375" name="Group 374">
-                  <a:extLst>
-                    <a:ext uri="{FF2B5EF4-FFF2-40B4-BE49-F238E27FC236}">
-                      <a16:creationId xmlns:a16="http://schemas.microsoft.com/office/drawing/2014/main" id="{6925F28A-706E-41B7-B4BF-20DA89795902}"/>
-                    </a:ext>
-                  </a:extLst>
-                </p:cNvPr>
-                <p:cNvGrpSpPr/>
-                <p:nvPr/>
-              </p:nvGrpSpPr>
-              <p:grpSpPr>
-                <a:xfrm rot="3407543">
-                  <a:off x="2179076" y="1542875"/>
-                  <a:ext cx="93042" cy="148938"/>
-                  <a:chOff x="988332" y="1820177"/>
-                  <a:chExt cx="93042" cy="148938"/>
-                </a:xfrm>
-                <a:solidFill>
-                  <a:schemeClr val="accent2"/>
-                </a:solidFill>
-              </p:grpSpPr>
-              <p:sp>
-                <p:nvSpPr>
-                  <p:cNvPr id="376" name="Oval 375">
-                    <a:extLst>
-                      <a:ext uri="{FF2B5EF4-FFF2-40B4-BE49-F238E27FC236}">
-                        <a16:creationId xmlns:a16="http://schemas.microsoft.com/office/drawing/2014/main" id="{99DC5C48-8E0A-4E80-B99F-8331F83AB398}"/>
-                      </a:ext>
-                    </a:extLst>
-                  </p:cNvPr>
-                  <p:cNvSpPr/>
-                  <p:nvPr/>
-                </p:nvSpPr>
-                <p:spPr>
-                  <a:xfrm flipV="1">
-                    <a:off x="1001118" y="1906242"/>
-                    <a:ext cx="31014" cy="29509"/>
-                  </a:xfrm>
-                  <a:prstGeom prst="ellipse">
-                    <a:avLst/>
-                  </a:prstGeom>
-                  <a:grpFill/>
-                  <a:ln>
-                    <a:noFill/>
-                  </a:ln>
-                </p:spPr>
-                <p:style>
-                  <a:lnRef idx="2">
-                    <a:schemeClr val="accent1">
-                      <a:shade val="50000"/>
-                    </a:schemeClr>
-                  </a:lnRef>
-                  <a:fillRef idx="1">
-                    <a:schemeClr val="accent1"/>
-                  </a:fillRef>
-                  <a:effectRef idx="0">
-                    <a:schemeClr val="accent1"/>
-                  </a:effectRef>
-                  <a:fontRef idx="minor">
-                    <a:schemeClr val="lt1"/>
-                  </a:fontRef>
-                </p:style>
-                <p:txBody>
-                  <a:bodyPr rtlCol="0" anchor="ctr"/>
-                  <a:lstStyle/>
-                  <a:p>
-                    <a:pPr algn="ctr"/>
-                    <a:endParaRPr lang="en-US"/>
-                  </a:p>
-                </p:txBody>
-              </p:sp>
-              <p:sp>
-                <p:nvSpPr>
-                  <p:cNvPr id="377" name="Oval 376">
-                    <a:extLst>
-                      <a:ext uri="{FF2B5EF4-FFF2-40B4-BE49-F238E27FC236}">
-                        <a16:creationId xmlns:a16="http://schemas.microsoft.com/office/drawing/2014/main" id="{6A494A31-FAF2-4DD7-AE48-2CEBBB8C027E}"/>
-                      </a:ext>
-                    </a:extLst>
-                  </p:cNvPr>
-                  <p:cNvSpPr/>
-                  <p:nvPr/>
-                </p:nvSpPr>
-                <p:spPr>
-                  <a:xfrm flipV="1">
-                    <a:off x="1034853" y="1939606"/>
-                    <a:ext cx="31014" cy="29509"/>
-                  </a:xfrm>
-                  <a:prstGeom prst="ellipse">
-                    <a:avLst/>
-                  </a:prstGeom>
-                  <a:grpFill/>
-                  <a:ln>
-                    <a:noFill/>
-                  </a:ln>
-                </p:spPr>
-                <p:style>
-                  <a:lnRef idx="2">
-                    <a:schemeClr val="accent1">
-                      <a:shade val="50000"/>
-                    </a:schemeClr>
-                  </a:lnRef>
-                  <a:fillRef idx="1">
-                    <a:schemeClr val="accent1"/>
-                  </a:fillRef>
-                  <a:effectRef idx="0">
-                    <a:schemeClr val="accent1"/>
-                  </a:effectRef>
-                  <a:fontRef idx="minor">
-                    <a:schemeClr val="lt1"/>
-                  </a:fontRef>
-                </p:style>
-                <p:txBody>
-                  <a:bodyPr rtlCol="0" anchor="ctr"/>
-                  <a:lstStyle/>
-                  <a:p>
-                    <a:pPr algn="ctr"/>
-                    <a:endParaRPr lang="en-US"/>
-                  </a:p>
-                </p:txBody>
-              </p:sp>
-              <p:sp>
-                <p:nvSpPr>
-                  <p:cNvPr id="379" name="Oval 378">
-                    <a:extLst>
-                      <a:ext uri="{FF2B5EF4-FFF2-40B4-BE49-F238E27FC236}">
-                        <a16:creationId xmlns:a16="http://schemas.microsoft.com/office/drawing/2014/main" id="{6C11731C-9BC3-4DFA-A2CB-62368AF14CF4}"/>
-                      </a:ext>
-                    </a:extLst>
-                  </p:cNvPr>
-                  <p:cNvSpPr/>
-                  <p:nvPr/>
-                </p:nvSpPr>
-                <p:spPr>
-                  <a:xfrm flipV="1">
-                    <a:off x="1050360" y="1901184"/>
-                    <a:ext cx="31014" cy="29509"/>
-                  </a:xfrm>
-                  <a:prstGeom prst="ellipse">
-                    <a:avLst/>
-                  </a:prstGeom>
-                  <a:grpFill/>
-                  <a:ln>
-                    <a:noFill/>
-                  </a:ln>
-                </p:spPr>
-                <p:style>
-                  <a:lnRef idx="2">
-                    <a:schemeClr val="accent1">
-                      <a:shade val="50000"/>
-                    </a:schemeClr>
-                  </a:lnRef>
-                  <a:fillRef idx="1">
-                    <a:schemeClr val="accent1"/>
-                  </a:fillRef>
-                  <a:effectRef idx="0">
-                    <a:schemeClr val="accent1"/>
-                  </a:effectRef>
-                  <a:fontRef idx="minor">
-                    <a:schemeClr val="lt1"/>
-                  </a:fontRef>
-                </p:style>
-                <p:txBody>
-                  <a:bodyPr rtlCol="0" anchor="ctr"/>
-                  <a:lstStyle/>
-                  <a:p>
-                    <a:pPr algn="ctr"/>
-                    <a:endParaRPr lang="en-US"/>
-                  </a:p>
-                </p:txBody>
-              </p:sp>
-              <p:sp>
-                <p:nvSpPr>
-                  <p:cNvPr id="380" name="Oval 379">
-                    <a:extLst>
-                      <a:ext uri="{FF2B5EF4-FFF2-40B4-BE49-F238E27FC236}">
-                        <a16:creationId xmlns:a16="http://schemas.microsoft.com/office/drawing/2014/main" id="{72D52AF3-B129-4F7F-981E-8E86064F41DA}"/>
-                      </a:ext>
-                    </a:extLst>
-                  </p:cNvPr>
-                  <p:cNvSpPr/>
-                  <p:nvPr/>
-                </p:nvSpPr>
-                <p:spPr>
-                  <a:xfrm flipV="1">
-                    <a:off x="1027100" y="1865137"/>
-                    <a:ext cx="31014" cy="29509"/>
-                  </a:xfrm>
-                  <a:prstGeom prst="ellipse">
-                    <a:avLst/>
-                  </a:prstGeom>
-                  <a:grpFill/>
-                  <a:ln>
-                    <a:noFill/>
-                  </a:ln>
-                </p:spPr>
-                <p:style>
-                  <a:lnRef idx="2">
-                    <a:schemeClr val="accent1">
-                      <a:shade val="50000"/>
-                    </a:schemeClr>
-                  </a:lnRef>
-                  <a:fillRef idx="1">
-                    <a:schemeClr val="accent1"/>
-                  </a:fillRef>
-                  <a:effectRef idx="0">
-                    <a:schemeClr val="accent1"/>
-                  </a:effectRef>
-                  <a:fontRef idx="minor">
-                    <a:schemeClr val="lt1"/>
-                  </a:fontRef>
-                </p:style>
-                <p:txBody>
-                  <a:bodyPr rtlCol="0" anchor="ctr"/>
-                  <a:lstStyle/>
-                  <a:p>
-                    <a:pPr algn="ctr"/>
-                    <a:endParaRPr lang="en-US"/>
-                  </a:p>
-                </p:txBody>
-              </p:sp>
-              <p:sp>
-                <p:nvSpPr>
-                  <p:cNvPr id="382" name="Oval 381">
-                    <a:extLst>
-                      <a:ext uri="{FF2B5EF4-FFF2-40B4-BE49-F238E27FC236}">
-                        <a16:creationId xmlns:a16="http://schemas.microsoft.com/office/drawing/2014/main" id="{80EFD730-8BF0-4FA6-A5D1-D6D01B32B83A}"/>
-                      </a:ext>
-                    </a:extLst>
-                  </p:cNvPr>
-                  <p:cNvSpPr/>
-                  <p:nvPr/>
-                </p:nvSpPr>
-                <p:spPr>
-                  <a:xfrm flipV="1">
-                    <a:off x="988332" y="1840978"/>
-                    <a:ext cx="31014" cy="29509"/>
-                  </a:xfrm>
-                  <a:prstGeom prst="ellipse">
-                    <a:avLst/>
-                  </a:prstGeom>
-                  <a:grpFill/>
-                  <a:ln>
-                    <a:noFill/>
-                  </a:ln>
-                </p:spPr>
-                <p:style>
-                  <a:lnRef idx="2">
-                    <a:schemeClr val="accent1">
-                      <a:shade val="50000"/>
-                    </a:schemeClr>
-                  </a:lnRef>
-                  <a:fillRef idx="1">
-                    <a:schemeClr val="accent1"/>
-                  </a:fillRef>
-                  <a:effectRef idx="0">
-                    <a:schemeClr val="accent1"/>
-                  </a:effectRef>
-                  <a:fontRef idx="minor">
-                    <a:schemeClr val="lt1"/>
-                  </a:fontRef>
-                </p:style>
-                <p:txBody>
-                  <a:bodyPr rtlCol="0" anchor="ctr"/>
-                  <a:lstStyle/>
-                  <a:p>
-                    <a:pPr algn="ctr"/>
-                    <a:endParaRPr lang="en-US"/>
-                  </a:p>
-                </p:txBody>
-              </p:sp>
-              <p:sp>
-                <p:nvSpPr>
-                  <p:cNvPr id="383" name="Oval 382">
-                    <a:extLst>
-                      <a:ext uri="{FF2B5EF4-FFF2-40B4-BE49-F238E27FC236}">
-                        <a16:creationId xmlns:a16="http://schemas.microsoft.com/office/drawing/2014/main" id="{04C6725A-B163-4CD4-9761-BF16358EDAC3}"/>
-                      </a:ext>
-                    </a:extLst>
-                  </p:cNvPr>
-                  <p:cNvSpPr/>
-                  <p:nvPr/>
-                </p:nvSpPr>
-                <p:spPr>
-                  <a:xfrm flipV="1">
-                    <a:off x="1034382" y="1820177"/>
-                    <a:ext cx="31014" cy="29509"/>
-                  </a:xfrm>
-                  <a:prstGeom prst="ellipse">
-                    <a:avLst/>
-                  </a:prstGeom>
-                  <a:grpFill/>
-                  <a:ln>
-                    <a:noFill/>
-                  </a:ln>
-                </p:spPr>
-                <p:style>
-                  <a:lnRef idx="2">
-                    <a:schemeClr val="accent1">
-                      <a:shade val="50000"/>
-                    </a:schemeClr>
-                  </a:lnRef>
-                  <a:fillRef idx="1">
-                    <a:schemeClr val="accent1"/>
-                  </a:fillRef>
-                  <a:effectRef idx="0">
-                    <a:schemeClr val="accent1"/>
-                  </a:effectRef>
-                  <a:fontRef idx="minor">
-                    <a:schemeClr val="lt1"/>
-                  </a:fontRef>
-                </p:style>
-                <p:txBody>
-                  <a:bodyPr rtlCol="0" anchor="ctr"/>
-                  <a:lstStyle/>
-                  <a:p>
-                    <a:pPr algn="ctr"/>
-                    <a:endParaRPr lang="en-US"/>
-                  </a:p>
-                </p:txBody>
-              </p:sp>
-            </p:grpSp>
-          </p:grpSp>
-          <p:cxnSp>
-            <p:nvCxnSpPr>
-              <p:cNvPr id="24" name="Straight Connector 23">
-                <a:extLst>
-                  <a:ext uri="{FF2B5EF4-FFF2-40B4-BE49-F238E27FC236}">
-                    <a16:creationId xmlns:a16="http://schemas.microsoft.com/office/drawing/2014/main" id="{99908E6F-99F2-48D4-A212-5541577E073A}"/>
-                  </a:ext>
-                </a:extLst>
-              </p:cNvPr>
-              <p:cNvCxnSpPr>
-                <a:cxnSpLocks/>
-              </p:cNvCxnSpPr>
-              <p:nvPr/>
-            </p:nvCxnSpPr>
-            <p:spPr>
-              <a:xfrm flipV="1">
-                <a:off x="981044" y="1522720"/>
-                <a:ext cx="409115" cy="351990"/>
-              </a:xfrm>
-              <a:prstGeom prst="line">
-                <a:avLst/>
-              </a:prstGeom>
-              <a:ln>
-                <a:solidFill>
-                  <a:schemeClr val="tx1"/>
-                </a:solidFill>
-                <a:prstDash val="dash"/>
-              </a:ln>
-            </p:spPr>
-            <p:style>
-              <a:lnRef idx="1">
-                <a:schemeClr val="accent1"/>
-              </a:lnRef>
-              <a:fillRef idx="0">
-                <a:schemeClr val="accent1"/>
-              </a:fillRef>
-              <a:effectRef idx="0">
-                <a:schemeClr val="accent1"/>
-              </a:effectRef>
-              <a:fontRef idx="minor">
-                <a:schemeClr val="tx1"/>
-              </a:fontRef>
-            </p:style>
-          </p:cxnSp>
-        </p:grpSp>
-        <p:grpSp>
-          <p:nvGrpSpPr>
             <p:cNvPr id="48" name="Group 47">
               <a:extLst>
                 <a:ext uri="{FF2B5EF4-FFF2-40B4-BE49-F238E27FC236}">
@@ -16041,7 +20990,7 @@
           </p:nvGrpSpPr>
           <p:grpSpPr>
             <a:xfrm>
-              <a:off x="176758" y="1033756"/>
+              <a:off x="285771" y="1027557"/>
               <a:ext cx="996366" cy="748505"/>
               <a:chOff x="2001238" y="539402"/>
               <a:chExt cx="996366" cy="748505"/>
@@ -16755,6 +21704,284 @@
             </p:txBody>
           </p:sp>
         </p:grpSp>
+        <p:cxnSp>
+          <p:nvCxnSpPr>
+            <p:cNvPr id="91" name="Straight Arrow Connector 90">
+              <a:extLst>
+                <a:ext uri="{FF2B5EF4-FFF2-40B4-BE49-F238E27FC236}">
+                  <a16:creationId xmlns:a16="http://schemas.microsoft.com/office/drawing/2014/main" id="{7956D468-02D5-4FA0-928D-03F0D6BB102F}"/>
+                </a:ext>
+              </a:extLst>
+            </p:cNvPr>
+            <p:cNvCxnSpPr>
+              <a:cxnSpLocks/>
+            </p:cNvCxnSpPr>
+            <p:nvPr/>
+          </p:nvCxnSpPr>
+          <p:spPr>
+            <a:xfrm>
+              <a:off x="792125" y="890738"/>
+              <a:ext cx="0" cy="273638"/>
+            </a:xfrm>
+            <a:prstGeom prst="straightConnector1">
+              <a:avLst/>
+            </a:prstGeom>
+            <a:ln w="28575">
+              <a:solidFill>
+                <a:schemeClr val="accent2"/>
+              </a:solidFill>
+              <a:tailEnd type="triangle"/>
+            </a:ln>
+          </p:spPr>
+          <p:style>
+            <a:lnRef idx="1">
+              <a:schemeClr val="accent1"/>
+            </a:lnRef>
+            <a:fillRef idx="0">
+              <a:schemeClr val="accent1"/>
+            </a:fillRef>
+            <a:effectRef idx="0">
+              <a:schemeClr val="accent1"/>
+            </a:effectRef>
+            <a:fontRef idx="minor">
+              <a:schemeClr val="tx1"/>
+            </a:fontRef>
+          </p:style>
+        </p:cxnSp>
+        <p:cxnSp>
+          <p:nvCxnSpPr>
+            <p:cNvPr id="94" name="Straight Arrow Connector 93">
+              <a:extLst>
+                <a:ext uri="{FF2B5EF4-FFF2-40B4-BE49-F238E27FC236}">
+                  <a16:creationId xmlns:a16="http://schemas.microsoft.com/office/drawing/2014/main" id="{C9A329E5-45A1-401B-BE17-ADB03718EA2E}"/>
+                </a:ext>
+              </a:extLst>
+            </p:cNvPr>
+            <p:cNvCxnSpPr>
+              <a:cxnSpLocks/>
+            </p:cNvCxnSpPr>
+            <p:nvPr/>
+          </p:nvCxnSpPr>
+          <p:spPr>
+            <a:xfrm>
+              <a:off x="792125" y="1776062"/>
+              <a:ext cx="0" cy="273638"/>
+            </a:xfrm>
+            <a:prstGeom prst="straightConnector1">
+              <a:avLst/>
+            </a:prstGeom>
+            <a:ln w="28575">
+              <a:solidFill>
+                <a:schemeClr val="accent2"/>
+              </a:solidFill>
+              <a:tailEnd type="triangle"/>
+            </a:ln>
+          </p:spPr>
+          <p:style>
+            <a:lnRef idx="1">
+              <a:schemeClr val="accent1"/>
+            </a:lnRef>
+            <a:fillRef idx="0">
+              <a:schemeClr val="accent1"/>
+            </a:fillRef>
+            <a:effectRef idx="0">
+              <a:schemeClr val="accent1"/>
+            </a:effectRef>
+            <a:fontRef idx="minor">
+              <a:schemeClr val="tx1"/>
+            </a:fontRef>
+          </p:style>
+        </p:cxnSp>
+        <mc:AlternateContent xmlns:mc="http://schemas.openxmlformats.org/markup-compatibility/2006">
+          <mc:Choice xmlns:a14="http://schemas.microsoft.com/office/drawing/2010/main" Requires="a14">
+            <p:sp>
+              <p:nvSpPr>
+                <p:cNvPr id="95" name="Rectangle: Rounded Corners 94">
+                  <a:extLst>
+                    <a:ext uri="{FF2B5EF4-FFF2-40B4-BE49-F238E27FC236}">
+                      <a16:creationId xmlns:a16="http://schemas.microsoft.com/office/drawing/2014/main" id="{7CB7B696-DABC-499F-8BBF-B10BE41F5D46}"/>
+                    </a:ext>
+                  </a:extLst>
+                </p:cNvPr>
+                <p:cNvSpPr/>
+                <p:nvPr/>
+              </p:nvSpPr>
+              <p:spPr>
+                <a:xfrm>
+                  <a:off x="742281" y="884148"/>
+                  <a:ext cx="726329" cy="216387"/>
+                </a:xfrm>
+                <a:prstGeom prst="roundRect">
+                  <a:avLst/>
+                </a:prstGeom>
+                <a:noFill/>
+                <a:ln>
+                  <a:noFill/>
+                </a:ln>
+              </p:spPr>
+              <p:style>
+                <a:lnRef idx="2">
+                  <a:schemeClr val="accent1">
+                    <a:shade val="50000"/>
+                  </a:schemeClr>
+                </a:lnRef>
+                <a:fillRef idx="1">
+                  <a:schemeClr val="accent1"/>
+                </a:fillRef>
+                <a:effectRef idx="0">
+                  <a:schemeClr val="accent1"/>
+                </a:effectRef>
+                <a:fontRef idx="minor">
+                  <a:schemeClr val="lt1"/>
+                </a:fontRef>
+              </p:style>
+              <p:txBody>
+                <a:bodyPr rtlCol="0" anchor="ctr"/>
+                <a:lstStyle/>
+                <a:p>
+                  <a:r>
+                    <a:rPr lang="en-US" sz="600" dirty="0">
+                      <a:solidFill>
+                        <a:schemeClr val="accent2"/>
+                      </a:solidFill>
+                    </a:rPr>
+                    <a:t>Thermodynamic “</a:t>
+                  </a:r>
+                  <a14:m>
+                    <m:oMath xmlns:m="http://schemas.openxmlformats.org/officeDocument/2006/math">
+                      <m:r>
+                        <a:rPr lang="en-US" sz="600" i="1" smtClean="0">
+                          <a:solidFill>
+                            <a:schemeClr val="accent2"/>
+                          </a:solidFill>
+                          <a:latin typeface="Cambria Math" panose="02040503050406030204" pitchFamily="18" charset="0"/>
+                          <a:ea typeface="Cambria Math" panose="02040503050406030204" pitchFamily="18" charset="0"/>
+                        </a:rPr>
+                        <m:t>𝜆</m:t>
+                      </m:r>
+                    </m:oMath>
+                  </a14:m>
+                  <a:r>
+                    <a:rPr lang="en-MY" sz="600" dirty="0">
+                      <a:solidFill>
+                        <a:schemeClr val="accent2"/>
+                      </a:solidFill>
+                    </a:rPr>
+                    <a:t>” model</a:t>
+                  </a:r>
+                </a:p>
+              </p:txBody>
+            </p:sp>
+          </mc:Choice>
+          <mc:Fallback>
+            <p:sp>
+              <p:nvSpPr>
+                <p:cNvPr id="95" name="Rectangle: Rounded Corners 94">
+                  <a:extLst>
+                    <a:ext uri="{FF2B5EF4-FFF2-40B4-BE49-F238E27FC236}">
+                      <a16:creationId xmlns:a16="http://schemas.microsoft.com/office/drawing/2014/main" id="{7CB7B696-DABC-499F-8BBF-B10BE41F5D46}"/>
+                    </a:ext>
+                  </a:extLst>
+                </p:cNvPr>
+                <p:cNvSpPr>
+                  <a:spLocks noRot="1" noChangeAspect="1" noMove="1" noResize="1" noEditPoints="1" noAdjustHandles="1" noChangeArrowheads="1" noChangeShapeType="1" noTextEdit="1"/>
+                </p:cNvSpPr>
+                <p:nvPr/>
+              </p:nvSpPr>
+              <p:spPr>
+                <a:xfrm>
+                  <a:off x="742281" y="884148"/>
+                  <a:ext cx="726329" cy="216387"/>
+                </a:xfrm>
+                <a:prstGeom prst="roundRect">
+                  <a:avLst/>
+                </a:prstGeom>
+                <a:blipFill>
+                  <a:blip r:embed="rId2"/>
+                  <a:stretch>
+                    <a:fillRect t="-8333" b="-13889"/>
+                  </a:stretch>
+                </a:blipFill>
+                <a:ln>
+                  <a:noFill/>
+                </a:ln>
+              </p:spPr>
+              <p:txBody>
+                <a:bodyPr/>
+                <a:lstStyle/>
+                <a:p>
+                  <a:r>
+                    <a:rPr lang="en-MY">
+                      <a:noFill/>
+                    </a:rPr>
+                    <a:t> </a:t>
+                  </a:r>
+                </a:p>
+              </p:txBody>
+            </p:sp>
+          </mc:Fallback>
+        </mc:AlternateContent>
+        <p:sp>
+          <p:nvSpPr>
+            <p:cNvPr id="96" name="Rectangle: Rounded Corners 95">
+              <a:extLst>
+                <a:ext uri="{FF2B5EF4-FFF2-40B4-BE49-F238E27FC236}">
+                  <a16:creationId xmlns:a16="http://schemas.microsoft.com/office/drawing/2014/main" id="{8431D85C-7999-41E1-B680-2D9568C88614}"/>
+                </a:ext>
+              </a:extLst>
+            </p:cNvPr>
+            <p:cNvSpPr/>
+            <p:nvPr/>
+          </p:nvSpPr>
+          <p:spPr>
+            <a:xfrm>
+              <a:off x="742281" y="1786225"/>
+              <a:ext cx="726329" cy="216387"/>
+            </a:xfrm>
+            <a:prstGeom prst="roundRect">
+              <a:avLst/>
+            </a:prstGeom>
+            <a:noFill/>
+            <a:ln>
+              <a:noFill/>
+            </a:ln>
+          </p:spPr>
+          <p:style>
+            <a:lnRef idx="2">
+              <a:schemeClr val="accent1">
+                <a:shade val="50000"/>
+              </a:schemeClr>
+            </a:lnRef>
+            <a:fillRef idx="1">
+              <a:schemeClr val="accent1"/>
+            </a:fillRef>
+            <a:effectRef idx="0">
+              <a:schemeClr val="accent1"/>
+            </a:effectRef>
+            <a:fontRef idx="minor">
+              <a:schemeClr val="lt1"/>
+            </a:fontRef>
+          </p:style>
+          <p:txBody>
+            <a:bodyPr rtlCol="0" anchor="ctr"/>
+            <a:lstStyle/>
+            <a:p>
+              <a:r>
+                <a:rPr lang="en-US" sz="600" dirty="0">
+                  <a:solidFill>
+                    <a:schemeClr val="accent2"/>
+                  </a:solidFill>
+                </a:rPr>
+                <a:t>Data-driven modeling</a:t>
+              </a:r>
+              <a:endParaRPr lang="en-MY" sz="600" dirty="0">
+                <a:solidFill>
+                  <a:schemeClr val="accent2"/>
+                </a:solidFill>
+              </a:endParaRPr>
+            </a:p>
+          </p:txBody>
+        </p:sp>
         <p:grpSp>
           <p:nvGrpSpPr>
             <p:cNvPr id="455" name="Group 454">
@@ -16769,7 +21996,7 @@
           </p:nvGrpSpPr>
           <p:grpSpPr>
             <a:xfrm>
-              <a:off x="190614" y="2034361"/>
+              <a:off x="299627" y="2150082"/>
               <a:ext cx="908800" cy="748505"/>
               <a:chOff x="1067561" y="2071651"/>
               <a:chExt cx="908800" cy="748505"/>
@@ -17583,420 +22810,6 @@
             </p:txBody>
           </p:sp>
         </p:grpSp>
-        <p:cxnSp>
-          <p:nvCxnSpPr>
-            <p:cNvPr id="91" name="Straight Arrow Connector 90">
-              <a:extLst>
-                <a:ext uri="{FF2B5EF4-FFF2-40B4-BE49-F238E27FC236}">
-                  <a16:creationId xmlns:a16="http://schemas.microsoft.com/office/drawing/2014/main" id="{7956D468-02D5-4FA0-928D-03F0D6BB102F}"/>
-                </a:ext>
-              </a:extLst>
-            </p:cNvPr>
-            <p:cNvCxnSpPr>
-              <a:cxnSpLocks/>
-            </p:cNvCxnSpPr>
-            <p:nvPr/>
-          </p:nvCxnSpPr>
-          <p:spPr>
-            <a:xfrm>
-              <a:off x="683112" y="896937"/>
-              <a:ext cx="0" cy="273638"/>
-            </a:xfrm>
-            <a:prstGeom prst="straightConnector1">
-              <a:avLst/>
-            </a:prstGeom>
-            <a:ln w="28575">
-              <a:solidFill>
-                <a:schemeClr val="accent2"/>
-              </a:solidFill>
-              <a:tailEnd type="triangle"/>
-            </a:ln>
-          </p:spPr>
-          <p:style>
-            <a:lnRef idx="1">
-              <a:schemeClr val="accent1"/>
-            </a:lnRef>
-            <a:fillRef idx="0">
-              <a:schemeClr val="accent1"/>
-            </a:fillRef>
-            <a:effectRef idx="0">
-              <a:schemeClr val="accent1"/>
-            </a:effectRef>
-            <a:fontRef idx="minor">
-              <a:schemeClr val="tx1"/>
-            </a:fontRef>
-          </p:style>
-        </p:cxnSp>
-        <p:cxnSp>
-          <p:nvCxnSpPr>
-            <p:cNvPr id="94" name="Straight Arrow Connector 93">
-              <a:extLst>
-                <a:ext uri="{FF2B5EF4-FFF2-40B4-BE49-F238E27FC236}">
-                  <a16:creationId xmlns:a16="http://schemas.microsoft.com/office/drawing/2014/main" id="{C9A329E5-45A1-401B-BE17-ADB03718EA2E}"/>
-                </a:ext>
-              </a:extLst>
-            </p:cNvPr>
-            <p:cNvCxnSpPr>
-              <a:cxnSpLocks/>
-            </p:cNvCxnSpPr>
-            <p:nvPr/>
-          </p:nvCxnSpPr>
-          <p:spPr>
-            <a:xfrm>
-              <a:off x="683112" y="1782261"/>
-              <a:ext cx="0" cy="273638"/>
-            </a:xfrm>
-            <a:prstGeom prst="straightConnector1">
-              <a:avLst/>
-            </a:prstGeom>
-            <a:ln w="28575">
-              <a:solidFill>
-                <a:schemeClr val="accent2"/>
-              </a:solidFill>
-              <a:tailEnd type="triangle"/>
-            </a:ln>
-          </p:spPr>
-          <p:style>
-            <a:lnRef idx="1">
-              <a:schemeClr val="accent1"/>
-            </a:lnRef>
-            <a:fillRef idx="0">
-              <a:schemeClr val="accent1"/>
-            </a:fillRef>
-            <a:effectRef idx="0">
-              <a:schemeClr val="accent1"/>
-            </a:effectRef>
-            <a:fontRef idx="minor">
-              <a:schemeClr val="tx1"/>
-            </a:fontRef>
-          </p:style>
-        </p:cxnSp>
-        <mc:AlternateContent xmlns:mc="http://schemas.openxmlformats.org/markup-compatibility/2006">
-          <mc:Choice xmlns:a14="http://schemas.microsoft.com/office/drawing/2010/main" Requires="a14">
-            <p:sp>
-              <p:nvSpPr>
-                <p:cNvPr id="95" name="Rectangle: Rounded Corners 94">
-                  <a:extLst>
-                    <a:ext uri="{FF2B5EF4-FFF2-40B4-BE49-F238E27FC236}">
-                      <a16:creationId xmlns:a16="http://schemas.microsoft.com/office/drawing/2014/main" id="{7CB7B696-DABC-499F-8BBF-B10BE41F5D46}"/>
-                    </a:ext>
-                  </a:extLst>
-                </p:cNvPr>
-                <p:cNvSpPr/>
-                <p:nvPr/>
-              </p:nvSpPr>
-              <p:spPr>
-                <a:xfrm>
-                  <a:off x="633268" y="890347"/>
-                  <a:ext cx="726329" cy="216387"/>
-                </a:xfrm>
-                <a:prstGeom prst="roundRect">
-                  <a:avLst/>
-                </a:prstGeom>
-                <a:noFill/>
-                <a:ln>
-                  <a:noFill/>
-                </a:ln>
-              </p:spPr>
-              <p:style>
-                <a:lnRef idx="2">
-                  <a:schemeClr val="accent1">
-                    <a:shade val="50000"/>
-                  </a:schemeClr>
-                </a:lnRef>
-                <a:fillRef idx="1">
-                  <a:schemeClr val="accent1"/>
-                </a:fillRef>
-                <a:effectRef idx="0">
-                  <a:schemeClr val="accent1"/>
-                </a:effectRef>
-                <a:fontRef idx="minor">
-                  <a:schemeClr val="lt1"/>
-                </a:fontRef>
-              </p:style>
-              <p:txBody>
-                <a:bodyPr rtlCol="0" anchor="ctr"/>
-                <a:lstStyle/>
-                <a:p>
-                  <a:r>
-                    <a:rPr lang="en-US" sz="600" dirty="0">
-                      <a:solidFill>
-                        <a:schemeClr val="accent2"/>
-                      </a:solidFill>
-                    </a:rPr>
-                    <a:t>Thermodynamic “</a:t>
-                  </a:r>
-                  <a14:m>
-                    <m:oMath xmlns:m="http://schemas.openxmlformats.org/officeDocument/2006/math">
-                      <m:r>
-                        <a:rPr lang="en-US" sz="600" i="1" smtClean="0">
-                          <a:solidFill>
-                            <a:schemeClr val="accent2"/>
-                          </a:solidFill>
-                          <a:latin typeface="Cambria Math" panose="02040503050406030204" pitchFamily="18" charset="0"/>
-                          <a:ea typeface="Cambria Math" panose="02040503050406030204" pitchFamily="18" charset="0"/>
-                        </a:rPr>
-                        <m:t>𝜆</m:t>
-                      </m:r>
-                    </m:oMath>
-                  </a14:m>
-                  <a:r>
-                    <a:rPr lang="en-MY" sz="600" dirty="0">
-                      <a:solidFill>
-                        <a:schemeClr val="accent2"/>
-                      </a:solidFill>
-                    </a:rPr>
-                    <a:t>” model</a:t>
-                  </a:r>
-                </a:p>
-              </p:txBody>
-            </p:sp>
-          </mc:Choice>
-          <mc:Fallback>
-            <p:sp>
-              <p:nvSpPr>
-                <p:cNvPr id="95" name="Rectangle: Rounded Corners 94">
-                  <a:extLst>
-                    <a:ext uri="{FF2B5EF4-FFF2-40B4-BE49-F238E27FC236}">
-                      <a16:creationId xmlns:a16="http://schemas.microsoft.com/office/drawing/2014/main" id="{7CB7B696-DABC-499F-8BBF-B10BE41F5D46}"/>
-                    </a:ext>
-                  </a:extLst>
-                </p:cNvPr>
-                <p:cNvSpPr>
-                  <a:spLocks noRot="1" noChangeAspect="1" noMove="1" noResize="1" noEditPoints="1" noAdjustHandles="1" noChangeArrowheads="1" noChangeShapeType="1" noTextEdit="1"/>
-                </p:cNvSpPr>
-                <p:nvPr/>
-              </p:nvSpPr>
-              <p:spPr>
-                <a:xfrm>
-                  <a:off x="633268" y="890347"/>
-                  <a:ext cx="726329" cy="216387"/>
-                </a:xfrm>
-                <a:prstGeom prst="roundRect">
-                  <a:avLst/>
-                </a:prstGeom>
-                <a:blipFill>
-                  <a:blip r:embed="rId2"/>
-                  <a:stretch>
-                    <a:fillRect t="-8333" b="-13889"/>
-                  </a:stretch>
-                </a:blipFill>
-                <a:ln>
-                  <a:noFill/>
-                </a:ln>
-              </p:spPr>
-              <p:txBody>
-                <a:bodyPr/>
-                <a:lstStyle/>
-                <a:p>
-                  <a:r>
-                    <a:rPr lang="en-US">
-                      <a:noFill/>
-                    </a:rPr>
-                    <a:t> </a:t>
-                  </a:r>
-                </a:p>
-              </p:txBody>
-            </p:sp>
-          </mc:Fallback>
-        </mc:AlternateContent>
-        <p:sp>
-          <p:nvSpPr>
-            <p:cNvPr id="96" name="Rectangle: Rounded Corners 95">
-              <a:extLst>
-                <a:ext uri="{FF2B5EF4-FFF2-40B4-BE49-F238E27FC236}">
-                  <a16:creationId xmlns:a16="http://schemas.microsoft.com/office/drawing/2014/main" id="{8431D85C-7999-41E1-B680-2D9568C88614}"/>
-                </a:ext>
-              </a:extLst>
-            </p:cNvPr>
-            <p:cNvSpPr/>
-            <p:nvPr/>
-          </p:nvSpPr>
-          <p:spPr>
-            <a:xfrm>
-              <a:off x="633268" y="1792424"/>
-              <a:ext cx="726329" cy="216387"/>
-            </a:xfrm>
-            <a:prstGeom prst="roundRect">
-              <a:avLst/>
-            </a:prstGeom>
-            <a:noFill/>
-            <a:ln>
-              <a:noFill/>
-            </a:ln>
-          </p:spPr>
-          <p:style>
-            <a:lnRef idx="2">
-              <a:schemeClr val="accent1">
-                <a:shade val="50000"/>
-              </a:schemeClr>
-            </a:lnRef>
-            <a:fillRef idx="1">
-              <a:schemeClr val="accent1"/>
-            </a:fillRef>
-            <a:effectRef idx="0">
-              <a:schemeClr val="accent1"/>
-            </a:effectRef>
-            <a:fontRef idx="minor">
-              <a:schemeClr val="lt1"/>
-            </a:fontRef>
-          </p:style>
-          <p:txBody>
-            <a:bodyPr rtlCol="0" anchor="ctr"/>
-            <a:lstStyle/>
-            <a:p>
-              <a:r>
-                <a:rPr lang="en-US" sz="600" dirty="0">
-                  <a:solidFill>
-                    <a:schemeClr val="accent2"/>
-                  </a:solidFill>
-                </a:rPr>
-                <a:t>Data-driven modeling</a:t>
-              </a:r>
-              <a:endParaRPr lang="en-MY" sz="600" dirty="0">
-                <a:solidFill>
-                  <a:schemeClr val="accent2"/>
-                </a:solidFill>
-              </a:endParaRPr>
-            </a:p>
-          </p:txBody>
-        </p:sp>
-        <p:cxnSp>
-          <p:nvCxnSpPr>
-            <p:cNvPr id="6" name="Connector: Curved 5">
-              <a:extLst>
-                <a:ext uri="{FF2B5EF4-FFF2-40B4-BE49-F238E27FC236}">
-                  <a16:creationId xmlns:a16="http://schemas.microsoft.com/office/drawing/2014/main" id="{6B011C6F-0CD1-427F-856D-03FD6037B3DB}"/>
-                </a:ext>
-              </a:extLst>
-            </p:cNvPr>
-            <p:cNvCxnSpPr>
-              <a:cxnSpLocks/>
-              <a:stCxn id="482" idx="0"/>
-              <a:endCxn id="368" idx="0"/>
-            </p:cNvCxnSpPr>
-            <p:nvPr/>
-          </p:nvCxnSpPr>
-          <p:spPr>
-            <a:xfrm rot="5400000" flipH="1" flipV="1">
-              <a:off x="1150937" y="1220095"/>
-              <a:ext cx="554358" cy="1433670"/>
-            </a:xfrm>
-            <a:prstGeom prst="curvedConnector3">
-              <a:avLst>
-                <a:gd name="adj1" fmla="val 26152"/>
-              </a:avLst>
-            </a:prstGeom>
-            <a:ln w="12700">
-              <a:solidFill>
-                <a:schemeClr val="accent2"/>
-              </a:solidFill>
-              <a:tailEnd type="triangle" w="sm" len="sm"/>
-            </a:ln>
-          </p:spPr>
-          <p:style>
-            <a:lnRef idx="1">
-              <a:schemeClr val="accent1"/>
-            </a:lnRef>
-            <a:fillRef idx="0">
-              <a:schemeClr val="accent1"/>
-            </a:fillRef>
-            <a:effectRef idx="0">
-              <a:schemeClr val="accent1"/>
-            </a:effectRef>
-            <a:fontRef idx="minor">
-              <a:schemeClr val="tx1"/>
-            </a:fontRef>
-          </p:style>
-        </p:cxnSp>
-        <p:cxnSp>
-          <p:nvCxnSpPr>
-            <p:cNvPr id="13" name="Connector: Curved 12">
-              <a:extLst>
-                <a:ext uri="{FF2B5EF4-FFF2-40B4-BE49-F238E27FC236}">
-                  <a16:creationId xmlns:a16="http://schemas.microsoft.com/office/drawing/2014/main" id="{C6485855-3D61-4CEA-A0FF-17574A9C84B4}"/>
-                </a:ext>
-              </a:extLst>
-            </p:cNvPr>
-            <p:cNvCxnSpPr>
-              <a:cxnSpLocks/>
-              <a:stCxn id="483" idx="0"/>
-            </p:cNvCxnSpPr>
-            <p:nvPr/>
-          </p:nvCxnSpPr>
-          <p:spPr>
-            <a:xfrm rot="5400000" flipH="1" flipV="1">
-              <a:off x="1042610" y="1932160"/>
-              <a:ext cx="139549" cy="424554"/>
-            </a:xfrm>
-            <a:prstGeom prst="curvedConnector2">
-              <a:avLst/>
-            </a:prstGeom>
-            <a:ln w="12700">
-              <a:solidFill>
-                <a:schemeClr val="accent2"/>
-              </a:solidFill>
-            </a:ln>
-          </p:spPr>
-          <p:style>
-            <a:lnRef idx="1">
-              <a:schemeClr val="accent1"/>
-            </a:lnRef>
-            <a:fillRef idx="0">
-              <a:schemeClr val="accent1"/>
-            </a:fillRef>
-            <a:effectRef idx="0">
-              <a:schemeClr val="accent1"/>
-            </a:effectRef>
-            <a:fontRef idx="minor">
-              <a:schemeClr val="tx1"/>
-            </a:fontRef>
-          </p:style>
-        </p:cxnSp>
-        <p:cxnSp>
-          <p:nvCxnSpPr>
-            <p:cNvPr id="115" name="Connector: Curved 114">
-              <a:extLst>
-                <a:ext uri="{FF2B5EF4-FFF2-40B4-BE49-F238E27FC236}">
-                  <a16:creationId xmlns:a16="http://schemas.microsoft.com/office/drawing/2014/main" id="{464C995C-707E-4C63-8E74-F25F39B7295F}"/>
-                </a:ext>
-              </a:extLst>
-            </p:cNvPr>
-            <p:cNvCxnSpPr>
-              <a:cxnSpLocks/>
-              <a:stCxn id="57" idx="0"/>
-            </p:cNvCxnSpPr>
-            <p:nvPr/>
-          </p:nvCxnSpPr>
-          <p:spPr>
-            <a:xfrm rot="5400000" flipH="1" flipV="1">
-              <a:off x="842382" y="1729538"/>
-              <a:ext cx="140158" cy="824405"/>
-            </a:xfrm>
-            <a:prstGeom prst="curvedConnector2">
-              <a:avLst/>
-            </a:prstGeom>
-            <a:ln w="12700">
-              <a:solidFill>
-                <a:schemeClr val="accent2"/>
-              </a:solidFill>
-            </a:ln>
-          </p:spPr>
-          <p:style>
-            <a:lnRef idx="1">
-              <a:schemeClr val="accent1"/>
-            </a:lnRef>
-            <a:fillRef idx="0">
-              <a:schemeClr val="accent1"/>
-            </a:fillRef>
-            <a:effectRef idx="0">
-              <a:schemeClr val="accent1"/>
-            </a:effectRef>
-            <a:fontRef idx="minor">
-              <a:schemeClr val="tx1"/>
-            </a:fontRef>
-          </p:style>
-        </p:cxnSp>
         <p:sp>
           <p:nvSpPr>
             <p:cNvPr id="119" name="Rectangle: Rounded Corners 118">
@@ -18010,9 +22823,9 @@
             <p:nvPr/>
           </p:nvSpPr>
           <p:spPr>
-            <a:xfrm rot="20404134">
-              <a:off x="1356914" y="1810134"/>
-              <a:ext cx="726329" cy="216387"/>
+            <a:xfrm>
+              <a:off x="370039" y="2056724"/>
+              <a:ext cx="896508" cy="216387"/>
             </a:xfrm>
             <a:prstGeom prst="roundRect">
               <a:avLst/>
@@ -18046,19 +22859,203 @@
               <a:r>
                 <a:rPr lang="en-US" sz="600" dirty="0">
                   <a:solidFill>
-                    <a:schemeClr val="accent2"/>
+                    <a:schemeClr val="tx1"/>
                   </a:solidFill>
                 </a:rPr>
-                <a:t>OM molecular signatures</a:t>
+                <a:t>Condition-specific OM molecular signatures</a:t>
               </a:r>
               <a:endParaRPr lang="en-MY" sz="600" dirty="0">
                 <a:solidFill>
-                  <a:schemeClr val="accent2"/>
+                  <a:schemeClr val="tx1"/>
                 </a:solidFill>
               </a:endParaRPr>
             </a:p>
           </p:txBody>
         </p:sp>
+        <p:cxnSp>
+          <p:nvCxnSpPr>
+            <p:cNvPr id="11" name="Straight Connector 10">
+              <a:extLst>
+                <a:ext uri="{FF2B5EF4-FFF2-40B4-BE49-F238E27FC236}">
+                  <a16:creationId xmlns:a16="http://schemas.microsoft.com/office/drawing/2014/main" id="{A20C3715-9183-4E84-BD77-78C932D82D77}"/>
+                </a:ext>
+              </a:extLst>
+            </p:cNvPr>
+            <p:cNvCxnSpPr>
+              <a:stCxn id="119" idx="2"/>
+              <a:endCxn id="57" idx="0"/>
+            </p:cNvCxnSpPr>
+            <p:nvPr/>
+          </p:nvCxnSpPr>
+          <p:spPr>
+            <a:xfrm flipH="1">
+              <a:off x="609272" y="2273111"/>
+              <a:ext cx="209021" cy="54429"/>
+            </a:xfrm>
+            <a:prstGeom prst="line">
+              <a:avLst/>
+            </a:prstGeom>
+            <a:ln w="9525">
+              <a:solidFill>
+                <a:schemeClr val="tx1"/>
+              </a:solidFill>
+            </a:ln>
+          </p:spPr>
+          <p:style>
+            <a:lnRef idx="1">
+              <a:schemeClr val="accent1"/>
+            </a:lnRef>
+            <a:fillRef idx="0">
+              <a:schemeClr val="accent1"/>
+            </a:fillRef>
+            <a:effectRef idx="0">
+              <a:schemeClr val="accent1"/>
+            </a:effectRef>
+            <a:fontRef idx="minor">
+              <a:schemeClr val="tx1"/>
+            </a:fontRef>
+          </p:style>
+        </p:cxnSp>
+        <p:cxnSp>
+          <p:nvCxnSpPr>
+            <p:cNvPr id="191" name="Straight Connector 190">
+              <a:extLst>
+                <a:ext uri="{FF2B5EF4-FFF2-40B4-BE49-F238E27FC236}">
+                  <a16:creationId xmlns:a16="http://schemas.microsoft.com/office/drawing/2014/main" id="{71724676-4995-43BF-9E65-70E89E27B224}"/>
+                </a:ext>
+              </a:extLst>
+            </p:cNvPr>
+            <p:cNvCxnSpPr>
+              <a:cxnSpLocks/>
+              <a:stCxn id="119" idx="2"/>
+              <a:endCxn id="482" idx="0"/>
+            </p:cNvCxnSpPr>
+            <p:nvPr/>
+          </p:nvCxnSpPr>
+          <p:spPr>
+            <a:xfrm>
+              <a:off x="818293" y="2273111"/>
+              <a:ext cx="2001" cy="56719"/>
+            </a:xfrm>
+            <a:prstGeom prst="line">
+              <a:avLst/>
+            </a:prstGeom>
+            <a:ln w="9525">
+              <a:solidFill>
+                <a:schemeClr val="tx1"/>
+              </a:solidFill>
+            </a:ln>
+          </p:spPr>
+          <p:style>
+            <a:lnRef idx="1">
+              <a:schemeClr val="accent1"/>
+            </a:lnRef>
+            <a:fillRef idx="0">
+              <a:schemeClr val="accent1"/>
+            </a:fillRef>
+            <a:effectRef idx="0">
+              <a:schemeClr val="accent1"/>
+            </a:effectRef>
+            <a:fontRef idx="minor">
+              <a:schemeClr val="tx1"/>
+            </a:fontRef>
+          </p:style>
+        </p:cxnSp>
+        <p:cxnSp>
+          <p:nvCxnSpPr>
+            <p:cNvPr id="194" name="Straight Connector 193">
+              <a:extLst>
+                <a:ext uri="{FF2B5EF4-FFF2-40B4-BE49-F238E27FC236}">
+                  <a16:creationId xmlns:a16="http://schemas.microsoft.com/office/drawing/2014/main" id="{77108ECF-F926-4CCB-A028-4339C8026924}"/>
+                </a:ext>
+              </a:extLst>
+            </p:cNvPr>
+            <p:cNvCxnSpPr>
+              <a:cxnSpLocks/>
+              <a:stCxn id="119" idx="2"/>
+              <a:endCxn id="483" idx="0"/>
+            </p:cNvCxnSpPr>
+            <p:nvPr/>
+          </p:nvCxnSpPr>
+          <p:spPr>
+            <a:xfrm>
+              <a:off x="818293" y="2273111"/>
+              <a:ext cx="190827" cy="56821"/>
+            </a:xfrm>
+            <a:prstGeom prst="line">
+              <a:avLst/>
+            </a:prstGeom>
+            <a:ln w="9525">
+              <a:solidFill>
+                <a:schemeClr val="tx1"/>
+              </a:solidFill>
+            </a:ln>
+          </p:spPr>
+          <p:style>
+            <a:lnRef idx="1">
+              <a:schemeClr val="accent1"/>
+            </a:lnRef>
+            <a:fillRef idx="0">
+              <a:schemeClr val="accent1"/>
+            </a:fillRef>
+            <a:effectRef idx="0">
+              <a:schemeClr val="accent1"/>
+            </a:effectRef>
+            <a:fontRef idx="minor">
+              <a:schemeClr val="tx1"/>
+            </a:fontRef>
+          </p:style>
+        </p:cxnSp>
+        <p:cxnSp>
+          <p:nvCxnSpPr>
+            <p:cNvPr id="32" name="Connector: Curved 31">
+              <a:extLst>
+                <a:ext uri="{FF2B5EF4-FFF2-40B4-BE49-F238E27FC236}">
+                  <a16:creationId xmlns:a16="http://schemas.microsoft.com/office/drawing/2014/main" id="{D71FE086-BCE9-45F6-B193-770EDA281AED}"/>
+                </a:ext>
+              </a:extLst>
+            </p:cNvPr>
+            <p:cNvCxnSpPr>
+              <a:cxnSpLocks/>
+              <a:stCxn id="119" idx="3"/>
+              <a:endCxn id="109" idx="7"/>
+            </p:cNvCxnSpPr>
+            <p:nvPr/>
+          </p:nvCxnSpPr>
+          <p:spPr>
+            <a:xfrm flipV="1">
+              <a:off x="1266547" y="1294275"/>
+              <a:ext cx="613795" cy="870643"/>
+            </a:xfrm>
+            <a:prstGeom prst="curvedConnector3">
+              <a:avLst>
+                <a:gd name="adj1" fmla="val 78305"/>
+              </a:avLst>
+            </a:prstGeom>
+            <a:ln w="12700">
+              <a:solidFill>
+                <a:schemeClr val="accent2">
+                  <a:alpha val="60000"/>
+                </a:schemeClr>
+              </a:solidFill>
+              <a:tailEnd type="triangle"/>
+            </a:ln>
+          </p:spPr>
+          <p:style>
+            <a:lnRef idx="1">
+              <a:schemeClr val="accent1"/>
+            </a:lnRef>
+            <a:fillRef idx="0">
+              <a:schemeClr val="accent1"/>
+            </a:fillRef>
+            <a:effectRef idx="0">
+              <a:schemeClr val="accent1"/>
+            </a:effectRef>
+            <a:fontRef idx="minor">
+              <a:schemeClr val="tx1"/>
+            </a:fontRef>
+          </p:style>
+        </p:cxnSp>
       </p:grpSp>
     </p:spTree>
     <p:extLst>
@@ -18092,10 +23089,10 @@
       </p:grpSpPr>
       <p:pic>
         <p:nvPicPr>
-          <p:cNvPr id="3" name="Picture 2">
+          <p:cNvPr id="4" name="Picture 3">
             <a:extLst>
               <a:ext uri="{FF2B5EF4-FFF2-40B4-BE49-F238E27FC236}">
-                <a16:creationId xmlns:a16="http://schemas.microsoft.com/office/drawing/2014/main" id="{F403DEA9-E5E5-4BBD-A7C8-85146474615E}"/>
+                <a16:creationId xmlns:a16="http://schemas.microsoft.com/office/drawing/2014/main" id="{92828743-000B-4879-BAAD-0D9C1D878948}"/>
               </a:ext>
             </a:extLst>
           </p:cNvPr>
@@ -18104,7 +23101,7 @@
           </p:cNvPicPr>
           <p:nvPr/>
         </p:nvPicPr>
-        <p:blipFill>
+        <p:blipFill rotWithShape="1">
           <a:blip r:embed="rId2">
             <a:extLst>
               <a:ext uri="{28A0092B-C50C-407E-A947-70E740481C1C}">
@@ -18112,14 +23109,13 @@
               </a:ext>
             </a:extLst>
           </a:blip>
-          <a:stretch>
-            <a:fillRect/>
-          </a:stretch>
+          <a:srcRect l="8641" t="9958" r="10959" b="4808"/>
+          <a:stretch/>
         </p:blipFill>
         <p:spPr>
           <a:xfrm>
-            <a:off x="0" y="0"/>
-            <a:ext cx="3060700" cy="3060700"/>
+            <a:off x="114417" y="29307"/>
+            <a:ext cx="2831865" cy="3002085"/>
           </a:xfrm>
           <a:prstGeom prst="rect">
             <a:avLst/>
